--- a/presentation/project-presentation.pptx
+++ b/presentation/project-presentation.pptx
@@ -253,6 +253,51 @@
     </p:ext>
   </p:extLst>
 </p:presentation>
+</file>
+
+<file path=ppt/changesInfos/changesInfo1.xml><?xml version="1.0" encoding="utf-8"?>
+<pc:chgInfo xmlns:a="http://schemas.openxmlformats.org/drawingml/2006/main" xmlns:r="http://schemas.openxmlformats.org/officeDocument/2006/relationships" xmlns:ac="http://schemas.microsoft.com/office/drawing/2013/main/command" xmlns:pc="http://schemas.microsoft.com/office/powerpoint/2013/main/command">
+  <pc:docChgLst>
+    <pc:chgData name="Caroline Thomson" userId="f3b974a800997b41" providerId="LiveId" clId="{39C6DEE9-8BF3-4A69-824B-33A4C4CA2550}"/>
+    <pc:docChg chg="custSel modSld">
+      <pc:chgData name="Caroline Thomson" userId="f3b974a800997b41" providerId="LiveId" clId="{39C6DEE9-8BF3-4A69-824B-33A4C4CA2550}" dt="2022-07-23T00:45:15.101" v="83" actId="404"/>
+      <pc:docMkLst>
+        <pc:docMk/>
+      </pc:docMkLst>
+      <pc:sldChg chg="addSp delSp modSp mod">
+        <pc:chgData name="Caroline Thomson" userId="f3b974a800997b41" providerId="LiveId" clId="{39C6DEE9-8BF3-4A69-824B-33A4C4CA2550}" dt="2022-07-23T00:45:15.101" v="83" actId="404"/>
+        <pc:sldMkLst>
+          <pc:docMk/>
+          <pc:sldMk cId="0" sldId="256"/>
+        </pc:sldMkLst>
+        <pc:spChg chg="add mod">
+          <ac:chgData name="Caroline Thomson" userId="f3b974a800997b41" providerId="LiveId" clId="{39C6DEE9-8BF3-4A69-824B-33A4C4CA2550}" dt="2022-07-23T00:45:15.101" v="83" actId="404"/>
+          <ac:spMkLst>
+            <pc:docMk/>
+            <pc:sldMk cId="0" sldId="256"/>
+            <ac:spMk id="3" creationId="{5B4C2523-9D6A-E110-AB33-B63FF5D321AF}"/>
+          </ac:spMkLst>
+        </pc:spChg>
+        <pc:spChg chg="mod">
+          <ac:chgData name="Caroline Thomson" userId="f3b974a800997b41" providerId="LiveId" clId="{39C6DEE9-8BF3-4A69-824B-33A4C4CA2550}" dt="2022-07-23T00:44:47.018" v="11" actId="20577"/>
+          <ac:spMkLst>
+            <pc:docMk/>
+            <pc:sldMk cId="0" sldId="256"/>
+            <ac:spMk id="54" creationId="{00000000-0000-0000-0000-000000000000}"/>
+          </ac:spMkLst>
+        </pc:spChg>
+        <pc:spChg chg="del">
+          <ac:chgData name="Caroline Thomson" userId="f3b974a800997b41" providerId="LiveId" clId="{39C6DEE9-8BF3-4A69-824B-33A4C4CA2550}" dt="2022-07-23T00:44:42.089" v="0" actId="478"/>
+          <ac:spMkLst>
+            <pc:docMk/>
+            <pc:sldMk cId="0" sldId="256"/>
+            <ac:spMk id="55" creationId="{00000000-0000-0000-0000-000000000000}"/>
+          </ac:spMkLst>
+        </pc:spChg>
+      </pc:sldChg>
+    </pc:docChg>
+  </pc:docChgLst>
+</pc:chgInfo>
 </file>
 
 <file path=ppt/notesMasters/notesMaster1.xml><?xml version="1.0" encoding="utf-8"?>
@@ -725,8 +770,8 @@
         </p:nvSpPr>
         <p:spPr>
           <a:xfrm>
-            <a:off x="381300" y="685800"/>
-            <a:ext cx="6096075" cy="3429000"/>
+            <a:off x="381000" y="685800"/>
+            <a:ext cx="6096000" cy="3429000"/>
           </a:xfrm>
           <a:custGeom>
             <a:avLst/>
@@ -6225,71 +6270,45 @@
               <a:buNone/>
             </a:pPr>
             <a:r>
-              <a:rPr lang="en"/>
-              <a:t>Project Title</a:t>
+              <a:rPr lang="en" dirty="0"/>
+              <a:t>Movie Wiki?</a:t>
             </a:r>
-            <a:endParaRPr/>
+            <a:endParaRPr dirty="0"/>
           </a:p>
         </p:txBody>
       </p:sp>
       <p:sp>
         <p:nvSpPr>
-          <p:cNvPr id="55" name="Google Shape;55;p13"/>
-          <p:cNvSpPr txBox="1">
+          <p:cNvPr id="3" name="Subtitle 2">
+            <a:extLst>
+              <a:ext uri="{FF2B5EF4-FFF2-40B4-BE49-F238E27FC236}">
+                <a16:creationId xmlns:a16="http://schemas.microsoft.com/office/drawing/2014/main" id="{5B4C2523-9D6A-E110-AB33-B63FF5D321AF}"/>
+              </a:ext>
+            </a:extLst>
+          </p:cNvPr>
+          <p:cNvSpPr>
             <a:spLocks noGrp="1"/>
           </p:cNvSpPr>
           <p:nvPr>
             <p:ph type="subTitle" idx="1"/>
           </p:nvPr>
         </p:nvSpPr>
-        <p:spPr>
-          <a:xfrm>
-            <a:off x="311700" y="2834125"/>
-            <a:ext cx="8520600" cy="792600"/>
-          </a:xfrm>
-          <a:prstGeom prst="rect">
-            <a:avLst/>
-          </a:prstGeom>
-        </p:spPr>
+        <p:spPr/>
         <p:txBody>
-          <a:bodyPr spcFirstLastPara="1" wrap="square" lIns="91425" tIns="91425" rIns="91425" bIns="91425" anchor="t" anchorCtr="0">
-            <a:noAutofit/>
-          </a:bodyPr>
+          <a:bodyPr/>
           <a:lstStyle/>
           <a:p>
-            <a:pPr marL="0" lvl="0" indent="0" algn="ctr" rtl="0">
-              <a:spcBef>
-                <a:spcPts val="0"/>
-              </a:spcBef>
-              <a:spcAft>
-                <a:spcPts val="0"/>
-              </a:spcAft>
-              <a:buNone/>
-            </a:pPr>
             <a:r>
-              <a:rPr lang="en">
-                <a:solidFill>
-                  <a:srgbClr val="FFFFFF"/>
-                </a:solidFill>
-                <a:highlight>
-                  <a:srgbClr val="FF0000"/>
-                </a:highlight>
-              </a:rPr>
-              <a:t>MAKE A COPY!</a:t>
+              <a:rPr lang="en-AU" sz="2000" dirty="0"/>
+              <a:t>A Group Production by</a:t>
             </a:r>
+            <a:br>
+              <a:rPr lang="en-AU" sz="2000" dirty="0"/>
+            </a:br>
             <a:r>
-              <a:rPr lang="en">
-                <a:highlight>
-                  <a:srgbClr val="FFFF00"/>
-                </a:highlight>
-              </a:rPr>
-              <a:t> DO NOT REQUEST EDIT ACCESS</a:t>
+              <a:rPr lang="en-AU" sz="2000" dirty="0"/>
+              <a:t>Ben, Roman, Caroline &amp; Chamath</a:t>
             </a:r>
-            <a:endParaRPr>
-              <a:highlight>
-                <a:srgbClr val="FFFF00"/>
-              </a:highlight>
-            </a:endParaRPr>
           </a:p>
         </p:txBody>
       </p:sp>

--- a/presentation/project-presentation.pptx
+++ b/presentation/project-presentation.pptx
@@ -10,11 +10,11 @@
   <p:sldIdLst>
     <p:sldId id="256" r:id="rId2"/>
     <p:sldId id="257" r:id="rId3"/>
-    <p:sldId id="258" r:id="rId4"/>
-    <p:sldId id="259" r:id="rId5"/>
-    <p:sldId id="260" r:id="rId6"/>
-    <p:sldId id="261" r:id="rId7"/>
-    <p:sldId id="262" r:id="rId8"/>
+    <p:sldId id="263" r:id="rId4"/>
+    <p:sldId id="264" r:id="rId5"/>
+    <p:sldId id="265" r:id="rId6"/>
+    <p:sldId id="266" r:id="rId7"/>
+    <p:sldId id="267" r:id="rId8"/>
   </p:sldIdLst>
   <p:sldSz cx="9144000" cy="5143500" type="screen16x9"/>
   <p:notesSz cx="6858000" cy="9144000"/>
@@ -255,31 +255,55 @@
 </p:presentation>
 </file>
 
+<file path=ppt/revisionInfo.xml><?xml version="1.0" encoding="utf-8"?>
+<p1510:revInfo xmlns:a="http://schemas.openxmlformats.org/drawingml/2006/main" xmlns:r="http://schemas.openxmlformats.org/officeDocument/2006/relationships" xmlns:p1510="http://schemas.microsoft.com/office/powerpoint/2015/10/main">
+  <p1510:revLst>
+    <p1510:client id="{39C6DEE9-8BF3-4A69-824B-33A4C4CA2550}" v="4524" dt="2022-07-25T02:54:55.397"/>
+  </p1510:revLst>
+</p1510:revInfo>
+</file>
+
 <file path=ppt/changesInfos/changesInfo1.xml><?xml version="1.0" encoding="utf-8"?>
 <pc:chgInfo xmlns:a="http://schemas.openxmlformats.org/drawingml/2006/main" xmlns:r="http://schemas.openxmlformats.org/officeDocument/2006/relationships" xmlns:ac="http://schemas.microsoft.com/office/drawing/2013/main/command" xmlns:pc="http://schemas.microsoft.com/office/powerpoint/2013/main/command">
   <pc:docChgLst>
     <pc:chgData name="Caroline Thomson" userId="f3b974a800997b41" providerId="LiveId" clId="{39C6DEE9-8BF3-4A69-824B-33A4C4CA2550}"/>
-    <pc:docChg chg="custSel modSld">
-      <pc:chgData name="Caroline Thomson" userId="f3b974a800997b41" providerId="LiveId" clId="{39C6DEE9-8BF3-4A69-824B-33A4C4CA2550}" dt="2022-07-23T00:45:15.101" v="83" actId="404"/>
+    <pc:docChg chg="undo custSel addSld delSld modSld sldOrd">
+      <pc:chgData name="Caroline Thomson" userId="f3b974a800997b41" providerId="LiveId" clId="{39C6DEE9-8BF3-4A69-824B-33A4C4CA2550}" dt="2022-07-25T02:54:55.397" v="7158" actId="20577"/>
       <pc:docMkLst>
         <pc:docMk/>
       </pc:docMkLst>
-      <pc:sldChg chg="addSp delSp modSp mod">
-        <pc:chgData name="Caroline Thomson" userId="f3b974a800997b41" providerId="LiveId" clId="{39C6DEE9-8BF3-4A69-824B-33A4C4CA2550}" dt="2022-07-23T00:45:15.101" v="83" actId="404"/>
+      <pc:sldChg chg="addSp delSp modSp mod modTransition setBg">
+        <pc:chgData name="Caroline Thomson" userId="f3b974a800997b41" providerId="LiveId" clId="{39C6DEE9-8BF3-4A69-824B-33A4C4CA2550}" dt="2022-07-25T02:06:25.540" v="4418" actId="404"/>
         <pc:sldMkLst>
           <pc:docMk/>
           <pc:sldMk cId="0" sldId="256"/>
         </pc:sldMkLst>
         <pc:spChg chg="add mod">
-          <ac:chgData name="Caroline Thomson" userId="f3b974a800997b41" providerId="LiveId" clId="{39C6DEE9-8BF3-4A69-824B-33A4C4CA2550}" dt="2022-07-23T00:45:15.101" v="83" actId="404"/>
+          <ac:chgData name="Caroline Thomson" userId="f3b974a800997b41" providerId="LiveId" clId="{39C6DEE9-8BF3-4A69-824B-33A4C4CA2550}" dt="2022-07-25T02:06:25.540" v="4418" actId="404"/>
           <ac:spMkLst>
             <pc:docMk/>
             <pc:sldMk cId="0" sldId="256"/>
             <ac:spMk id="3" creationId="{5B4C2523-9D6A-E110-AB33-B63FF5D321AF}"/>
           </ac:spMkLst>
         </pc:spChg>
-        <pc:spChg chg="mod">
-          <ac:chgData name="Caroline Thomson" userId="f3b974a800997b41" providerId="LiveId" clId="{39C6DEE9-8BF3-4A69-824B-33A4C4CA2550}" dt="2022-07-23T00:44:47.018" v="11" actId="20577"/>
+        <pc:spChg chg="add del mod">
+          <ac:chgData name="Caroline Thomson" userId="f3b974a800997b41" providerId="LiveId" clId="{39C6DEE9-8BF3-4A69-824B-33A4C4CA2550}" dt="2022-07-25T00:08:04.051" v="107" actId="478"/>
+          <ac:spMkLst>
+            <pc:docMk/>
+            <pc:sldMk cId="0" sldId="256"/>
+            <ac:spMk id="6" creationId="{6E55F56A-7626-AAF1-4FB2-FC849DA2BF5F}"/>
+          </ac:spMkLst>
+        </pc:spChg>
+        <pc:spChg chg="add del mod">
+          <ac:chgData name="Caroline Thomson" userId="f3b974a800997b41" providerId="LiveId" clId="{39C6DEE9-8BF3-4A69-824B-33A4C4CA2550}" dt="2022-07-25T00:09:35.177" v="123" actId="478"/>
+          <ac:spMkLst>
+            <pc:docMk/>
+            <pc:sldMk cId="0" sldId="256"/>
+            <ac:spMk id="7" creationId="{B4542816-2B14-A898-1A93-FD2ADA210AAB}"/>
+          </ac:spMkLst>
+        </pc:spChg>
+        <pc:spChg chg="del mod">
+          <ac:chgData name="Caroline Thomson" userId="f3b974a800997b41" providerId="LiveId" clId="{39C6DEE9-8BF3-4A69-824B-33A4C4CA2550}" dt="2022-07-25T00:08:01.063" v="106" actId="478"/>
           <ac:spMkLst>
             <pc:docMk/>
             <pc:sldMk cId="0" sldId="256"/>
@@ -294,7 +318,424 @@
             <ac:spMk id="55" creationId="{00000000-0000-0000-0000-000000000000}"/>
           </ac:spMkLst>
         </pc:spChg>
+        <pc:picChg chg="add mod modCrop">
+          <ac:chgData name="Caroline Thomson" userId="f3b974a800997b41" providerId="LiveId" clId="{39C6DEE9-8BF3-4A69-824B-33A4C4CA2550}" dt="2022-07-25T00:47:30.987" v="2092" actId="1038"/>
+          <ac:picMkLst>
+            <pc:docMk/>
+            <pc:sldMk cId="0" sldId="256"/>
+            <ac:picMk id="4" creationId="{69E97133-8120-B9D3-0267-8DA246688918}"/>
+          </ac:picMkLst>
+        </pc:picChg>
+        <pc:picChg chg="add del mod">
+          <ac:chgData name="Caroline Thomson" userId="f3b974a800997b41" providerId="LiveId" clId="{39C6DEE9-8BF3-4A69-824B-33A4C4CA2550}" dt="2022-07-25T00:28:15.346" v="1361" actId="478"/>
+          <ac:picMkLst>
+            <pc:docMk/>
+            <pc:sldMk cId="0" sldId="256"/>
+            <ac:picMk id="1026" creationId="{6272CD36-C304-65C2-B23D-FCD6E268E7D4}"/>
+          </ac:picMkLst>
+        </pc:picChg>
       </pc:sldChg>
+      <pc:sldChg chg="addSp delSp modSp mod modTransition setBg modAnim">
+        <pc:chgData name="Caroline Thomson" userId="f3b974a800997b41" providerId="LiveId" clId="{39C6DEE9-8BF3-4A69-824B-33A4C4CA2550}" dt="2022-07-25T00:58:20.655" v="2167"/>
+        <pc:sldMkLst>
+          <pc:docMk/>
+          <pc:sldMk cId="0" sldId="257"/>
+        </pc:sldMkLst>
+        <pc:spChg chg="mod">
+          <ac:chgData name="Caroline Thomson" userId="f3b974a800997b41" providerId="LiveId" clId="{39C6DEE9-8BF3-4A69-824B-33A4C4CA2550}" dt="2022-07-25T00:45:23.776" v="2013" actId="20577"/>
+          <ac:spMkLst>
+            <pc:docMk/>
+            <pc:sldMk cId="0" sldId="257"/>
+            <ac:spMk id="2" creationId="{A5D31B44-4EC0-CF2F-BBE8-BDE79BBF3FBF}"/>
+          </ac:spMkLst>
+        </pc:spChg>
+        <pc:spChg chg="add mod">
+          <ac:chgData name="Caroline Thomson" userId="f3b974a800997b41" providerId="LiveId" clId="{39C6DEE9-8BF3-4A69-824B-33A4C4CA2550}" dt="2022-07-25T00:13:51.397" v="187" actId="14100"/>
+          <ac:spMkLst>
+            <pc:docMk/>
+            <pc:sldMk cId="0" sldId="257"/>
+            <ac:spMk id="4" creationId="{2DD778C7-57A3-DA8A-91BB-1D2FA9A6E3C3}"/>
+          </ac:spMkLst>
+        </pc:spChg>
+        <pc:spChg chg="add del mod">
+          <ac:chgData name="Caroline Thomson" userId="f3b974a800997b41" providerId="LiveId" clId="{39C6DEE9-8BF3-4A69-824B-33A4C4CA2550}" dt="2022-07-25T00:13:42.516" v="185" actId="478"/>
+          <ac:spMkLst>
+            <pc:docMk/>
+            <pc:sldMk cId="0" sldId="257"/>
+            <ac:spMk id="5" creationId="{EC39C7BE-38CE-39D1-A73C-E581E4A9B5EF}"/>
+          </ac:spMkLst>
+        </pc:spChg>
+        <pc:spChg chg="del mod">
+          <ac:chgData name="Caroline Thomson" userId="f3b974a800997b41" providerId="LiveId" clId="{39C6DEE9-8BF3-4A69-824B-33A4C4CA2550}" dt="2022-07-25T00:13:34.693" v="184" actId="478"/>
+          <ac:spMkLst>
+            <pc:docMk/>
+            <pc:sldMk cId="0" sldId="257"/>
+            <ac:spMk id="60" creationId="{00000000-0000-0000-0000-000000000000}"/>
+          </ac:spMkLst>
+        </pc:spChg>
+        <pc:picChg chg="add mod ord modCrop">
+          <ac:chgData name="Caroline Thomson" userId="f3b974a800997b41" providerId="LiveId" clId="{39C6DEE9-8BF3-4A69-824B-33A4C4CA2550}" dt="2022-07-25T00:31:54.423" v="1500" actId="732"/>
+          <ac:picMkLst>
+            <pc:docMk/>
+            <pc:sldMk cId="0" sldId="257"/>
+            <ac:picMk id="7" creationId="{A072F4CE-038B-BD31-F4DA-EC749C6A4145}"/>
+          </ac:picMkLst>
+        </pc:picChg>
+      </pc:sldChg>
+      <pc:sldChg chg="modSp del mod setBg">
+        <pc:chgData name="Caroline Thomson" userId="f3b974a800997b41" providerId="LiveId" clId="{39C6DEE9-8BF3-4A69-824B-33A4C4CA2550}" dt="2022-07-25T00:33:51.221" v="1550" actId="2696"/>
+        <pc:sldMkLst>
+          <pc:docMk/>
+          <pc:sldMk cId="0" sldId="258"/>
+        </pc:sldMkLst>
+        <pc:spChg chg="mod">
+          <ac:chgData name="Caroline Thomson" userId="f3b974a800997b41" providerId="LiveId" clId="{39C6DEE9-8BF3-4A69-824B-33A4C4CA2550}" dt="2022-07-25T00:11:16.396" v="144" actId="207"/>
+          <ac:spMkLst>
+            <pc:docMk/>
+            <pc:sldMk cId="0" sldId="258"/>
+            <ac:spMk id="65" creationId="{00000000-0000-0000-0000-000000000000}"/>
+          </ac:spMkLst>
+        </pc:spChg>
+        <pc:spChg chg="mod">
+          <ac:chgData name="Caroline Thomson" userId="f3b974a800997b41" providerId="LiveId" clId="{39C6DEE9-8BF3-4A69-824B-33A4C4CA2550}" dt="2022-07-25T00:11:16.396" v="144" actId="207"/>
+          <ac:spMkLst>
+            <pc:docMk/>
+            <pc:sldMk cId="0" sldId="258"/>
+            <ac:spMk id="66" creationId="{00000000-0000-0000-0000-000000000000}"/>
+          </ac:spMkLst>
+        </pc:spChg>
+      </pc:sldChg>
+      <pc:sldChg chg="modSp del mod setBg">
+        <pc:chgData name="Caroline Thomson" userId="f3b974a800997b41" providerId="LiveId" clId="{39C6DEE9-8BF3-4A69-824B-33A4C4CA2550}" dt="2022-07-25T00:37:49.397" v="1675" actId="2696"/>
+        <pc:sldMkLst>
+          <pc:docMk/>
+          <pc:sldMk cId="0" sldId="259"/>
+        </pc:sldMkLst>
+        <pc:spChg chg="mod">
+          <ac:chgData name="Caroline Thomson" userId="f3b974a800997b41" providerId="LiveId" clId="{39C6DEE9-8BF3-4A69-824B-33A4C4CA2550}" dt="2022-07-25T00:11:21.573" v="145" actId="207"/>
+          <ac:spMkLst>
+            <pc:docMk/>
+            <pc:sldMk cId="0" sldId="259"/>
+            <ac:spMk id="71" creationId="{00000000-0000-0000-0000-000000000000}"/>
+          </ac:spMkLst>
+        </pc:spChg>
+        <pc:spChg chg="mod">
+          <ac:chgData name="Caroline Thomson" userId="f3b974a800997b41" providerId="LiveId" clId="{39C6DEE9-8BF3-4A69-824B-33A4C4CA2550}" dt="2022-07-25T00:11:21.573" v="145" actId="207"/>
+          <ac:spMkLst>
+            <pc:docMk/>
+            <pc:sldMk cId="0" sldId="259"/>
+            <ac:spMk id="72" creationId="{00000000-0000-0000-0000-000000000000}"/>
+          </ac:spMkLst>
+        </pc:spChg>
+      </pc:sldChg>
+      <pc:sldChg chg="modSp del mod setBg modNotes">
+        <pc:chgData name="Caroline Thomson" userId="f3b974a800997b41" providerId="LiveId" clId="{39C6DEE9-8BF3-4A69-824B-33A4C4CA2550}" dt="2022-07-25T00:39:48.485" v="1724" actId="2696"/>
+        <pc:sldMkLst>
+          <pc:docMk/>
+          <pc:sldMk cId="0" sldId="260"/>
+        </pc:sldMkLst>
+        <pc:spChg chg="mod">
+          <ac:chgData name="Caroline Thomson" userId="f3b974a800997b41" providerId="LiveId" clId="{39C6DEE9-8BF3-4A69-824B-33A4C4CA2550}" dt="2022-07-25T00:11:25.350" v="146" actId="207"/>
+          <ac:spMkLst>
+            <pc:docMk/>
+            <pc:sldMk cId="0" sldId="260"/>
+            <ac:spMk id="77" creationId="{00000000-0000-0000-0000-000000000000}"/>
+          </ac:spMkLst>
+        </pc:spChg>
+      </pc:sldChg>
+      <pc:sldChg chg="modSp del mod setBg modNotes">
+        <pc:chgData name="Caroline Thomson" userId="f3b974a800997b41" providerId="LiveId" clId="{39C6DEE9-8BF3-4A69-824B-33A4C4CA2550}" dt="2022-07-25T00:40:50.306" v="1837" actId="2696"/>
+        <pc:sldMkLst>
+          <pc:docMk/>
+          <pc:sldMk cId="0" sldId="261"/>
+        </pc:sldMkLst>
+        <pc:spChg chg="mod">
+          <ac:chgData name="Caroline Thomson" userId="f3b974a800997b41" providerId="LiveId" clId="{39C6DEE9-8BF3-4A69-824B-33A4C4CA2550}" dt="2022-07-25T00:11:30.433" v="147" actId="207"/>
+          <ac:spMkLst>
+            <pc:docMk/>
+            <pc:sldMk cId="0" sldId="261"/>
+            <ac:spMk id="82" creationId="{00000000-0000-0000-0000-000000000000}"/>
+          </ac:spMkLst>
+        </pc:spChg>
+        <pc:spChg chg="mod">
+          <ac:chgData name="Caroline Thomson" userId="f3b974a800997b41" providerId="LiveId" clId="{39C6DEE9-8BF3-4A69-824B-33A4C4CA2550}" dt="2022-07-25T00:11:30.433" v="147" actId="207"/>
+          <ac:spMkLst>
+            <pc:docMk/>
+            <pc:sldMk cId="0" sldId="261"/>
+            <ac:spMk id="83" creationId="{00000000-0000-0000-0000-000000000000}"/>
+          </ac:spMkLst>
+        </pc:spChg>
+      </pc:sldChg>
+      <pc:sldChg chg="modSp del mod setBg modNotes">
+        <pc:chgData name="Caroline Thomson" userId="f3b974a800997b41" providerId="LiveId" clId="{39C6DEE9-8BF3-4A69-824B-33A4C4CA2550}" dt="2022-07-25T00:44:07.206" v="2009" actId="2696"/>
+        <pc:sldMkLst>
+          <pc:docMk/>
+          <pc:sldMk cId="0" sldId="262"/>
+        </pc:sldMkLst>
+        <pc:spChg chg="mod">
+          <ac:chgData name="Caroline Thomson" userId="f3b974a800997b41" providerId="LiveId" clId="{39C6DEE9-8BF3-4A69-824B-33A4C4CA2550}" dt="2022-07-25T00:11:35.254" v="148" actId="207"/>
+          <ac:spMkLst>
+            <pc:docMk/>
+            <pc:sldMk cId="0" sldId="262"/>
+            <ac:spMk id="88" creationId="{00000000-0000-0000-0000-000000000000}"/>
+          </ac:spMkLst>
+        </pc:spChg>
+        <pc:spChg chg="mod">
+          <ac:chgData name="Caroline Thomson" userId="f3b974a800997b41" providerId="LiveId" clId="{39C6DEE9-8BF3-4A69-824B-33A4C4CA2550}" dt="2022-07-25T00:11:35.254" v="148" actId="207"/>
+          <ac:spMkLst>
+            <pc:docMk/>
+            <pc:sldMk cId="0" sldId="262"/>
+            <ac:spMk id="89" creationId="{00000000-0000-0000-0000-000000000000}"/>
+          </ac:spMkLst>
+        </pc:spChg>
+      </pc:sldChg>
+      <pc:sldChg chg="addSp delSp modSp mod modTransition delAnim modAnim">
+        <pc:chgData name="Caroline Thomson" userId="f3b974a800997b41" providerId="LiveId" clId="{39C6DEE9-8BF3-4A69-824B-33A4C4CA2550}" dt="2022-07-25T02:38:34.693" v="6447" actId="20577"/>
+        <pc:sldMkLst>
+          <pc:docMk/>
+          <pc:sldMk cId="1060413450" sldId="263"/>
+        </pc:sldMkLst>
+        <pc:spChg chg="del mod">
+          <ac:chgData name="Caroline Thomson" userId="f3b974a800997b41" providerId="LiveId" clId="{39C6DEE9-8BF3-4A69-824B-33A4C4CA2550}" dt="2022-07-25T02:12:31.569" v="4531" actId="478"/>
+          <ac:spMkLst>
+            <pc:docMk/>
+            <pc:sldMk cId="1060413450" sldId="263"/>
+            <ac:spMk id="2" creationId="{A5D31B44-4EC0-CF2F-BBE8-BDE79BBF3FBF}"/>
+          </ac:spMkLst>
+        </pc:spChg>
+        <pc:spChg chg="mod">
+          <ac:chgData name="Caroline Thomson" userId="f3b974a800997b41" providerId="LiveId" clId="{39C6DEE9-8BF3-4A69-824B-33A4C4CA2550}" dt="2022-07-25T02:26:05.412" v="6107" actId="1076"/>
+          <ac:spMkLst>
+            <pc:docMk/>
+            <pc:sldMk cId="1060413450" sldId="263"/>
+            <ac:spMk id="4" creationId="{2DD778C7-57A3-DA8A-91BB-1D2FA9A6E3C3}"/>
+          </ac:spMkLst>
+        </pc:spChg>
+        <pc:spChg chg="add mod">
+          <ac:chgData name="Caroline Thomson" userId="f3b974a800997b41" providerId="LiveId" clId="{39C6DEE9-8BF3-4A69-824B-33A4C4CA2550}" dt="2022-07-25T02:26:18.977" v="6109" actId="1076"/>
+          <ac:spMkLst>
+            <pc:docMk/>
+            <pc:sldMk cId="1060413450" sldId="263"/>
+            <ac:spMk id="5" creationId="{F122FE3E-1110-25B7-45E4-B570EE8EE82C}"/>
+          </ac:spMkLst>
+        </pc:spChg>
+        <pc:spChg chg="add mod">
+          <ac:chgData name="Caroline Thomson" userId="f3b974a800997b41" providerId="LiveId" clId="{39C6DEE9-8BF3-4A69-824B-33A4C4CA2550}" dt="2022-07-25T02:38:34.693" v="6447" actId="20577"/>
+          <ac:spMkLst>
+            <pc:docMk/>
+            <pc:sldMk cId="1060413450" sldId="263"/>
+            <ac:spMk id="6" creationId="{6F162EA3-09BE-DBC9-DD92-8315B325DE27}"/>
+          </ac:spMkLst>
+        </pc:spChg>
+        <pc:spChg chg="add mod">
+          <ac:chgData name="Caroline Thomson" userId="f3b974a800997b41" providerId="LiveId" clId="{39C6DEE9-8BF3-4A69-824B-33A4C4CA2550}" dt="2022-07-25T02:35:04.627" v="6354" actId="20577"/>
+          <ac:spMkLst>
+            <pc:docMk/>
+            <pc:sldMk cId="1060413450" sldId="263"/>
+            <ac:spMk id="8" creationId="{A79C7035-F07F-C5FD-DF4D-3EFEDA5DABFB}"/>
+          </ac:spMkLst>
+        </pc:spChg>
+        <pc:picChg chg="mod modCrop">
+          <ac:chgData name="Caroline Thomson" userId="f3b974a800997b41" providerId="LiveId" clId="{39C6DEE9-8BF3-4A69-824B-33A4C4CA2550}" dt="2022-07-25T02:26:13.885" v="6108" actId="732"/>
+          <ac:picMkLst>
+            <pc:docMk/>
+            <pc:sldMk cId="1060413450" sldId="263"/>
+            <ac:picMk id="7" creationId="{A072F4CE-038B-BD31-F4DA-EC749C6A4145}"/>
+          </ac:picMkLst>
+        </pc:picChg>
+      </pc:sldChg>
+      <pc:sldChg chg="modSp del mod">
+        <pc:chgData name="Caroline Thomson" userId="f3b974a800997b41" providerId="LiveId" clId="{39C6DEE9-8BF3-4A69-824B-33A4C4CA2550}" dt="2022-07-25T00:32:23.442" v="1502" actId="2696"/>
+        <pc:sldMkLst>
+          <pc:docMk/>
+          <pc:sldMk cId="1618785362" sldId="263"/>
+        </pc:sldMkLst>
+        <pc:spChg chg="mod">
+          <ac:chgData name="Caroline Thomson" userId="f3b974a800997b41" providerId="LiveId" clId="{39C6DEE9-8BF3-4A69-824B-33A4C4CA2550}" dt="2022-07-25T00:26:06.512" v="1286" actId="20577"/>
+          <ac:spMkLst>
+            <pc:docMk/>
+            <pc:sldMk cId="1618785362" sldId="263"/>
+            <ac:spMk id="4" creationId="{2DD778C7-57A3-DA8A-91BB-1D2FA9A6E3C3}"/>
+          </ac:spMkLst>
+        </pc:spChg>
+      </pc:sldChg>
+      <pc:sldChg chg="add del setBg">
+        <pc:chgData name="Caroline Thomson" userId="f3b974a800997b41" providerId="LiveId" clId="{39C6DEE9-8BF3-4A69-824B-33A4C4CA2550}" dt="2022-07-25T00:32:35.958" v="1504"/>
+        <pc:sldMkLst>
+          <pc:docMk/>
+          <pc:sldMk cId="3923029015" sldId="263"/>
+        </pc:sldMkLst>
+      </pc:sldChg>
+      <pc:sldChg chg="addSp delSp modSp mod modTransition modAnim">
+        <pc:chgData name="Caroline Thomson" userId="f3b974a800997b41" providerId="LiveId" clId="{39C6DEE9-8BF3-4A69-824B-33A4C4CA2550}" dt="2022-07-25T02:54:55.397" v="7158" actId="20577"/>
+        <pc:sldMkLst>
+          <pc:docMk/>
+          <pc:sldMk cId="1056983170" sldId="264"/>
+        </pc:sldMkLst>
+        <pc:spChg chg="del">
+          <ac:chgData name="Caroline Thomson" userId="f3b974a800997b41" providerId="LiveId" clId="{39C6DEE9-8BF3-4A69-824B-33A4C4CA2550}" dt="2022-07-25T00:35:20.408" v="1573" actId="478"/>
+          <ac:spMkLst>
+            <pc:docMk/>
+            <pc:sldMk cId="1056983170" sldId="264"/>
+            <ac:spMk id="2" creationId="{A5D31B44-4EC0-CF2F-BBE8-BDE79BBF3FBF}"/>
+          </ac:spMkLst>
+        </pc:spChg>
+        <pc:spChg chg="mod">
+          <ac:chgData name="Caroline Thomson" userId="f3b974a800997b41" providerId="LiveId" clId="{39C6DEE9-8BF3-4A69-824B-33A4C4CA2550}" dt="2022-07-25T01:21:21.110" v="4153" actId="1035"/>
+          <ac:spMkLst>
+            <pc:docMk/>
+            <pc:sldMk cId="1056983170" sldId="264"/>
+            <ac:spMk id="4" creationId="{2DD778C7-57A3-DA8A-91BB-1D2FA9A6E3C3}"/>
+          </ac:spMkLst>
+        </pc:spChg>
+        <pc:spChg chg="add mod">
+          <ac:chgData name="Caroline Thomson" userId="f3b974a800997b41" providerId="LiveId" clId="{39C6DEE9-8BF3-4A69-824B-33A4C4CA2550}" dt="2022-07-25T02:53:49.442" v="7122" actId="1035"/>
+          <ac:spMkLst>
+            <pc:docMk/>
+            <pc:sldMk cId="1056983170" sldId="264"/>
+            <ac:spMk id="5" creationId="{0D37928C-3DD0-560D-8F46-52CECC6B1735}"/>
+          </ac:spMkLst>
+        </pc:spChg>
+        <pc:spChg chg="add mod">
+          <ac:chgData name="Caroline Thomson" userId="f3b974a800997b41" providerId="LiveId" clId="{39C6DEE9-8BF3-4A69-824B-33A4C4CA2550}" dt="2022-07-25T02:54:11.744" v="7152" actId="20577"/>
+          <ac:spMkLst>
+            <pc:docMk/>
+            <pc:sldMk cId="1056983170" sldId="264"/>
+            <ac:spMk id="6" creationId="{54321934-ABC0-59C1-F4AA-2C97495107AC}"/>
+          </ac:spMkLst>
+        </pc:spChg>
+        <pc:spChg chg="add mod">
+          <ac:chgData name="Caroline Thomson" userId="f3b974a800997b41" providerId="LiveId" clId="{39C6DEE9-8BF3-4A69-824B-33A4C4CA2550}" dt="2022-07-25T02:54:55.397" v="7158" actId="20577"/>
+          <ac:spMkLst>
+            <pc:docMk/>
+            <pc:sldMk cId="1056983170" sldId="264"/>
+            <ac:spMk id="8" creationId="{A6640B9F-661F-B410-B970-FEE2423F2FFD}"/>
+          </ac:spMkLst>
+        </pc:spChg>
+        <pc:spChg chg="add mod">
+          <ac:chgData name="Caroline Thomson" userId="f3b974a800997b41" providerId="LiveId" clId="{39C6DEE9-8BF3-4A69-824B-33A4C4CA2550}" dt="2022-07-25T02:44:42.997" v="6799" actId="1036"/>
+          <ac:spMkLst>
+            <pc:docMk/>
+            <pc:sldMk cId="1056983170" sldId="264"/>
+            <ac:spMk id="9" creationId="{34ED5350-6CED-621B-2C74-A286CCA0FF28}"/>
+          </ac:spMkLst>
+        </pc:spChg>
+        <pc:picChg chg="mod modCrop">
+          <ac:chgData name="Caroline Thomson" userId="f3b974a800997b41" providerId="LiveId" clId="{39C6DEE9-8BF3-4A69-824B-33A4C4CA2550}" dt="2022-07-25T01:21:26.783" v="4154" actId="732"/>
+          <ac:picMkLst>
+            <pc:docMk/>
+            <pc:sldMk cId="1056983170" sldId="264"/>
+            <ac:picMk id="7" creationId="{A072F4CE-038B-BD31-F4DA-EC749C6A4145}"/>
+          </ac:picMkLst>
+        </pc:picChg>
+      </pc:sldChg>
+      <pc:sldChg chg="add del setBg">
+        <pc:chgData name="Caroline Thomson" userId="f3b974a800997b41" providerId="LiveId" clId="{39C6DEE9-8BF3-4A69-824B-33A4C4CA2550}" dt="2022-07-25T00:35:00.494" v="1565" actId="2696"/>
+        <pc:sldMkLst>
+          <pc:docMk/>
+          <pc:sldMk cId="1561607048" sldId="264"/>
+        </pc:sldMkLst>
+      </pc:sldChg>
+      <pc:sldChg chg="delSp modSp mod modTransition modAnim">
+        <pc:chgData name="Caroline Thomson" userId="f3b974a800997b41" providerId="LiveId" clId="{39C6DEE9-8BF3-4A69-824B-33A4C4CA2550}" dt="2022-07-25T00:56:38.708" v="2156"/>
+        <pc:sldMkLst>
+          <pc:docMk/>
+          <pc:sldMk cId="2390567590" sldId="265"/>
+        </pc:sldMkLst>
+        <pc:spChg chg="mod">
+          <ac:chgData name="Caroline Thomson" userId="f3b974a800997b41" providerId="LiveId" clId="{39C6DEE9-8BF3-4A69-824B-33A4C4CA2550}" dt="2022-07-25T00:39:41.028" v="1723" actId="1076"/>
+          <ac:spMkLst>
+            <pc:docMk/>
+            <pc:sldMk cId="2390567590" sldId="265"/>
+            <ac:spMk id="4" creationId="{2DD778C7-57A3-DA8A-91BB-1D2FA9A6E3C3}"/>
+          </ac:spMkLst>
+        </pc:spChg>
+        <pc:spChg chg="del">
+          <ac:chgData name="Caroline Thomson" userId="f3b974a800997b41" providerId="LiveId" clId="{39C6DEE9-8BF3-4A69-824B-33A4C4CA2550}" dt="2022-07-25T00:38:14.711" v="1676" actId="478"/>
+          <ac:spMkLst>
+            <pc:docMk/>
+            <pc:sldMk cId="2390567590" sldId="265"/>
+            <ac:spMk id="5" creationId="{0D37928C-3DD0-560D-8F46-52CECC6B1735}"/>
+          </ac:spMkLst>
+        </pc:spChg>
+        <pc:picChg chg="mod modCrop">
+          <ac:chgData name="Caroline Thomson" userId="f3b974a800997b41" providerId="LiveId" clId="{39C6DEE9-8BF3-4A69-824B-33A4C4CA2550}" dt="2022-07-25T00:47:01.074" v="2091" actId="732"/>
+          <ac:picMkLst>
+            <pc:docMk/>
+            <pc:sldMk cId="2390567590" sldId="265"/>
+            <ac:picMk id="7" creationId="{A072F4CE-038B-BD31-F4DA-EC749C6A4145}"/>
+          </ac:picMkLst>
+        </pc:picChg>
+      </pc:sldChg>
+      <pc:sldChg chg="addSp delSp modSp add mod ord modTransition modAnim">
+        <pc:chgData name="Caroline Thomson" userId="f3b974a800997b41" providerId="LiveId" clId="{39C6DEE9-8BF3-4A69-824B-33A4C4CA2550}" dt="2022-07-25T02:36:09.090" v="6404" actId="20577"/>
+        <pc:sldMkLst>
+          <pc:docMk/>
+          <pc:sldMk cId="2260805349" sldId="266"/>
+        </pc:sldMkLst>
+        <pc:spChg chg="add del mod">
+          <ac:chgData name="Caroline Thomson" userId="f3b974a800997b41" providerId="LiveId" clId="{39C6DEE9-8BF3-4A69-824B-33A4C4CA2550}" dt="2022-07-25T02:36:09.090" v="6404" actId="20577"/>
+          <ac:spMkLst>
+            <pc:docMk/>
+            <pc:sldMk cId="2260805349" sldId="266"/>
+            <ac:spMk id="2" creationId="{A5D31B44-4EC0-CF2F-BBE8-BDE79BBF3FBF}"/>
+          </ac:spMkLst>
+        </pc:spChg>
+        <pc:spChg chg="mod">
+          <ac:chgData name="Caroline Thomson" userId="f3b974a800997b41" providerId="LiveId" clId="{39C6DEE9-8BF3-4A69-824B-33A4C4CA2550}" dt="2022-07-25T00:40:53.698" v="1838" actId="20577"/>
+          <ac:spMkLst>
+            <pc:docMk/>
+            <pc:sldMk cId="2260805349" sldId="266"/>
+            <ac:spMk id="4" creationId="{2DD778C7-57A3-DA8A-91BB-1D2FA9A6E3C3}"/>
+          </ac:spMkLst>
+        </pc:spChg>
+      </pc:sldChg>
+      <pc:sldChg chg="addSp modSp add mod ord modTransition modAnim">
+        <pc:chgData name="Caroline Thomson" userId="f3b974a800997b41" providerId="LiveId" clId="{39C6DEE9-8BF3-4A69-824B-33A4C4CA2550}" dt="2022-07-25T00:57:41.166" v="2166"/>
+        <pc:sldMkLst>
+          <pc:docMk/>
+          <pc:sldMk cId="734946160" sldId="267"/>
+        </pc:sldMkLst>
+        <pc:spChg chg="mod">
+          <ac:chgData name="Caroline Thomson" userId="f3b974a800997b41" providerId="LiveId" clId="{39C6DEE9-8BF3-4A69-824B-33A4C4CA2550}" dt="2022-07-25T00:43:58.579" v="1997" actId="1035"/>
+          <ac:spMkLst>
+            <pc:docMk/>
+            <pc:sldMk cId="734946160" sldId="267"/>
+            <ac:spMk id="2" creationId="{A5D31B44-4EC0-CF2F-BBE8-BDE79BBF3FBF}"/>
+          </ac:spMkLst>
+        </pc:spChg>
+        <pc:spChg chg="mod">
+          <ac:chgData name="Caroline Thomson" userId="f3b974a800997b41" providerId="LiveId" clId="{39C6DEE9-8BF3-4A69-824B-33A4C4CA2550}" dt="2022-07-25T00:41:53.323" v="1846" actId="20577"/>
+          <ac:spMkLst>
+            <pc:docMk/>
+            <pc:sldMk cId="734946160" sldId="267"/>
+            <ac:spMk id="4" creationId="{2DD778C7-57A3-DA8A-91BB-1D2FA9A6E3C3}"/>
+          </ac:spMkLst>
+        </pc:spChg>
+        <pc:spChg chg="add mod">
+          <ac:chgData name="Caroline Thomson" userId="f3b974a800997b41" providerId="LiveId" clId="{39C6DEE9-8BF3-4A69-824B-33A4C4CA2550}" dt="2022-07-25T00:44:02.438" v="2008" actId="1036"/>
+          <ac:spMkLst>
+            <pc:docMk/>
+            <pc:sldMk cId="734946160" sldId="267"/>
+            <ac:spMk id="5" creationId="{622C066E-46B3-4A45-074D-AD4B9CD48952}"/>
+          </ac:spMkLst>
+        </pc:spChg>
+      </pc:sldChg>
+      <pc:sldMasterChg chg="delSldLayout">
+        <pc:chgData name="Caroline Thomson" userId="f3b974a800997b41" providerId="LiveId" clId="{39C6DEE9-8BF3-4A69-824B-33A4C4CA2550}" dt="2022-07-25T00:44:07.206" v="2009" actId="2696"/>
+        <pc:sldMasterMkLst>
+          <pc:docMk/>
+          <pc:sldMasterMk cId="0" sldId="2147483659"/>
+        </pc:sldMasterMkLst>
+        <pc:sldLayoutChg chg="del">
+          <pc:chgData name="Caroline Thomson" userId="f3b974a800997b41" providerId="LiveId" clId="{39C6DEE9-8BF3-4A69-824B-33A4C4CA2550}" dt="2022-07-25T00:44:07.206" v="2009" actId="2696"/>
+          <pc:sldLayoutMkLst>
+            <pc:docMk/>
+            <pc:sldMasterMk cId="0" sldId="2147483659"/>
+            <pc:sldLayoutMk cId="0" sldId="2147483650"/>
+          </pc:sldLayoutMkLst>
+        </pc:sldLayoutChg>
+      </pc:sldMasterChg>
     </pc:docChg>
   </pc:docChgLst>
 </pc:chgInfo>
@@ -954,7 +1395,7 @@
   <p:cSld>
     <p:spTree>
       <p:nvGrpSpPr>
-        <p:cNvPr id="1" name="Shape 61"/>
+        <p:cNvPr id="1" name="Shape 56"/>
         <p:cNvGrpSpPr/>
         <p:nvPr/>
       </p:nvGrpSpPr>
@@ -968,7 +1409,7 @@
       </p:grpSpPr>
       <p:sp>
         <p:nvSpPr>
-          <p:cNvPr id="62" name="Google Shape;62;g29f43f0a72_0_0:notes"/>
+          <p:cNvPr id="57" name="Google Shape;57;g320332ed93_1_0:notes"/>
           <p:cNvSpPr>
             <a:spLocks noGrp="1" noRot="1" noChangeAspect="1"/>
           </p:cNvSpPr>
@@ -1009,7 +1450,7 @@
       </p:sp>
       <p:sp>
         <p:nvSpPr>
-          <p:cNvPr id="63" name="Google Shape;63;g29f43f0a72_0_0:notes"/>
+          <p:cNvPr id="58" name="Google Shape;58;g320332ed93_1_0:notes"/>
           <p:cNvSpPr txBox="1">
             <a:spLocks noGrp="1"/>
           </p:cNvSpPr>
@@ -1046,6 +1487,11 @@
         </p:txBody>
       </p:sp>
     </p:spTree>
+    <p:extLst>
+      <p:ext uri="{BB962C8B-B14F-4D97-AF65-F5344CB8AC3E}">
+        <p14:creationId xmlns:p14="http://schemas.microsoft.com/office/powerpoint/2010/main" val="300127113"/>
+      </p:ext>
+    </p:extLst>
   </p:cSld>
   <p:clrMapOvr>
     <a:masterClrMapping/>
@@ -1058,7 +1504,7 @@
   <p:cSld>
     <p:spTree>
       <p:nvGrpSpPr>
-        <p:cNvPr id="1" name="Shape 67"/>
+        <p:cNvPr id="1" name="Shape 56"/>
         <p:cNvGrpSpPr/>
         <p:nvPr/>
       </p:nvGrpSpPr>
@@ -1072,7 +1518,7 @@
       </p:grpSpPr>
       <p:sp>
         <p:nvSpPr>
-          <p:cNvPr id="68" name="Google Shape;68;g29f43f0a72_0_5:notes"/>
+          <p:cNvPr id="57" name="Google Shape;57;g320332ed93_1_0:notes"/>
           <p:cNvSpPr>
             <a:spLocks noGrp="1" noRot="1" noChangeAspect="1"/>
           </p:cNvSpPr>
@@ -1113,7 +1559,7 @@
       </p:sp>
       <p:sp>
         <p:nvSpPr>
-          <p:cNvPr id="69" name="Google Shape;69;g29f43f0a72_0_5:notes"/>
+          <p:cNvPr id="58" name="Google Shape;58;g320332ed93_1_0:notes"/>
           <p:cNvSpPr txBox="1">
             <a:spLocks noGrp="1"/>
           </p:cNvSpPr>
@@ -1145,11 +1591,16 @@
               </a:spcAft>
               <a:buNone/>
             </a:pPr>
-            <a:endParaRPr/>
+            <a:endParaRPr dirty="0"/>
           </a:p>
         </p:txBody>
       </p:sp>
     </p:spTree>
+    <p:extLst>
+      <p:ext uri="{BB962C8B-B14F-4D97-AF65-F5344CB8AC3E}">
+        <p14:creationId xmlns:p14="http://schemas.microsoft.com/office/powerpoint/2010/main" val="2517144937"/>
+      </p:ext>
+    </p:extLst>
   </p:cSld>
   <p:clrMapOvr>
     <a:masterClrMapping/>
@@ -1162,7 +1613,7 @@
   <p:cSld>
     <p:spTree>
       <p:nvGrpSpPr>
-        <p:cNvPr id="1" name="Shape 73"/>
+        <p:cNvPr id="1" name="Shape 56"/>
         <p:cNvGrpSpPr/>
         <p:nvPr/>
       </p:nvGrpSpPr>
@@ -1176,7 +1627,7 @@
       </p:grpSpPr>
       <p:sp>
         <p:nvSpPr>
-          <p:cNvPr id="74" name="Google Shape;74;g29f43f0a72_0_15:notes"/>
+          <p:cNvPr id="57" name="Google Shape;57;g320332ed93_1_0:notes"/>
           <p:cNvSpPr>
             <a:spLocks noGrp="1" noRot="1" noChangeAspect="1"/>
           </p:cNvSpPr>
@@ -1186,7 +1637,7 @@
         </p:nvSpPr>
         <p:spPr>
           <a:xfrm>
-            <a:off x="381300" y="685800"/>
+            <a:off x="381000" y="685800"/>
             <a:ext cx="6096000" cy="3429000"/>
           </a:xfrm>
           <a:custGeom>
@@ -1217,7 +1668,7 @@
       </p:sp>
       <p:sp>
         <p:nvSpPr>
-          <p:cNvPr id="75" name="Google Shape;75;g29f43f0a72_0_15:notes"/>
+          <p:cNvPr id="58" name="Google Shape;58;g320332ed93_1_0:notes"/>
           <p:cNvSpPr txBox="1">
             <a:spLocks noGrp="1"/>
           </p:cNvSpPr>
@@ -1254,6 +1705,11 @@
         </p:txBody>
       </p:sp>
     </p:spTree>
+    <p:extLst>
+      <p:ext uri="{BB962C8B-B14F-4D97-AF65-F5344CB8AC3E}">
+        <p14:creationId xmlns:p14="http://schemas.microsoft.com/office/powerpoint/2010/main" val="4112387937"/>
+      </p:ext>
+    </p:extLst>
   </p:cSld>
   <p:clrMapOvr>
     <a:masterClrMapping/>
@@ -1266,7 +1722,7 @@
   <p:cSld>
     <p:spTree>
       <p:nvGrpSpPr>
-        <p:cNvPr id="1" name="Shape 78"/>
+        <p:cNvPr id="1" name="Shape 56"/>
         <p:cNvGrpSpPr/>
         <p:nvPr/>
       </p:nvGrpSpPr>
@@ -1280,7 +1736,7 @@
       </p:grpSpPr>
       <p:sp>
         <p:nvSpPr>
-          <p:cNvPr id="79" name="Google Shape;79;g29f43f0a72_0_10:notes"/>
+          <p:cNvPr id="57" name="Google Shape;57;g320332ed93_1_0:notes"/>
           <p:cNvSpPr>
             <a:spLocks noGrp="1" noRot="1" noChangeAspect="1"/>
           </p:cNvSpPr>
@@ -1290,7 +1746,7 @@
         </p:nvSpPr>
         <p:spPr>
           <a:xfrm>
-            <a:off x="381300" y="685800"/>
+            <a:off x="381000" y="685800"/>
             <a:ext cx="6096000" cy="3429000"/>
           </a:xfrm>
           <a:custGeom>
@@ -1321,7 +1777,7 @@
       </p:sp>
       <p:sp>
         <p:nvSpPr>
-          <p:cNvPr id="80" name="Google Shape;80;g29f43f0a72_0_10:notes"/>
+          <p:cNvPr id="58" name="Google Shape;58;g320332ed93_1_0:notes"/>
           <p:cNvSpPr txBox="1">
             <a:spLocks noGrp="1"/>
           </p:cNvSpPr>
@@ -1358,6 +1814,11 @@
         </p:txBody>
       </p:sp>
     </p:spTree>
+    <p:extLst>
+      <p:ext uri="{BB962C8B-B14F-4D97-AF65-F5344CB8AC3E}">
+        <p14:creationId xmlns:p14="http://schemas.microsoft.com/office/powerpoint/2010/main" val="2637929189"/>
+      </p:ext>
+    </p:extLst>
   </p:cSld>
   <p:clrMapOvr>
     <a:masterClrMapping/>
@@ -1370,7 +1831,7 @@
   <p:cSld>
     <p:spTree>
       <p:nvGrpSpPr>
-        <p:cNvPr id="1" name="Shape 84"/>
+        <p:cNvPr id="1" name="Shape 56"/>
         <p:cNvGrpSpPr/>
         <p:nvPr/>
       </p:nvGrpSpPr>
@@ -1384,7 +1845,7 @@
       </p:grpSpPr>
       <p:sp>
         <p:nvSpPr>
-          <p:cNvPr id="85" name="Google Shape;85;g29f43f0a72_0_24:notes"/>
+          <p:cNvPr id="57" name="Google Shape;57;g320332ed93_1_0:notes"/>
           <p:cNvSpPr>
             <a:spLocks noGrp="1" noRot="1" noChangeAspect="1"/>
           </p:cNvSpPr>
@@ -1394,7 +1855,7 @@
         </p:nvSpPr>
         <p:spPr>
           <a:xfrm>
-            <a:off x="381300" y="685800"/>
+            <a:off x="381000" y="685800"/>
             <a:ext cx="6096000" cy="3429000"/>
           </a:xfrm>
           <a:custGeom>
@@ -1425,7 +1886,7 @@
       </p:sp>
       <p:sp>
         <p:nvSpPr>
-          <p:cNvPr id="86" name="Google Shape;86;g29f43f0a72_0_24:notes"/>
+          <p:cNvPr id="58" name="Google Shape;58;g320332ed93_1_0:notes"/>
           <p:cNvSpPr txBox="1">
             <a:spLocks noGrp="1"/>
           </p:cNvSpPr>
@@ -1462,6 +1923,11 @@
         </p:txBody>
       </p:sp>
     </p:spTree>
+    <p:extLst>
+      <p:ext uri="{BB962C8B-B14F-4D97-AF65-F5344CB8AC3E}">
+        <p14:creationId xmlns:p14="http://schemas.microsoft.com/office/powerpoint/2010/main" val="2900660308"/>
+      </p:ext>
+    </p:extLst>
   </p:cSld>
   <p:clrMapOvr>
     <a:masterClrMapping/>
@@ -1859,370 +2325,6 @@
 </file>
 
 <file path=ppt/slideLayouts/slideLayout10.xml><?xml version="1.0" encoding="utf-8"?>
-<p:sldLayout xmlns:a="http://schemas.openxmlformats.org/drawingml/2006/main" xmlns:r="http://schemas.openxmlformats.org/officeDocument/2006/relationships" xmlns:p="http://schemas.openxmlformats.org/presentationml/2006/main" matchingName="Big number">
-  <p:cSld name="BIG_NUMBER">
-    <p:spTree>
-      <p:nvGrpSpPr>
-        <p:cNvPr id="1" name="Shape 44"/>
-        <p:cNvGrpSpPr/>
-        <p:nvPr/>
-      </p:nvGrpSpPr>
-      <p:grpSpPr>
-        <a:xfrm>
-          <a:off x="0" y="0"/>
-          <a:ext cx="0" cy="0"/>
-          <a:chOff x="0" y="0"/>
-          <a:chExt cx="0" cy="0"/>
-        </a:xfrm>
-      </p:grpSpPr>
-      <p:sp>
-        <p:nvSpPr>
-          <p:cNvPr id="45" name="Google Shape;45;p11"/>
-          <p:cNvSpPr txBox="1">
-            <a:spLocks noGrp="1"/>
-          </p:cNvSpPr>
-          <p:nvPr>
-            <p:ph type="title" hasCustomPrompt="1"/>
-          </p:nvPr>
-        </p:nvSpPr>
-        <p:spPr>
-          <a:xfrm>
-            <a:off x="311700" y="1106125"/>
-            <a:ext cx="8520600" cy="1963500"/>
-          </a:xfrm>
-          <a:prstGeom prst="rect">
-            <a:avLst/>
-          </a:prstGeom>
-        </p:spPr>
-        <p:txBody>
-          <a:bodyPr spcFirstLastPara="1" wrap="square" lIns="91425" tIns="91425" rIns="91425" bIns="91425" anchor="b" anchorCtr="0">
-            <a:noAutofit/>
-          </a:bodyPr>
-          <a:lstStyle>
-            <a:lvl1pPr lvl="0" algn="ctr">
-              <a:spcBef>
-                <a:spcPts val="0"/>
-              </a:spcBef>
-              <a:spcAft>
-                <a:spcPts val="0"/>
-              </a:spcAft>
-              <a:buSzPts val="12000"/>
-              <a:buNone/>
-              <a:defRPr sz="12000"/>
-            </a:lvl1pPr>
-            <a:lvl2pPr lvl="1" algn="ctr">
-              <a:spcBef>
-                <a:spcPts val="0"/>
-              </a:spcBef>
-              <a:spcAft>
-                <a:spcPts val="0"/>
-              </a:spcAft>
-              <a:buSzPts val="12000"/>
-              <a:buNone/>
-              <a:defRPr sz="12000"/>
-            </a:lvl2pPr>
-            <a:lvl3pPr lvl="2" algn="ctr">
-              <a:spcBef>
-                <a:spcPts val="0"/>
-              </a:spcBef>
-              <a:spcAft>
-                <a:spcPts val="0"/>
-              </a:spcAft>
-              <a:buSzPts val="12000"/>
-              <a:buNone/>
-              <a:defRPr sz="12000"/>
-            </a:lvl3pPr>
-            <a:lvl4pPr lvl="3" algn="ctr">
-              <a:spcBef>
-                <a:spcPts val="0"/>
-              </a:spcBef>
-              <a:spcAft>
-                <a:spcPts val="0"/>
-              </a:spcAft>
-              <a:buSzPts val="12000"/>
-              <a:buNone/>
-              <a:defRPr sz="12000"/>
-            </a:lvl4pPr>
-            <a:lvl5pPr lvl="4" algn="ctr">
-              <a:spcBef>
-                <a:spcPts val="0"/>
-              </a:spcBef>
-              <a:spcAft>
-                <a:spcPts val="0"/>
-              </a:spcAft>
-              <a:buSzPts val="12000"/>
-              <a:buNone/>
-              <a:defRPr sz="12000"/>
-            </a:lvl5pPr>
-            <a:lvl6pPr lvl="5" algn="ctr">
-              <a:spcBef>
-                <a:spcPts val="0"/>
-              </a:spcBef>
-              <a:spcAft>
-                <a:spcPts val="0"/>
-              </a:spcAft>
-              <a:buSzPts val="12000"/>
-              <a:buNone/>
-              <a:defRPr sz="12000"/>
-            </a:lvl6pPr>
-            <a:lvl7pPr lvl="6" algn="ctr">
-              <a:spcBef>
-                <a:spcPts val="0"/>
-              </a:spcBef>
-              <a:spcAft>
-                <a:spcPts val="0"/>
-              </a:spcAft>
-              <a:buSzPts val="12000"/>
-              <a:buNone/>
-              <a:defRPr sz="12000"/>
-            </a:lvl7pPr>
-            <a:lvl8pPr lvl="7" algn="ctr">
-              <a:spcBef>
-                <a:spcPts val="0"/>
-              </a:spcBef>
-              <a:spcAft>
-                <a:spcPts val="0"/>
-              </a:spcAft>
-              <a:buSzPts val="12000"/>
-              <a:buNone/>
-              <a:defRPr sz="12000"/>
-            </a:lvl8pPr>
-            <a:lvl9pPr lvl="8" algn="ctr">
-              <a:spcBef>
-                <a:spcPts val="0"/>
-              </a:spcBef>
-              <a:spcAft>
-                <a:spcPts val="0"/>
-              </a:spcAft>
-              <a:buSzPts val="12000"/>
-              <a:buNone/>
-              <a:defRPr sz="12000"/>
-            </a:lvl9pPr>
-          </a:lstStyle>
-          <a:p>
-            <a:r>
-              <a:t>xx%</a:t>
-            </a:r>
-          </a:p>
-        </p:txBody>
-      </p:sp>
-      <p:sp>
-        <p:nvSpPr>
-          <p:cNvPr id="46" name="Google Shape;46;p11"/>
-          <p:cNvSpPr txBox="1">
-            <a:spLocks noGrp="1"/>
-          </p:cNvSpPr>
-          <p:nvPr>
-            <p:ph type="body" idx="1"/>
-          </p:nvPr>
-        </p:nvSpPr>
-        <p:spPr>
-          <a:xfrm>
-            <a:off x="311700" y="3152225"/>
-            <a:ext cx="8520600" cy="1300800"/>
-          </a:xfrm>
-          <a:prstGeom prst="rect">
-            <a:avLst/>
-          </a:prstGeom>
-        </p:spPr>
-        <p:txBody>
-          <a:bodyPr spcFirstLastPara="1" wrap="square" lIns="91425" tIns="91425" rIns="91425" bIns="91425" anchor="t" anchorCtr="0">
-            <a:noAutofit/>
-          </a:bodyPr>
-          <a:lstStyle>
-            <a:lvl1pPr marL="457200" lvl="0" indent="-342900" algn="ctr">
-              <a:spcBef>
-                <a:spcPts val="0"/>
-              </a:spcBef>
-              <a:spcAft>
-                <a:spcPts val="0"/>
-              </a:spcAft>
-              <a:buSzPts val="1800"/>
-              <a:buChar char="●"/>
-              <a:defRPr/>
-            </a:lvl1pPr>
-            <a:lvl2pPr marL="914400" lvl="1" indent="-317500" algn="ctr">
-              <a:spcBef>
-                <a:spcPts val="1600"/>
-              </a:spcBef>
-              <a:spcAft>
-                <a:spcPts val="0"/>
-              </a:spcAft>
-              <a:buSzPts val="1400"/>
-              <a:buChar char="○"/>
-              <a:defRPr/>
-            </a:lvl2pPr>
-            <a:lvl3pPr marL="1371600" lvl="2" indent="-317500" algn="ctr">
-              <a:spcBef>
-                <a:spcPts val="1600"/>
-              </a:spcBef>
-              <a:spcAft>
-                <a:spcPts val="0"/>
-              </a:spcAft>
-              <a:buSzPts val="1400"/>
-              <a:buChar char="■"/>
-              <a:defRPr/>
-            </a:lvl3pPr>
-            <a:lvl4pPr marL="1828800" lvl="3" indent="-317500" algn="ctr">
-              <a:spcBef>
-                <a:spcPts val="1600"/>
-              </a:spcBef>
-              <a:spcAft>
-                <a:spcPts val="0"/>
-              </a:spcAft>
-              <a:buSzPts val="1400"/>
-              <a:buChar char="●"/>
-              <a:defRPr/>
-            </a:lvl4pPr>
-            <a:lvl5pPr marL="2286000" lvl="4" indent="-317500" algn="ctr">
-              <a:spcBef>
-                <a:spcPts val="1600"/>
-              </a:spcBef>
-              <a:spcAft>
-                <a:spcPts val="0"/>
-              </a:spcAft>
-              <a:buSzPts val="1400"/>
-              <a:buChar char="○"/>
-              <a:defRPr/>
-            </a:lvl5pPr>
-            <a:lvl6pPr marL="2743200" lvl="5" indent="-317500" algn="ctr">
-              <a:spcBef>
-                <a:spcPts val="1600"/>
-              </a:spcBef>
-              <a:spcAft>
-                <a:spcPts val="0"/>
-              </a:spcAft>
-              <a:buSzPts val="1400"/>
-              <a:buChar char="■"/>
-              <a:defRPr/>
-            </a:lvl6pPr>
-            <a:lvl7pPr marL="3200400" lvl="6" indent="-317500" algn="ctr">
-              <a:spcBef>
-                <a:spcPts val="1600"/>
-              </a:spcBef>
-              <a:spcAft>
-                <a:spcPts val="0"/>
-              </a:spcAft>
-              <a:buSzPts val="1400"/>
-              <a:buChar char="●"/>
-              <a:defRPr/>
-            </a:lvl7pPr>
-            <a:lvl8pPr marL="3657600" lvl="7" indent="-317500" algn="ctr">
-              <a:spcBef>
-                <a:spcPts val="1600"/>
-              </a:spcBef>
-              <a:spcAft>
-                <a:spcPts val="0"/>
-              </a:spcAft>
-              <a:buSzPts val="1400"/>
-              <a:buChar char="○"/>
-              <a:defRPr/>
-            </a:lvl8pPr>
-            <a:lvl9pPr marL="4114800" lvl="8" indent="-317500" algn="ctr">
-              <a:spcBef>
-                <a:spcPts val="1600"/>
-              </a:spcBef>
-              <a:spcAft>
-                <a:spcPts val="1600"/>
-              </a:spcAft>
-              <a:buSzPts val="1400"/>
-              <a:buChar char="■"/>
-              <a:defRPr/>
-            </a:lvl9pPr>
-          </a:lstStyle>
-          <a:p>
-            <a:endParaRPr/>
-          </a:p>
-        </p:txBody>
-      </p:sp>
-      <p:sp>
-        <p:nvSpPr>
-          <p:cNvPr id="47" name="Google Shape;47;p11"/>
-          <p:cNvSpPr txBox="1">
-            <a:spLocks noGrp="1"/>
-          </p:cNvSpPr>
-          <p:nvPr>
-            <p:ph type="sldNum" idx="12"/>
-          </p:nvPr>
-        </p:nvSpPr>
-        <p:spPr>
-          <a:xfrm>
-            <a:off x="8472458" y="4663217"/>
-            <a:ext cx="548700" cy="393600"/>
-          </a:xfrm>
-          <a:prstGeom prst="rect">
-            <a:avLst/>
-          </a:prstGeom>
-        </p:spPr>
-        <p:txBody>
-          <a:bodyPr spcFirstLastPara="1" wrap="square" lIns="91425" tIns="91425" rIns="91425" bIns="91425" anchor="ctr" anchorCtr="0">
-            <a:noAutofit/>
-          </a:bodyPr>
-          <a:lstStyle>
-            <a:lvl1pPr lvl="0">
-              <a:buNone/>
-              <a:defRPr/>
-            </a:lvl1pPr>
-            <a:lvl2pPr lvl="1">
-              <a:buNone/>
-              <a:defRPr/>
-            </a:lvl2pPr>
-            <a:lvl3pPr lvl="2">
-              <a:buNone/>
-              <a:defRPr/>
-            </a:lvl3pPr>
-            <a:lvl4pPr lvl="3">
-              <a:buNone/>
-              <a:defRPr/>
-            </a:lvl4pPr>
-            <a:lvl5pPr lvl="4">
-              <a:buNone/>
-              <a:defRPr/>
-            </a:lvl5pPr>
-            <a:lvl6pPr lvl="5">
-              <a:buNone/>
-              <a:defRPr/>
-            </a:lvl6pPr>
-            <a:lvl7pPr lvl="6">
-              <a:buNone/>
-              <a:defRPr/>
-            </a:lvl7pPr>
-            <a:lvl8pPr lvl="7">
-              <a:buNone/>
-              <a:defRPr/>
-            </a:lvl8pPr>
-            <a:lvl9pPr lvl="8">
-              <a:buNone/>
-              <a:defRPr/>
-            </a:lvl9pPr>
-          </a:lstStyle>
-          <a:p>
-            <a:pPr marL="0" lvl="0" indent="0" algn="r" rtl="0">
-              <a:spcBef>
-                <a:spcPts val="0"/>
-              </a:spcBef>
-              <a:spcAft>
-                <a:spcPts val="0"/>
-              </a:spcAft>
-              <a:buNone/>
-            </a:pPr>
-            <a:fld id="{00000000-1234-1234-1234-123412341234}" type="slidenum">
-              <a:rPr lang="en"/>
-              <a:t>‹#›</a:t>
-            </a:fld>
-            <a:endParaRPr/>
-          </a:p>
-        </p:txBody>
-      </p:sp>
-    </p:spTree>
-  </p:cSld>
-  <p:clrMapOvr>
-    <a:masterClrMapping/>
-  </p:clrMapOvr>
-</p:sldLayout>
-</file>
-
-<file path=ppt/slideLayouts/slideLayout11.xml><?xml version="1.0" encoding="utf-8"?>
 <p:sldLayout xmlns:a="http://schemas.openxmlformats.org/drawingml/2006/main" xmlns:r="http://schemas.openxmlformats.org/officeDocument/2006/relationships" xmlns:p="http://schemas.openxmlformats.org/presentationml/2006/main" matchingName="Blank" type="blank">
   <p:cSld name="BLANK">
     <p:spTree>
@@ -2560,368 +2662,6 @@
 </file>
 
 <file path=ppt/slideLayouts/slideLayout3.xml><?xml version="1.0" encoding="utf-8"?>
-<p:sldLayout xmlns:a="http://schemas.openxmlformats.org/drawingml/2006/main" xmlns:r="http://schemas.openxmlformats.org/officeDocument/2006/relationships" xmlns:p="http://schemas.openxmlformats.org/presentationml/2006/main" matchingName="Title and body" type="tx">
-  <p:cSld name="TITLE_AND_BODY">
-    <p:spTree>
-      <p:nvGrpSpPr>
-        <p:cNvPr id="1" name="Shape 16"/>
-        <p:cNvGrpSpPr/>
-        <p:nvPr/>
-      </p:nvGrpSpPr>
-      <p:grpSpPr>
-        <a:xfrm>
-          <a:off x="0" y="0"/>
-          <a:ext cx="0" cy="0"/>
-          <a:chOff x="0" y="0"/>
-          <a:chExt cx="0" cy="0"/>
-        </a:xfrm>
-      </p:grpSpPr>
-      <p:sp>
-        <p:nvSpPr>
-          <p:cNvPr id="17" name="Google Shape;17;p4"/>
-          <p:cNvSpPr txBox="1">
-            <a:spLocks noGrp="1"/>
-          </p:cNvSpPr>
-          <p:nvPr>
-            <p:ph type="title"/>
-          </p:nvPr>
-        </p:nvSpPr>
-        <p:spPr>
-          <a:xfrm>
-            <a:off x="311700" y="445025"/>
-            <a:ext cx="8520600" cy="572700"/>
-          </a:xfrm>
-          <a:prstGeom prst="rect">
-            <a:avLst/>
-          </a:prstGeom>
-        </p:spPr>
-        <p:txBody>
-          <a:bodyPr spcFirstLastPara="1" wrap="square" lIns="91425" tIns="91425" rIns="91425" bIns="91425" anchor="t" anchorCtr="0">
-            <a:noAutofit/>
-          </a:bodyPr>
-          <a:lstStyle>
-            <a:lvl1pPr lvl="0">
-              <a:spcBef>
-                <a:spcPts val="0"/>
-              </a:spcBef>
-              <a:spcAft>
-                <a:spcPts val="0"/>
-              </a:spcAft>
-              <a:buSzPts val="2800"/>
-              <a:buNone/>
-              <a:defRPr/>
-            </a:lvl1pPr>
-            <a:lvl2pPr lvl="1">
-              <a:spcBef>
-                <a:spcPts val="0"/>
-              </a:spcBef>
-              <a:spcAft>
-                <a:spcPts val="0"/>
-              </a:spcAft>
-              <a:buSzPts val="2800"/>
-              <a:buNone/>
-              <a:defRPr/>
-            </a:lvl2pPr>
-            <a:lvl3pPr lvl="2">
-              <a:spcBef>
-                <a:spcPts val="0"/>
-              </a:spcBef>
-              <a:spcAft>
-                <a:spcPts val="0"/>
-              </a:spcAft>
-              <a:buSzPts val="2800"/>
-              <a:buNone/>
-              <a:defRPr/>
-            </a:lvl3pPr>
-            <a:lvl4pPr lvl="3">
-              <a:spcBef>
-                <a:spcPts val="0"/>
-              </a:spcBef>
-              <a:spcAft>
-                <a:spcPts val="0"/>
-              </a:spcAft>
-              <a:buSzPts val="2800"/>
-              <a:buNone/>
-              <a:defRPr/>
-            </a:lvl4pPr>
-            <a:lvl5pPr lvl="4">
-              <a:spcBef>
-                <a:spcPts val="0"/>
-              </a:spcBef>
-              <a:spcAft>
-                <a:spcPts val="0"/>
-              </a:spcAft>
-              <a:buSzPts val="2800"/>
-              <a:buNone/>
-              <a:defRPr/>
-            </a:lvl5pPr>
-            <a:lvl6pPr lvl="5">
-              <a:spcBef>
-                <a:spcPts val="0"/>
-              </a:spcBef>
-              <a:spcAft>
-                <a:spcPts val="0"/>
-              </a:spcAft>
-              <a:buSzPts val="2800"/>
-              <a:buNone/>
-              <a:defRPr/>
-            </a:lvl6pPr>
-            <a:lvl7pPr lvl="6">
-              <a:spcBef>
-                <a:spcPts val="0"/>
-              </a:spcBef>
-              <a:spcAft>
-                <a:spcPts val="0"/>
-              </a:spcAft>
-              <a:buSzPts val="2800"/>
-              <a:buNone/>
-              <a:defRPr/>
-            </a:lvl7pPr>
-            <a:lvl8pPr lvl="7">
-              <a:spcBef>
-                <a:spcPts val="0"/>
-              </a:spcBef>
-              <a:spcAft>
-                <a:spcPts val="0"/>
-              </a:spcAft>
-              <a:buSzPts val="2800"/>
-              <a:buNone/>
-              <a:defRPr/>
-            </a:lvl8pPr>
-            <a:lvl9pPr lvl="8">
-              <a:spcBef>
-                <a:spcPts val="0"/>
-              </a:spcBef>
-              <a:spcAft>
-                <a:spcPts val="0"/>
-              </a:spcAft>
-              <a:buSzPts val="2800"/>
-              <a:buNone/>
-              <a:defRPr/>
-            </a:lvl9pPr>
-          </a:lstStyle>
-          <a:p>
-            <a:endParaRPr/>
-          </a:p>
-        </p:txBody>
-      </p:sp>
-      <p:sp>
-        <p:nvSpPr>
-          <p:cNvPr id="18" name="Google Shape;18;p4"/>
-          <p:cNvSpPr txBox="1">
-            <a:spLocks noGrp="1"/>
-          </p:cNvSpPr>
-          <p:nvPr>
-            <p:ph type="body" idx="1"/>
-          </p:nvPr>
-        </p:nvSpPr>
-        <p:spPr>
-          <a:xfrm>
-            <a:off x="311700" y="1152475"/>
-            <a:ext cx="8520600" cy="3416400"/>
-          </a:xfrm>
-          <a:prstGeom prst="rect">
-            <a:avLst/>
-          </a:prstGeom>
-        </p:spPr>
-        <p:txBody>
-          <a:bodyPr spcFirstLastPara="1" wrap="square" lIns="91425" tIns="91425" rIns="91425" bIns="91425" anchor="t" anchorCtr="0">
-            <a:noAutofit/>
-          </a:bodyPr>
-          <a:lstStyle>
-            <a:lvl1pPr marL="457200" lvl="0" indent="-342900">
-              <a:spcBef>
-                <a:spcPts val="0"/>
-              </a:spcBef>
-              <a:spcAft>
-                <a:spcPts val="0"/>
-              </a:spcAft>
-              <a:buSzPts val="1800"/>
-              <a:buChar char="●"/>
-              <a:defRPr/>
-            </a:lvl1pPr>
-            <a:lvl2pPr marL="914400" lvl="1" indent="-317500">
-              <a:spcBef>
-                <a:spcPts val="1600"/>
-              </a:spcBef>
-              <a:spcAft>
-                <a:spcPts val="0"/>
-              </a:spcAft>
-              <a:buSzPts val="1400"/>
-              <a:buChar char="○"/>
-              <a:defRPr/>
-            </a:lvl2pPr>
-            <a:lvl3pPr marL="1371600" lvl="2" indent="-317500">
-              <a:spcBef>
-                <a:spcPts val="1600"/>
-              </a:spcBef>
-              <a:spcAft>
-                <a:spcPts val="0"/>
-              </a:spcAft>
-              <a:buSzPts val="1400"/>
-              <a:buChar char="■"/>
-              <a:defRPr/>
-            </a:lvl3pPr>
-            <a:lvl4pPr marL="1828800" lvl="3" indent="-317500">
-              <a:spcBef>
-                <a:spcPts val="1600"/>
-              </a:spcBef>
-              <a:spcAft>
-                <a:spcPts val="0"/>
-              </a:spcAft>
-              <a:buSzPts val="1400"/>
-              <a:buChar char="●"/>
-              <a:defRPr/>
-            </a:lvl4pPr>
-            <a:lvl5pPr marL="2286000" lvl="4" indent="-317500">
-              <a:spcBef>
-                <a:spcPts val="1600"/>
-              </a:spcBef>
-              <a:spcAft>
-                <a:spcPts val="0"/>
-              </a:spcAft>
-              <a:buSzPts val="1400"/>
-              <a:buChar char="○"/>
-              <a:defRPr/>
-            </a:lvl5pPr>
-            <a:lvl6pPr marL="2743200" lvl="5" indent="-317500">
-              <a:spcBef>
-                <a:spcPts val="1600"/>
-              </a:spcBef>
-              <a:spcAft>
-                <a:spcPts val="0"/>
-              </a:spcAft>
-              <a:buSzPts val="1400"/>
-              <a:buChar char="■"/>
-              <a:defRPr/>
-            </a:lvl6pPr>
-            <a:lvl7pPr marL="3200400" lvl="6" indent="-317500">
-              <a:spcBef>
-                <a:spcPts val="1600"/>
-              </a:spcBef>
-              <a:spcAft>
-                <a:spcPts val="0"/>
-              </a:spcAft>
-              <a:buSzPts val="1400"/>
-              <a:buChar char="●"/>
-              <a:defRPr/>
-            </a:lvl7pPr>
-            <a:lvl8pPr marL="3657600" lvl="7" indent="-317500">
-              <a:spcBef>
-                <a:spcPts val="1600"/>
-              </a:spcBef>
-              <a:spcAft>
-                <a:spcPts val="0"/>
-              </a:spcAft>
-              <a:buSzPts val="1400"/>
-              <a:buChar char="○"/>
-              <a:defRPr/>
-            </a:lvl8pPr>
-            <a:lvl9pPr marL="4114800" lvl="8" indent="-317500">
-              <a:spcBef>
-                <a:spcPts val="1600"/>
-              </a:spcBef>
-              <a:spcAft>
-                <a:spcPts val="1600"/>
-              </a:spcAft>
-              <a:buSzPts val="1400"/>
-              <a:buChar char="■"/>
-              <a:defRPr/>
-            </a:lvl9pPr>
-          </a:lstStyle>
-          <a:p>
-            <a:endParaRPr/>
-          </a:p>
-        </p:txBody>
-      </p:sp>
-      <p:sp>
-        <p:nvSpPr>
-          <p:cNvPr id="19" name="Google Shape;19;p4"/>
-          <p:cNvSpPr txBox="1">
-            <a:spLocks noGrp="1"/>
-          </p:cNvSpPr>
-          <p:nvPr>
-            <p:ph type="sldNum" idx="12"/>
-          </p:nvPr>
-        </p:nvSpPr>
-        <p:spPr>
-          <a:xfrm>
-            <a:off x="8472458" y="4663217"/>
-            <a:ext cx="548700" cy="393600"/>
-          </a:xfrm>
-          <a:prstGeom prst="rect">
-            <a:avLst/>
-          </a:prstGeom>
-        </p:spPr>
-        <p:txBody>
-          <a:bodyPr spcFirstLastPara="1" wrap="square" lIns="91425" tIns="91425" rIns="91425" bIns="91425" anchor="ctr" anchorCtr="0">
-            <a:noAutofit/>
-          </a:bodyPr>
-          <a:lstStyle>
-            <a:lvl1pPr lvl="0">
-              <a:buNone/>
-              <a:defRPr/>
-            </a:lvl1pPr>
-            <a:lvl2pPr lvl="1">
-              <a:buNone/>
-              <a:defRPr/>
-            </a:lvl2pPr>
-            <a:lvl3pPr lvl="2">
-              <a:buNone/>
-              <a:defRPr/>
-            </a:lvl3pPr>
-            <a:lvl4pPr lvl="3">
-              <a:buNone/>
-              <a:defRPr/>
-            </a:lvl4pPr>
-            <a:lvl5pPr lvl="4">
-              <a:buNone/>
-              <a:defRPr/>
-            </a:lvl5pPr>
-            <a:lvl6pPr lvl="5">
-              <a:buNone/>
-              <a:defRPr/>
-            </a:lvl6pPr>
-            <a:lvl7pPr lvl="6">
-              <a:buNone/>
-              <a:defRPr/>
-            </a:lvl7pPr>
-            <a:lvl8pPr lvl="7">
-              <a:buNone/>
-              <a:defRPr/>
-            </a:lvl8pPr>
-            <a:lvl9pPr lvl="8">
-              <a:buNone/>
-              <a:defRPr/>
-            </a:lvl9pPr>
-          </a:lstStyle>
-          <a:p>
-            <a:pPr marL="0" lvl="0" indent="0" algn="r" rtl="0">
-              <a:spcBef>
-                <a:spcPts val="0"/>
-              </a:spcBef>
-              <a:spcAft>
-                <a:spcPts val="0"/>
-              </a:spcAft>
-              <a:buNone/>
-            </a:pPr>
-            <a:fld id="{00000000-1234-1234-1234-123412341234}" type="slidenum">
-              <a:rPr lang="en"/>
-              <a:t>‹#›</a:t>
-            </a:fld>
-            <a:endParaRPr/>
-          </a:p>
-        </p:txBody>
-      </p:sp>
-    </p:spTree>
-  </p:cSld>
-  <p:clrMapOvr>
-    <a:masterClrMapping/>
-  </p:clrMapOvr>
-</p:sldLayout>
-</file>
-
-<file path=ppt/slideLayouts/slideLayout4.xml><?xml version="1.0" encoding="utf-8"?>
 <p:sldLayout xmlns:a="http://schemas.openxmlformats.org/drawingml/2006/main" xmlns:r="http://schemas.openxmlformats.org/officeDocument/2006/relationships" xmlns:p="http://schemas.openxmlformats.org/presentationml/2006/main" matchingName="Title and two columns" type="twoColTx">
   <p:cSld name="TITLE_AND_TWO_COLUMNS">
     <p:spTree>
@@ -3412,7 +3152,7 @@
 </p:sldLayout>
 </file>
 
-<file path=ppt/slideLayouts/slideLayout5.xml><?xml version="1.0" encoding="utf-8"?>
+<file path=ppt/slideLayouts/slideLayout4.xml><?xml version="1.0" encoding="utf-8"?>
 <p:sldLayout xmlns:a="http://schemas.openxmlformats.org/drawingml/2006/main" xmlns:r="http://schemas.openxmlformats.org/officeDocument/2006/relationships" xmlns:p="http://schemas.openxmlformats.org/presentationml/2006/main" matchingName="Title only" type="titleOnly">
   <p:cSld name="TITLE_ONLY">
     <p:spTree>
@@ -3645,7 +3385,7 @@
 </p:sldLayout>
 </file>
 
-<file path=ppt/slideLayouts/slideLayout6.xml><?xml version="1.0" encoding="utf-8"?>
+<file path=ppt/slideLayouts/slideLayout5.xml><?xml version="1.0" encoding="utf-8"?>
 <p:sldLayout xmlns:a="http://schemas.openxmlformats.org/drawingml/2006/main" xmlns:r="http://schemas.openxmlformats.org/officeDocument/2006/relationships" xmlns:p="http://schemas.openxmlformats.org/presentationml/2006/main" matchingName="One column text">
   <p:cSld name="ONE_COLUMN_TEXT">
     <p:spTree>
@@ -4007,7 +3747,7 @@
 </p:sldLayout>
 </file>
 
-<file path=ppt/slideLayouts/slideLayout7.xml><?xml version="1.0" encoding="utf-8"?>
+<file path=ppt/slideLayouts/slideLayout6.xml><?xml version="1.0" encoding="utf-8"?>
 <p:sldLayout xmlns:a="http://schemas.openxmlformats.org/drawingml/2006/main" xmlns:r="http://schemas.openxmlformats.org/officeDocument/2006/relationships" xmlns:p="http://schemas.openxmlformats.org/presentationml/2006/main" matchingName="Main point">
   <p:cSld name="MAIN_POINT">
     <p:spTree>
@@ -4240,7 +3980,7 @@
 </p:sldLayout>
 </file>
 
-<file path=ppt/slideLayouts/slideLayout8.xml><?xml version="1.0" encoding="utf-8"?>
+<file path=ppt/slideLayouts/slideLayout7.xml><?xml version="1.0" encoding="utf-8"?>
 <p:sldLayout xmlns:a="http://schemas.openxmlformats.org/drawingml/2006/main" xmlns:r="http://schemas.openxmlformats.org/officeDocument/2006/relationships" xmlns:p="http://schemas.openxmlformats.org/presentationml/2006/main" matchingName="Section title and description">
   <p:cSld name="SECTION_TITLE_AND_DESCRIPTION">
     <p:spTree>
@@ -4798,7 +4538,7 @@
 </p:sldLayout>
 </file>
 
-<file path=ppt/slideLayouts/slideLayout9.xml><?xml version="1.0" encoding="utf-8"?>
+<file path=ppt/slideLayouts/slideLayout8.xml><?xml version="1.0" encoding="utf-8"?>
 <p:sldLayout xmlns:a="http://schemas.openxmlformats.org/drawingml/2006/main" xmlns:r="http://schemas.openxmlformats.org/officeDocument/2006/relationships" xmlns:p="http://schemas.openxmlformats.org/presentationml/2006/main" matchingName="Caption">
   <p:cSld name="CAPTION_ONLY">
     <p:spTree>
@@ -4862,6 +4602,370 @@
       <p:sp>
         <p:nvSpPr>
           <p:cNvPr id="43" name="Google Shape;43;p10"/>
+          <p:cNvSpPr txBox="1">
+            <a:spLocks noGrp="1"/>
+          </p:cNvSpPr>
+          <p:nvPr>
+            <p:ph type="sldNum" idx="12"/>
+          </p:nvPr>
+        </p:nvSpPr>
+        <p:spPr>
+          <a:xfrm>
+            <a:off x="8472458" y="4663217"/>
+            <a:ext cx="548700" cy="393600"/>
+          </a:xfrm>
+          <a:prstGeom prst="rect">
+            <a:avLst/>
+          </a:prstGeom>
+        </p:spPr>
+        <p:txBody>
+          <a:bodyPr spcFirstLastPara="1" wrap="square" lIns="91425" tIns="91425" rIns="91425" bIns="91425" anchor="ctr" anchorCtr="0">
+            <a:noAutofit/>
+          </a:bodyPr>
+          <a:lstStyle>
+            <a:lvl1pPr lvl="0">
+              <a:buNone/>
+              <a:defRPr/>
+            </a:lvl1pPr>
+            <a:lvl2pPr lvl="1">
+              <a:buNone/>
+              <a:defRPr/>
+            </a:lvl2pPr>
+            <a:lvl3pPr lvl="2">
+              <a:buNone/>
+              <a:defRPr/>
+            </a:lvl3pPr>
+            <a:lvl4pPr lvl="3">
+              <a:buNone/>
+              <a:defRPr/>
+            </a:lvl4pPr>
+            <a:lvl5pPr lvl="4">
+              <a:buNone/>
+              <a:defRPr/>
+            </a:lvl5pPr>
+            <a:lvl6pPr lvl="5">
+              <a:buNone/>
+              <a:defRPr/>
+            </a:lvl6pPr>
+            <a:lvl7pPr lvl="6">
+              <a:buNone/>
+              <a:defRPr/>
+            </a:lvl7pPr>
+            <a:lvl8pPr lvl="7">
+              <a:buNone/>
+              <a:defRPr/>
+            </a:lvl8pPr>
+            <a:lvl9pPr lvl="8">
+              <a:buNone/>
+              <a:defRPr/>
+            </a:lvl9pPr>
+          </a:lstStyle>
+          <a:p>
+            <a:pPr marL="0" lvl="0" indent="0" algn="r" rtl="0">
+              <a:spcBef>
+                <a:spcPts val="0"/>
+              </a:spcBef>
+              <a:spcAft>
+                <a:spcPts val="0"/>
+              </a:spcAft>
+              <a:buNone/>
+            </a:pPr>
+            <a:fld id="{00000000-1234-1234-1234-123412341234}" type="slidenum">
+              <a:rPr lang="en"/>
+              <a:t>‹#›</a:t>
+            </a:fld>
+            <a:endParaRPr/>
+          </a:p>
+        </p:txBody>
+      </p:sp>
+    </p:spTree>
+  </p:cSld>
+  <p:clrMapOvr>
+    <a:masterClrMapping/>
+  </p:clrMapOvr>
+</p:sldLayout>
+</file>
+
+<file path=ppt/slideLayouts/slideLayout9.xml><?xml version="1.0" encoding="utf-8"?>
+<p:sldLayout xmlns:a="http://schemas.openxmlformats.org/drawingml/2006/main" xmlns:r="http://schemas.openxmlformats.org/officeDocument/2006/relationships" xmlns:p="http://schemas.openxmlformats.org/presentationml/2006/main" matchingName="Big number">
+  <p:cSld name="BIG_NUMBER">
+    <p:spTree>
+      <p:nvGrpSpPr>
+        <p:cNvPr id="1" name="Shape 44"/>
+        <p:cNvGrpSpPr/>
+        <p:nvPr/>
+      </p:nvGrpSpPr>
+      <p:grpSpPr>
+        <a:xfrm>
+          <a:off x="0" y="0"/>
+          <a:ext cx="0" cy="0"/>
+          <a:chOff x="0" y="0"/>
+          <a:chExt cx="0" cy="0"/>
+        </a:xfrm>
+      </p:grpSpPr>
+      <p:sp>
+        <p:nvSpPr>
+          <p:cNvPr id="45" name="Google Shape;45;p11"/>
+          <p:cNvSpPr txBox="1">
+            <a:spLocks noGrp="1"/>
+          </p:cNvSpPr>
+          <p:nvPr>
+            <p:ph type="title" hasCustomPrompt="1"/>
+          </p:nvPr>
+        </p:nvSpPr>
+        <p:spPr>
+          <a:xfrm>
+            <a:off x="311700" y="1106125"/>
+            <a:ext cx="8520600" cy="1963500"/>
+          </a:xfrm>
+          <a:prstGeom prst="rect">
+            <a:avLst/>
+          </a:prstGeom>
+        </p:spPr>
+        <p:txBody>
+          <a:bodyPr spcFirstLastPara="1" wrap="square" lIns="91425" tIns="91425" rIns="91425" bIns="91425" anchor="b" anchorCtr="0">
+            <a:noAutofit/>
+          </a:bodyPr>
+          <a:lstStyle>
+            <a:lvl1pPr lvl="0" algn="ctr">
+              <a:spcBef>
+                <a:spcPts val="0"/>
+              </a:spcBef>
+              <a:spcAft>
+                <a:spcPts val="0"/>
+              </a:spcAft>
+              <a:buSzPts val="12000"/>
+              <a:buNone/>
+              <a:defRPr sz="12000"/>
+            </a:lvl1pPr>
+            <a:lvl2pPr lvl="1" algn="ctr">
+              <a:spcBef>
+                <a:spcPts val="0"/>
+              </a:spcBef>
+              <a:spcAft>
+                <a:spcPts val="0"/>
+              </a:spcAft>
+              <a:buSzPts val="12000"/>
+              <a:buNone/>
+              <a:defRPr sz="12000"/>
+            </a:lvl2pPr>
+            <a:lvl3pPr lvl="2" algn="ctr">
+              <a:spcBef>
+                <a:spcPts val="0"/>
+              </a:spcBef>
+              <a:spcAft>
+                <a:spcPts val="0"/>
+              </a:spcAft>
+              <a:buSzPts val="12000"/>
+              <a:buNone/>
+              <a:defRPr sz="12000"/>
+            </a:lvl3pPr>
+            <a:lvl4pPr lvl="3" algn="ctr">
+              <a:spcBef>
+                <a:spcPts val="0"/>
+              </a:spcBef>
+              <a:spcAft>
+                <a:spcPts val="0"/>
+              </a:spcAft>
+              <a:buSzPts val="12000"/>
+              <a:buNone/>
+              <a:defRPr sz="12000"/>
+            </a:lvl4pPr>
+            <a:lvl5pPr lvl="4" algn="ctr">
+              <a:spcBef>
+                <a:spcPts val="0"/>
+              </a:spcBef>
+              <a:spcAft>
+                <a:spcPts val="0"/>
+              </a:spcAft>
+              <a:buSzPts val="12000"/>
+              <a:buNone/>
+              <a:defRPr sz="12000"/>
+            </a:lvl5pPr>
+            <a:lvl6pPr lvl="5" algn="ctr">
+              <a:spcBef>
+                <a:spcPts val="0"/>
+              </a:spcBef>
+              <a:spcAft>
+                <a:spcPts val="0"/>
+              </a:spcAft>
+              <a:buSzPts val="12000"/>
+              <a:buNone/>
+              <a:defRPr sz="12000"/>
+            </a:lvl6pPr>
+            <a:lvl7pPr lvl="6" algn="ctr">
+              <a:spcBef>
+                <a:spcPts val="0"/>
+              </a:spcBef>
+              <a:spcAft>
+                <a:spcPts val="0"/>
+              </a:spcAft>
+              <a:buSzPts val="12000"/>
+              <a:buNone/>
+              <a:defRPr sz="12000"/>
+            </a:lvl7pPr>
+            <a:lvl8pPr lvl="7" algn="ctr">
+              <a:spcBef>
+                <a:spcPts val="0"/>
+              </a:spcBef>
+              <a:spcAft>
+                <a:spcPts val="0"/>
+              </a:spcAft>
+              <a:buSzPts val="12000"/>
+              <a:buNone/>
+              <a:defRPr sz="12000"/>
+            </a:lvl8pPr>
+            <a:lvl9pPr lvl="8" algn="ctr">
+              <a:spcBef>
+                <a:spcPts val="0"/>
+              </a:spcBef>
+              <a:spcAft>
+                <a:spcPts val="0"/>
+              </a:spcAft>
+              <a:buSzPts val="12000"/>
+              <a:buNone/>
+              <a:defRPr sz="12000"/>
+            </a:lvl9pPr>
+          </a:lstStyle>
+          <a:p>
+            <a:r>
+              <a:t>xx%</a:t>
+            </a:r>
+          </a:p>
+        </p:txBody>
+      </p:sp>
+      <p:sp>
+        <p:nvSpPr>
+          <p:cNvPr id="46" name="Google Shape;46;p11"/>
+          <p:cNvSpPr txBox="1">
+            <a:spLocks noGrp="1"/>
+          </p:cNvSpPr>
+          <p:nvPr>
+            <p:ph type="body" idx="1"/>
+          </p:nvPr>
+        </p:nvSpPr>
+        <p:spPr>
+          <a:xfrm>
+            <a:off x="311700" y="3152225"/>
+            <a:ext cx="8520600" cy="1300800"/>
+          </a:xfrm>
+          <a:prstGeom prst="rect">
+            <a:avLst/>
+          </a:prstGeom>
+        </p:spPr>
+        <p:txBody>
+          <a:bodyPr spcFirstLastPara="1" wrap="square" lIns="91425" tIns="91425" rIns="91425" bIns="91425" anchor="t" anchorCtr="0">
+            <a:noAutofit/>
+          </a:bodyPr>
+          <a:lstStyle>
+            <a:lvl1pPr marL="457200" lvl="0" indent="-342900" algn="ctr">
+              <a:spcBef>
+                <a:spcPts val="0"/>
+              </a:spcBef>
+              <a:spcAft>
+                <a:spcPts val="0"/>
+              </a:spcAft>
+              <a:buSzPts val="1800"/>
+              <a:buChar char="●"/>
+              <a:defRPr/>
+            </a:lvl1pPr>
+            <a:lvl2pPr marL="914400" lvl="1" indent="-317500" algn="ctr">
+              <a:spcBef>
+                <a:spcPts val="1600"/>
+              </a:spcBef>
+              <a:spcAft>
+                <a:spcPts val="0"/>
+              </a:spcAft>
+              <a:buSzPts val="1400"/>
+              <a:buChar char="○"/>
+              <a:defRPr/>
+            </a:lvl2pPr>
+            <a:lvl3pPr marL="1371600" lvl="2" indent="-317500" algn="ctr">
+              <a:spcBef>
+                <a:spcPts val="1600"/>
+              </a:spcBef>
+              <a:spcAft>
+                <a:spcPts val="0"/>
+              </a:spcAft>
+              <a:buSzPts val="1400"/>
+              <a:buChar char="■"/>
+              <a:defRPr/>
+            </a:lvl3pPr>
+            <a:lvl4pPr marL="1828800" lvl="3" indent="-317500" algn="ctr">
+              <a:spcBef>
+                <a:spcPts val="1600"/>
+              </a:spcBef>
+              <a:spcAft>
+                <a:spcPts val="0"/>
+              </a:spcAft>
+              <a:buSzPts val="1400"/>
+              <a:buChar char="●"/>
+              <a:defRPr/>
+            </a:lvl4pPr>
+            <a:lvl5pPr marL="2286000" lvl="4" indent="-317500" algn="ctr">
+              <a:spcBef>
+                <a:spcPts val="1600"/>
+              </a:spcBef>
+              <a:spcAft>
+                <a:spcPts val="0"/>
+              </a:spcAft>
+              <a:buSzPts val="1400"/>
+              <a:buChar char="○"/>
+              <a:defRPr/>
+            </a:lvl5pPr>
+            <a:lvl6pPr marL="2743200" lvl="5" indent="-317500" algn="ctr">
+              <a:spcBef>
+                <a:spcPts val="1600"/>
+              </a:spcBef>
+              <a:spcAft>
+                <a:spcPts val="0"/>
+              </a:spcAft>
+              <a:buSzPts val="1400"/>
+              <a:buChar char="■"/>
+              <a:defRPr/>
+            </a:lvl6pPr>
+            <a:lvl7pPr marL="3200400" lvl="6" indent="-317500" algn="ctr">
+              <a:spcBef>
+                <a:spcPts val="1600"/>
+              </a:spcBef>
+              <a:spcAft>
+                <a:spcPts val="0"/>
+              </a:spcAft>
+              <a:buSzPts val="1400"/>
+              <a:buChar char="●"/>
+              <a:defRPr/>
+            </a:lvl7pPr>
+            <a:lvl8pPr marL="3657600" lvl="7" indent="-317500" algn="ctr">
+              <a:spcBef>
+                <a:spcPts val="1600"/>
+              </a:spcBef>
+              <a:spcAft>
+                <a:spcPts val="0"/>
+              </a:spcAft>
+              <a:buSzPts val="1400"/>
+              <a:buChar char="○"/>
+              <a:defRPr/>
+            </a:lvl8pPr>
+            <a:lvl9pPr marL="4114800" lvl="8" indent="-317500" algn="ctr">
+              <a:spcBef>
+                <a:spcPts val="1600"/>
+              </a:spcBef>
+              <a:spcAft>
+                <a:spcPts val="1600"/>
+              </a:spcAft>
+              <a:buSzPts val="1400"/>
+              <a:buChar char="■"/>
+              <a:defRPr/>
+            </a:lvl9pPr>
+          </a:lstStyle>
+          <a:p>
+            <a:endParaRPr/>
+          </a:p>
+        </p:txBody>
+      </p:sp>
+      <p:sp>
+        <p:nvSpPr>
+          <p:cNvPr id="47" name="Google Shape;47;p11"/>
           <p:cNvSpPr txBox="1">
             <a:spLocks noGrp="1"/>
           </p:cNvSpPr>
@@ -5515,15 +5619,14 @@
   <p:sldLayoutIdLst>
     <p:sldLayoutId id="2147483648" r:id="rId1"/>
     <p:sldLayoutId id="2147483649" r:id="rId2"/>
-    <p:sldLayoutId id="2147483650" r:id="rId3"/>
-    <p:sldLayoutId id="2147483651" r:id="rId4"/>
-    <p:sldLayoutId id="2147483652" r:id="rId5"/>
-    <p:sldLayoutId id="2147483653" r:id="rId6"/>
-    <p:sldLayoutId id="2147483654" r:id="rId7"/>
-    <p:sldLayoutId id="2147483655" r:id="rId8"/>
-    <p:sldLayoutId id="2147483656" r:id="rId9"/>
-    <p:sldLayoutId id="2147483657" r:id="rId10"/>
-    <p:sldLayoutId id="2147483658" r:id="rId11"/>
+    <p:sldLayoutId id="2147483651" r:id="rId3"/>
+    <p:sldLayoutId id="2147483652" r:id="rId4"/>
+    <p:sldLayoutId id="2147483653" r:id="rId5"/>
+    <p:sldLayoutId id="2147483654" r:id="rId6"/>
+    <p:sldLayoutId id="2147483655" r:id="rId7"/>
+    <p:sldLayoutId id="2147483656" r:id="rId8"/>
+    <p:sldLayoutId id="2147483657" r:id="rId9"/>
+    <p:sldLayoutId id="2147483658" r:id="rId10"/>
   </p:sldLayoutIdLst>
   <p:hf sldNum="0" hdr="0" ftr="0" dt="0"/>
   <p:txStyles>
@@ -6221,6 +6324,20 @@
 <file path=ppt/slides/slide1.xml><?xml version="1.0" encoding="utf-8"?>
 <p:sld xmlns:a="http://schemas.openxmlformats.org/drawingml/2006/main" xmlns:r="http://schemas.openxmlformats.org/officeDocument/2006/relationships" xmlns:p="http://schemas.openxmlformats.org/presentationml/2006/main">
   <p:cSld>
+    <p:bg>
+      <p:bgPr>
+        <a:blipFill dpi="0" rotWithShape="1">
+          <a:blip r:embed="rId3">
+            <a:lum/>
+          </a:blip>
+          <a:srcRect/>
+          <a:stretch>
+            <a:fillRect l="-12000" r="-30000"/>
+          </a:stretch>
+        </a:blipFill>
+        <a:effectLst/>
+      </p:bgPr>
+    </p:bg>
     <p:spTree>
       <p:nvGrpSpPr>
         <p:cNvPr id="1" name="Shape 53"/>
@@ -6237,48 +6354,6 @@
       </p:grpSpPr>
       <p:sp>
         <p:nvSpPr>
-          <p:cNvPr id="54" name="Google Shape;54;p13"/>
-          <p:cNvSpPr txBox="1">
-            <a:spLocks noGrp="1"/>
-          </p:cNvSpPr>
-          <p:nvPr>
-            <p:ph type="ctrTitle"/>
-          </p:nvPr>
-        </p:nvSpPr>
-        <p:spPr>
-          <a:xfrm>
-            <a:off x="311708" y="744575"/>
-            <a:ext cx="8520600" cy="2052600"/>
-          </a:xfrm>
-          <a:prstGeom prst="rect">
-            <a:avLst/>
-          </a:prstGeom>
-        </p:spPr>
-        <p:txBody>
-          <a:bodyPr spcFirstLastPara="1" wrap="square" lIns="91425" tIns="91425" rIns="91425" bIns="91425" anchor="b" anchorCtr="0">
-            <a:noAutofit/>
-          </a:bodyPr>
-          <a:lstStyle/>
-          <a:p>
-            <a:pPr marL="0" lvl="0" indent="0" algn="ctr" rtl="0">
-              <a:spcBef>
-                <a:spcPts val="0"/>
-              </a:spcBef>
-              <a:spcAft>
-                <a:spcPts val="0"/>
-              </a:spcAft>
-              <a:buNone/>
-            </a:pPr>
-            <a:r>
-              <a:rPr lang="en" dirty="0"/>
-              <a:t>Movie Wiki?</a:t>
-            </a:r>
-            <a:endParaRPr dirty="0"/>
-          </a:p>
-        </p:txBody>
-      </p:sp>
-      <p:sp>
-        <p:nvSpPr>
           <p:cNvPr id="3" name="Subtitle 2">
             <a:extLst>
               <a:ext uri="{FF2B5EF4-FFF2-40B4-BE49-F238E27FC236}">
@@ -6293,36 +6368,136 @@
             <p:ph type="subTitle" idx="1"/>
           </p:nvPr>
         </p:nvSpPr>
-        <p:spPr/>
+        <p:spPr>
+          <a:xfrm>
+            <a:off x="311699" y="2778858"/>
+            <a:ext cx="8520600" cy="1170143"/>
+          </a:xfrm>
+        </p:spPr>
         <p:txBody>
           <a:bodyPr/>
           <a:lstStyle/>
           <a:p>
             <a:r>
-              <a:rPr lang="en-AU" sz="2000" dirty="0"/>
-              <a:t>A Group Production by</a:t>
+              <a:rPr lang="en-AU" sz="2000" dirty="0">
+                <a:solidFill>
+                  <a:schemeClr val="bg1">
+                    <a:lumMod val="85000"/>
+                  </a:schemeClr>
+                </a:solidFill>
+                <a:highlight>
+                  <a:srgbClr val="000000"/>
+                </a:highlight>
+                <a:latin typeface="+mj-lt"/>
+              </a:rPr>
+              <a:t>A Group Project by</a:t>
             </a:r>
             <a:br>
-              <a:rPr lang="en-AU" sz="2000" dirty="0"/>
+              <a:rPr lang="en-AU" sz="2000" dirty="0">
+                <a:solidFill>
+                  <a:schemeClr val="bg1">
+                    <a:lumMod val="85000"/>
+                  </a:schemeClr>
+                </a:solidFill>
+                <a:highlight>
+                  <a:srgbClr val="000000"/>
+                </a:highlight>
+                <a:latin typeface="+mj-lt"/>
+              </a:rPr>
             </a:br>
             <a:r>
-              <a:rPr lang="en-AU" sz="2000" dirty="0"/>
+              <a:rPr lang="en-AU" sz="2000" dirty="0">
+                <a:solidFill>
+                  <a:schemeClr val="bg1">
+                    <a:lumMod val="85000"/>
+                  </a:schemeClr>
+                </a:solidFill>
+                <a:highlight>
+                  <a:srgbClr val="000000"/>
+                </a:highlight>
+                <a:latin typeface="+mj-lt"/>
+              </a:rPr>
               <a:t>Ben, Roman, Caroline &amp; Chamath</a:t>
+            </a:r>
+          </a:p>
+          <a:p>
+            <a:r>
+              <a:rPr lang="en-AU" sz="1400" dirty="0">
+                <a:solidFill>
+                  <a:schemeClr val="bg1">
+                    <a:lumMod val="85000"/>
+                  </a:schemeClr>
+                </a:solidFill>
+                <a:highlight>
+                  <a:srgbClr val="000000"/>
+                </a:highlight>
+                <a:latin typeface="+mj-lt"/>
+              </a:rPr>
+              <a:t>Group #2</a:t>
             </a:r>
           </a:p>
         </p:txBody>
       </p:sp>
+      <p:pic>
+        <p:nvPicPr>
+          <p:cNvPr id="4" name="Picture 3">
+            <a:extLst>
+              <a:ext uri="{FF2B5EF4-FFF2-40B4-BE49-F238E27FC236}">
+                <a16:creationId xmlns:a16="http://schemas.microsoft.com/office/drawing/2014/main" id="{69E97133-8120-B9D3-0267-8DA246688918}"/>
+              </a:ext>
+            </a:extLst>
+          </p:cNvPr>
+          <p:cNvPicPr>
+            <a:picLocks noChangeAspect="1"/>
+          </p:cNvPicPr>
+          <p:nvPr/>
+        </p:nvPicPr>
+        <p:blipFill rotWithShape="1">
+          <a:blip r:embed="rId4"/>
+          <a:srcRect r="1281" b="9490"/>
+          <a:stretch/>
+        </p:blipFill>
+        <p:spPr>
+          <a:xfrm>
+            <a:off x="2192738" y="1699349"/>
+            <a:ext cx="4773037" cy="894261"/>
+          </a:xfrm>
+          <a:prstGeom prst="rect">
+            <a:avLst/>
+          </a:prstGeom>
+        </p:spPr>
+      </p:pic>
     </p:spTree>
   </p:cSld>
   <p:clrMapOvr>
     <a:masterClrMapping/>
   </p:clrMapOvr>
+  <mc:AlternateContent xmlns:mc="http://schemas.openxmlformats.org/markup-compatibility/2006">
+    <mc:Choice xmlns:p14="http://schemas.microsoft.com/office/powerpoint/2010/main" Requires="p14">
+      <p:transition spd="slow" p14:dur="3400">
+        <p14:reveal/>
+      </p:transition>
+    </mc:Choice>
+    <mc:Fallback>
+      <p:transition spd="slow">
+        <p:fade/>
+      </p:transition>
+    </mc:Fallback>
+  </mc:AlternateContent>
 </p:sld>
 </file>
 
 <file path=ppt/slides/slide2.xml><?xml version="1.0" encoding="utf-8"?>
 <p:sld xmlns:a="http://schemas.openxmlformats.org/drawingml/2006/main" xmlns:r="http://schemas.openxmlformats.org/officeDocument/2006/relationships" xmlns:p="http://schemas.openxmlformats.org/presentationml/2006/main">
   <p:cSld>
+    <p:bg>
+      <p:bgPr>
+        <a:solidFill>
+          <a:schemeClr val="tx1"/>
+        </a:solidFill>
+        <a:effectLst/>
+      </p:bgPr>
+    </p:bg>
     <p:spTree>
       <p:nvGrpSpPr>
         <p:cNvPr id="1" name="Shape 59"/>
@@ -6337,48 +6512,37 @@
           <a:chExt cx="0" cy="0"/>
         </a:xfrm>
       </p:grpSpPr>
-      <p:sp>
-        <p:nvSpPr>
-          <p:cNvPr id="60" name="Google Shape;60;p14"/>
-          <p:cNvSpPr txBox="1">
-            <a:spLocks noGrp="1"/>
-          </p:cNvSpPr>
-          <p:nvPr>
-            <p:ph type="title"/>
-          </p:nvPr>
-        </p:nvSpPr>
+      <p:pic>
+        <p:nvPicPr>
+          <p:cNvPr id="7" name="Picture 6" descr="A picture containing weapon, metalware, wheel, gear&#10;&#10;Description automatically generated">
+            <a:extLst>
+              <a:ext uri="{FF2B5EF4-FFF2-40B4-BE49-F238E27FC236}">
+                <a16:creationId xmlns:a16="http://schemas.microsoft.com/office/drawing/2014/main" id="{A072F4CE-038B-BD31-F4DA-EC749C6A4145}"/>
+              </a:ext>
+            </a:extLst>
+          </p:cNvPr>
+          <p:cNvPicPr>
+            <a:picLocks noChangeAspect="1"/>
+          </p:cNvPicPr>
+          <p:nvPr/>
+        </p:nvPicPr>
+        <p:blipFill rotWithShape="1">
+          <a:blip r:embed="rId3">
+            <a:alphaModFix amt="50000"/>
+          </a:blip>
+          <a:srcRect t="9133" b="45593"/>
+          <a:stretch/>
+        </p:blipFill>
         <p:spPr>
           <a:xfrm>
-            <a:off x="311700" y="931650"/>
-            <a:ext cx="8520600" cy="841800"/>
+            <a:off x="0" y="1"/>
+            <a:ext cx="9144000" cy="1654628"/>
           </a:xfrm>
           <a:prstGeom prst="rect">
             <a:avLst/>
           </a:prstGeom>
         </p:spPr>
-        <p:txBody>
-          <a:bodyPr spcFirstLastPara="1" wrap="square" lIns="91425" tIns="91425" rIns="91425" bIns="91425" anchor="ctr" anchorCtr="0">
-            <a:noAutofit/>
-          </a:bodyPr>
-          <a:lstStyle/>
-          <a:p>
-            <a:pPr marL="0" lvl="0" indent="0" algn="ctr" rtl="0">
-              <a:spcBef>
-                <a:spcPts val="0"/>
-              </a:spcBef>
-              <a:spcAft>
-                <a:spcPts val="0"/>
-              </a:spcAft>
-              <a:buNone/>
-            </a:pPr>
-            <a:r>
-              <a:rPr lang="en" dirty="0"/>
-              <a:t>Elevator pitch</a:t>
-            </a:r>
-            <a:endParaRPr dirty="0"/>
-          </a:p>
-        </p:txBody>
-      </p:sp>
+      </p:pic>
       <p:sp>
         <p:nvSpPr>
           <p:cNvPr id="2" name="TextBox 1">
@@ -6393,8 +6557,8 @@
         </p:nvSpPr>
         <p:spPr>
           <a:xfrm>
-            <a:off x="561109" y="1717965"/>
-            <a:ext cx="8091055" cy="1384995"/>
+            <a:off x="526472" y="2015508"/>
+            <a:ext cx="8091055" cy="2462213"/>
           </a:xfrm>
           <a:prstGeom prst="rect">
             <a:avLst/>
@@ -6407,31 +6571,395 @@
           </a:bodyPr>
           <a:lstStyle/>
           <a:p>
-            <a:pPr marL="285750" indent="-285750">
-              <a:buFont typeface="Arial" panose="020B0604020202020204" pitchFamily="34" charset="0"/>
-              <a:buChar char="•"/>
+            <a:pPr>
+              <a:buClr>
+                <a:schemeClr val="bg1"/>
+              </a:buClr>
             </a:pPr>
             <a:r>
-              <a:rPr lang="en-GB" dirty="0"/>
-              <a:t>This website has been designed for users to be able to search through a library of movies, by filtering desired keywords, a certain genre, date range, ratings, and then be able to preview a trailer.</a:t>
+              <a:rPr lang="en-GB" dirty="0">
+                <a:solidFill>
+                  <a:schemeClr val="bg1">
+                    <a:lumMod val="85000"/>
+                  </a:schemeClr>
+                </a:solidFill>
+              </a:rPr>
+              <a:t>Hello and welcome to our group presentation! We are Ben, Roman, Caroline and Chamath.</a:t>
             </a:r>
           </a:p>
           <a:p>
-            <a:pPr marL="285750" indent="-285750">
-              <a:buFont typeface="Arial" panose="020B0604020202020204" pitchFamily="34" charset="0"/>
-              <a:buChar char="•"/>
+            <a:pPr>
+              <a:buClr>
+                <a:schemeClr val="bg1"/>
+              </a:buClr>
+            </a:pPr>
+            <a:endParaRPr lang="en-GB" dirty="0">
+              <a:solidFill>
+                <a:schemeClr val="bg1">
+                  <a:lumMod val="85000"/>
+                </a:schemeClr>
+              </a:solidFill>
+            </a:endParaRPr>
+          </a:p>
+          <a:p>
+            <a:pPr>
+              <a:buClr>
+                <a:schemeClr val="bg1"/>
+              </a:buClr>
             </a:pPr>
             <a:r>
-              <a:rPr lang="en-GB" dirty="0"/>
-              <a:t>If you’ve ever been on a browsing spree and have seen a movie you liked, this website will track your search history so that you can easily revisit it.</a:t>
+              <a:rPr lang="en-GB" dirty="0">
+                <a:solidFill>
+                  <a:schemeClr val="bg1">
+                    <a:lumMod val="85000"/>
+                  </a:schemeClr>
+                </a:solidFill>
+              </a:rPr>
+              <a:t>We have designed a website that allows users to search for a movie consisting of desired keywords, with the ability to filter certain criteria, such as movie genre, timeframe of movies release, and the rating.</a:t>
             </a:r>
           </a:p>
           <a:p>
-            <a:pPr marL="285750" indent="-285750">
-              <a:buFont typeface="Arial" panose="020B0604020202020204" pitchFamily="34" charset="0"/>
-              <a:buChar char="•"/>
+            <a:pPr>
+              <a:buClr>
+                <a:schemeClr val="bg1"/>
+              </a:buClr>
             </a:pPr>
-            <a:endParaRPr lang="en-AU" dirty="0"/>
+            <a:endParaRPr lang="en-GB" dirty="0">
+              <a:solidFill>
+                <a:schemeClr val="bg1">
+                  <a:lumMod val="85000"/>
+                </a:schemeClr>
+              </a:solidFill>
+            </a:endParaRPr>
+          </a:p>
+          <a:p>
+            <a:pPr>
+              <a:buClr>
+                <a:schemeClr val="bg1"/>
+              </a:buClr>
+            </a:pPr>
+            <a:r>
+              <a:rPr lang="en-GB" dirty="0">
+                <a:solidFill>
+                  <a:schemeClr val="bg1">
+                    <a:lumMod val="85000"/>
+                  </a:schemeClr>
+                </a:solidFill>
+              </a:rPr>
+              <a:t>Once information has been entered within the fields provided (or you can simply not enter anything and still browse!), a library of movies will be displayed to the user for them to browse through.</a:t>
+            </a:r>
+          </a:p>
+          <a:p>
+            <a:pPr>
+              <a:buClr>
+                <a:schemeClr val="bg1"/>
+              </a:buClr>
+            </a:pPr>
+            <a:endParaRPr lang="en-GB" dirty="0">
+              <a:solidFill>
+                <a:schemeClr val="bg1">
+                  <a:lumMod val="85000"/>
+                </a:schemeClr>
+              </a:solidFill>
+            </a:endParaRPr>
+          </a:p>
+          <a:p>
+            <a:pPr>
+              <a:buClr>
+                <a:schemeClr val="bg1"/>
+              </a:buClr>
+            </a:pPr>
+            <a:r>
+              <a:rPr lang="en-GB" dirty="0">
+                <a:solidFill>
+                  <a:schemeClr val="bg1">
+                    <a:lumMod val="85000"/>
+                  </a:schemeClr>
+                </a:solidFill>
+              </a:rPr>
+              <a:t>The user then has the ability to select a movie from the library displayed, and view the trailer for the selected movie.</a:t>
+            </a:r>
+            <a:endParaRPr lang="en-AU" dirty="0">
+              <a:solidFill>
+                <a:schemeClr val="bg1">
+                  <a:lumMod val="85000"/>
+                </a:schemeClr>
+              </a:solidFill>
+            </a:endParaRPr>
+          </a:p>
+        </p:txBody>
+      </p:sp>
+      <p:sp>
+        <p:nvSpPr>
+          <p:cNvPr id="4" name="Subtitle 2">
+            <a:extLst>
+              <a:ext uri="{FF2B5EF4-FFF2-40B4-BE49-F238E27FC236}">
+                <a16:creationId xmlns:a16="http://schemas.microsoft.com/office/drawing/2014/main" id="{2DD778C7-57A3-DA8A-91BB-1D2FA9A6E3C3}"/>
+              </a:ext>
+            </a:extLst>
+          </p:cNvPr>
+          <p:cNvSpPr txBox="1">
+            <a:spLocks/>
+          </p:cNvSpPr>
+          <p:nvPr/>
+        </p:nvSpPr>
+        <p:spPr>
+          <a:xfrm>
+            <a:off x="311700" y="547823"/>
+            <a:ext cx="8520600" cy="761994"/>
+          </a:xfrm>
+          <a:prstGeom prst="rect">
+            <a:avLst/>
+          </a:prstGeom>
+        </p:spPr>
+        <p:txBody>
+          <a:bodyPr/>
+          <a:lstStyle>
+            <a:defPPr marR="0" lvl="0" algn="l" rtl="0">
+              <a:lnSpc>
+                <a:spcPct val="100000"/>
+              </a:lnSpc>
+              <a:spcBef>
+                <a:spcPts val="0"/>
+              </a:spcBef>
+              <a:spcAft>
+                <a:spcPts val="0"/>
+              </a:spcAft>
+            </a:defPPr>
+            <a:lvl1pPr marR="0" lvl="0" algn="l" rtl="0">
+              <a:lnSpc>
+                <a:spcPct val="100000"/>
+              </a:lnSpc>
+              <a:spcBef>
+                <a:spcPts val="0"/>
+              </a:spcBef>
+              <a:spcAft>
+                <a:spcPts val="0"/>
+              </a:spcAft>
+              <a:buClr>
+                <a:srgbClr val="000000"/>
+              </a:buClr>
+              <a:buFont typeface="Arial"/>
+              <a:defRPr sz="1400" b="0" i="0" u="none" strike="noStrike" cap="none">
+                <a:solidFill>
+                  <a:srgbClr val="000000"/>
+                </a:solidFill>
+                <a:latin typeface="Arial"/>
+                <a:ea typeface="Arial"/>
+                <a:cs typeface="Arial"/>
+                <a:sym typeface="Arial"/>
+              </a:defRPr>
+            </a:lvl1pPr>
+            <a:lvl2pPr marR="0" lvl="1" algn="l" rtl="0">
+              <a:lnSpc>
+                <a:spcPct val="100000"/>
+              </a:lnSpc>
+              <a:spcBef>
+                <a:spcPts val="0"/>
+              </a:spcBef>
+              <a:spcAft>
+                <a:spcPts val="0"/>
+              </a:spcAft>
+              <a:buClr>
+                <a:srgbClr val="000000"/>
+              </a:buClr>
+              <a:buFont typeface="Arial"/>
+              <a:defRPr sz="1400" b="0" i="0" u="none" strike="noStrike" cap="none">
+                <a:solidFill>
+                  <a:srgbClr val="000000"/>
+                </a:solidFill>
+                <a:latin typeface="Arial"/>
+                <a:ea typeface="Arial"/>
+                <a:cs typeface="Arial"/>
+                <a:sym typeface="Arial"/>
+              </a:defRPr>
+            </a:lvl2pPr>
+            <a:lvl3pPr marR="0" lvl="2" algn="l" rtl="0">
+              <a:lnSpc>
+                <a:spcPct val="100000"/>
+              </a:lnSpc>
+              <a:spcBef>
+                <a:spcPts val="0"/>
+              </a:spcBef>
+              <a:spcAft>
+                <a:spcPts val="0"/>
+              </a:spcAft>
+              <a:buClr>
+                <a:srgbClr val="000000"/>
+              </a:buClr>
+              <a:buFont typeface="Arial"/>
+              <a:defRPr sz="1400" b="0" i="0" u="none" strike="noStrike" cap="none">
+                <a:solidFill>
+                  <a:srgbClr val="000000"/>
+                </a:solidFill>
+                <a:latin typeface="Arial"/>
+                <a:ea typeface="Arial"/>
+                <a:cs typeface="Arial"/>
+                <a:sym typeface="Arial"/>
+              </a:defRPr>
+            </a:lvl3pPr>
+            <a:lvl4pPr marR="0" lvl="3" algn="l" rtl="0">
+              <a:lnSpc>
+                <a:spcPct val="100000"/>
+              </a:lnSpc>
+              <a:spcBef>
+                <a:spcPts val="0"/>
+              </a:spcBef>
+              <a:spcAft>
+                <a:spcPts val="0"/>
+              </a:spcAft>
+              <a:buClr>
+                <a:srgbClr val="000000"/>
+              </a:buClr>
+              <a:buFont typeface="Arial"/>
+              <a:defRPr sz="1400" b="0" i="0" u="none" strike="noStrike" cap="none">
+                <a:solidFill>
+                  <a:srgbClr val="000000"/>
+                </a:solidFill>
+                <a:latin typeface="Arial"/>
+                <a:ea typeface="Arial"/>
+                <a:cs typeface="Arial"/>
+                <a:sym typeface="Arial"/>
+              </a:defRPr>
+            </a:lvl4pPr>
+            <a:lvl5pPr marR="0" lvl="4" algn="l" rtl="0">
+              <a:lnSpc>
+                <a:spcPct val="100000"/>
+              </a:lnSpc>
+              <a:spcBef>
+                <a:spcPts val="0"/>
+              </a:spcBef>
+              <a:spcAft>
+                <a:spcPts val="0"/>
+              </a:spcAft>
+              <a:buClr>
+                <a:srgbClr val="000000"/>
+              </a:buClr>
+              <a:buFont typeface="Arial"/>
+              <a:defRPr sz="1400" b="0" i="0" u="none" strike="noStrike" cap="none">
+                <a:solidFill>
+                  <a:srgbClr val="000000"/>
+                </a:solidFill>
+                <a:latin typeface="Arial"/>
+                <a:ea typeface="Arial"/>
+                <a:cs typeface="Arial"/>
+                <a:sym typeface="Arial"/>
+              </a:defRPr>
+            </a:lvl5pPr>
+            <a:lvl6pPr marR="0" lvl="5" algn="l" rtl="0">
+              <a:lnSpc>
+                <a:spcPct val="100000"/>
+              </a:lnSpc>
+              <a:spcBef>
+                <a:spcPts val="0"/>
+              </a:spcBef>
+              <a:spcAft>
+                <a:spcPts val="0"/>
+              </a:spcAft>
+              <a:buClr>
+                <a:srgbClr val="000000"/>
+              </a:buClr>
+              <a:buFont typeface="Arial"/>
+              <a:defRPr sz="1400" b="0" i="0" u="none" strike="noStrike" cap="none">
+                <a:solidFill>
+                  <a:srgbClr val="000000"/>
+                </a:solidFill>
+                <a:latin typeface="Arial"/>
+                <a:ea typeface="Arial"/>
+                <a:cs typeface="Arial"/>
+                <a:sym typeface="Arial"/>
+              </a:defRPr>
+            </a:lvl6pPr>
+            <a:lvl7pPr marR="0" lvl="6" algn="l" rtl="0">
+              <a:lnSpc>
+                <a:spcPct val="100000"/>
+              </a:lnSpc>
+              <a:spcBef>
+                <a:spcPts val="0"/>
+              </a:spcBef>
+              <a:spcAft>
+                <a:spcPts val="0"/>
+              </a:spcAft>
+              <a:buClr>
+                <a:srgbClr val="000000"/>
+              </a:buClr>
+              <a:buFont typeface="Arial"/>
+              <a:defRPr sz="1400" b="0" i="0" u="none" strike="noStrike" cap="none">
+                <a:solidFill>
+                  <a:srgbClr val="000000"/>
+                </a:solidFill>
+                <a:latin typeface="Arial"/>
+                <a:ea typeface="Arial"/>
+                <a:cs typeface="Arial"/>
+                <a:sym typeface="Arial"/>
+              </a:defRPr>
+            </a:lvl7pPr>
+            <a:lvl8pPr marR="0" lvl="7" algn="l" rtl="0">
+              <a:lnSpc>
+                <a:spcPct val="100000"/>
+              </a:lnSpc>
+              <a:spcBef>
+                <a:spcPts val="0"/>
+              </a:spcBef>
+              <a:spcAft>
+                <a:spcPts val="0"/>
+              </a:spcAft>
+              <a:buClr>
+                <a:srgbClr val="000000"/>
+              </a:buClr>
+              <a:buFont typeface="Arial"/>
+              <a:defRPr sz="1400" b="0" i="0" u="none" strike="noStrike" cap="none">
+                <a:solidFill>
+                  <a:srgbClr val="000000"/>
+                </a:solidFill>
+                <a:latin typeface="Arial"/>
+                <a:ea typeface="Arial"/>
+                <a:cs typeface="Arial"/>
+                <a:sym typeface="Arial"/>
+              </a:defRPr>
+            </a:lvl8pPr>
+            <a:lvl9pPr marR="0" lvl="8" algn="l" rtl="0">
+              <a:lnSpc>
+                <a:spcPct val="100000"/>
+              </a:lnSpc>
+              <a:spcBef>
+                <a:spcPts val="0"/>
+              </a:spcBef>
+              <a:spcAft>
+                <a:spcPts val="0"/>
+              </a:spcAft>
+              <a:buClr>
+                <a:srgbClr val="000000"/>
+              </a:buClr>
+              <a:buFont typeface="Arial"/>
+              <a:defRPr sz="1400" b="0" i="0" u="none" strike="noStrike" cap="none">
+                <a:solidFill>
+                  <a:srgbClr val="000000"/>
+                </a:solidFill>
+                <a:latin typeface="Arial"/>
+                <a:ea typeface="Arial"/>
+                <a:cs typeface="Arial"/>
+                <a:sym typeface="Arial"/>
+              </a:defRPr>
+            </a:lvl9pPr>
+          </a:lstStyle>
+          <a:p>
+            <a:pPr algn="ctr"/>
+            <a:r>
+              <a:rPr lang="en-AU" sz="4000" b="1" dirty="0">
+                <a:solidFill>
+                  <a:schemeClr val="bg1"/>
+                </a:solidFill>
+                <a:latin typeface="Playfair Display SC" panose="020B0604020202020204" pitchFamily="2" charset="0"/>
+              </a:rPr>
+              <a:t>Elevator Pitch</a:t>
+            </a:r>
+            <a:endParaRPr lang="en-AU" sz="3200" b="1" dirty="0">
+              <a:solidFill>
+                <a:schemeClr val="bg1"/>
+              </a:solidFill>
+              <a:latin typeface="Playfair Display SC" panose="020B0604020202020204" pitchFamily="2" charset="0"/>
+            </a:endParaRPr>
           </a:p>
         </p:txBody>
       </p:sp>
@@ -6440,15 +6968,449 @@
   <p:clrMapOvr>
     <a:masterClrMapping/>
   </p:clrMapOvr>
+  <p:transition spd="slow">
+    <p:wipe/>
+  </p:transition>
+  <p:timing>
+    <p:tnLst>
+      <p:par>
+        <p:cTn id="1" dur="indefinite" restart="never" nodeType="tmRoot">
+          <p:childTnLst>
+            <p:seq concurrent="1" nextAc="seek">
+              <p:cTn id="2" dur="indefinite" nodeType="mainSeq">
+                <p:childTnLst>
+                  <p:par>
+                    <p:cTn id="3" fill="hold">
+                      <p:stCondLst>
+                        <p:cond delay="indefinite"/>
+                        <p:cond evt="onBegin" delay="0">
+                          <p:tn val="2"/>
+                        </p:cond>
+                      </p:stCondLst>
+                      <p:childTnLst>
+                        <p:par>
+                          <p:cTn id="4" fill="hold">
+                            <p:stCondLst>
+                              <p:cond delay="0"/>
+                            </p:stCondLst>
+                            <p:childTnLst>
+                              <p:par>
+                                <p:cTn id="5" presetID="26" presetClass="entr" presetSubtype="0" fill="hold" grpId="0" nodeType="afterEffect">
+                                  <p:stCondLst>
+                                    <p:cond delay="0"/>
+                                  </p:stCondLst>
+                                  <p:childTnLst>
+                                    <p:set>
+                                      <p:cBhvr>
+                                        <p:cTn id="6" dur="1" fill="hold">
+                                          <p:stCondLst>
+                                            <p:cond delay="0"/>
+                                          </p:stCondLst>
+                                        </p:cTn>
+                                        <p:tgtEl>
+                                          <p:spTgt spid="4"/>
+                                        </p:tgtEl>
+                                        <p:attrNameLst>
+                                          <p:attrName>style.visibility</p:attrName>
+                                        </p:attrNameLst>
+                                      </p:cBhvr>
+                                      <p:to>
+                                        <p:strVal val="visible"/>
+                                      </p:to>
+                                    </p:set>
+                                    <p:animEffect transition="in" filter="wipe(down)">
+                                      <p:cBhvr>
+                                        <p:cTn id="7" dur="580">
+                                          <p:stCondLst>
+                                            <p:cond delay="0"/>
+                                          </p:stCondLst>
+                                        </p:cTn>
+                                        <p:tgtEl>
+                                          <p:spTgt spid="4"/>
+                                        </p:tgtEl>
+                                      </p:cBhvr>
+                                    </p:animEffect>
+                                    <p:anim calcmode="lin" valueType="num">
+                                      <p:cBhvr>
+                                        <p:cTn id="8" dur="1822" tmFilter="0,0; 0.14,0.36; 0.43,0.73; 0.71,0.91; 1.0,1.0">
+                                          <p:stCondLst>
+                                            <p:cond delay="0"/>
+                                          </p:stCondLst>
+                                        </p:cTn>
+                                        <p:tgtEl>
+                                          <p:spTgt spid="4"/>
+                                        </p:tgtEl>
+                                        <p:attrNameLst>
+                                          <p:attrName>ppt_x</p:attrName>
+                                        </p:attrNameLst>
+                                      </p:cBhvr>
+                                      <p:tavLst>
+                                        <p:tav tm="0">
+                                          <p:val>
+                                            <p:strVal val="#ppt_x-0.25"/>
+                                          </p:val>
+                                        </p:tav>
+                                        <p:tav tm="100000">
+                                          <p:val>
+                                            <p:strVal val="#ppt_x"/>
+                                          </p:val>
+                                        </p:tav>
+                                      </p:tavLst>
+                                    </p:anim>
+                                    <p:anim calcmode="lin" valueType="num">
+                                      <p:cBhvr>
+                                        <p:cTn id="9" dur="664" tmFilter="0.0,0.0; 0.25,0.07; 0.50,0.2; 0.75,0.467; 1.0,1.0">
+                                          <p:stCondLst>
+                                            <p:cond delay="0"/>
+                                          </p:stCondLst>
+                                        </p:cTn>
+                                        <p:tgtEl>
+                                          <p:spTgt spid="4"/>
+                                        </p:tgtEl>
+                                        <p:attrNameLst>
+                                          <p:attrName>ppt_y</p:attrName>
+                                        </p:attrNameLst>
+                                      </p:cBhvr>
+                                      <p:tavLst>
+                                        <p:tav tm="0" fmla="#ppt_y-sin(pi*$)/3">
+                                          <p:val>
+                                            <p:fltVal val="0.5"/>
+                                          </p:val>
+                                        </p:tav>
+                                        <p:tav tm="100000">
+                                          <p:val>
+                                            <p:fltVal val="1"/>
+                                          </p:val>
+                                        </p:tav>
+                                      </p:tavLst>
+                                    </p:anim>
+                                    <p:anim calcmode="lin" valueType="num">
+                                      <p:cBhvr>
+                                        <p:cTn id="10" dur="664" tmFilter="0, 0; 0.125,0.2665; 0.25,0.4; 0.375,0.465; 0.5,0.5;  0.625,0.535; 0.75,0.6; 0.875,0.7335; 1,1">
+                                          <p:stCondLst>
+                                            <p:cond delay="664"/>
+                                          </p:stCondLst>
+                                        </p:cTn>
+                                        <p:tgtEl>
+                                          <p:spTgt spid="4"/>
+                                        </p:tgtEl>
+                                        <p:attrNameLst>
+                                          <p:attrName>ppt_y</p:attrName>
+                                        </p:attrNameLst>
+                                      </p:cBhvr>
+                                      <p:tavLst>
+                                        <p:tav tm="0" fmla="#ppt_y-sin(pi*$)/9">
+                                          <p:val>
+                                            <p:fltVal val="0"/>
+                                          </p:val>
+                                        </p:tav>
+                                        <p:tav tm="100000">
+                                          <p:val>
+                                            <p:fltVal val="1"/>
+                                          </p:val>
+                                        </p:tav>
+                                      </p:tavLst>
+                                    </p:anim>
+                                    <p:anim calcmode="lin" valueType="num">
+                                      <p:cBhvr>
+                                        <p:cTn id="11" dur="332" tmFilter="0, 0; 0.125,0.2665; 0.25,0.4; 0.375,0.465; 0.5,0.5;  0.625,0.535; 0.75,0.6; 0.875,0.7335; 1,1">
+                                          <p:stCondLst>
+                                            <p:cond delay="1324"/>
+                                          </p:stCondLst>
+                                        </p:cTn>
+                                        <p:tgtEl>
+                                          <p:spTgt spid="4"/>
+                                        </p:tgtEl>
+                                        <p:attrNameLst>
+                                          <p:attrName>ppt_y</p:attrName>
+                                        </p:attrNameLst>
+                                      </p:cBhvr>
+                                      <p:tavLst>
+                                        <p:tav tm="0" fmla="#ppt_y-sin(pi*$)/27">
+                                          <p:val>
+                                            <p:fltVal val="0"/>
+                                          </p:val>
+                                        </p:tav>
+                                        <p:tav tm="100000">
+                                          <p:val>
+                                            <p:fltVal val="1"/>
+                                          </p:val>
+                                        </p:tav>
+                                      </p:tavLst>
+                                    </p:anim>
+                                    <p:anim calcmode="lin" valueType="num">
+                                      <p:cBhvr>
+                                        <p:cTn id="12" dur="164" tmFilter="0, 0; 0.125,0.2665; 0.25,0.4; 0.375,0.465; 0.5,0.5;  0.625,0.535; 0.75,0.6; 0.875,0.7335; 1,1">
+                                          <p:stCondLst>
+                                            <p:cond delay="1656"/>
+                                          </p:stCondLst>
+                                        </p:cTn>
+                                        <p:tgtEl>
+                                          <p:spTgt spid="4"/>
+                                        </p:tgtEl>
+                                        <p:attrNameLst>
+                                          <p:attrName>ppt_y</p:attrName>
+                                        </p:attrNameLst>
+                                      </p:cBhvr>
+                                      <p:tavLst>
+                                        <p:tav tm="0" fmla="#ppt_y-sin(pi*$)/81">
+                                          <p:val>
+                                            <p:fltVal val="0"/>
+                                          </p:val>
+                                        </p:tav>
+                                        <p:tav tm="100000">
+                                          <p:val>
+                                            <p:fltVal val="1"/>
+                                          </p:val>
+                                        </p:tav>
+                                      </p:tavLst>
+                                    </p:anim>
+                                    <p:animScale>
+                                      <p:cBhvr>
+                                        <p:cTn id="13" dur="26">
+                                          <p:stCondLst>
+                                            <p:cond delay="650"/>
+                                          </p:stCondLst>
+                                        </p:cTn>
+                                        <p:tgtEl>
+                                          <p:spTgt spid="4"/>
+                                        </p:tgtEl>
+                                      </p:cBhvr>
+                                      <p:to x="100000" y="60000"/>
+                                    </p:animScale>
+                                    <p:animScale>
+                                      <p:cBhvr>
+                                        <p:cTn id="14" dur="166" decel="50000">
+                                          <p:stCondLst>
+                                            <p:cond delay="676"/>
+                                          </p:stCondLst>
+                                        </p:cTn>
+                                        <p:tgtEl>
+                                          <p:spTgt spid="4"/>
+                                        </p:tgtEl>
+                                      </p:cBhvr>
+                                      <p:to x="100000" y="100000"/>
+                                    </p:animScale>
+                                    <p:animScale>
+                                      <p:cBhvr>
+                                        <p:cTn id="15" dur="26">
+                                          <p:stCondLst>
+                                            <p:cond delay="1312"/>
+                                          </p:stCondLst>
+                                        </p:cTn>
+                                        <p:tgtEl>
+                                          <p:spTgt spid="4"/>
+                                        </p:tgtEl>
+                                      </p:cBhvr>
+                                      <p:to x="100000" y="80000"/>
+                                    </p:animScale>
+                                    <p:animScale>
+                                      <p:cBhvr>
+                                        <p:cTn id="16" dur="166" decel="50000">
+                                          <p:stCondLst>
+                                            <p:cond delay="1338"/>
+                                          </p:stCondLst>
+                                        </p:cTn>
+                                        <p:tgtEl>
+                                          <p:spTgt spid="4"/>
+                                        </p:tgtEl>
+                                      </p:cBhvr>
+                                      <p:to x="100000" y="100000"/>
+                                    </p:animScale>
+                                    <p:animScale>
+                                      <p:cBhvr>
+                                        <p:cTn id="17" dur="26">
+                                          <p:stCondLst>
+                                            <p:cond delay="1642"/>
+                                          </p:stCondLst>
+                                        </p:cTn>
+                                        <p:tgtEl>
+                                          <p:spTgt spid="4"/>
+                                        </p:tgtEl>
+                                      </p:cBhvr>
+                                      <p:to x="100000" y="90000"/>
+                                    </p:animScale>
+                                    <p:animScale>
+                                      <p:cBhvr>
+                                        <p:cTn id="18" dur="166" decel="50000">
+                                          <p:stCondLst>
+                                            <p:cond delay="1668"/>
+                                          </p:stCondLst>
+                                        </p:cTn>
+                                        <p:tgtEl>
+                                          <p:spTgt spid="4"/>
+                                        </p:tgtEl>
+                                      </p:cBhvr>
+                                      <p:to x="100000" y="100000"/>
+                                    </p:animScale>
+                                    <p:animScale>
+                                      <p:cBhvr>
+                                        <p:cTn id="19" dur="26">
+                                          <p:stCondLst>
+                                            <p:cond delay="1808"/>
+                                          </p:stCondLst>
+                                        </p:cTn>
+                                        <p:tgtEl>
+                                          <p:spTgt spid="4"/>
+                                        </p:tgtEl>
+                                      </p:cBhvr>
+                                      <p:to x="100000" y="95000"/>
+                                    </p:animScale>
+                                    <p:animScale>
+                                      <p:cBhvr>
+                                        <p:cTn id="20" dur="166" decel="50000">
+                                          <p:stCondLst>
+                                            <p:cond delay="1834"/>
+                                          </p:stCondLst>
+                                        </p:cTn>
+                                        <p:tgtEl>
+                                          <p:spTgt spid="4"/>
+                                        </p:tgtEl>
+                                      </p:cBhvr>
+                                      <p:to x="100000" y="100000"/>
+                                    </p:animScale>
+                                  </p:childTnLst>
+                                </p:cTn>
+                              </p:par>
+                            </p:childTnLst>
+                          </p:cTn>
+                        </p:par>
+                        <p:par>
+                          <p:cTn id="21" fill="hold">
+                            <p:stCondLst>
+                              <p:cond delay="2000"/>
+                            </p:stCondLst>
+                            <p:childTnLst>
+                              <p:par>
+                                <p:cTn id="22" presetID="42" presetClass="entr" presetSubtype="0" fill="hold" grpId="0" nodeType="afterEffect">
+                                  <p:stCondLst>
+                                    <p:cond delay="0"/>
+                                  </p:stCondLst>
+                                  <p:childTnLst>
+                                    <p:set>
+                                      <p:cBhvr>
+                                        <p:cTn id="23" dur="1" fill="hold">
+                                          <p:stCondLst>
+                                            <p:cond delay="0"/>
+                                          </p:stCondLst>
+                                        </p:cTn>
+                                        <p:tgtEl>
+                                          <p:spTgt spid="2"/>
+                                        </p:tgtEl>
+                                        <p:attrNameLst>
+                                          <p:attrName>style.visibility</p:attrName>
+                                        </p:attrNameLst>
+                                      </p:cBhvr>
+                                      <p:to>
+                                        <p:strVal val="visible"/>
+                                      </p:to>
+                                    </p:set>
+                                    <p:animEffect transition="in" filter="fade">
+                                      <p:cBhvr>
+                                        <p:cTn id="24" dur="1000"/>
+                                        <p:tgtEl>
+                                          <p:spTgt spid="2"/>
+                                        </p:tgtEl>
+                                      </p:cBhvr>
+                                    </p:animEffect>
+                                    <p:anim calcmode="lin" valueType="num">
+                                      <p:cBhvr>
+                                        <p:cTn id="25" dur="1000" fill="hold"/>
+                                        <p:tgtEl>
+                                          <p:spTgt spid="2"/>
+                                        </p:tgtEl>
+                                        <p:attrNameLst>
+                                          <p:attrName>ppt_x</p:attrName>
+                                        </p:attrNameLst>
+                                      </p:cBhvr>
+                                      <p:tavLst>
+                                        <p:tav tm="0">
+                                          <p:val>
+                                            <p:strVal val="#ppt_x"/>
+                                          </p:val>
+                                        </p:tav>
+                                        <p:tav tm="100000">
+                                          <p:val>
+                                            <p:strVal val="#ppt_x"/>
+                                          </p:val>
+                                        </p:tav>
+                                      </p:tavLst>
+                                    </p:anim>
+                                    <p:anim calcmode="lin" valueType="num">
+                                      <p:cBhvr>
+                                        <p:cTn id="26" dur="1000" fill="hold"/>
+                                        <p:tgtEl>
+                                          <p:spTgt spid="2"/>
+                                        </p:tgtEl>
+                                        <p:attrNameLst>
+                                          <p:attrName>ppt_y</p:attrName>
+                                        </p:attrNameLst>
+                                      </p:cBhvr>
+                                      <p:tavLst>
+                                        <p:tav tm="0">
+                                          <p:val>
+                                            <p:strVal val="#ppt_y+.1"/>
+                                          </p:val>
+                                        </p:tav>
+                                        <p:tav tm="100000">
+                                          <p:val>
+                                            <p:strVal val="#ppt_y"/>
+                                          </p:val>
+                                        </p:tav>
+                                      </p:tavLst>
+                                    </p:anim>
+                                  </p:childTnLst>
+                                </p:cTn>
+                              </p:par>
+                            </p:childTnLst>
+                          </p:cTn>
+                        </p:par>
+                      </p:childTnLst>
+                    </p:cTn>
+                  </p:par>
+                </p:childTnLst>
+              </p:cTn>
+              <p:prevCondLst>
+                <p:cond evt="onPrev" delay="0">
+                  <p:tgtEl>
+                    <p:sldTgt/>
+                  </p:tgtEl>
+                </p:cond>
+              </p:prevCondLst>
+              <p:nextCondLst>
+                <p:cond evt="onNext" delay="0">
+                  <p:tgtEl>
+                    <p:sldTgt/>
+                  </p:tgtEl>
+                </p:cond>
+              </p:nextCondLst>
+            </p:seq>
+          </p:childTnLst>
+        </p:cTn>
+      </p:par>
+    </p:tnLst>
+    <p:bldLst>
+      <p:bldP spid="2" grpId="0"/>
+      <p:bldP spid="4" grpId="0"/>
+    </p:bldLst>
+  </p:timing>
 </p:sld>
 </file>
 
 <file path=ppt/slides/slide3.xml><?xml version="1.0" encoding="utf-8"?>
 <p:sld xmlns:a="http://schemas.openxmlformats.org/drawingml/2006/main" xmlns:r="http://schemas.openxmlformats.org/officeDocument/2006/relationships" xmlns:p="http://schemas.openxmlformats.org/presentationml/2006/main">
   <p:cSld>
+    <p:bg>
+      <p:bgPr>
+        <a:solidFill>
+          <a:schemeClr val="tx1"/>
+        </a:solidFill>
+        <a:effectLst/>
+      </p:bgPr>
+    </p:bg>
     <p:spTree>
       <p:nvGrpSpPr>
-        <p:cNvPr id="1" name="Shape 64"/>
+        <p:cNvPr id="1" name="Shape 59"/>
         <p:cNvGrpSpPr/>
         <p:nvPr/>
       </p:nvGrpSpPr>
@@ -6460,192 +7422,1294 @@
           <a:chExt cx="0" cy="0"/>
         </a:xfrm>
       </p:grpSpPr>
+      <p:pic>
+        <p:nvPicPr>
+          <p:cNvPr id="7" name="Picture 6" descr="A picture containing weapon, metalware, wheel, gear&#10;&#10;Description automatically generated">
+            <a:extLst>
+              <a:ext uri="{FF2B5EF4-FFF2-40B4-BE49-F238E27FC236}">
+                <a16:creationId xmlns:a16="http://schemas.microsoft.com/office/drawing/2014/main" id="{A072F4CE-038B-BD31-F4DA-EC749C6A4145}"/>
+              </a:ext>
+            </a:extLst>
+          </p:cNvPr>
+          <p:cNvPicPr>
+            <a:picLocks noChangeAspect="1"/>
+          </p:cNvPicPr>
+          <p:nvPr/>
+        </p:nvPicPr>
+        <p:blipFill rotWithShape="1">
+          <a:blip r:embed="rId3">
+            <a:alphaModFix amt="50000"/>
+          </a:blip>
+          <a:srcRect t="9133" b="68230"/>
+          <a:stretch/>
+        </p:blipFill>
+        <p:spPr>
+          <a:xfrm>
+            <a:off x="0" y="0"/>
+            <a:ext cx="9144000" cy="827314"/>
+          </a:xfrm>
+          <a:prstGeom prst="rect">
+            <a:avLst/>
+          </a:prstGeom>
+        </p:spPr>
+      </p:pic>
       <p:sp>
         <p:nvSpPr>
-          <p:cNvPr id="65" name="Google Shape;65;p15"/>
+          <p:cNvPr id="4" name="Subtitle 2">
+            <a:extLst>
+              <a:ext uri="{FF2B5EF4-FFF2-40B4-BE49-F238E27FC236}">
+                <a16:creationId xmlns:a16="http://schemas.microsoft.com/office/drawing/2014/main" id="{2DD778C7-57A3-DA8A-91BB-1D2FA9A6E3C3}"/>
+              </a:ext>
+            </a:extLst>
+          </p:cNvPr>
           <p:cNvSpPr txBox="1">
-            <a:spLocks noGrp="1"/>
+            <a:spLocks/>
           </p:cNvSpPr>
-          <p:nvPr>
-            <p:ph type="title"/>
-          </p:nvPr>
+          <p:nvPr/>
         </p:nvSpPr>
         <p:spPr>
           <a:xfrm>
-            <a:off x="311700" y="445025"/>
-            <a:ext cx="8520600" cy="572700"/>
+            <a:off x="309741" y="65320"/>
+            <a:ext cx="8520600" cy="761994"/>
           </a:xfrm>
           <a:prstGeom prst="rect">
             <a:avLst/>
           </a:prstGeom>
         </p:spPr>
         <p:txBody>
-          <a:bodyPr spcFirstLastPara="1" wrap="square" lIns="91425" tIns="91425" rIns="91425" bIns="91425" anchor="t" anchorCtr="0">
-            <a:noAutofit/>
-          </a:bodyPr>
-          <a:lstStyle/>
+          <a:bodyPr/>
+          <a:lstStyle>
+            <a:defPPr marR="0" lvl="0" algn="l" rtl="0">
+              <a:lnSpc>
+                <a:spcPct val="100000"/>
+              </a:lnSpc>
+              <a:spcBef>
+                <a:spcPts val="0"/>
+              </a:spcBef>
+              <a:spcAft>
+                <a:spcPts val="0"/>
+              </a:spcAft>
+            </a:defPPr>
+            <a:lvl1pPr marR="0" lvl="0" algn="l" rtl="0">
+              <a:lnSpc>
+                <a:spcPct val="100000"/>
+              </a:lnSpc>
+              <a:spcBef>
+                <a:spcPts val="0"/>
+              </a:spcBef>
+              <a:spcAft>
+                <a:spcPts val="0"/>
+              </a:spcAft>
+              <a:buClr>
+                <a:srgbClr val="000000"/>
+              </a:buClr>
+              <a:buFont typeface="Arial"/>
+              <a:defRPr sz="1400" b="0" i="0" u="none" strike="noStrike" cap="none">
+                <a:solidFill>
+                  <a:srgbClr val="000000"/>
+                </a:solidFill>
+                <a:latin typeface="Arial"/>
+                <a:ea typeface="Arial"/>
+                <a:cs typeface="Arial"/>
+                <a:sym typeface="Arial"/>
+              </a:defRPr>
+            </a:lvl1pPr>
+            <a:lvl2pPr marR="0" lvl="1" algn="l" rtl="0">
+              <a:lnSpc>
+                <a:spcPct val="100000"/>
+              </a:lnSpc>
+              <a:spcBef>
+                <a:spcPts val="0"/>
+              </a:spcBef>
+              <a:spcAft>
+                <a:spcPts val="0"/>
+              </a:spcAft>
+              <a:buClr>
+                <a:srgbClr val="000000"/>
+              </a:buClr>
+              <a:buFont typeface="Arial"/>
+              <a:defRPr sz="1400" b="0" i="0" u="none" strike="noStrike" cap="none">
+                <a:solidFill>
+                  <a:srgbClr val="000000"/>
+                </a:solidFill>
+                <a:latin typeface="Arial"/>
+                <a:ea typeface="Arial"/>
+                <a:cs typeface="Arial"/>
+                <a:sym typeface="Arial"/>
+              </a:defRPr>
+            </a:lvl2pPr>
+            <a:lvl3pPr marR="0" lvl="2" algn="l" rtl="0">
+              <a:lnSpc>
+                <a:spcPct val="100000"/>
+              </a:lnSpc>
+              <a:spcBef>
+                <a:spcPts val="0"/>
+              </a:spcBef>
+              <a:spcAft>
+                <a:spcPts val="0"/>
+              </a:spcAft>
+              <a:buClr>
+                <a:srgbClr val="000000"/>
+              </a:buClr>
+              <a:buFont typeface="Arial"/>
+              <a:defRPr sz="1400" b="0" i="0" u="none" strike="noStrike" cap="none">
+                <a:solidFill>
+                  <a:srgbClr val="000000"/>
+                </a:solidFill>
+                <a:latin typeface="Arial"/>
+                <a:ea typeface="Arial"/>
+                <a:cs typeface="Arial"/>
+                <a:sym typeface="Arial"/>
+              </a:defRPr>
+            </a:lvl3pPr>
+            <a:lvl4pPr marR="0" lvl="3" algn="l" rtl="0">
+              <a:lnSpc>
+                <a:spcPct val="100000"/>
+              </a:lnSpc>
+              <a:spcBef>
+                <a:spcPts val="0"/>
+              </a:spcBef>
+              <a:spcAft>
+                <a:spcPts val="0"/>
+              </a:spcAft>
+              <a:buClr>
+                <a:srgbClr val="000000"/>
+              </a:buClr>
+              <a:buFont typeface="Arial"/>
+              <a:defRPr sz="1400" b="0" i="0" u="none" strike="noStrike" cap="none">
+                <a:solidFill>
+                  <a:srgbClr val="000000"/>
+                </a:solidFill>
+                <a:latin typeface="Arial"/>
+                <a:ea typeface="Arial"/>
+                <a:cs typeface="Arial"/>
+                <a:sym typeface="Arial"/>
+              </a:defRPr>
+            </a:lvl4pPr>
+            <a:lvl5pPr marR="0" lvl="4" algn="l" rtl="0">
+              <a:lnSpc>
+                <a:spcPct val="100000"/>
+              </a:lnSpc>
+              <a:spcBef>
+                <a:spcPts val="0"/>
+              </a:spcBef>
+              <a:spcAft>
+                <a:spcPts val="0"/>
+              </a:spcAft>
+              <a:buClr>
+                <a:srgbClr val="000000"/>
+              </a:buClr>
+              <a:buFont typeface="Arial"/>
+              <a:defRPr sz="1400" b="0" i="0" u="none" strike="noStrike" cap="none">
+                <a:solidFill>
+                  <a:srgbClr val="000000"/>
+                </a:solidFill>
+                <a:latin typeface="Arial"/>
+                <a:ea typeface="Arial"/>
+                <a:cs typeface="Arial"/>
+                <a:sym typeface="Arial"/>
+              </a:defRPr>
+            </a:lvl5pPr>
+            <a:lvl6pPr marR="0" lvl="5" algn="l" rtl="0">
+              <a:lnSpc>
+                <a:spcPct val="100000"/>
+              </a:lnSpc>
+              <a:spcBef>
+                <a:spcPts val="0"/>
+              </a:spcBef>
+              <a:spcAft>
+                <a:spcPts val="0"/>
+              </a:spcAft>
+              <a:buClr>
+                <a:srgbClr val="000000"/>
+              </a:buClr>
+              <a:buFont typeface="Arial"/>
+              <a:defRPr sz="1400" b="0" i="0" u="none" strike="noStrike" cap="none">
+                <a:solidFill>
+                  <a:srgbClr val="000000"/>
+                </a:solidFill>
+                <a:latin typeface="Arial"/>
+                <a:ea typeface="Arial"/>
+                <a:cs typeface="Arial"/>
+                <a:sym typeface="Arial"/>
+              </a:defRPr>
+            </a:lvl6pPr>
+            <a:lvl7pPr marR="0" lvl="6" algn="l" rtl="0">
+              <a:lnSpc>
+                <a:spcPct val="100000"/>
+              </a:lnSpc>
+              <a:spcBef>
+                <a:spcPts val="0"/>
+              </a:spcBef>
+              <a:spcAft>
+                <a:spcPts val="0"/>
+              </a:spcAft>
+              <a:buClr>
+                <a:srgbClr val="000000"/>
+              </a:buClr>
+              <a:buFont typeface="Arial"/>
+              <a:defRPr sz="1400" b="0" i="0" u="none" strike="noStrike" cap="none">
+                <a:solidFill>
+                  <a:srgbClr val="000000"/>
+                </a:solidFill>
+                <a:latin typeface="Arial"/>
+                <a:ea typeface="Arial"/>
+                <a:cs typeface="Arial"/>
+                <a:sym typeface="Arial"/>
+              </a:defRPr>
+            </a:lvl7pPr>
+            <a:lvl8pPr marR="0" lvl="7" algn="l" rtl="0">
+              <a:lnSpc>
+                <a:spcPct val="100000"/>
+              </a:lnSpc>
+              <a:spcBef>
+                <a:spcPts val="0"/>
+              </a:spcBef>
+              <a:spcAft>
+                <a:spcPts val="0"/>
+              </a:spcAft>
+              <a:buClr>
+                <a:srgbClr val="000000"/>
+              </a:buClr>
+              <a:buFont typeface="Arial"/>
+              <a:defRPr sz="1400" b="0" i="0" u="none" strike="noStrike" cap="none">
+                <a:solidFill>
+                  <a:srgbClr val="000000"/>
+                </a:solidFill>
+                <a:latin typeface="Arial"/>
+                <a:ea typeface="Arial"/>
+                <a:cs typeface="Arial"/>
+                <a:sym typeface="Arial"/>
+              </a:defRPr>
+            </a:lvl8pPr>
+            <a:lvl9pPr marR="0" lvl="8" algn="l" rtl="0">
+              <a:lnSpc>
+                <a:spcPct val="100000"/>
+              </a:lnSpc>
+              <a:spcBef>
+                <a:spcPts val="0"/>
+              </a:spcBef>
+              <a:spcAft>
+                <a:spcPts val="0"/>
+              </a:spcAft>
+              <a:buClr>
+                <a:srgbClr val="000000"/>
+              </a:buClr>
+              <a:buFont typeface="Arial"/>
+              <a:defRPr sz="1400" b="0" i="0" u="none" strike="noStrike" cap="none">
+                <a:solidFill>
+                  <a:srgbClr val="000000"/>
+                </a:solidFill>
+                <a:latin typeface="Arial"/>
+                <a:ea typeface="Arial"/>
+                <a:cs typeface="Arial"/>
+                <a:sym typeface="Arial"/>
+              </a:defRPr>
+            </a:lvl9pPr>
+          </a:lstStyle>
           <a:p>
-            <a:pPr marL="0" lvl="0" indent="0" algn="l" rtl="0">
-              <a:spcBef>
-                <a:spcPts val="0"/>
-              </a:spcBef>
-              <a:spcAft>
-                <a:spcPts val="0"/>
-              </a:spcAft>
-              <a:buNone/>
+            <a:pPr marL="0" marR="0" lvl="0" indent="0" algn="ctr" defTabSz="914400" rtl="0" eaLnBrk="1" fontAlgn="auto" latinLnBrk="0" hangingPunct="1">
+              <a:lnSpc>
+                <a:spcPct val="100000"/>
+              </a:lnSpc>
+              <a:spcBef>
+                <a:spcPts val="0"/>
+              </a:spcBef>
+              <a:spcAft>
+                <a:spcPts val="0"/>
+              </a:spcAft>
+              <a:buClr>
+                <a:srgbClr val="000000"/>
+              </a:buClr>
+              <a:buSzTx/>
+              <a:buFont typeface="Arial"/>
+              <a:buNone/>
+              <a:tabLst/>
+              <a:defRPr/>
             </a:pPr>
             <a:r>
-              <a:rPr lang="en"/>
+              <a:rPr kumimoji="0" lang="en-AU" sz="4000" b="1" i="0" u="none" strike="noStrike" kern="0" cap="none" spc="0" normalizeH="0" baseline="0" noProof="0" dirty="0">
+                <a:ln>
+                  <a:noFill/>
+                </a:ln>
+                <a:solidFill>
+                  <a:srgbClr val="FFFFFF"/>
+                </a:solidFill>
+                <a:effectLst/>
+                <a:uLnTx/>
+                <a:uFillTx/>
+                <a:latin typeface="Playfair Display SC" panose="020B0604020202020204" pitchFamily="2" charset="0"/>
+                <a:cs typeface="Arial"/>
+                <a:sym typeface="Arial"/>
+              </a:rPr>
               <a:t>Concept</a:t>
             </a:r>
-            <a:endParaRPr/>
+            <a:endParaRPr kumimoji="0" lang="en-AU" sz="3200" b="1" i="0" u="none" strike="noStrike" kern="0" cap="none" spc="0" normalizeH="0" baseline="0" noProof="0" dirty="0">
+              <a:ln>
+                <a:noFill/>
+              </a:ln>
+              <a:solidFill>
+                <a:srgbClr val="FFFFFF"/>
+              </a:solidFill>
+              <a:effectLst/>
+              <a:uLnTx/>
+              <a:uFillTx/>
+              <a:latin typeface="Playfair Display SC" panose="020B0604020202020204" pitchFamily="2" charset="0"/>
+              <a:cs typeface="Arial"/>
+              <a:sym typeface="Arial"/>
+            </a:endParaRPr>
           </a:p>
         </p:txBody>
       </p:sp>
       <p:sp>
         <p:nvSpPr>
-          <p:cNvPr id="66" name="Google Shape;66;p15"/>
-          <p:cNvSpPr txBox="1">
-            <a:spLocks noGrp="1"/>
-          </p:cNvSpPr>
-          <p:nvPr>
-            <p:ph type="body" idx="1"/>
-          </p:nvPr>
+          <p:cNvPr id="5" name="TextBox 4">
+            <a:extLst>
+              <a:ext uri="{FF2B5EF4-FFF2-40B4-BE49-F238E27FC236}">
+                <a16:creationId xmlns:a16="http://schemas.microsoft.com/office/drawing/2014/main" id="{F122FE3E-1110-25B7-45E4-B570EE8EE82C}"/>
+              </a:ext>
+            </a:extLst>
+          </p:cNvPr>
+          <p:cNvSpPr txBox="1"/>
+          <p:nvPr/>
         </p:nvSpPr>
         <p:spPr>
           <a:xfrm>
-            <a:off x="311700" y="1152475"/>
-            <a:ext cx="8520600" cy="3416400"/>
+            <a:off x="526472" y="996806"/>
+            <a:ext cx="8091055" cy="984885"/>
           </a:xfrm>
           <a:prstGeom prst="rect">
             <a:avLst/>
           </a:prstGeom>
+          <a:noFill/>
         </p:spPr>
         <p:txBody>
-          <a:bodyPr spcFirstLastPara="1" wrap="square" lIns="91425" tIns="91425" rIns="91425" bIns="91425" anchor="t" anchorCtr="0">
-            <a:noAutofit/>
+          <a:bodyPr wrap="square" rtlCol="0">
+            <a:spAutoFit/>
           </a:bodyPr>
           <a:lstStyle/>
           <a:p>
-            <a:pPr marL="457200" lvl="0" indent="-342900" algn="l" rtl="0">
-              <a:spcBef>
-                <a:spcPts val="0"/>
-              </a:spcBef>
-              <a:spcAft>
-                <a:spcPts val="0"/>
-              </a:spcAft>
-              <a:buSzPts val="1800"/>
-              <a:buChar char="●"/>
+            <a:pPr>
+              <a:buClr>
+                <a:srgbClr val="FFFFFF"/>
+              </a:buClr>
             </a:pPr>
             <a:r>
-              <a:rPr lang="en" dirty="0"/>
+              <a:rPr lang="en-GB" sz="1600" b="1" dirty="0">
+                <a:solidFill>
+                  <a:srgbClr val="FFFFFF">
+                    <a:lumMod val="85000"/>
+                  </a:srgbClr>
+                </a:solidFill>
+              </a:rPr>
               <a:t>Description</a:t>
             </a:r>
           </a:p>
           <a:p>
-            <a:pPr marL="114300" lvl="0" indent="0" algn="l" rtl="0">
-              <a:spcBef>
-                <a:spcPts val="0"/>
-              </a:spcBef>
-              <a:spcAft>
-                <a:spcPts val="0"/>
-              </a:spcAft>
-              <a:buSzPts val="1800"/>
-              <a:buNone/>
-            </a:pPr>
-            <a:endParaRPr lang="en-AU" sz="1100" dirty="0"/>
-          </a:p>
-          <a:p>
-            <a:pPr marL="114300" lvl="0" indent="0" algn="l" rtl="0">
-              <a:spcBef>
-                <a:spcPts val="0"/>
-              </a:spcBef>
-              <a:spcAft>
-                <a:spcPts val="0"/>
-              </a:spcAft>
-              <a:buSzPts val="1800"/>
-              <a:buNone/>
-            </a:pPr>
-            <a:endParaRPr dirty="0"/>
-          </a:p>
-          <a:p>
-            <a:pPr marL="457200" lvl="0" indent="-342900" algn="l" rtl="0">
-              <a:spcBef>
-                <a:spcPts val="0"/>
-              </a:spcBef>
-              <a:spcAft>
-                <a:spcPts val="0"/>
-              </a:spcAft>
-              <a:buSzPts val="1800"/>
-              <a:buChar char="●"/>
+            <a:pPr>
+              <a:buClr>
+                <a:srgbClr val="FFFFFF"/>
+              </a:buClr>
             </a:pPr>
             <a:r>
-              <a:rPr lang="en" dirty="0"/>
-              <a:t>Motivation for development?</a:t>
+              <a:rPr lang="en-GB" dirty="0">
+                <a:solidFill>
+                  <a:srgbClr val="FFFFFF">
+                    <a:lumMod val="85000"/>
+                  </a:srgbClr>
+                </a:solidFill>
+              </a:rPr>
+              <a:t>We have called our project ‘</a:t>
+            </a:r>
+            <a:r>
+              <a:rPr lang="en-GB" dirty="0" err="1">
+                <a:solidFill>
+                  <a:srgbClr val="FFFFFF">
+                    <a:lumMod val="85000"/>
+                  </a:srgbClr>
+                </a:solidFill>
+              </a:rPr>
+              <a:t>YouTrailer</a:t>
+            </a:r>
+            <a:r>
+              <a:rPr lang="en-GB" dirty="0">
+                <a:solidFill>
+                  <a:srgbClr val="FFFFFF">
+                    <a:lumMod val="85000"/>
+                  </a:srgbClr>
+                </a:solidFill>
+              </a:rPr>
+              <a:t>’ as it uses the IMDb API to search for movies and view a library of movies fitting the selected criteria, and then uses the YouTube API to be able to view the official trailer found on YouTube’s website.</a:t>
+            </a:r>
+          </a:p>
+        </p:txBody>
+      </p:sp>
+      <p:sp>
+        <p:nvSpPr>
+          <p:cNvPr id="6" name="TextBox 5">
+            <a:extLst>
+              <a:ext uri="{FF2B5EF4-FFF2-40B4-BE49-F238E27FC236}">
+                <a16:creationId xmlns:a16="http://schemas.microsoft.com/office/drawing/2014/main" id="{6F162EA3-09BE-DBC9-DD92-8315B325DE27}"/>
+              </a:ext>
+            </a:extLst>
+          </p:cNvPr>
+          <p:cNvSpPr txBox="1"/>
+          <p:nvPr/>
+        </p:nvSpPr>
+        <p:spPr>
+          <a:xfrm>
+            <a:off x="524514" y="2151183"/>
+            <a:ext cx="8091055" cy="1415772"/>
+          </a:xfrm>
+          <a:prstGeom prst="rect">
+            <a:avLst/>
+          </a:prstGeom>
+          <a:noFill/>
+        </p:spPr>
+        <p:txBody>
+          <a:bodyPr wrap="square" rtlCol="0">
+            <a:spAutoFit/>
+          </a:bodyPr>
+          <a:lstStyle/>
+          <a:p>
+            <a:pPr>
+              <a:buClr>
+                <a:srgbClr val="FFFFFF"/>
+              </a:buClr>
+            </a:pPr>
+            <a:r>
+              <a:rPr lang="en-GB" sz="1600" b="1" dirty="0">
+                <a:solidFill>
+                  <a:srgbClr val="FFFFFF">
+                    <a:lumMod val="85000"/>
+                  </a:srgbClr>
+                </a:solidFill>
+              </a:rPr>
+              <a:t>Motivation</a:t>
             </a:r>
           </a:p>
           <a:p>
-            <a:pPr marL="114300" lvl="0" indent="0" algn="l" rtl="0">
-              <a:spcBef>
-                <a:spcPts val="0"/>
-              </a:spcBef>
-              <a:spcAft>
-                <a:spcPts val="0"/>
-              </a:spcAft>
-              <a:buSzPts val="1800"/>
-              <a:buNone/>
+            <a:pPr marL="0" marR="0" lvl="0" indent="0" algn="l" defTabSz="914400" rtl="0" eaLnBrk="1" fontAlgn="auto" latinLnBrk="0" hangingPunct="1">
+              <a:lnSpc>
+                <a:spcPct val="100000"/>
+              </a:lnSpc>
+              <a:spcBef>
+                <a:spcPts val="0"/>
+              </a:spcBef>
+              <a:spcAft>
+                <a:spcPts val="0"/>
+              </a:spcAft>
+              <a:buClr>
+                <a:srgbClr val="FFFFFF"/>
+              </a:buClr>
+              <a:buSzTx/>
+              <a:buFont typeface="Arial"/>
+              <a:buNone/>
+              <a:tabLst/>
+              <a:defRPr/>
             </a:pPr>
             <a:r>
-              <a:rPr lang="en" sz="1400" dirty="0"/>
-              <a:t>For people who have ever seen a movie title or short preview but want to be able to view the whole trailer.</a:t>
+              <a:rPr lang="en-GB" dirty="0">
+                <a:solidFill>
+                  <a:srgbClr val="FFFFFF">
+                    <a:lumMod val="85000"/>
+                  </a:srgbClr>
+                </a:solidFill>
+              </a:rPr>
+              <a:t>The motivation for this project was that we wanted to use two different APIs that related to the same topic – movies. We wanted to display to the user a library that they could browse through, and then select something to view additional content. As IMDb is one of the most popular sources for movie content, we chose to include this along with YouTube – which is also one of the most popular websites to search and view movie content, such as trailers, reviews, and more.</a:t>
+            </a:r>
+          </a:p>
+        </p:txBody>
+      </p:sp>
+      <p:sp>
+        <p:nvSpPr>
+          <p:cNvPr id="8" name="TextBox 7">
+            <a:extLst>
+              <a:ext uri="{FF2B5EF4-FFF2-40B4-BE49-F238E27FC236}">
+                <a16:creationId xmlns:a16="http://schemas.microsoft.com/office/drawing/2014/main" id="{A79C7035-F07F-C5FD-DF4D-3EFEDA5DABFB}"/>
+              </a:ext>
+            </a:extLst>
+          </p:cNvPr>
+          <p:cNvSpPr txBox="1"/>
+          <p:nvPr/>
+        </p:nvSpPr>
+        <p:spPr>
+          <a:xfrm>
+            <a:off x="524514" y="3736447"/>
+            <a:ext cx="8091055" cy="984885"/>
+          </a:xfrm>
+          <a:prstGeom prst="rect">
+            <a:avLst/>
+          </a:prstGeom>
+          <a:noFill/>
+        </p:spPr>
+        <p:txBody>
+          <a:bodyPr wrap="square" rtlCol="0">
+            <a:spAutoFit/>
+          </a:bodyPr>
+          <a:lstStyle/>
+          <a:p>
+            <a:pPr>
+              <a:buClr>
+                <a:srgbClr val="FFFFFF"/>
+              </a:buClr>
+            </a:pPr>
+            <a:r>
+              <a:rPr lang="en-GB" sz="1600" b="1" dirty="0">
+                <a:solidFill>
+                  <a:srgbClr val="FFFFFF">
+                    <a:lumMod val="85000"/>
+                  </a:srgbClr>
+                </a:solidFill>
+              </a:rPr>
+              <a:t>User Story</a:t>
             </a:r>
           </a:p>
           <a:p>
-            <a:pPr marL="114300" lvl="0" indent="0" algn="l" rtl="0">
-              <a:spcBef>
-                <a:spcPts val="0"/>
-              </a:spcBef>
-              <a:spcAft>
-                <a:spcPts val="0"/>
-              </a:spcAft>
-              <a:buSzPts val="1800"/>
-              <a:buNone/>
+            <a:pPr marL="0" marR="0" lvl="0" indent="0" algn="l" defTabSz="914400" rtl="0" eaLnBrk="1" fontAlgn="auto" latinLnBrk="0" hangingPunct="1">
+              <a:lnSpc>
+                <a:spcPct val="100000"/>
+              </a:lnSpc>
+              <a:spcBef>
+                <a:spcPts val="0"/>
+              </a:spcBef>
+              <a:spcAft>
+                <a:spcPts val="0"/>
+              </a:spcAft>
+              <a:buClr>
+                <a:srgbClr val="FFFFFF"/>
+              </a:buClr>
+              <a:buSzTx/>
+              <a:buFont typeface="Arial"/>
+              <a:buNone/>
+              <a:tabLst/>
+              <a:defRPr/>
             </a:pPr>
-            <a:endParaRPr dirty="0"/>
+            <a:r>
+              <a:rPr lang="en-GB" dirty="0">
+                <a:solidFill>
+                  <a:srgbClr val="FFFFFF">
+                    <a:lumMod val="85000"/>
+                  </a:srgbClr>
+                </a:solidFill>
+              </a:rPr>
+              <a:t>AS A person who enjoys discovering and watching movies</a:t>
+            </a:r>
+            <a:br>
+              <a:rPr lang="en-GB" dirty="0">
+                <a:solidFill>
+                  <a:srgbClr val="FFFFFF">
+                    <a:lumMod val="85000"/>
+                  </a:srgbClr>
+                </a:solidFill>
+              </a:rPr>
+            </a:br>
+            <a:r>
+              <a:rPr lang="en-GB" dirty="0">
+                <a:solidFill>
+                  <a:srgbClr val="FFFFFF">
+                    <a:lumMod val="85000"/>
+                  </a:srgbClr>
+                </a:solidFill>
+              </a:rPr>
+              <a:t>I WANT to be able to search for movies and view trailers</a:t>
+            </a:r>
           </a:p>
           <a:p>
-            <a:pPr marL="457200" lvl="0" indent="-342900" algn="l" rtl="0">
-              <a:spcBef>
-                <a:spcPts val="0"/>
-              </a:spcBef>
-              <a:spcAft>
-                <a:spcPts val="0"/>
-              </a:spcAft>
-              <a:buSzPts val="1800"/>
-              <a:buChar char="●"/>
+            <a:pPr marL="0" marR="0" lvl="0" indent="0" algn="l" defTabSz="914400" rtl="0" eaLnBrk="1" fontAlgn="auto" latinLnBrk="0" hangingPunct="1">
+              <a:lnSpc>
+                <a:spcPct val="100000"/>
+              </a:lnSpc>
+              <a:spcBef>
+                <a:spcPts val="0"/>
+              </a:spcBef>
+              <a:spcAft>
+                <a:spcPts val="0"/>
+              </a:spcAft>
+              <a:buClr>
+                <a:srgbClr val="FFFFFF"/>
+              </a:buClr>
+              <a:buSzTx/>
+              <a:buFont typeface="Arial"/>
+              <a:buNone/>
+              <a:tabLst/>
+              <a:defRPr/>
             </a:pPr>
             <a:r>
-              <a:rPr lang="en" dirty="0"/>
-              <a:t>User story</a:t>
+              <a:rPr lang="en-GB" dirty="0">
+                <a:solidFill>
+                  <a:srgbClr val="FFFFFF">
+                    <a:lumMod val="85000"/>
+                  </a:srgbClr>
+                </a:solidFill>
+              </a:rPr>
+              <a:t>SO THAT I can decide what movie I would like to watch next</a:t>
             </a:r>
-            <a:endParaRPr dirty="0"/>
           </a:p>
         </p:txBody>
       </p:sp>
     </p:spTree>
+    <p:extLst>
+      <p:ext uri="{BB962C8B-B14F-4D97-AF65-F5344CB8AC3E}">
+        <p14:creationId xmlns:p14="http://schemas.microsoft.com/office/powerpoint/2010/main" val="1060413450"/>
+      </p:ext>
+    </p:extLst>
   </p:cSld>
   <p:clrMapOvr>
     <a:masterClrMapping/>
   </p:clrMapOvr>
+  <p:transition spd="slow">
+    <p:wipe/>
+  </p:transition>
+  <p:timing>
+    <p:tnLst>
+      <p:par>
+        <p:cTn id="1" dur="indefinite" restart="never" nodeType="tmRoot">
+          <p:childTnLst>
+            <p:seq concurrent="1" nextAc="seek">
+              <p:cTn id="2" dur="indefinite" nodeType="mainSeq">
+                <p:childTnLst>
+                  <p:par>
+                    <p:cTn id="3" fill="hold">
+                      <p:stCondLst>
+                        <p:cond delay="indefinite"/>
+                        <p:cond evt="onBegin" delay="0">
+                          <p:tn val="2"/>
+                        </p:cond>
+                      </p:stCondLst>
+                      <p:childTnLst>
+                        <p:par>
+                          <p:cTn id="4" fill="hold">
+                            <p:stCondLst>
+                              <p:cond delay="0"/>
+                            </p:stCondLst>
+                            <p:childTnLst>
+                              <p:par>
+                                <p:cTn id="5" presetID="26" presetClass="entr" presetSubtype="0" fill="hold" grpId="0" nodeType="afterEffect">
+                                  <p:stCondLst>
+                                    <p:cond delay="0"/>
+                                  </p:stCondLst>
+                                  <p:childTnLst>
+                                    <p:set>
+                                      <p:cBhvr>
+                                        <p:cTn id="6" dur="1" fill="hold">
+                                          <p:stCondLst>
+                                            <p:cond delay="0"/>
+                                          </p:stCondLst>
+                                        </p:cTn>
+                                        <p:tgtEl>
+                                          <p:spTgt spid="4"/>
+                                        </p:tgtEl>
+                                        <p:attrNameLst>
+                                          <p:attrName>style.visibility</p:attrName>
+                                        </p:attrNameLst>
+                                      </p:cBhvr>
+                                      <p:to>
+                                        <p:strVal val="visible"/>
+                                      </p:to>
+                                    </p:set>
+                                    <p:animEffect transition="in" filter="wipe(down)">
+                                      <p:cBhvr>
+                                        <p:cTn id="7" dur="580">
+                                          <p:stCondLst>
+                                            <p:cond delay="0"/>
+                                          </p:stCondLst>
+                                        </p:cTn>
+                                        <p:tgtEl>
+                                          <p:spTgt spid="4"/>
+                                        </p:tgtEl>
+                                      </p:cBhvr>
+                                    </p:animEffect>
+                                    <p:anim calcmode="lin" valueType="num">
+                                      <p:cBhvr>
+                                        <p:cTn id="8" dur="1822" tmFilter="0,0; 0.14,0.36; 0.43,0.73; 0.71,0.91; 1.0,1.0">
+                                          <p:stCondLst>
+                                            <p:cond delay="0"/>
+                                          </p:stCondLst>
+                                        </p:cTn>
+                                        <p:tgtEl>
+                                          <p:spTgt spid="4"/>
+                                        </p:tgtEl>
+                                        <p:attrNameLst>
+                                          <p:attrName>ppt_x</p:attrName>
+                                        </p:attrNameLst>
+                                      </p:cBhvr>
+                                      <p:tavLst>
+                                        <p:tav tm="0">
+                                          <p:val>
+                                            <p:strVal val="#ppt_x-0.25"/>
+                                          </p:val>
+                                        </p:tav>
+                                        <p:tav tm="100000">
+                                          <p:val>
+                                            <p:strVal val="#ppt_x"/>
+                                          </p:val>
+                                        </p:tav>
+                                      </p:tavLst>
+                                    </p:anim>
+                                    <p:anim calcmode="lin" valueType="num">
+                                      <p:cBhvr>
+                                        <p:cTn id="9" dur="664" tmFilter="0.0,0.0; 0.25,0.07; 0.50,0.2; 0.75,0.467; 1.0,1.0">
+                                          <p:stCondLst>
+                                            <p:cond delay="0"/>
+                                          </p:stCondLst>
+                                        </p:cTn>
+                                        <p:tgtEl>
+                                          <p:spTgt spid="4"/>
+                                        </p:tgtEl>
+                                        <p:attrNameLst>
+                                          <p:attrName>ppt_y</p:attrName>
+                                        </p:attrNameLst>
+                                      </p:cBhvr>
+                                      <p:tavLst>
+                                        <p:tav tm="0" fmla="#ppt_y-sin(pi*$)/3">
+                                          <p:val>
+                                            <p:fltVal val="0.5"/>
+                                          </p:val>
+                                        </p:tav>
+                                        <p:tav tm="100000">
+                                          <p:val>
+                                            <p:fltVal val="1"/>
+                                          </p:val>
+                                        </p:tav>
+                                      </p:tavLst>
+                                    </p:anim>
+                                    <p:anim calcmode="lin" valueType="num">
+                                      <p:cBhvr>
+                                        <p:cTn id="10" dur="664" tmFilter="0, 0; 0.125,0.2665; 0.25,0.4; 0.375,0.465; 0.5,0.5;  0.625,0.535; 0.75,0.6; 0.875,0.7335; 1,1">
+                                          <p:stCondLst>
+                                            <p:cond delay="664"/>
+                                          </p:stCondLst>
+                                        </p:cTn>
+                                        <p:tgtEl>
+                                          <p:spTgt spid="4"/>
+                                        </p:tgtEl>
+                                        <p:attrNameLst>
+                                          <p:attrName>ppt_y</p:attrName>
+                                        </p:attrNameLst>
+                                      </p:cBhvr>
+                                      <p:tavLst>
+                                        <p:tav tm="0" fmla="#ppt_y-sin(pi*$)/9">
+                                          <p:val>
+                                            <p:fltVal val="0"/>
+                                          </p:val>
+                                        </p:tav>
+                                        <p:tav tm="100000">
+                                          <p:val>
+                                            <p:fltVal val="1"/>
+                                          </p:val>
+                                        </p:tav>
+                                      </p:tavLst>
+                                    </p:anim>
+                                    <p:anim calcmode="lin" valueType="num">
+                                      <p:cBhvr>
+                                        <p:cTn id="11" dur="332" tmFilter="0, 0; 0.125,0.2665; 0.25,0.4; 0.375,0.465; 0.5,0.5;  0.625,0.535; 0.75,0.6; 0.875,0.7335; 1,1">
+                                          <p:stCondLst>
+                                            <p:cond delay="1324"/>
+                                          </p:stCondLst>
+                                        </p:cTn>
+                                        <p:tgtEl>
+                                          <p:spTgt spid="4"/>
+                                        </p:tgtEl>
+                                        <p:attrNameLst>
+                                          <p:attrName>ppt_y</p:attrName>
+                                        </p:attrNameLst>
+                                      </p:cBhvr>
+                                      <p:tavLst>
+                                        <p:tav tm="0" fmla="#ppt_y-sin(pi*$)/27">
+                                          <p:val>
+                                            <p:fltVal val="0"/>
+                                          </p:val>
+                                        </p:tav>
+                                        <p:tav tm="100000">
+                                          <p:val>
+                                            <p:fltVal val="1"/>
+                                          </p:val>
+                                        </p:tav>
+                                      </p:tavLst>
+                                    </p:anim>
+                                    <p:anim calcmode="lin" valueType="num">
+                                      <p:cBhvr>
+                                        <p:cTn id="12" dur="164" tmFilter="0, 0; 0.125,0.2665; 0.25,0.4; 0.375,0.465; 0.5,0.5;  0.625,0.535; 0.75,0.6; 0.875,0.7335; 1,1">
+                                          <p:stCondLst>
+                                            <p:cond delay="1656"/>
+                                          </p:stCondLst>
+                                        </p:cTn>
+                                        <p:tgtEl>
+                                          <p:spTgt spid="4"/>
+                                        </p:tgtEl>
+                                        <p:attrNameLst>
+                                          <p:attrName>ppt_y</p:attrName>
+                                        </p:attrNameLst>
+                                      </p:cBhvr>
+                                      <p:tavLst>
+                                        <p:tav tm="0" fmla="#ppt_y-sin(pi*$)/81">
+                                          <p:val>
+                                            <p:fltVal val="0"/>
+                                          </p:val>
+                                        </p:tav>
+                                        <p:tav tm="100000">
+                                          <p:val>
+                                            <p:fltVal val="1"/>
+                                          </p:val>
+                                        </p:tav>
+                                      </p:tavLst>
+                                    </p:anim>
+                                    <p:animScale>
+                                      <p:cBhvr>
+                                        <p:cTn id="13" dur="26">
+                                          <p:stCondLst>
+                                            <p:cond delay="650"/>
+                                          </p:stCondLst>
+                                        </p:cTn>
+                                        <p:tgtEl>
+                                          <p:spTgt spid="4"/>
+                                        </p:tgtEl>
+                                      </p:cBhvr>
+                                      <p:to x="100000" y="60000"/>
+                                    </p:animScale>
+                                    <p:animScale>
+                                      <p:cBhvr>
+                                        <p:cTn id="14" dur="166" decel="50000">
+                                          <p:stCondLst>
+                                            <p:cond delay="676"/>
+                                          </p:stCondLst>
+                                        </p:cTn>
+                                        <p:tgtEl>
+                                          <p:spTgt spid="4"/>
+                                        </p:tgtEl>
+                                      </p:cBhvr>
+                                      <p:to x="100000" y="100000"/>
+                                    </p:animScale>
+                                    <p:animScale>
+                                      <p:cBhvr>
+                                        <p:cTn id="15" dur="26">
+                                          <p:stCondLst>
+                                            <p:cond delay="1312"/>
+                                          </p:stCondLst>
+                                        </p:cTn>
+                                        <p:tgtEl>
+                                          <p:spTgt spid="4"/>
+                                        </p:tgtEl>
+                                      </p:cBhvr>
+                                      <p:to x="100000" y="80000"/>
+                                    </p:animScale>
+                                    <p:animScale>
+                                      <p:cBhvr>
+                                        <p:cTn id="16" dur="166" decel="50000">
+                                          <p:stCondLst>
+                                            <p:cond delay="1338"/>
+                                          </p:stCondLst>
+                                        </p:cTn>
+                                        <p:tgtEl>
+                                          <p:spTgt spid="4"/>
+                                        </p:tgtEl>
+                                      </p:cBhvr>
+                                      <p:to x="100000" y="100000"/>
+                                    </p:animScale>
+                                    <p:animScale>
+                                      <p:cBhvr>
+                                        <p:cTn id="17" dur="26">
+                                          <p:stCondLst>
+                                            <p:cond delay="1642"/>
+                                          </p:stCondLst>
+                                        </p:cTn>
+                                        <p:tgtEl>
+                                          <p:spTgt spid="4"/>
+                                        </p:tgtEl>
+                                      </p:cBhvr>
+                                      <p:to x="100000" y="90000"/>
+                                    </p:animScale>
+                                    <p:animScale>
+                                      <p:cBhvr>
+                                        <p:cTn id="18" dur="166" decel="50000">
+                                          <p:stCondLst>
+                                            <p:cond delay="1668"/>
+                                          </p:stCondLst>
+                                        </p:cTn>
+                                        <p:tgtEl>
+                                          <p:spTgt spid="4"/>
+                                        </p:tgtEl>
+                                      </p:cBhvr>
+                                      <p:to x="100000" y="100000"/>
+                                    </p:animScale>
+                                    <p:animScale>
+                                      <p:cBhvr>
+                                        <p:cTn id="19" dur="26">
+                                          <p:stCondLst>
+                                            <p:cond delay="1808"/>
+                                          </p:stCondLst>
+                                        </p:cTn>
+                                        <p:tgtEl>
+                                          <p:spTgt spid="4"/>
+                                        </p:tgtEl>
+                                      </p:cBhvr>
+                                      <p:to x="100000" y="95000"/>
+                                    </p:animScale>
+                                    <p:animScale>
+                                      <p:cBhvr>
+                                        <p:cTn id="20" dur="166" decel="50000">
+                                          <p:stCondLst>
+                                            <p:cond delay="1834"/>
+                                          </p:stCondLst>
+                                        </p:cTn>
+                                        <p:tgtEl>
+                                          <p:spTgt spid="4"/>
+                                        </p:tgtEl>
+                                      </p:cBhvr>
+                                      <p:to x="100000" y="100000"/>
+                                    </p:animScale>
+                                  </p:childTnLst>
+                                </p:cTn>
+                              </p:par>
+                            </p:childTnLst>
+                          </p:cTn>
+                        </p:par>
+                      </p:childTnLst>
+                    </p:cTn>
+                  </p:par>
+                  <p:par>
+                    <p:cTn id="21" fill="hold">
+                      <p:stCondLst>
+                        <p:cond delay="indefinite"/>
+                      </p:stCondLst>
+                      <p:childTnLst>
+                        <p:par>
+                          <p:cTn id="22" fill="hold">
+                            <p:stCondLst>
+                              <p:cond delay="0"/>
+                            </p:stCondLst>
+                            <p:childTnLst>
+                              <p:par>
+                                <p:cTn id="23" presetID="42" presetClass="entr" presetSubtype="0" fill="hold" grpId="0" nodeType="clickEffect">
+                                  <p:stCondLst>
+                                    <p:cond delay="0"/>
+                                  </p:stCondLst>
+                                  <p:childTnLst>
+                                    <p:set>
+                                      <p:cBhvr>
+                                        <p:cTn id="24" dur="1" fill="hold">
+                                          <p:stCondLst>
+                                            <p:cond delay="0"/>
+                                          </p:stCondLst>
+                                        </p:cTn>
+                                        <p:tgtEl>
+                                          <p:spTgt spid="5"/>
+                                        </p:tgtEl>
+                                        <p:attrNameLst>
+                                          <p:attrName>style.visibility</p:attrName>
+                                        </p:attrNameLst>
+                                      </p:cBhvr>
+                                      <p:to>
+                                        <p:strVal val="visible"/>
+                                      </p:to>
+                                    </p:set>
+                                    <p:animEffect transition="in" filter="fade">
+                                      <p:cBhvr>
+                                        <p:cTn id="25" dur="1000"/>
+                                        <p:tgtEl>
+                                          <p:spTgt spid="5"/>
+                                        </p:tgtEl>
+                                      </p:cBhvr>
+                                    </p:animEffect>
+                                    <p:anim calcmode="lin" valueType="num">
+                                      <p:cBhvr>
+                                        <p:cTn id="26" dur="1000" fill="hold"/>
+                                        <p:tgtEl>
+                                          <p:spTgt spid="5"/>
+                                        </p:tgtEl>
+                                        <p:attrNameLst>
+                                          <p:attrName>ppt_x</p:attrName>
+                                        </p:attrNameLst>
+                                      </p:cBhvr>
+                                      <p:tavLst>
+                                        <p:tav tm="0">
+                                          <p:val>
+                                            <p:strVal val="#ppt_x"/>
+                                          </p:val>
+                                        </p:tav>
+                                        <p:tav tm="100000">
+                                          <p:val>
+                                            <p:strVal val="#ppt_x"/>
+                                          </p:val>
+                                        </p:tav>
+                                      </p:tavLst>
+                                    </p:anim>
+                                    <p:anim calcmode="lin" valueType="num">
+                                      <p:cBhvr>
+                                        <p:cTn id="27" dur="1000" fill="hold"/>
+                                        <p:tgtEl>
+                                          <p:spTgt spid="5"/>
+                                        </p:tgtEl>
+                                        <p:attrNameLst>
+                                          <p:attrName>ppt_y</p:attrName>
+                                        </p:attrNameLst>
+                                      </p:cBhvr>
+                                      <p:tavLst>
+                                        <p:tav tm="0">
+                                          <p:val>
+                                            <p:strVal val="#ppt_y+.1"/>
+                                          </p:val>
+                                        </p:tav>
+                                        <p:tav tm="100000">
+                                          <p:val>
+                                            <p:strVal val="#ppt_y"/>
+                                          </p:val>
+                                        </p:tav>
+                                      </p:tavLst>
+                                    </p:anim>
+                                  </p:childTnLst>
+                                </p:cTn>
+                              </p:par>
+                            </p:childTnLst>
+                          </p:cTn>
+                        </p:par>
+                      </p:childTnLst>
+                    </p:cTn>
+                  </p:par>
+                  <p:par>
+                    <p:cTn id="28" fill="hold">
+                      <p:stCondLst>
+                        <p:cond delay="indefinite"/>
+                      </p:stCondLst>
+                      <p:childTnLst>
+                        <p:par>
+                          <p:cTn id="29" fill="hold">
+                            <p:stCondLst>
+                              <p:cond delay="0"/>
+                            </p:stCondLst>
+                            <p:childTnLst>
+                              <p:par>
+                                <p:cTn id="30" presetID="42" presetClass="entr" presetSubtype="0" fill="hold" grpId="0" nodeType="clickEffect">
+                                  <p:stCondLst>
+                                    <p:cond delay="0"/>
+                                  </p:stCondLst>
+                                  <p:childTnLst>
+                                    <p:set>
+                                      <p:cBhvr>
+                                        <p:cTn id="31" dur="1" fill="hold">
+                                          <p:stCondLst>
+                                            <p:cond delay="0"/>
+                                          </p:stCondLst>
+                                        </p:cTn>
+                                        <p:tgtEl>
+                                          <p:spTgt spid="6"/>
+                                        </p:tgtEl>
+                                        <p:attrNameLst>
+                                          <p:attrName>style.visibility</p:attrName>
+                                        </p:attrNameLst>
+                                      </p:cBhvr>
+                                      <p:to>
+                                        <p:strVal val="visible"/>
+                                      </p:to>
+                                    </p:set>
+                                    <p:animEffect transition="in" filter="fade">
+                                      <p:cBhvr>
+                                        <p:cTn id="32" dur="1000"/>
+                                        <p:tgtEl>
+                                          <p:spTgt spid="6"/>
+                                        </p:tgtEl>
+                                      </p:cBhvr>
+                                    </p:animEffect>
+                                    <p:anim calcmode="lin" valueType="num">
+                                      <p:cBhvr>
+                                        <p:cTn id="33" dur="1000" fill="hold"/>
+                                        <p:tgtEl>
+                                          <p:spTgt spid="6"/>
+                                        </p:tgtEl>
+                                        <p:attrNameLst>
+                                          <p:attrName>ppt_x</p:attrName>
+                                        </p:attrNameLst>
+                                      </p:cBhvr>
+                                      <p:tavLst>
+                                        <p:tav tm="0">
+                                          <p:val>
+                                            <p:strVal val="#ppt_x"/>
+                                          </p:val>
+                                        </p:tav>
+                                        <p:tav tm="100000">
+                                          <p:val>
+                                            <p:strVal val="#ppt_x"/>
+                                          </p:val>
+                                        </p:tav>
+                                      </p:tavLst>
+                                    </p:anim>
+                                    <p:anim calcmode="lin" valueType="num">
+                                      <p:cBhvr>
+                                        <p:cTn id="34" dur="1000" fill="hold"/>
+                                        <p:tgtEl>
+                                          <p:spTgt spid="6"/>
+                                        </p:tgtEl>
+                                        <p:attrNameLst>
+                                          <p:attrName>ppt_y</p:attrName>
+                                        </p:attrNameLst>
+                                      </p:cBhvr>
+                                      <p:tavLst>
+                                        <p:tav tm="0">
+                                          <p:val>
+                                            <p:strVal val="#ppt_y+.1"/>
+                                          </p:val>
+                                        </p:tav>
+                                        <p:tav tm="100000">
+                                          <p:val>
+                                            <p:strVal val="#ppt_y"/>
+                                          </p:val>
+                                        </p:tav>
+                                      </p:tavLst>
+                                    </p:anim>
+                                  </p:childTnLst>
+                                </p:cTn>
+                              </p:par>
+                            </p:childTnLst>
+                          </p:cTn>
+                        </p:par>
+                      </p:childTnLst>
+                    </p:cTn>
+                  </p:par>
+                  <p:par>
+                    <p:cTn id="35" fill="hold">
+                      <p:stCondLst>
+                        <p:cond delay="indefinite"/>
+                      </p:stCondLst>
+                      <p:childTnLst>
+                        <p:par>
+                          <p:cTn id="36" fill="hold">
+                            <p:stCondLst>
+                              <p:cond delay="0"/>
+                            </p:stCondLst>
+                            <p:childTnLst>
+                              <p:par>
+                                <p:cTn id="37" presetID="42" presetClass="entr" presetSubtype="0" fill="hold" grpId="0" nodeType="clickEffect">
+                                  <p:stCondLst>
+                                    <p:cond delay="0"/>
+                                  </p:stCondLst>
+                                  <p:childTnLst>
+                                    <p:set>
+                                      <p:cBhvr>
+                                        <p:cTn id="38" dur="1" fill="hold">
+                                          <p:stCondLst>
+                                            <p:cond delay="0"/>
+                                          </p:stCondLst>
+                                        </p:cTn>
+                                        <p:tgtEl>
+                                          <p:spTgt spid="8"/>
+                                        </p:tgtEl>
+                                        <p:attrNameLst>
+                                          <p:attrName>style.visibility</p:attrName>
+                                        </p:attrNameLst>
+                                      </p:cBhvr>
+                                      <p:to>
+                                        <p:strVal val="visible"/>
+                                      </p:to>
+                                    </p:set>
+                                    <p:animEffect transition="in" filter="fade">
+                                      <p:cBhvr>
+                                        <p:cTn id="39" dur="1000"/>
+                                        <p:tgtEl>
+                                          <p:spTgt spid="8"/>
+                                        </p:tgtEl>
+                                      </p:cBhvr>
+                                    </p:animEffect>
+                                    <p:anim calcmode="lin" valueType="num">
+                                      <p:cBhvr>
+                                        <p:cTn id="40" dur="1000" fill="hold"/>
+                                        <p:tgtEl>
+                                          <p:spTgt spid="8"/>
+                                        </p:tgtEl>
+                                        <p:attrNameLst>
+                                          <p:attrName>ppt_x</p:attrName>
+                                        </p:attrNameLst>
+                                      </p:cBhvr>
+                                      <p:tavLst>
+                                        <p:tav tm="0">
+                                          <p:val>
+                                            <p:strVal val="#ppt_x"/>
+                                          </p:val>
+                                        </p:tav>
+                                        <p:tav tm="100000">
+                                          <p:val>
+                                            <p:strVal val="#ppt_x"/>
+                                          </p:val>
+                                        </p:tav>
+                                      </p:tavLst>
+                                    </p:anim>
+                                    <p:anim calcmode="lin" valueType="num">
+                                      <p:cBhvr>
+                                        <p:cTn id="41" dur="1000" fill="hold"/>
+                                        <p:tgtEl>
+                                          <p:spTgt spid="8"/>
+                                        </p:tgtEl>
+                                        <p:attrNameLst>
+                                          <p:attrName>ppt_y</p:attrName>
+                                        </p:attrNameLst>
+                                      </p:cBhvr>
+                                      <p:tavLst>
+                                        <p:tav tm="0">
+                                          <p:val>
+                                            <p:strVal val="#ppt_y+.1"/>
+                                          </p:val>
+                                        </p:tav>
+                                        <p:tav tm="100000">
+                                          <p:val>
+                                            <p:strVal val="#ppt_y"/>
+                                          </p:val>
+                                        </p:tav>
+                                      </p:tavLst>
+                                    </p:anim>
+                                  </p:childTnLst>
+                                </p:cTn>
+                              </p:par>
+                            </p:childTnLst>
+                          </p:cTn>
+                        </p:par>
+                      </p:childTnLst>
+                    </p:cTn>
+                  </p:par>
+                </p:childTnLst>
+              </p:cTn>
+              <p:prevCondLst>
+                <p:cond evt="onPrev" delay="0">
+                  <p:tgtEl>
+                    <p:sldTgt/>
+                  </p:tgtEl>
+                </p:cond>
+              </p:prevCondLst>
+              <p:nextCondLst>
+                <p:cond evt="onNext" delay="0">
+                  <p:tgtEl>
+                    <p:sldTgt/>
+                  </p:tgtEl>
+                </p:cond>
+              </p:nextCondLst>
+            </p:seq>
+          </p:childTnLst>
+        </p:cTn>
+      </p:par>
+    </p:tnLst>
+    <p:bldLst>
+      <p:bldP spid="4" grpId="0"/>
+      <p:bldP spid="5" grpId="0"/>
+      <p:bldP spid="6" grpId="0"/>
+      <p:bldP spid="8" grpId="0"/>
+    </p:bldLst>
+  </p:timing>
 </p:sld>
 </file>
 
 <file path=ppt/slides/slide4.xml><?xml version="1.0" encoding="utf-8"?>
 <p:sld xmlns:a="http://schemas.openxmlformats.org/drawingml/2006/main" xmlns:r="http://schemas.openxmlformats.org/officeDocument/2006/relationships" xmlns:p="http://schemas.openxmlformats.org/presentationml/2006/main">
   <p:cSld>
+    <p:bg>
+      <p:bgPr>
+        <a:solidFill>
+          <a:schemeClr val="tx1"/>
+        </a:solidFill>
+        <a:effectLst/>
+      </p:bgPr>
+    </p:bg>
     <p:spTree>
       <p:nvGrpSpPr>
-        <p:cNvPr id="1" name="Shape 70"/>
+        <p:cNvPr id="1" name="Shape 59"/>
         <p:cNvGrpSpPr/>
         <p:nvPr/>
       </p:nvGrpSpPr>
@@ -6657,329 +8721,2410 @@
           <a:chExt cx="0" cy="0"/>
         </a:xfrm>
       </p:grpSpPr>
-      <p:sp>
-        <p:nvSpPr>
-          <p:cNvPr id="71" name="Google Shape;71;p16"/>
-          <p:cNvSpPr txBox="1">
-            <a:spLocks noGrp="1"/>
-          </p:cNvSpPr>
-          <p:nvPr>
-            <p:ph type="title"/>
-          </p:nvPr>
-        </p:nvSpPr>
+      <p:pic>
+        <p:nvPicPr>
+          <p:cNvPr id="7" name="Picture 6" descr="A picture containing weapon, metalware, wheel, gear&#10;&#10;Description automatically generated">
+            <a:extLst>
+              <a:ext uri="{FF2B5EF4-FFF2-40B4-BE49-F238E27FC236}">
+                <a16:creationId xmlns:a16="http://schemas.microsoft.com/office/drawing/2014/main" id="{A072F4CE-038B-BD31-F4DA-EC749C6A4145}"/>
+              </a:ext>
+            </a:extLst>
+          </p:cNvPr>
+          <p:cNvPicPr>
+            <a:picLocks noChangeAspect="1"/>
+          </p:cNvPicPr>
+          <p:nvPr/>
+        </p:nvPicPr>
+        <p:blipFill rotWithShape="1">
+          <a:blip r:embed="rId3">
+            <a:alphaModFix amt="50000"/>
+          </a:blip>
+          <a:srcRect t="9133" b="69717"/>
+          <a:stretch/>
+        </p:blipFill>
         <p:spPr>
           <a:xfrm>
-            <a:off x="311700" y="327261"/>
-            <a:ext cx="8520600" cy="572700"/>
+            <a:off x="0" y="1"/>
+            <a:ext cx="9144000" cy="772978"/>
           </a:xfrm>
           <a:prstGeom prst="rect">
             <a:avLst/>
           </a:prstGeom>
+          <a:solidFill>
+            <a:schemeClr val="tx1"/>
+          </a:solidFill>
+        </p:spPr>
+      </p:pic>
+      <p:sp>
+        <p:nvSpPr>
+          <p:cNvPr id="4" name="Subtitle 2">
+            <a:extLst>
+              <a:ext uri="{FF2B5EF4-FFF2-40B4-BE49-F238E27FC236}">
+                <a16:creationId xmlns:a16="http://schemas.microsoft.com/office/drawing/2014/main" id="{2DD778C7-57A3-DA8A-91BB-1D2FA9A6E3C3}"/>
+              </a:ext>
+            </a:extLst>
+          </p:cNvPr>
+          <p:cNvSpPr txBox="1">
+            <a:spLocks/>
+          </p:cNvSpPr>
+          <p:nvPr/>
+        </p:nvSpPr>
+        <p:spPr>
+          <a:xfrm>
+            <a:off x="311700" y="10985"/>
+            <a:ext cx="8520600" cy="761994"/>
+          </a:xfrm>
+          <a:prstGeom prst="rect">
+            <a:avLst/>
+          </a:prstGeom>
+          <a:noFill/>
+        </p:spPr>
+        <p:txBody>
+          <a:bodyPr/>
+          <a:lstStyle>
+            <a:defPPr marR="0" lvl="0" algn="l" rtl="0">
+              <a:lnSpc>
+                <a:spcPct val="100000"/>
+              </a:lnSpc>
+              <a:spcBef>
+                <a:spcPts val="0"/>
+              </a:spcBef>
+              <a:spcAft>
+                <a:spcPts val="0"/>
+              </a:spcAft>
+            </a:defPPr>
+            <a:lvl1pPr marR="0" lvl="0" algn="l" rtl="0">
+              <a:lnSpc>
+                <a:spcPct val="100000"/>
+              </a:lnSpc>
+              <a:spcBef>
+                <a:spcPts val="0"/>
+              </a:spcBef>
+              <a:spcAft>
+                <a:spcPts val="0"/>
+              </a:spcAft>
+              <a:buClr>
+                <a:srgbClr val="000000"/>
+              </a:buClr>
+              <a:buFont typeface="Arial"/>
+              <a:defRPr sz="1400" b="0" i="0" u="none" strike="noStrike" cap="none">
+                <a:solidFill>
+                  <a:srgbClr val="000000"/>
+                </a:solidFill>
+                <a:latin typeface="Arial"/>
+                <a:ea typeface="Arial"/>
+                <a:cs typeface="Arial"/>
+                <a:sym typeface="Arial"/>
+              </a:defRPr>
+            </a:lvl1pPr>
+            <a:lvl2pPr marR="0" lvl="1" algn="l" rtl="0">
+              <a:lnSpc>
+                <a:spcPct val="100000"/>
+              </a:lnSpc>
+              <a:spcBef>
+                <a:spcPts val="0"/>
+              </a:spcBef>
+              <a:spcAft>
+                <a:spcPts val="0"/>
+              </a:spcAft>
+              <a:buClr>
+                <a:srgbClr val="000000"/>
+              </a:buClr>
+              <a:buFont typeface="Arial"/>
+              <a:defRPr sz="1400" b="0" i="0" u="none" strike="noStrike" cap="none">
+                <a:solidFill>
+                  <a:srgbClr val="000000"/>
+                </a:solidFill>
+                <a:latin typeface="Arial"/>
+                <a:ea typeface="Arial"/>
+                <a:cs typeface="Arial"/>
+                <a:sym typeface="Arial"/>
+              </a:defRPr>
+            </a:lvl2pPr>
+            <a:lvl3pPr marR="0" lvl="2" algn="l" rtl="0">
+              <a:lnSpc>
+                <a:spcPct val="100000"/>
+              </a:lnSpc>
+              <a:spcBef>
+                <a:spcPts val="0"/>
+              </a:spcBef>
+              <a:spcAft>
+                <a:spcPts val="0"/>
+              </a:spcAft>
+              <a:buClr>
+                <a:srgbClr val="000000"/>
+              </a:buClr>
+              <a:buFont typeface="Arial"/>
+              <a:defRPr sz="1400" b="0" i="0" u="none" strike="noStrike" cap="none">
+                <a:solidFill>
+                  <a:srgbClr val="000000"/>
+                </a:solidFill>
+                <a:latin typeface="Arial"/>
+                <a:ea typeface="Arial"/>
+                <a:cs typeface="Arial"/>
+                <a:sym typeface="Arial"/>
+              </a:defRPr>
+            </a:lvl3pPr>
+            <a:lvl4pPr marR="0" lvl="3" algn="l" rtl="0">
+              <a:lnSpc>
+                <a:spcPct val="100000"/>
+              </a:lnSpc>
+              <a:spcBef>
+                <a:spcPts val="0"/>
+              </a:spcBef>
+              <a:spcAft>
+                <a:spcPts val="0"/>
+              </a:spcAft>
+              <a:buClr>
+                <a:srgbClr val="000000"/>
+              </a:buClr>
+              <a:buFont typeface="Arial"/>
+              <a:defRPr sz="1400" b="0" i="0" u="none" strike="noStrike" cap="none">
+                <a:solidFill>
+                  <a:srgbClr val="000000"/>
+                </a:solidFill>
+                <a:latin typeface="Arial"/>
+                <a:ea typeface="Arial"/>
+                <a:cs typeface="Arial"/>
+                <a:sym typeface="Arial"/>
+              </a:defRPr>
+            </a:lvl4pPr>
+            <a:lvl5pPr marR="0" lvl="4" algn="l" rtl="0">
+              <a:lnSpc>
+                <a:spcPct val="100000"/>
+              </a:lnSpc>
+              <a:spcBef>
+                <a:spcPts val="0"/>
+              </a:spcBef>
+              <a:spcAft>
+                <a:spcPts val="0"/>
+              </a:spcAft>
+              <a:buClr>
+                <a:srgbClr val="000000"/>
+              </a:buClr>
+              <a:buFont typeface="Arial"/>
+              <a:defRPr sz="1400" b="0" i="0" u="none" strike="noStrike" cap="none">
+                <a:solidFill>
+                  <a:srgbClr val="000000"/>
+                </a:solidFill>
+                <a:latin typeface="Arial"/>
+                <a:ea typeface="Arial"/>
+                <a:cs typeface="Arial"/>
+                <a:sym typeface="Arial"/>
+              </a:defRPr>
+            </a:lvl5pPr>
+            <a:lvl6pPr marR="0" lvl="5" algn="l" rtl="0">
+              <a:lnSpc>
+                <a:spcPct val="100000"/>
+              </a:lnSpc>
+              <a:spcBef>
+                <a:spcPts val="0"/>
+              </a:spcBef>
+              <a:spcAft>
+                <a:spcPts val="0"/>
+              </a:spcAft>
+              <a:buClr>
+                <a:srgbClr val="000000"/>
+              </a:buClr>
+              <a:buFont typeface="Arial"/>
+              <a:defRPr sz="1400" b="0" i="0" u="none" strike="noStrike" cap="none">
+                <a:solidFill>
+                  <a:srgbClr val="000000"/>
+                </a:solidFill>
+                <a:latin typeface="Arial"/>
+                <a:ea typeface="Arial"/>
+                <a:cs typeface="Arial"/>
+                <a:sym typeface="Arial"/>
+              </a:defRPr>
+            </a:lvl6pPr>
+            <a:lvl7pPr marR="0" lvl="6" algn="l" rtl="0">
+              <a:lnSpc>
+                <a:spcPct val="100000"/>
+              </a:lnSpc>
+              <a:spcBef>
+                <a:spcPts val="0"/>
+              </a:spcBef>
+              <a:spcAft>
+                <a:spcPts val="0"/>
+              </a:spcAft>
+              <a:buClr>
+                <a:srgbClr val="000000"/>
+              </a:buClr>
+              <a:buFont typeface="Arial"/>
+              <a:defRPr sz="1400" b="0" i="0" u="none" strike="noStrike" cap="none">
+                <a:solidFill>
+                  <a:srgbClr val="000000"/>
+                </a:solidFill>
+                <a:latin typeface="Arial"/>
+                <a:ea typeface="Arial"/>
+                <a:cs typeface="Arial"/>
+                <a:sym typeface="Arial"/>
+              </a:defRPr>
+            </a:lvl7pPr>
+            <a:lvl8pPr marR="0" lvl="7" algn="l" rtl="0">
+              <a:lnSpc>
+                <a:spcPct val="100000"/>
+              </a:lnSpc>
+              <a:spcBef>
+                <a:spcPts val="0"/>
+              </a:spcBef>
+              <a:spcAft>
+                <a:spcPts val="0"/>
+              </a:spcAft>
+              <a:buClr>
+                <a:srgbClr val="000000"/>
+              </a:buClr>
+              <a:buFont typeface="Arial"/>
+              <a:defRPr sz="1400" b="0" i="0" u="none" strike="noStrike" cap="none">
+                <a:solidFill>
+                  <a:srgbClr val="000000"/>
+                </a:solidFill>
+                <a:latin typeface="Arial"/>
+                <a:ea typeface="Arial"/>
+                <a:cs typeface="Arial"/>
+                <a:sym typeface="Arial"/>
+              </a:defRPr>
+            </a:lvl8pPr>
+            <a:lvl9pPr marR="0" lvl="8" algn="l" rtl="0">
+              <a:lnSpc>
+                <a:spcPct val="100000"/>
+              </a:lnSpc>
+              <a:spcBef>
+                <a:spcPts val="0"/>
+              </a:spcBef>
+              <a:spcAft>
+                <a:spcPts val="0"/>
+              </a:spcAft>
+              <a:buClr>
+                <a:srgbClr val="000000"/>
+              </a:buClr>
+              <a:buFont typeface="Arial"/>
+              <a:defRPr sz="1400" b="0" i="0" u="none" strike="noStrike" cap="none">
+                <a:solidFill>
+                  <a:srgbClr val="000000"/>
+                </a:solidFill>
+                <a:latin typeface="Arial"/>
+                <a:ea typeface="Arial"/>
+                <a:cs typeface="Arial"/>
+                <a:sym typeface="Arial"/>
+              </a:defRPr>
+            </a:lvl9pPr>
+          </a:lstStyle>
+          <a:p>
+            <a:pPr marL="0" marR="0" lvl="0" indent="0" algn="ctr" defTabSz="914400" rtl="0" eaLnBrk="1" fontAlgn="auto" latinLnBrk="0" hangingPunct="1">
+              <a:lnSpc>
+                <a:spcPct val="100000"/>
+              </a:lnSpc>
+              <a:spcBef>
+                <a:spcPts val="0"/>
+              </a:spcBef>
+              <a:spcAft>
+                <a:spcPts val="0"/>
+              </a:spcAft>
+              <a:buClr>
+                <a:srgbClr val="000000"/>
+              </a:buClr>
+              <a:buSzTx/>
+              <a:buFont typeface="Arial"/>
+              <a:buNone/>
+              <a:tabLst/>
+              <a:defRPr/>
+            </a:pPr>
+            <a:r>
+              <a:rPr kumimoji="0" lang="en-AU" sz="4000" b="1" i="0" u="none" strike="noStrike" kern="0" cap="none" spc="0" normalizeH="0" baseline="0" noProof="0" dirty="0">
+                <a:ln>
+                  <a:noFill/>
+                </a:ln>
+                <a:solidFill>
+                  <a:srgbClr val="FFFFFF"/>
+                </a:solidFill>
+                <a:effectLst/>
+                <a:uLnTx/>
+                <a:uFillTx/>
+                <a:latin typeface="Playfair Display SC" panose="020B0604020202020204" pitchFamily="2" charset="0"/>
+                <a:cs typeface="Arial"/>
+                <a:sym typeface="Arial"/>
+              </a:rPr>
+              <a:t>Process</a:t>
+            </a:r>
+            <a:endParaRPr kumimoji="0" lang="en-AU" sz="3200" b="1" i="0" u="none" strike="noStrike" kern="0" cap="none" spc="0" normalizeH="0" baseline="0" noProof="0" dirty="0">
+              <a:ln>
+                <a:noFill/>
+              </a:ln>
+              <a:solidFill>
+                <a:srgbClr val="FFFFFF"/>
+              </a:solidFill>
+              <a:effectLst/>
+              <a:uLnTx/>
+              <a:uFillTx/>
+              <a:latin typeface="Playfair Display SC" panose="020B0604020202020204" pitchFamily="2" charset="0"/>
+              <a:cs typeface="Arial"/>
+              <a:sym typeface="Arial"/>
+            </a:endParaRPr>
+          </a:p>
+        </p:txBody>
+      </p:sp>
+      <p:sp>
+        <p:nvSpPr>
+          <p:cNvPr id="5" name="Google Shape;72;p16">
+            <a:extLst>
+              <a:ext uri="{FF2B5EF4-FFF2-40B4-BE49-F238E27FC236}">
+                <a16:creationId xmlns:a16="http://schemas.microsoft.com/office/drawing/2014/main" id="{0D37928C-3DD0-560D-8F46-52CECC6B1735}"/>
+              </a:ext>
+            </a:extLst>
+          </p:cNvPr>
+          <p:cNvSpPr txBox="1">
+            <a:spLocks/>
+          </p:cNvSpPr>
+          <p:nvPr/>
+        </p:nvSpPr>
+        <p:spPr>
+          <a:xfrm>
+            <a:off x="311700" y="663557"/>
+            <a:ext cx="8520600" cy="609600"/>
+          </a:xfrm>
+          <a:prstGeom prst="rect">
+            <a:avLst/>
+          </a:prstGeom>
+          <a:noFill/>
         </p:spPr>
         <p:txBody>
           <a:bodyPr spcFirstLastPara="1" wrap="square" lIns="91425" tIns="91425" rIns="91425" bIns="91425" anchor="t" anchorCtr="0">
             <a:noAutofit/>
           </a:bodyPr>
-          <a:lstStyle/>
+          <a:lstStyle>
+            <a:defPPr marR="0" lvl="0" algn="l" rtl="0">
+              <a:lnSpc>
+                <a:spcPct val="100000"/>
+              </a:lnSpc>
+              <a:spcBef>
+                <a:spcPts val="0"/>
+              </a:spcBef>
+              <a:spcAft>
+                <a:spcPts val="0"/>
+              </a:spcAft>
+            </a:defPPr>
+            <a:lvl1pPr marR="0" lvl="0" algn="l" rtl="0">
+              <a:lnSpc>
+                <a:spcPct val="100000"/>
+              </a:lnSpc>
+              <a:spcBef>
+                <a:spcPts val="0"/>
+              </a:spcBef>
+              <a:spcAft>
+                <a:spcPts val="0"/>
+              </a:spcAft>
+              <a:buClr>
+                <a:srgbClr val="000000"/>
+              </a:buClr>
+              <a:buFont typeface="Arial"/>
+              <a:defRPr sz="1400" b="0" i="0" u="none" strike="noStrike" cap="none">
+                <a:solidFill>
+                  <a:srgbClr val="000000"/>
+                </a:solidFill>
+                <a:latin typeface="Arial"/>
+                <a:ea typeface="Arial"/>
+                <a:cs typeface="Arial"/>
+                <a:sym typeface="Arial"/>
+              </a:defRPr>
+            </a:lvl1pPr>
+            <a:lvl2pPr marR="0" lvl="1" algn="l" rtl="0">
+              <a:lnSpc>
+                <a:spcPct val="100000"/>
+              </a:lnSpc>
+              <a:spcBef>
+                <a:spcPts val="0"/>
+              </a:spcBef>
+              <a:spcAft>
+                <a:spcPts val="0"/>
+              </a:spcAft>
+              <a:buClr>
+                <a:srgbClr val="000000"/>
+              </a:buClr>
+              <a:buFont typeface="Arial"/>
+              <a:defRPr sz="1400" b="0" i="0" u="none" strike="noStrike" cap="none">
+                <a:solidFill>
+                  <a:srgbClr val="000000"/>
+                </a:solidFill>
+                <a:latin typeface="Arial"/>
+                <a:ea typeface="Arial"/>
+                <a:cs typeface="Arial"/>
+                <a:sym typeface="Arial"/>
+              </a:defRPr>
+            </a:lvl2pPr>
+            <a:lvl3pPr marR="0" lvl="2" algn="l" rtl="0">
+              <a:lnSpc>
+                <a:spcPct val="100000"/>
+              </a:lnSpc>
+              <a:spcBef>
+                <a:spcPts val="0"/>
+              </a:spcBef>
+              <a:spcAft>
+                <a:spcPts val="0"/>
+              </a:spcAft>
+              <a:buClr>
+                <a:srgbClr val="000000"/>
+              </a:buClr>
+              <a:buFont typeface="Arial"/>
+              <a:defRPr sz="1400" b="0" i="0" u="none" strike="noStrike" cap="none">
+                <a:solidFill>
+                  <a:srgbClr val="000000"/>
+                </a:solidFill>
+                <a:latin typeface="Arial"/>
+                <a:ea typeface="Arial"/>
+                <a:cs typeface="Arial"/>
+                <a:sym typeface="Arial"/>
+              </a:defRPr>
+            </a:lvl3pPr>
+            <a:lvl4pPr marR="0" lvl="3" algn="l" rtl="0">
+              <a:lnSpc>
+                <a:spcPct val="100000"/>
+              </a:lnSpc>
+              <a:spcBef>
+                <a:spcPts val="0"/>
+              </a:spcBef>
+              <a:spcAft>
+                <a:spcPts val="0"/>
+              </a:spcAft>
+              <a:buClr>
+                <a:srgbClr val="000000"/>
+              </a:buClr>
+              <a:buFont typeface="Arial"/>
+              <a:defRPr sz="1400" b="0" i="0" u="none" strike="noStrike" cap="none">
+                <a:solidFill>
+                  <a:srgbClr val="000000"/>
+                </a:solidFill>
+                <a:latin typeface="Arial"/>
+                <a:ea typeface="Arial"/>
+                <a:cs typeface="Arial"/>
+                <a:sym typeface="Arial"/>
+              </a:defRPr>
+            </a:lvl4pPr>
+            <a:lvl5pPr marR="0" lvl="4" algn="l" rtl="0">
+              <a:lnSpc>
+                <a:spcPct val="100000"/>
+              </a:lnSpc>
+              <a:spcBef>
+                <a:spcPts val="0"/>
+              </a:spcBef>
+              <a:spcAft>
+                <a:spcPts val="0"/>
+              </a:spcAft>
+              <a:buClr>
+                <a:srgbClr val="000000"/>
+              </a:buClr>
+              <a:buFont typeface="Arial"/>
+              <a:defRPr sz="1400" b="0" i="0" u="none" strike="noStrike" cap="none">
+                <a:solidFill>
+                  <a:srgbClr val="000000"/>
+                </a:solidFill>
+                <a:latin typeface="Arial"/>
+                <a:ea typeface="Arial"/>
+                <a:cs typeface="Arial"/>
+                <a:sym typeface="Arial"/>
+              </a:defRPr>
+            </a:lvl5pPr>
+            <a:lvl6pPr marR="0" lvl="5" algn="l" rtl="0">
+              <a:lnSpc>
+                <a:spcPct val="100000"/>
+              </a:lnSpc>
+              <a:spcBef>
+                <a:spcPts val="0"/>
+              </a:spcBef>
+              <a:spcAft>
+                <a:spcPts val="0"/>
+              </a:spcAft>
+              <a:buClr>
+                <a:srgbClr val="000000"/>
+              </a:buClr>
+              <a:buFont typeface="Arial"/>
+              <a:defRPr sz="1400" b="0" i="0" u="none" strike="noStrike" cap="none">
+                <a:solidFill>
+                  <a:srgbClr val="000000"/>
+                </a:solidFill>
+                <a:latin typeface="Arial"/>
+                <a:ea typeface="Arial"/>
+                <a:cs typeface="Arial"/>
+                <a:sym typeface="Arial"/>
+              </a:defRPr>
+            </a:lvl6pPr>
+            <a:lvl7pPr marR="0" lvl="6" algn="l" rtl="0">
+              <a:lnSpc>
+                <a:spcPct val="100000"/>
+              </a:lnSpc>
+              <a:spcBef>
+                <a:spcPts val="0"/>
+              </a:spcBef>
+              <a:spcAft>
+                <a:spcPts val="0"/>
+              </a:spcAft>
+              <a:buClr>
+                <a:srgbClr val="000000"/>
+              </a:buClr>
+              <a:buFont typeface="Arial"/>
+              <a:defRPr sz="1400" b="0" i="0" u="none" strike="noStrike" cap="none">
+                <a:solidFill>
+                  <a:srgbClr val="000000"/>
+                </a:solidFill>
+                <a:latin typeface="Arial"/>
+                <a:ea typeface="Arial"/>
+                <a:cs typeface="Arial"/>
+                <a:sym typeface="Arial"/>
+              </a:defRPr>
+            </a:lvl7pPr>
+            <a:lvl8pPr marR="0" lvl="7" algn="l" rtl="0">
+              <a:lnSpc>
+                <a:spcPct val="100000"/>
+              </a:lnSpc>
+              <a:spcBef>
+                <a:spcPts val="0"/>
+              </a:spcBef>
+              <a:spcAft>
+                <a:spcPts val="0"/>
+              </a:spcAft>
+              <a:buClr>
+                <a:srgbClr val="000000"/>
+              </a:buClr>
+              <a:buFont typeface="Arial"/>
+              <a:defRPr sz="1400" b="0" i="0" u="none" strike="noStrike" cap="none">
+                <a:solidFill>
+                  <a:srgbClr val="000000"/>
+                </a:solidFill>
+                <a:latin typeface="Arial"/>
+                <a:ea typeface="Arial"/>
+                <a:cs typeface="Arial"/>
+                <a:sym typeface="Arial"/>
+              </a:defRPr>
+            </a:lvl8pPr>
+            <a:lvl9pPr marR="0" lvl="8" algn="l" rtl="0">
+              <a:lnSpc>
+                <a:spcPct val="100000"/>
+              </a:lnSpc>
+              <a:spcBef>
+                <a:spcPts val="0"/>
+              </a:spcBef>
+              <a:spcAft>
+                <a:spcPts val="0"/>
+              </a:spcAft>
+              <a:buClr>
+                <a:srgbClr val="000000"/>
+              </a:buClr>
+              <a:buFont typeface="Arial"/>
+              <a:defRPr sz="1400" b="0" i="0" u="none" strike="noStrike" cap="none">
+                <a:solidFill>
+                  <a:srgbClr val="000000"/>
+                </a:solidFill>
+                <a:latin typeface="Arial"/>
+                <a:ea typeface="Arial"/>
+                <a:cs typeface="Arial"/>
+                <a:sym typeface="Arial"/>
+              </a:defRPr>
+            </a:lvl9pPr>
+          </a:lstStyle>
           <a:p>
-            <a:pPr marL="0" lvl="0" indent="0" algn="l" rtl="0">
-              <a:spcBef>
-                <a:spcPts val="0"/>
-              </a:spcBef>
-              <a:spcAft>
-                <a:spcPts val="0"/>
-              </a:spcAft>
-              <a:buNone/>
+            <a:pPr marL="114300">
+              <a:buSzPts val="1800"/>
             </a:pPr>
             <a:r>
-              <a:rPr lang="en" dirty="0"/>
-              <a:t>Process</a:t>
+              <a:rPr lang="en-AU" b="1" dirty="0">
+                <a:solidFill>
+                  <a:schemeClr val="bg1"/>
+                </a:solidFill>
+              </a:rPr>
+              <a:t>Technologies used</a:t>
             </a:r>
-            <a:endParaRPr dirty="0"/>
+          </a:p>
+          <a:p>
+            <a:pPr marL="114300">
+              <a:buSzPts val="1800"/>
+            </a:pPr>
+            <a:r>
+              <a:rPr lang="en-AU" sz="1100" dirty="0">
+                <a:solidFill>
+                  <a:schemeClr val="bg1"/>
+                </a:solidFill>
+              </a:rPr>
+              <a:t>HTML, CSS, JavaScript, jQuery, AJAX, </a:t>
+            </a:r>
+            <a:r>
+              <a:rPr lang="en-AU" sz="1100" dirty="0" err="1">
+                <a:solidFill>
+                  <a:schemeClr val="bg1"/>
+                </a:solidFill>
+              </a:rPr>
+              <a:t>Bulma</a:t>
+            </a:r>
+            <a:r>
+              <a:rPr lang="en-AU" sz="1100" dirty="0">
+                <a:solidFill>
+                  <a:schemeClr val="bg1"/>
+                </a:solidFill>
+              </a:rPr>
+              <a:t> (CSS Framework), IMDb API, YouTube API.</a:t>
+            </a:r>
           </a:p>
         </p:txBody>
       </p:sp>
       <p:sp>
         <p:nvSpPr>
-          <p:cNvPr id="72" name="Google Shape;72;p16"/>
+          <p:cNvPr id="6" name="Google Shape;72;p16">
+            <a:extLst>
+              <a:ext uri="{FF2B5EF4-FFF2-40B4-BE49-F238E27FC236}">
+                <a16:creationId xmlns:a16="http://schemas.microsoft.com/office/drawing/2014/main" id="{54321934-ABC0-59C1-F4AA-2C97495107AC}"/>
+              </a:ext>
+            </a:extLst>
+          </p:cNvPr>
           <p:cNvSpPr txBox="1">
-            <a:spLocks noGrp="1"/>
+            <a:spLocks/>
           </p:cNvSpPr>
-          <p:nvPr>
-            <p:ph type="body" idx="1"/>
-          </p:nvPr>
+          <p:nvPr/>
         </p:nvSpPr>
         <p:spPr>
           <a:xfrm>
-            <a:off x="311700" y="863550"/>
-            <a:ext cx="8520600" cy="4124086"/>
+            <a:off x="311700" y="1134685"/>
+            <a:ext cx="8520600" cy="2853280"/>
           </a:xfrm>
           <a:prstGeom prst="rect">
             <a:avLst/>
           </a:prstGeom>
+          <a:solidFill>
+            <a:schemeClr val="tx1"/>
+          </a:solidFill>
         </p:spPr>
         <p:txBody>
           <a:bodyPr spcFirstLastPara="1" wrap="square" lIns="91425" tIns="91425" rIns="91425" bIns="91425" anchor="t" anchorCtr="0">
             <a:noAutofit/>
           </a:bodyPr>
-          <a:lstStyle/>
+          <a:lstStyle>
+            <a:defPPr marR="0" lvl="0" algn="l" rtl="0">
+              <a:lnSpc>
+                <a:spcPct val="100000"/>
+              </a:lnSpc>
+              <a:spcBef>
+                <a:spcPts val="0"/>
+              </a:spcBef>
+              <a:spcAft>
+                <a:spcPts val="0"/>
+              </a:spcAft>
+            </a:defPPr>
+            <a:lvl1pPr marR="0" lvl="0" algn="l" rtl="0">
+              <a:lnSpc>
+                <a:spcPct val="100000"/>
+              </a:lnSpc>
+              <a:spcBef>
+                <a:spcPts val="0"/>
+              </a:spcBef>
+              <a:spcAft>
+                <a:spcPts val="0"/>
+              </a:spcAft>
+              <a:buClr>
+                <a:srgbClr val="000000"/>
+              </a:buClr>
+              <a:buFont typeface="Arial"/>
+              <a:defRPr sz="1400" b="0" i="0" u="none" strike="noStrike" cap="none">
+                <a:solidFill>
+                  <a:srgbClr val="000000"/>
+                </a:solidFill>
+                <a:latin typeface="Arial"/>
+                <a:ea typeface="Arial"/>
+                <a:cs typeface="Arial"/>
+                <a:sym typeface="Arial"/>
+              </a:defRPr>
+            </a:lvl1pPr>
+            <a:lvl2pPr marR="0" lvl="1" algn="l" rtl="0">
+              <a:lnSpc>
+                <a:spcPct val="100000"/>
+              </a:lnSpc>
+              <a:spcBef>
+                <a:spcPts val="0"/>
+              </a:spcBef>
+              <a:spcAft>
+                <a:spcPts val="0"/>
+              </a:spcAft>
+              <a:buClr>
+                <a:srgbClr val="000000"/>
+              </a:buClr>
+              <a:buFont typeface="Arial"/>
+              <a:defRPr sz="1400" b="0" i="0" u="none" strike="noStrike" cap="none">
+                <a:solidFill>
+                  <a:srgbClr val="000000"/>
+                </a:solidFill>
+                <a:latin typeface="Arial"/>
+                <a:ea typeface="Arial"/>
+                <a:cs typeface="Arial"/>
+                <a:sym typeface="Arial"/>
+              </a:defRPr>
+            </a:lvl2pPr>
+            <a:lvl3pPr marR="0" lvl="2" algn="l" rtl="0">
+              <a:lnSpc>
+                <a:spcPct val="100000"/>
+              </a:lnSpc>
+              <a:spcBef>
+                <a:spcPts val="0"/>
+              </a:spcBef>
+              <a:spcAft>
+                <a:spcPts val="0"/>
+              </a:spcAft>
+              <a:buClr>
+                <a:srgbClr val="000000"/>
+              </a:buClr>
+              <a:buFont typeface="Arial"/>
+              <a:defRPr sz="1400" b="0" i="0" u="none" strike="noStrike" cap="none">
+                <a:solidFill>
+                  <a:srgbClr val="000000"/>
+                </a:solidFill>
+                <a:latin typeface="Arial"/>
+                <a:ea typeface="Arial"/>
+                <a:cs typeface="Arial"/>
+                <a:sym typeface="Arial"/>
+              </a:defRPr>
+            </a:lvl3pPr>
+            <a:lvl4pPr marR="0" lvl="3" algn="l" rtl="0">
+              <a:lnSpc>
+                <a:spcPct val="100000"/>
+              </a:lnSpc>
+              <a:spcBef>
+                <a:spcPts val="0"/>
+              </a:spcBef>
+              <a:spcAft>
+                <a:spcPts val="0"/>
+              </a:spcAft>
+              <a:buClr>
+                <a:srgbClr val="000000"/>
+              </a:buClr>
+              <a:buFont typeface="Arial"/>
+              <a:defRPr sz="1400" b="0" i="0" u="none" strike="noStrike" cap="none">
+                <a:solidFill>
+                  <a:srgbClr val="000000"/>
+                </a:solidFill>
+                <a:latin typeface="Arial"/>
+                <a:ea typeface="Arial"/>
+                <a:cs typeface="Arial"/>
+                <a:sym typeface="Arial"/>
+              </a:defRPr>
+            </a:lvl4pPr>
+            <a:lvl5pPr marR="0" lvl="4" algn="l" rtl="0">
+              <a:lnSpc>
+                <a:spcPct val="100000"/>
+              </a:lnSpc>
+              <a:spcBef>
+                <a:spcPts val="0"/>
+              </a:spcBef>
+              <a:spcAft>
+                <a:spcPts val="0"/>
+              </a:spcAft>
+              <a:buClr>
+                <a:srgbClr val="000000"/>
+              </a:buClr>
+              <a:buFont typeface="Arial"/>
+              <a:defRPr sz="1400" b="0" i="0" u="none" strike="noStrike" cap="none">
+                <a:solidFill>
+                  <a:srgbClr val="000000"/>
+                </a:solidFill>
+                <a:latin typeface="Arial"/>
+                <a:ea typeface="Arial"/>
+                <a:cs typeface="Arial"/>
+                <a:sym typeface="Arial"/>
+              </a:defRPr>
+            </a:lvl5pPr>
+            <a:lvl6pPr marR="0" lvl="5" algn="l" rtl="0">
+              <a:lnSpc>
+                <a:spcPct val="100000"/>
+              </a:lnSpc>
+              <a:spcBef>
+                <a:spcPts val="0"/>
+              </a:spcBef>
+              <a:spcAft>
+                <a:spcPts val="0"/>
+              </a:spcAft>
+              <a:buClr>
+                <a:srgbClr val="000000"/>
+              </a:buClr>
+              <a:buFont typeface="Arial"/>
+              <a:defRPr sz="1400" b="0" i="0" u="none" strike="noStrike" cap="none">
+                <a:solidFill>
+                  <a:srgbClr val="000000"/>
+                </a:solidFill>
+                <a:latin typeface="Arial"/>
+                <a:ea typeface="Arial"/>
+                <a:cs typeface="Arial"/>
+                <a:sym typeface="Arial"/>
+              </a:defRPr>
+            </a:lvl6pPr>
+            <a:lvl7pPr marR="0" lvl="6" algn="l" rtl="0">
+              <a:lnSpc>
+                <a:spcPct val="100000"/>
+              </a:lnSpc>
+              <a:spcBef>
+                <a:spcPts val="0"/>
+              </a:spcBef>
+              <a:spcAft>
+                <a:spcPts val="0"/>
+              </a:spcAft>
+              <a:buClr>
+                <a:srgbClr val="000000"/>
+              </a:buClr>
+              <a:buFont typeface="Arial"/>
+              <a:defRPr sz="1400" b="0" i="0" u="none" strike="noStrike" cap="none">
+                <a:solidFill>
+                  <a:srgbClr val="000000"/>
+                </a:solidFill>
+                <a:latin typeface="Arial"/>
+                <a:ea typeface="Arial"/>
+                <a:cs typeface="Arial"/>
+                <a:sym typeface="Arial"/>
+              </a:defRPr>
+            </a:lvl7pPr>
+            <a:lvl8pPr marR="0" lvl="7" algn="l" rtl="0">
+              <a:lnSpc>
+                <a:spcPct val="100000"/>
+              </a:lnSpc>
+              <a:spcBef>
+                <a:spcPts val="0"/>
+              </a:spcBef>
+              <a:spcAft>
+                <a:spcPts val="0"/>
+              </a:spcAft>
+              <a:buClr>
+                <a:srgbClr val="000000"/>
+              </a:buClr>
+              <a:buFont typeface="Arial"/>
+              <a:defRPr sz="1400" b="0" i="0" u="none" strike="noStrike" cap="none">
+                <a:solidFill>
+                  <a:srgbClr val="000000"/>
+                </a:solidFill>
+                <a:latin typeface="Arial"/>
+                <a:ea typeface="Arial"/>
+                <a:cs typeface="Arial"/>
+                <a:sym typeface="Arial"/>
+              </a:defRPr>
+            </a:lvl8pPr>
+            <a:lvl9pPr marR="0" lvl="8" algn="l" rtl="0">
+              <a:lnSpc>
+                <a:spcPct val="100000"/>
+              </a:lnSpc>
+              <a:spcBef>
+                <a:spcPts val="0"/>
+              </a:spcBef>
+              <a:spcAft>
+                <a:spcPts val="0"/>
+              </a:spcAft>
+              <a:buClr>
+                <a:srgbClr val="000000"/>
+              </a:buClr>
+              <a:buFont typeface="Arial"/>
+              <a:defRPr sz="1400" b="0" i="0" u="none" strike="noStrike" cap="none">
+                <a:solidFill>
+                  <a:srgbClr val="000000"/>
+                </a:solidFill>
+                <a:latin typeface="Arial"/>
+                <a:ea typeface="Arial"/>
+                <a:cs typeface="Arial"/>
+                <a:sym typeface="Arial"/>
+              </a:defRPr>
+            </a:lvl9pPr>
+          </a:lstStyle>
           <a:p>
-            <a:pPr marL="457200" lvl="0" indent="-342900" algn="l" rtl="0">
-              <a:spcBef>
-                <a:spcPts val="0"/>
-              </a:spcBef>
-              <a:spcAft>
-                <a:spcPts val="0"/>
-              </a:spcAft>
+            <a:pPr marL="114300">
               <a:buSzPts val="1800"/>
-              <a:buChar char="●"/>
             </a:pPr>
             <a:r>
-              <a:rPr lang="en" dirty="0"/>
-              <a:t>Technologies used</a:t>
-            </a:r>
-          </a:p>
-          <a:p>
-            <a:pPr marL="114300" lvl="0" indent="0" algn="l" rtl="0">
-              <a:spcBef>
-                <a:spcPts val="0"/>
-              </a:spcBef>
-              <a:spcAft>
-                <a:spcPts val="0"/>
-              </a:spcAft>
-              <a:buSzPts val="1800"/>
-              <a:buNone/>
-            </a:pPr>
-            <a:r>
-              <a:rPr lang="en" sz="1100" dirty="0"/>
-              <a:t>HTML, CSS, JavaScript, jQuery, AJAX Bulma (CSS Framework), IMDb API, YouTube API</a:t>
-            </a:r>
-          </a:p>
-          <a:p>
-            <a:pPr marL="114300" lvl="0" indent="0" algn="l" rtl="0">
-              <a:spcBef>
-                <a:spcPts val="0"/>
-              </a:spcBef>
-              <a:spcAft>
-                <a:spcPts val="0"/>
-              </a:spcAft>
-              <a:buSzPts val="1800"/>
-              <a:buNone/>
-            </a:pPr>
-            <a:endParaRPr sz="1100" dirty="0"/>
-          </a:p>
-          <a:p>
-            <a:pPr marL="457200" lvl="0" indent="-342900" algn="l" rtl="0">
-              <a:spcBef>
-                <a:spcPts val="0"/>
-              </a:spcBef>
-              <a:spcAft>
-                <a:spcPts val="0"/>
-              </a:spcAft>
-              <a:buSzPts val="1800"/>
-              <a:buChar char="●"/>
-            </a:pPr>
-            <a:r>
-              <a:rPr lang="en" dirty="0"/>
+              <a:rPr lang="en-AU" b="1" dirty="0">
+                <a:solidFill>
+                  <a:schemeClr val="bg1"/>
+                </a:solidFill>
+              </a:rPr>
               <a:t>Breakdown of tasks and roles</a:t>
             </a:r>
           </a:p>
           <a:p>
-            <a:pPr marL="114300" lvl="0" indent="0" algn="l" rtl="0">
-              <a:spcBef>
-                <a:spcPts val="0"/>
-              </a:spcBef>
-              <a:spcAft>
-                <a:spcPts val="0"/>
-              </a:spcAft>
+            <a:pPr marL="114300">
               <a:buSzPts val="1800"/>
-              <a:buNone/>
             </a:pPr>
             <a:r>
-              <a:rPr lang="en" sz="1100" dirty="0"/>
-              <a:t>Wireframe – All</a:t>
+              <a:rPr lang="en-AU" sz="1100" dirty="0">
+                <a:solidFill>
+                  <a:schemeClr val="bg1"/>
+                </a:solidFill>
+              </a:rPr>
+              <a:t>Design</a:t>
             </a:r>
           </a:p>
           <a:p>
-            <a:pPr marL="114300" lvl="0" indent="0" algn="l" rtl="0">
-              <a:spcBef>
-                <a:spcPts val="0"/>
-              </a:spcBef>
-              <a:spcAft>
-                <a:spcPts val="0"/>
-              </a:spcAft>
+            <a:pPr marL="114300" lvl="4">
               <a:buSzPts val="1800"/>
-              <a:buNone/>
             </a:pPr>
             <a:r>
-              <a:rPr lang="en" sz="1100" dirty="0"/>
-              <a:t>HTML – Caroline &amp; Chamath</a:t>
+              <a:rPr lang="en-AU" sz="900" dirty="0">
+                <a:solidFill>
+                  <a:schemeClr val="bg1"/>
+                </a:solidFill>
+              </a:rPr>
+              <a:t>Different layout options were designed by Caroline and submitted to the group. We were all able to agree on the same layout. The wireframe was then created using very basic HTML and CSS. Once this was created and included classes and IDs, we were then able to make a start on the JavaScript.</a:t>
             </a:r>
           </a:p>
           <a:p>
-            <a:pPr marL="114300" lvl="0" indent="0" algn="l" rtl="0">
-              <a:spcBef>
-                <a:spcPts val="0"/>
-              </a:spcBef>
-              <a:spcAft>
-                <a:spcPts val="0"/>
-              </a:spcAft>
+            <a:pPr marL="114300">
               <a:buSzPts val="1800"/>
-              <a:buNone/>
+            </a:pPr>
+            <a:endParaRPr lang="en-AU" sz="1100" dirty="0">
+              <a:solidFill>
+                <a:schemeClr val="bg1"/>
+              </a:solidFill>
+            </a:endParaRPr>
+          </a:p>
+          <a:p>
+            <a:pPr marL="114300">
+              <a:buSzPts val="1800"/>
             </a:pPr>
             <a:r>
-              <a:rPr lang="en" sz="1100" dirty="0"/>
-              <a:t>CSS – Caroline</a:t>
+              <a:rPr lang="en-AU" sz="1100" dirty="0">
+                <a:solidFill>
+                  <a:schemeClr val="bg1"/>
+                </a:solidFill>
+              </a:rPr>
+              <a:t>Execution</a:t>
             </a:r>
           </a:p>
           <a:p>
-            <a:pPr marL="114300" lvl="0" indent="0" algn="l" rtl="0">
-              <a:spcBef>
-                <a:spcPts val="0"/>
-              </a:spcBef>
-              <a:spcAft>
-                <a:spcPts val="0"/>
-              </a:spcAft>
+            <a:pPr marL="114300">
               <a:buSzPts val="1800"/>
-              <a:buNone/>
             </a:pPr>
             <a:r>
-              <a:rPr lang="en" sz="1100" dirty="0"/>
-              <a:t>JavaScript – Ben &amp; Roman</a:t>
+              <a:rPr lang="en-AU" sz="900" dirty="0">
+                <a:solidFill>
+                  <a:schemeClr val="bg1"/>
+                </a:solidFill>
+              </a:rPr>
+              <a:t>While the JavaScript was getting started by both Ben and Roman – Caroline continued to work on the overall website design, and Chamath started working on a footer, while researching and implementing our chosen CSS framework: </a:t>
+            </a:r>
+            <a:r>
+              <a:rPr lang="en-AU" sz="900" dirty="0" err="1">
+                <a:solidFill>
+                  <a:schemeClr val="bg1"/>
+                </a:solidFill>
+              </a:rPr>
+              <a:t>Bulma</a:t>
+            </a:r>
+            <a:r>
+              <a:rPr lang="en-AU" sz="900" dirty="0">
+                <a:solidFill>
+                  <a:schemeClr val="bg1"/>
+                </a:solidFill>
+              </a:rPr>
+              <a:t>.</a:t>
             </a:r>
           </a:p>
           <a:p>
-            <a:pPr marL="114300" lvl="0" indent="0" algn="l" rtl="0">
-              <a:spcBef>
-                <a:spcPts val="0"/>
-              </a:spcBef>
-              <a:spcAft>
-                <a:spcPts val="0"/>
-              </a:spcAft>
+            <a:pPr marL="114300">
               <a:buSzPts val="1800"/>
-              <a:buNone/>
+            </a:pPr>
+            <a:endParaRPr lang="en-AU" sz="1100" dirty="0">
+              <a:solidFill>
+                <a:schemeClr val="bg1"/>
+              </a:solidFill>
+            </a:endParaRPr>
+          </a:p>
+          <a:p>
+            <a:pPr marL="114300">
+              <a:buSzPts val="1800"/>
             </a:pPr>
             <a:r>
-              <a:rPr lang="en" sz="1100" dirty="0"/>
-              <a:t>API – Ben &amp; Roman</a:t>
+              <a:rPr lang="en-AU" sz="1100" dirty="0">
+                <a:solidFill>
+                  <a:schemeClr val="bg1"/>
+                </a:solidFill>
+              </a:rPr>
+              <a:t>JavaScript &amp; API</a:t>
             </a:r>
           </a:p>
           <a:p>
-            <a:pPr marL="114300" indent="0">
-              <a:buNone/>
+            <a:pPr marL="114300">
+              <a:buSzPts val="1800"/>
             </a:pPr>
             <a:r>
-              <a:rPr lang="en" sz="1100" dirty="0"/>
-              <a:t>Documentation – Chamath (README)</a:t>
+              <a:rPr lang="en-AU" sz="900" dirty="0">
+                <a:solidFill>
+                  <a:schemeClr val="bg1"/>
+                </a:solidFill>
+              </a:rPr>
+              <a:t>Once the webpage was populated with user input elements such as a search bar, buttons and sliders by Roman, Ben implemented the IMDb API and the YouTube API to return the desired information to the viewer. Ben and Roman both worked together to ensure user input worked with the output, experiencing a few bugs along the way.</a:t>
             </a:r>
           </a:p>
           <a:p>
-            <a:pPr marL="114300" lvl="0" indent="0" algn="l" rtl="0">
-              <a:spcBef>
-                <a:spcPts val="0"/>
-              </a:spcBef>
-              <a:spcAft>
-                <a:spcPts val="0"/>
-              </a:spcAft>
+            <a:pPr marL="114300">
               <a:buSzPts val="1800"/>
-              <a:buNone/>
             </a:pPr>
-            <a:endParaRPr sz="1100" dirty="0"/>
+            <a:endParaRPr lang="en-AU" sz="1100" dirty="0">
+              <a:solidFill>
+                <a:schemeClr val="bg1"/>
+              </a:solidFill>
+            </a:endParaRPr>
           </a:p>
           <a:p>
-            <a:pPr marL="457200" lvl="0" indent="-342900" algn="l" rtl="0">
-              <a:spcBef>
-                <a:spcPts val="0"/>
-              </a:spcBef>
-              <a:spcAft>
-                <a:spcPts val="0"/>
-              </a:spcAft>
+            <a:pPr marL="114300">
               <a:buSzPts val="1800"/>
-              <a:buChar char="●"/>
             </a:pPr>
             <a:r>
-              <a:rPr lang="en" dirty="0"/>
+              <a:rPr lang="en-AU" sz="1100" dirty="0">
+                <a:solidFill>
+                  <a:schemeClr val="bg1"/>
+                </a:solidFill>
+              </a:rPr>
+              <a:t>Finalisation &amp; Documentation</a:t>
+            </a:r>
+          </a:p>
+          <a:p>
+            <a:pPr marL="114300">
+              <a:buSzPts val="1800"/>
+            </a:pPr>
+            <a:r>
+              <a:rPr lang="en-AU" sz="900" dirty="0">
+                <a:solidFill>
+                  <a:schemeClr val="bg1"/>
+                </a:solidFill>
+              </a:rPr>
+              <a:t>We had regular group discussions on Slack regarding new ideas, required bug fixes, etc. While Ben and Roman continued to work on the JavaScript file, fixing any bugs that would pop up throughout production, Chamath worked on the README file, and Caroline worked on the PowerPoint Presentation.</a:t>
+            </a:r>
+          </a:p>
+        </p:txBody>
+      </p:sp>
+      <p:sp>
+        <p:nvSpPr>
+          <p:cNvPr id="8" name="Google Shape;72;p16">
+            <a:extLst>
+              <a:ext uri="{FF2B5EF4-FFF2-40B4-BE49-F238E27FC236}">
+                <a16:creationId xmlns:a16="http://schemas.microsoft.com/office/drawing/2014/main" id="{A6640B9F-661F-B410-B970-FEE2423F2FFD}"/>
+              </a:ext>
+            </a:extLst>
+          </p:cNvPr>
+          <p:cNvSpPr txBox="1">
+            <a:spLocks/>
+          </p:cNvSpPr>
+          <p:nvPr/>
+        </p:nvSpPr>
+        <p:spPr>
+          <a:xfrm>
+            <a:off x="311700" y="3872240"/>
+            <a:ext cx="8520600" cy="609600"/>
+          </a:xfrm>
+          <a:prstGeom prst="rect">
+            <a:avLst/>
+          </a:prstGeom>
+          <a:solidFill>
+            <a:schemeClr val="tx1"/>
+          </a:solidFill>
+        </p:spPr>
+        <p:txBody>
+          <a:bodyPr spcFirstLastPara="1" wrap="square" lIns="91425" tIns="91425" rIns="91425" bIns="91425" anchor="t" anchorCtr="0">
+            <a:noAutofit/>
+          </a:bodyPr>
+          <a:lstStyle>
+            <a:defPPr marR="0" lvl="0" algn="l" rtl="0">
+              <a:lnSpc>
+                <a:spcPct val="100000"/>
+              </a:lnSpc>
+              <a:spcBef>
+                <a:spcPts val="0"/>
+              </a:spcBef>
+              <a:spcAft>
+                <a:spcPts val="0"/>
+              </a:spcAft>
+            </a:defPPr>
+            <a:lvl1pPr marR="0" lvl="0" algn="l" rtl="0">
+              <a:lnSpc>
+                <a:spcPct val="100000"/>
+              </a:lnSpc>
+              <a:spcBef>
+                <a:spcPts val="0"/>
+              </a:spcBef>
+              <a:spcAft>
+                <a:spcPts val="0"/>
+              </a:spcAft>
+              <a:buClr>
+                <a:srgbClr val="000000"/>
+              </a:buClr>
+              <a:buFont typeface="Arial"/>
+              <a:defRPr sz="1400" b="0" i="0" u="none" strike="noStrike" cap="none">
+                <a:solidFill>
+                  <a:srgbClr val="000000"/>
+                </a:solidFill>
+                <a:latin typeface="Arial"/>
+                <a:ea typeface="Arial"/>
+                <a:cs typeface="Arial"/>
+                <a:sym typeface="Arial"/>
+              </a:defRPr>
+            </a:lvl1pPr>
+            <a:lvl2pPr marR="0" lvl="1" algn="l" rtl="0">
+              <a:lnSpc>
+                <a:spcPct val="100000"/>
+              </a:lnSpc>
+              <a:spcBef>
+                <a:spcPts val="0"/>
+              </a:spcBef>
+              <a:spcAft>
+                <a:spcPts val="0"/>
+              </a:spcAft>
+              <a:buClr>
+                <a:srgbClr val="000000"/>
+              </a:buClr>
+              <a:buFont typeface="Arial"/>
+              <a:defRPr sz="1400" b="0" i="0" u="none" strike="noStrike" cap="none">
+                <a:solidFill>
+                  <a:srgbClr val="000000"/>
+                </a:solidFill>
+                <a:latin typeface="Arial"/>
+                <a:ea typeface="Arial"/>
+                <a:cs typeface="Arial"/>
+                <a:sym typeface="Arial"/>
+              </a:defRPr>
+            </a:lvl2pPr>
+            <a:lvl3pPr marR="0" lvl="2" algn="l" rtl="0">
+              <a:lnSpc>
+                <a:spcPct val="100000"/>
+              </a:lnSpc>
+              <a:spcBef>
+                <a:spcPts val="0"/>
+              </a:spcBef>
+              <a:spcAft>
+                <a:spcPts val="0"/>
+              </a:spcAft>
+              <a:buClr>
+                <a:srgbClr val="000000"/>
+              </a:buClr>
+              <a:buFont typeface="Arial"/>
+              <a:defRPr sz="1400" b="0" i="0" u="none" strike="noStrike" cap="none">
+                <a:solidFill>
+                  <a:srgbClr val="000000"/>
+                </a:solidFill>
+                <a:latin typeface="Arial"/>
+                <a:ea typeface="Arial"/>
+                <a:cs typeface="Arial"/>
+                <a:sym typeface="Arial"/>
+              </a:defRPr>
+            </a:lvl3pPr>
+            <a:lvl4pPr marR="0" lvl="3" algn="l" rtl="0">
+              <a:lnSpc>
+                <a:spcPct val="100000"/>
+              </a:lnSpc>
+              <a:spcBef>
+                <a:spcPts val="0"/>
+              </a:spcBef>
+              <a:spcAft>
+                <a:spcPts val="0"/>
+              </a:spcAft>
+              <a:buClr>
+                <a:srgbClr val="000000"/>
+              </a:buClr>
+              <a:buFont typeface="Arial"/>
+              <a:defRPr sz="1400" b="0" i="0" u="none" strike="noStrike" cap="none">
+                <a:solidFill>
+                  <a:srgbClr val="000000"/>
+                </a:solidFill>
+                <a:latin typeface="Arial"/>
+                <a:ea typeface="Arial"/>
+                <a:cs typeface="Arial"/>
+                <a:sym typeface="Arial"/>
+              </a:defRPr>
+            </a:lvl4pPr>
+            <a:lvl5pPr marR="0" lvl="4" algn="l" rtl="0">
+              <a:lnSpc>
+                <a:spcPct val="100000"/>
+              </a:lnSpc>
+              <a:spcBef>
+                <a:spcPts val="0"/>
+              </a:spcBef>
+              <a:spcAft>
+                <a:spcPts val="0"/>
+              </a:spcAft>
+              <a:buClr>
+                <a:srgbClr val="000000"/>
+              </a:buClr>
+              <a:buFont typeface="Arial"/>
+              <a:defRPr sz="1400" b="0" i="0" u="none" strike="noStrike" cap="none">
+                <a:solidFill>
+                  <a:srgbClr val="000000"/>
+                </a:solidFill>
+                <a:latin typeface="Arial"/>
+                <a:ea typeface="Arial"/>
+                <a:cs typeface="Arial"/>
+                <a:sym typeface="Arial"/>
+              </a:defRPr>
+            </a:lvl5pPr>
+            <a:lvl6pPr marR="0" lvl="5" algn="l" rtl="0">
+              <a:lnSpc>
+                <a:spcPct val="100000"/>
+              </a:lnSpc>
+              <a:spcBef>
+                <a:spcPts val="0"/>
+              </a:spcBef>
+              <a:spcAft>
+                <a:spcPts val="0"/>
+              </a:spcAft>
+              <a:buClr>
+                <a:srgbClr val="000000"/>
+              </a:buClr>
+              <a:buFont typeface="Arial"/>
+              <a:defRPr sz="1400" b="0" i="0" u="none" strike="noStrike" cap="none">
+                <a:solidFill>
+                  <a:srgbClr val="000000"/>
+                </a:solidFill>
+                <a:latin typeface="Arial"/>
+                <a:ea typeface="Arial"/>
+                <a:cs typeface="Arial"/>
+                <a:sym typeface="Arial"/>
+              </a:defRPr>
+            </a:lvl6pPr>
+            <a:lvl7pPr marR="0" lvl="6" algn="l" rtl="0">
+              <a:lnSpc>
+                <a:spcPct val="100000"/>
+              </a:lnSpc>
+              <a:spcBef>
+                <a:spcPts val="0"/>
+              </a:spcBef>
+              <a:spcAft>
+                <a:spcPts val="0"/>
+              </a:spcAft>
+              <a:buClr>
+                <a:srgbClr val="000000"/>
+              </a:buClr>
+              <a:buFont typeface="Arial"/>
+              <a:defRPr sz="1400" b="0" i="0" u="none" strike="noStrike" cap="none">
+                <a:solidFill>
+                  <a:srgbClr val="000000"/>
+                </a:solidFill>
+                <a:latin typeface="Arial"/>
+                <a:ea typeface="Arial"/>
+                <a:cs typeface="Arial"/>
+                <a:sym typeface="Arial"/>
+              </a:defRPr>
+            </a:lvl7pPr>
+            <a:lvl8pPr marR="0" lvl="7" algn="l" rtl="0">
+              <a:lnSpc>
+                <a:spcPct val="100000"/>
+              </a:lnSpc>
+              <a:spcBef>
+                <a:spcPts val="0"/>
+              </a:spcBef>
+              <a:spcAft>
+                <a:spcPts val="0"/>
+              </a:spcAft>
+              <a:buClr>
+                <a:srgbClr val="000000"/>
+              </a:buClr>
+              <a:buFont typeface="Arial"/>
+              <a:defRPr sz="1400" b="0" i="0" u="none" strike="noStrike" cap="none">
+                <a:solidFill>
+                  <a:srgbClr val="000000"/>
+                </a:solidFill>
+                <a:latin typeface="Arial"/>
+                <a:ea typeface="Arial"/>
+                <a:cs typeface="Arial"/>
+                <a:sym typeface="Arial"/>
+              </a:defRPr>
+            </a:lvl8pPr>
+            <a:lvl9pPr marR="0" lvl="8" algn="l" rtl="0">
+              <a:lnSpc>
+                <a:spcPct val="100000"/>
+              </a:lnSpc>
+              <a:spcBef>
+                <a:spcPts val="0"/>
+              </a:spcBef>
+              <a:spcAft>
+                <a:spcPts val="0"/>
+              </a:spcAft>
+              <a:buClr>
+                <a:srgbClr val="000000"/>
+              </a:buClr>
+              <a:buFont typeface="Arial"/>
+              <a:defRPr sz="1400" b="0" i="0" u="none" strike="noStrike" cap="none">
+                <a:solidFill>
+                  <a:srgbClr val="000000"/>
+                </a:solidFill>
+                <a:latin typeface="Arial"/>
+                <a:ea typeface="Arial"/>
+                <a:cs typeface="Arial"/>
+                <a:sym typeface="Arial"/>
+              </a:defRPr>
+            </a:lvl9pPr>
+          </a:lstStyle>
+          <a:p>
+            <a:pPr marL="114300">
+              <a:buSzPts val="1800"/>
+            </a:pPr>
+            <a:r>
+              <a:rPr lang="en-AU" b="1" dirty="0">
+                <a:solidFill>
+                  <a:schemeClr val="bg1"/>
+                </a:solidFill>
+              </a:rPr>
               <a:t>Challenges</a:t>
             </a:r>
           </a:p>
           <a:p>
-            <a:pPr marL="114300" lvl="0" indent="0" algn="l" rtl="0">
-              <a:spcBef>
-                <a:spcPts val="0"/>
-              </a:spcBef>
-              <a:spcAft>
-                <a:spcPts val="0"/>
-              </a:spcAft>
+            <a:pPr marL="114300">
               <a:buSzPts val="1800"/>
-              <a:buNone/>
             </a:pPr>
             <a:r>
-              <a:rPr lang="en-AU" sz="1100" dirty="0"/>
+              <a:rPr lang="en-AU" sz="1100" dirty="0">
+                <a:solidFill>
+                  <a:schemeClr val="bg1"/>
+                </a:solidFill>
+              </a:rPr>
               <a:t>GitHub (branching/merging/staying up to date), API request limits, access to APIs.</a:t>
             </a:r>
           </a:p>
+        </p:txBody>
+      </p:sp>
+      <p:sp>
+        <p:nvSpPr>
+          <p:cNvPr id="9" name="Google Shape;72;p16">
+            <a:extLst>
+              <a:ext uri="{FF2B5EF4-FFF2-40B4-BE49-F238E27FC236}">
+                <a16:creationId xmlns:a16="http://schemas.microsoft.com/office/drawing/2014/main" id="{34ED5350-6CED-621B-2C74-A286CCA0FF28}"/>
+              </a:ext>
+            </a:extLst>
+          </p:cNvPr>
+          <p:cNvSpPr txBox="1">
+            <a:spLocks/>
+          </p:cNvSpPr>
+          <p:nvPr/>
+        </p:nvSpPr>
+        <p:spPr>
+          <a:xfrm>
+            <a:off x="311700" y="4352053"/>
+            <a:ext cx="8520600" cy="721469"/>
+          </a:xfrm>
+          <a:prstGeom prst="rect">
+            <a:avLst/>
+          </a:prstGeom>
+          <a:solidFill>
+            <a:schemeClr val="tx1"/>
+          </a:solidFill>
+        </p:spPr>
+        <p:txBody>
+          <a:bodyPr spcFirstLastPara="1" wrap="square" lIns="91425" tIns="91425" rIns="91425" bIns="91425" anchor="t" anchorCtr="0">
+            <a:noAutofit/>
+          </a:bodyPr>
+          <a:lstStyle>
+            <a:defPPr marR="0" lvl="0" algn="l" rtl="0">
+              <a:lnSpc>
+                <a:spcPct val="100000"/>
+              </a:lnSpc>
+              <a:spcBef>
+                <a:spcPts val="0"/>
+              </a:spcBef>
+              <a:spcAft>
+                <a:spcPts val="0"/>
+              </a:spcAft>
+            </a:defPPr>
+            <a:lvl1pPr marR="0" lvl="0" algn="l" rtl="0">
+              <a:lnSpc>
+                <a:spcPct val="100000"/>
+              </a:lnSpc>
+              <a:spcBef>
+                <a:spcPts val="0"/>
+              </a:spcBef>
+              <a:spcAft>
+                <a:spcPts val="0"/>
+              </a:spcAft>
+              <a:buClr>
+                <a:srgbClr val="000000"/>
+              </a:buClr>
+              <a:buFont typeface="Arial"/>
+              <a:defRPr sz="1400" b="0" i="0" u="none" strike="noStrike" cap="none">
+                <a:solidFill>
+                  <a:srgbClr val="000000"/>
+                </a:solidFill>
+                <a:latin typeface="Arial"/>
+                <a:ea typeface="Arial"/>
+                <a:cs typeface="Arial"/>
+                <a:sym typeface="Arial"/>
+              </a:defRPr>
+            </a:lvl1pPr>
+            <a:lvl2pPr marR="0" lvl="1" algn="l" rtl="0">
+              <a:lnSpc>
+                <a:spcPct val="100000"/>
+              </a:lnSpc>
+              <a:spcBef>
+                <a:spcPts val="0"/>
+              </a:spcBef>
+              <a:spcAft>
+                <a:spcPts val="0"/>
+              </a:spcAft>
+              <a:buClr>
+                <a:srgbClr val="000000"/>
+              </a:buClr>
+              <a:buFont typeface="Arial"/>
+              <a:defRPr sz="1400" b="0" i="0" u="none" strike="noStrike" cap="none">
+                <a:solidFill>
+                  <a:srgbClr val="000000"/>
+                </a:solidFill>
+                <a:latin typeface="Arial"/>
+                <a:ea typeface="Arial"/>
+                <a:cs typeface="Arial"/>
+                <a:sym typeface="Arial"/>
+              </a:defRPr>
+            </a:lvl2pPr>
+            <a:lvl3pPr marR="0" lvl="2" algn="l" rtl="0">
+              <a:lnSpc>
+                <a:spcPct val="100000"/>
+              </a:lnSpc>
+              <a:spcBef>
+                <a:spcPts val="0"/>
+              </a:spcBef>
+              <a:spcAft>
+                <a:spcPts val="0"/>
+              </a:spcAft>
+              <a:buClr>
+                <a:srgbClr val="000000"/>
+              </a:buClr>
+              <a:buFont typeface="Arial"/>
+              <a:defRPr sz="1400" b="0" i="0" u="none" strike="noStrike" cap="none">
+                <a:solidFill>
+                  <a:srgbClr val="000000"/>
+                </a:solidFill>
+                <a:latin typeface="Arial"/>
+                <a:ea typeface="Arial"/>
+                <a:cs typeface="Arial"/>
+                <a:sym typeface="Arial"/>
+              </a:defRPr>
+            </a:lvl3pPr>
+            <a:lvl4pPr marR="0" lvl="3" algn="l" rtl="0">
+              <a:lnSpc>
+                <a:spcPct val="100000"/>
+              </a:lnSpc>
+              <a:spcBef>
+                <a:spcPts val="0"/>
+              </a:spcBef>
+              <a:spcAft>
+                <a:spcPts val="0"/>
+              </a:spcAft>
+              <a:buClr>
+                <a:srgbClr val="000000"/>
+              </a:buClr>
+              <a:buFont typeface="Arial"/>
+              <a:defRPr sz="1400" b="0" i="0" u="none" strike="noStrike" cap="none">
+                <a:solidFill>
+                  <a:srgbClr val="000000"/>
+                </a:solidFill>
+                <a:latin typeface="Arial"/>
+                <a:ea typeface="Arial"/>
+                <a:cs typeface="Arial"/>
+                <a:sym typeface="Arial"/>
+              </a:defRPr>
+            </a:lvl4pPr>
+            <a:lvl5pPr marR="0" lvl="4" algn="l" rtl="0">
+              <a:lnSpc>
+                <a:spcPct val="100000"/>
+              </a:lnSpc>
+              <a:spcBef>
+                <a:spcPts val="0"/>
+              </a:spcBef>
+              <a:spcAft>
+                <a:spcPts val="0"/>
+              </a:spcAft>
+              <a:buClr>
+                <a:srgbClr val="000000"/>
+              </a:buClr>
+              <a:buFont typeface="Arial"/>
+              <a:defRPr sz="1400" b="0" i="0" u="none" strike="noStrike" cap="none">
+                <a:solidFill>
+                  <a:srgbClr val="000000"/>
+                </a:solidFill>
+                <a:latin typeface="Arial"/>
+                <a:ea typeface="Arial"/>
+                <a:cs typeface="Arial"/>
+                <a:sym typeface="Arial"/>
+              </a:defRPr>
+            </a:lvl5pPr>
+            <a:lvl6pPr marR="0" lvl="5" algn="l" rtl="0">
+              <a:lnSpc>
+                <a:spcPct val="100000"/>
+              </a:lnSpc>
+              <a:spcBef>
+                <a:spcPts val="0"/>
+              </a:spcBef>
+              <a:spcAft>
+                <a:spcPts val="0"/>
+              </a:spcAft>
+              <a:buClr>
+                <a:srgbClr val="000000"/>
+              </a:buClr>
+              <a:buFont typeface="Arial"/>
+              <a:defRPr sz="1400" b="0" i="0" u="none" strike="noStrike" cap="none">
+                <a:solidFill>
+                  <a:srgbClr val="000000"/>
+                </a:solidFill>
+                <a:latin typeface="Arial"/>
+                <a:ea typeface="Arial"/>
+                <a:cs typeface="Arial"/>
+                <a:sym typeface="Arial"/>
+              </a:defRPr>
+            </a:lvl6pPr>
+            <a:lvl7pPr marR="0" lvl="6" algn="l" rtl="0">
+              <a:lnSpc>
+                <a:spcPct val="100000"/>
+              </a:lnSpc>
+              <a:spcBef>
+                <a:spcPts val="0"/>
+              </a:spcBef>
+              <a:spcAft>
+                <a:spcPts val="0"/>
+              </a:spcAft>
+              <a:buClr>
+                <a:srgbClr val="000000"/>
+              </a:buClr>
+              <a:buFont typeface="Arial"/>
+              <a:defRPr sz="1400" b="0" i="0" u="none" strike="noStrike" cap="none">
+                <a:solidFill>
+                  <a:srgbClr val="000000"/>
+                </a:solidFill>
+                <a:latin typeface="Arial"/>
+                <a:ea typeface="Arial"/>
+                <a:cs typeface="Arial"/>
+                <a:sym typeface="Arial"/>
+              </a:defRPr>
+            </a:lvl7pPr>
+            <a:lvl8pPr marR="0" lvl="7" algn="l" rtl="0">
+              <a:lnSpc>
+                <a:spcPct val="100000"/>
+              </a:lnSpc>
+              <a:spcBef>
+                <a:spcPts val="0"/>
+              </a:spcBef>
+              <a:spcAft>
+                <a:spcPts val="0"/>
+              </a:spcAft>
+              <a:buClr>
+                <a:srgbClr val="000000"/>
+              </a:buClr>
+              <a:buFont typeface="Arial"/>
+              <a:defRPr sz="1400" b="0" i="0" u="none" strike="noStrike" cap="none">
+                <a:solidFill>
+                  <a:srgbClr val="000000"/>
+                </a:solidFill>
+                <a:latin typeface="Arial"/>
+                <a:ea typeface="Arial"/>
+                <a:cs typeface="Arial"/>
+                <a:sym typeface="Arial"/>
+              </a:defRPr>
+            </a:lvl8pPr>
+            <a:lvl9pPr marR="0" lvl="8" algn="l" rtl="0">
+              <a:lnSpc>
+                <a:spcPct val="100000"/>
+              </a:lnSpc>
+              <a:spcBef>
+                <a:spcPts val="0"/>
+              </a:spcBef>
+              <a:spcAft>
+                <a:spcPts val="0"/>
+              </a:spcAft>
+              <a:buClr>
+                <a:srgbClr val="000000"/>
+              </a:buClr>
+              <a:buFont typeface="Arial"/>
+              <a:defRPr sz="1400" b="0" i="0" u="none" strike="noStrike" cap="none">
+                <a:solidFill>
+                  <a:srgbClr val="000000"/>
+                </a:solidFill>
+                <a:latin typeface="Arial"/>
+                <a:ea typeface="Arial"/>
+                <a:cs typeface="Arial"/>
+                <a:sym typeface="Arial"/>
+              </a:defRPr>
+            </a:lvl9pPr>
+          </a:lstStyle>
           <a:p>
-            <a:pPr marL="114300" lvl="0" indent="0" algn="l" rtl="0">
-              <a:spcBef>
-                <a:spcPts val="0"/>
-              </a:spcBef>
-              <a:spcAft>
-                <a:spcPts val="0"/>
-              </a:spcAft>
+            <a:pPr marL="114300">
               <a:buSzPts val="1800"/>
-              <a:buNone/>
-            </a:pPr>
-            <a:endParaRPr sz="1100" dirty="0"/>
-          </a:p>
-          <a:p>
-            <a:pPr marL="457200" lvl="0" indent="-342900" algn="l" rtl="0">
-              <a:spcBef>
-                <a:spcPts val="0"/>
-              </a:spcBef>
-              <a:spcAft>
-                <a:spcPts val="0"/>
-              </a:spcAft>
-              <a:buSzPts val="1800"/>
-              <a:buChar char="●"/>
             </a:pPr>
             <a:r>
-              <a:rPr lang="en" dirty="0"/>
+              <a:rPr lang="en-AU" b="1" dirty="0">
+                <a:solidFill>
+                  <a:schemeClr val="bg1"/>
+                </a:solidFill>
+              </a:rPr>
               <a:t>Successes</a:t>
             </a:r>
           </a:p>
           <a:p>
-            <a:pPr marL="114300" lvl="0" indent="0" algn="l" rtl="0">
-              <a:spcBef>
-                <a:spcPts val="0"/>
-              </a:spcBef>
-              <a:spcAft>
-                <a:spcPts val="0"/>
-              </a:spcAft>
+            <a:pPr marL="114300">
               <a:buSzPts val="1800"/>
-              <a:buNone/>
             </a:pPr>
             <a:r>
-              <a:rPr lang="en-AU" sz="1100" dirty="0"/>
-              <a:t>Flexibility/acceptance of idea changes, learning a new CSS framework, </a:t>
+              <a:rPr lang="en-AU" sz="1100" dirty="0">
+                <a:solidFill>
+                  <a:schemeClr val="bg1"/>
+                </a:solidFill>
+              </a:rPr>
+              <a:t>Flexibility/acceptance of idea changes, researching and learning more about APIs and new CSS frameworks, helping fix bugs as a group, and overall just learning more from one another.</a:t>
             </a:r>
-            <a:endParaRPr sz="1100" dirty="0"/>
           </a:p>
         </p:txBody>
       </p:sp>
     </p:spTree>
+    <p:extLst>
+      <p:ext uri="{BB962C8B-B14F-4D97-AF65-F5344CB8AC3E}">
+        <p14:creationId xmlns:p14="http://schemas.microsoft.com/office/powerpoint/2010/main" val="1056983170"/>
+      </p:ext>
+    </p:extLst>
   </p:cSld>
   <p:clrMapOvr>
     <a:masterClrMapping/>
   </p:clrMapOvr>
+  <p:transition spd="slow">
+    <p:wipe/>
+  </p:transition>
+  <p:timing>
+    <p:tnLst>
+      <p:par>
+        <p:cTn id="1" dur="indefinite" restart="never" nodeType="tmRoot">
+          <p:childTnLst>
+            <p:seq concurrent="1" nextAc="seek">
+              <p:cTn id="2" dur="indefinite" nodeType="mainSeq">
+                <p:childTnLst>
+                  <p:par>
+                    <p:cTn id="3" fill="hold">
+                      <p:stCondLst>
+                        <p:cond delay="indefinite"/>
+                        <p:cond evt="onBegin" delay="0">
+                          <p:tn val="2"/>
+                        </p:cond>
+                      </p:stCondLst>
+                      <p:childTnLst>
+                        <p:par>
+                          <p:cTn id="4" fill="hold">
+                            <p:stCondLst>
+                              <p:cond delay="0"/>
+                            </p:stCondLst>
+                            <p:childTnLst>
+                              <p:par>
+                                <p:cTn id="5" presetID="26" presetClass="entr" presetSubtype="0" fill="hold" grpId="0" nodeType="afterEffect">
+                                  <p:stCondLst>
+                                    <p:cond delay="0"/>
+                                  </p:stCondLst>
+                                  <p:childTnLst>
+                                    <p:set>
+                                      <p:cBhvr>
+                                        <p:cTn id="6" dur="1" fill="hold">
+                                          <p:stCondLst>
+                                            <p:cond delay="0"/>
+                                          </p:stCondLst>
+                                        </p:cTn>
+                                        <p:tgtEl>
+                                          <p:spTgt spid="4"/>
+                                        </p:tgtEl>
+                                        <p:attrNameLst>
+                                          <p:attrName>style.visibility</p:attrName>
+                                        </p:attrNameLst>
+                                      </p:cBhvr>
+                                      <p:to>
+                                        <p:strVal val="visible"/>
+                                      </p:to>
+                                    </p:set>
+                                    <p:animEffect transition="in" filter="wipe(down)">
+                                      <p:cBhvr>
+                                        <p:cTn id="7" dur="580">
+                                          <p:stCondLst>
+                                            <p:cond delay="0"/>
+                                          </p:stCondLst>
+                                        </p:cTn>
+                                        <p:tgtEl>
+                                          <p:spTgt spid="4"/>
+                                        </p:tgtEl>
+                                      </p:cBhvr>
+                                    </p:animEffect>
+                                    <p:anim calcmode="lin" valueType="num">
+                                      <p:cBhvr>
+                                        <p:cTn id="8" dur="1822" tmFilter="0,0; 0.14,0.36; 0.43,0.73; 0.71,0.91; 1.0,1.0">
+                                          <p:stCondLst>
+                                            <p:cond delay="0"/>
+                                          </p:stCondLst>
+                                        </p:cTn>
+                                        <p:tgtEl>
+                                          <p:spTgt spid="4"/>
+                                        </p:tgtEl>
+                                        <p:attrNameLst>
+                                          <p:attrName>ppt_x</p:attrName>
+                                        </p:attrNameLst>
+                                      </p:cBhvr>
+                                      <p:tavLst>
+                                        <p:tav tm="0">
+                                          <p:val>
+                                            <p:strVal val="#ppt_x-0.25"/>
+                                          </p:val>
+                                        </p:tav>
+                                        <p:tav tm="100000">
+                                          <p:val>
+                                            <p:strVal val="#ppt_x"/>
+                                          </p:val>
+                                        </p:tav>
+                                      </p:tavLst>
+                                    </p:anim>
+                                    <p:anim calcmode="lin" valueType="num">
+                                      <p:cBhvr>
+                                        <p:cTn id="9" dur="664" tmFilter="0.0,0.0; 0.25,0.07; 0.50,0.2; 0.75,0.467; 1.0,1.0">
+                                          <p:stCondLst>
+                                            <p:cond delay="0"/>
+                                          </p:stCondLst>
+                                        </p:cTn>
+                                        <p:tgtEl>
+                                          <p:spTgt spid="4"/>
+                                        </p:tgtEl>
+                                        <p:attrNameLst>
+                                          <p:attrName>ppt_y</p:attrName>
+                                        </p:attrNameLst>
+                                      </p:cBhvr>
+                                      <p:tavLst>
+                                        <p:tav tm="0" fmla="#ppt_y-sin(pi*$)/3">
+                                          <p:val>
+                                            <p:fltVal val="0.5"/>
+                                          </p:val>
+                                        </p:tav>
+                                        <p:tav tm="100000">
+                                          <p:val>
+                                            <p:fltVal val="1"/>
+                                          </p:val>
+                                        </p:tav>
+                                      </p:tavLst>
+                                    </p:anim>
+                                    <p:anim calcmode="lin" valueType="num">
+                                      <p:cBhvr>
+                                        <p:cTn id="10" dur="664" tmFilter="0, 0; 0.125,0.2665; 0.25,0.4; 0.375,0.465; 0.5,0.5;  0.625,0.535; 0.75,0.6; 0.875,0.7335; 1,1">
+                                          <p:stCondLst>
+                                            <p:cond delay="664"/>
+                                          </p:stCondLst>
+                                        </p:cTn>
+                                        <p:tgtEl>
+                                          <p:spTgt spid="4"/>
+                                        </p:tgtEl>
+                                        <p:attrNameLst>
+                                          <p:attrName>ppt_y</p:attrName>
+                                        </p:attrNameLst>
+                                      </p:cBhvr>
+                                      <p:tavLst>
+                                        <p:tav tm="0" fmla="#ppt_y-sin(pi*$)/9">
+                                          <p:val>
+                                            <p:fltVal val="0"/>
+                                          </p:val>
+                                        </p:tav>
+                                        <p:tav tm="100000">
+                                          <p:val>
+                                            <p:fltVal val="1"/>
+                                          </p:val>
+                                        </p:tav>
+                                      </p:tavLst>
+                                    </p:anim>
+                                    <p:anim calcmode="lin" valueType="num">
+                                      <p:cBhvr>
+                                        <p:cTn id="11" dur="332" tmFilter="0, 0; 0.125,0.2665; 0.25,0.4; 0.375,0.465; 0.5,0.5;  0.625,0.535; 0.75,0.6; 0.875,0.7335; 1,1">
+                                          <p:stCondLst>
+                                            <p:cond delay="1324"/>
+                                          </p:stCondLst>
+                                        </p:cTn>
+                                        <p:tgtEl>
+                                          <p:spTgt spid="4"/>
+                                        </p:tgtEl>
+                                        <p:attrNameLst>
+                                          <p:attrName>ppt_y</p:attrName>
+                                        </p:attrNameLst>
+                                      </p:cBhvr>
+                                      <p:tavLst>
+                                        <p:tav tm="0" fmla="#ppt_y-sin(pi*$)/27">
+                                          <p:val>
+                                            <p:fltVal val="0"/>
+                                          </p:val>
+                                        </p:tav>
+                                        <p:tav tm="100000">
+                                          <p:val>
+                                            <p:fltVal val="1"/>
+                                          </p:val>
+                                        </p:tav>
+                                      </p:tavLst>
+                                    </p:anim>
+                                    <p:anim calcmode="lin" valueType="num">
+                                      <p:cBhvr>
+                                        <p:cTn id="12" dur="164" tmFilter="0, 0; 0.125,0.2665; 0.25,0.4; 0.375,0.465; 0.5,0.5;  0.625,0.535; 0.75,0.6; 0.875,0.7335; 1,1">
+                                          <p:stCondLst>
+                                            <p:cond delay="1656"/>
+                                          </p:stCondLst>
+                                        </p:cTn>
+                                        <p:tgtEl>
+                                          <p:spTgt spid="4"/>
+                                        </p:tgtEl>
+                                        <p:attrNameLst>
+                                          <p:attrName>ppt_y</p:attrName>
+                                        </p:attrNameLst>
+                                      </p:cBhvr>
+                                      <p:tavLst>
+                                        <p:tav tm="0" fmla="#ppt_y-sin(pi*$)/81">
+                                          <p:val>
+                                            <p:fltVal val="0"/>
+                                          </p:val>
+                                        </p:tav>
+                                        <p:tav tm="100000">
+                                          <p:val>
+                                            <p:fltVal val="1"/>
+                                          </p:val>
+                                        </p:tav>
+                                      </p:tavLst>
+                                    </p:anim>
+                                    <p:animScale>
+                                      <p:cBhvr>
+                                        <p:cTn id="13" dur="26">
+                                          <p:stCondLst>
+                                            <p:cond delay="650"/>
+                                          </p:stCondLst>
+                                        </p:cTn>
+                                        <p:tgtEl>
+                                          <p:spTgt spid="4"/>
+                                        </p:tgtEl>
+                                      </p:cBhvr>
+                                      <p:to x="100000" y="60000"/>
+                                    </p:animScale>
+                                    <p:animScale>
+                                      <p:cBhvr>
+                                        <p:cTn id="14" dur="166" decel="50000">
+                                          <p:stCondLst>
+                                            <p:cond delay="676"/>
+                                          </p:stCondLst>
+                                        </p:cTn>
+                                        <p:tgtEl>
+                                          <p:spTgt spid="4"/>
+                                        </p:tgtEl>
+                                      </p:cBhvr>
+                                      <p:to x="100000" y="100000"/>
+                                    </p:animScale>
+                                    <p:animScale>
+                                      <p:cBhvr>
+                                        <p:cTn id="15" dur="26">
+                                          <p:stCondLst>
+                                            <p:cond delay="1312"/>
+                                          </p:stCondLst>
+                                        </p:cTn>
+                                        <p:tgtEl>
+                                          <p:spTgt spid="4"/>
+                                        </p:tgtEl>
+                                      </p:cBhvr>
+                                      <p:to x="100000" y="80000"/>
+                                    </p:animScale>
+                                    <p:animScale>
+                                      <p:cBhvr>
+                                        <p:cTn id="16" dur="166" decel="50000">
+                                          <p:stCondLst>
+                                            <p:cond delay="1338"/>
+                                          </p:stCondLst>
+                                        </p:cTn>
+                                        <p:tgtEl>
+                                          <p:spTgt spid="4"/>
+                                        </p:tgtEl>
+                                      </p:cBhvr>
+                                      <p:to x="100000" y="100000"/>
+                                    </p:animScale>
+                                    <p:animScale>
+                                      <p:cBhvr>
+                                        <p:cTn id="17" dur="26">
+                                          <p:stCondLst>
+                                            <p:cond delay="1642"/>
+                                          </p:stCondLst>
+                                        </p:cTn>
+                                        <p:tgtEl>
+                                          <p:spTgt spid="4"/>
+                                        </p:tgtEl>
+                                      </p:cBhvr>
+                                      <p:to x="100000" y="90000"/>
+                                    </p:animScale>
+                                    <p:animScale>
+                                      <p:cBhvr>
+                                        <p:cTn id="18" dur="166" decel="50000">
+                                          <p:stCondLst>
+                                            <p:cond delay="1668"/>
+                                          </p:stCondLst>
+                                        </p:cTn>
+                                        <p:tgtEl>
+                                          <p:spTgt spid="4"/>
+                                        </p:tgtEl>
+                                      </p:cBhvr>
+                                      <p:to x="100000" y="100000"/>
+                                    </p:animScale>
+                                    <p:animScale>
+                                      <p:cBhvr>
+                                        <p:cTn id="19" dur="26">
+                                          <p:stCondLst>
+                                            <p:cond delay="1808"/>
+                                          </p:stCondLst>
+                                        </p:cTn>
+                                        <p:tgtEl>
+                                          <p:spTgt spid="4"/>
+                                        </p:tgtEl>
+                                      </p:cBhvr>
+                                      <p:to x="100000" y="95000"/>
+                                    </p:animScale>
+                                    <p:animScale>
+                                      <p:cBhvr>
+                                        <p:cTn id="20" dur="166" decel="50000">
+                                          <p:stCondLst>
+                                            <p:cond delay="1834"/>
+                                          </p:stCondLst>
+                                        </p:cTn>
+                                        <p:tgtEl>
+                                          <p:spTgt spid="4"/>
+                                        </p:tgtEl>
+                                      </p:cBhvr>
+                                      <p:to x="100000" y="100000"/>
+                                    </p:animScale>
+                                  </p:childTnLst>
+                                </p:cTn>
+                              </p:par>
+                            </p:childTnLst>
+                          </p:cTn>
+                        </p:par>
+                      </p:childTnLst>
+                    </p:cTn>
+                  </p:par>
+                  <p:par>
+                    <p:cTn id="21" fill="hold">
+                      <p:stCondLst>
+                        <p:cond delay="indefinite"/>
+                      </p:stCondLst>
+                      <p:childTnLst>
+                        <p:par>
+                          <p:cTn id="22" fill="hold">
+                            <p:stCondLst>
+                              <p:cond delay="0"/>
+                            </p:stCondLst>
+                            <p:childTnLst>
+                              <p:par>
+                                <p:cTn id="23" presetID="42" presetClass="entr" presetSubtype="0" fill="hold" grpId="0" nodeType="clickEffect">
+                                  <p:stCondLst>
+                                    <p:cond delay="0"/>
+                                  </p:stCondLst>
+                                  <p:childTnLst>
+                                    <p:set>
+                                      <p:cBhvr>
+                                        <p:cTn id="24" dur="1" fill="hold">
+                                          <p:stCondLst>
+                                            <p:cond delay="0"/>
+                                          </p:stCondLst>
+                                        </p:cTn>
+                                        <p:tgtEl>
+                                          <p:spTgt spid="5"/>
+                                        </p:tgtEl>
+                                        <p:attrNameLst>
+                                          <p:attrName>style.visibility</p:attrName>
+                                        </p:attrNameLst>
+                                      </p:cBhvr>
+                                      <p:to>
+                                        <p:strVal val="visible"/>
+                                      </p:to>
+                                    </p:set>
+                                    <p:animEffect transition="in" filter="fade">
+                                      <p:cBhvr>
+                                        <p:cTn id="25" dur="1000"/>
+                                        <p:tgtEl>
+                                          <p:spTgt spid="5"/>
+                                        </p:tgtEl>
+                                      </p:cBhvr>
+                                    </p:animEffect>
+                                    <p:anim calcmode="lin" valueType="num">
+                                      <p:cBhvr>
+                                        <p:cTn id="26" dur="1000" fill="hold"/>
+                                        <p:tgtEl>
+                                          <p:spTgt spid="5"/>
+                                        </p:tgtEl>
+                                        <p:attrNameLst>
+                                          <p:attrName>ppt_x</p:attrName>
+                                        </p:attrNameLst>
+                                      </p:cBhvr>
+                                      <p:tavLst>
+                                        <p:tav tm="0">
+                                          <p:val>
+                                            <p:strVal val="#ppt_x"/>
+                                          </p:val>
+                                        </p:tav>
+                                        <p:tav tm="100000">
+                                          <p:val>
+                                            <p:strVal val="#ppt_x"/>
+                                          </p:val>
+                                        </p:tav>
+                                      </p:tavLst>
+                                    </p:anim>
+                                    <p:anim calcmode="lin" valueType="num">
+                                      <p:cBhvr>
+                                        <p:cTn id="27" dur="1000" fill="hold"/>
+                                        <p:tgtEl>
+                                          <p:spTgt spid="5"/>
+                                        </p:tgtEl>
+                                        <p:attrNameLst>
+                                          <p:attrName>ppt_y</p:attrName>
+                                        </p:attrNameLst>
+                                      </p:cBhvr>
+                                      <p:tavLst>
+                                        <p:tav tm="0">
+                                          <p:val>
+                                            <p:strVal val="#ppt_y+.1"/>
+                                          </p:val>
+                                        </p:tav>
+                                        <p:tav tm="100000">
+                                          <p:val>
+                                            <p:strVal val="#ppt_y"/>
+                                          </p:val>
+                                        </p:tav>
+                                      </p:tavLst>
+                                    </p:anim>
+                                  </p:childTnLst>
+                                </p:cTn>
+                              </p:par>
+                            </p:childTnLst>
+                          </p:cTn>
+                        </p:par>
+                      </p:childTnLst>
+                    </p:cTn>
+                  </p:par>
+                  <p:par>
+                    <p:cTn id="28" fill="hold">
+                      <p:stCondLst>
+                        <p:cond delay="indefinite"/>
+                      </p:stCondLst>
+                      <p:childTnLst>
+                        <p:par>
+                          <p:cTn id="29" fill="hold">
+                            <p:stCondLst>
+                              <p:cond delay="0"/>
+                            </p:stCondLst>
+                            <p:childTnLst>
+                              <p:par>
+                                <p:cTn id="30" presetID="42" presetClass="entr" presetSubtype="0" fill="hold" grpId="0" nodeType="clickEffect">
+                                  <p:stCondLst>
+                                    <p:cond delay="0"/>
+                                  </p:stCondLst>
+                                  <p:childTnLst>
+                                    <p:set>
+                                      <p:cBhvr>
+                                        <p:cTn id="31" dur="1" fill="hold">
+                                          <p:stCondLst>
+                                            <p:cond delay="0"/>
+                                          </p:stCondLst>
+                                        </p:cTn>
+                                        <p:tgtEl>
+                                          <p:spTgt spid="6"/>
+                                        </p:tgtEl>
+                                        <p:attrNameLst>
+                                          <p:attrName>style.visibility</p:attrName>
+                                        </p:attrNameLst>
+                                      </p:cBhvr>
+                                      <p:to>
+                                        <p:strVal val="visible"/>
+                                      </p:to>
+                                    </p:set>
+                                    <p:animEffect transition="in" filter="fade">
+                                      <p:cBhvr>
+                                        <p:cTn id="32" dur="1000"/>
+                                        <p:tgtEl>
+                                          <p:spTgt spid="6"/>
+                                        </p:tgtEl>
+                                      </p:cBhvr>
+                                    </p:animEffect>
+                                    <p:anim calcmode="lin" valueType="num">
+                                      <p:cBhvr>
+                                        <p:cTn id="33" dur="1000" fill="hold"/>
+                                        <p:tgtEl>
+                                          <p:spTgt spid="6"/>
+                                        </p:tgtEl>
+                                        <p:attrNameLst>
+                                          <p:attrName>ppt_x</p:attrName>
+                                        </p:attrNameLst>
+                                      </p:cBhvr>
+                                      <p:tavLst>
+                                        <p:tav tm="0">
+                                          <p:val>
+                                            <p:strVal val="#ppt_x"/>
+                                          </p:val>
+                                        </p:tav>
+                                        <p:tav tm="100000">
+                                          <p:val>
+                                            <p:strVal val="#ppt_x"/>
+                                          </p:val>
+                                        </p:tav>
+                                      </p:tavLst>
+                                    </p:anim>
+                                    <p:anim calcmode="lin" valueType="num">
+                                      <p:cBhvr>
+                                        <p:cTn id="34" dur="1000" fill="hold"/>
+                                        <p:tgtEl>
+                                          <p:spTgt spid="6"/>
+                                        </p:tgtEl>
+                                        <p:attrNameLst>
+                                          <p:attrName>ppt_y</p:attrName>
+                                        </p:attrNameLst>
+                                      </p:cBhvr>
+                                      <p:tavLst>
+                                        <p:tav tm="0">
+                                          <p:val>
+                                            <p:strVal val="#ppt_y+.1"/>
+                                          </p:val>
+                                        </p:tav>
+                                        <p:tav tm="100000">
+                                          <p:val>
+                                            <p:strVal val="#ppt_y"/>
+                                          </p:val>
+                                        </p:tav>
+                                      </p:tavLst>
+                                    </p:anim>
+                                  </p:childTnLst>
+                                </p:cTn>
+                              </p:par>
+                            </p:childTnLst>
+                          </p:cTn>
+                        </p:par>
+                      </p:childTnLst>
+                    </p:cTn>
+                  </p:par>
+                  <p:par>
+                    <p:cTn id="35" fill="hold">
+                      <p:stCondLst>
+                        <p:cond delay="indefinite"/>
+                      </p:stCondLst>
+                      <p:childTnLst>
+                        <p:par>
+                          <p:cTn id="36" fill="hold">
+                            <p:stCondLst>
+                              <p:cond delay="0"/>
+                            </p:stCondLst>
+                            <p:childTnLst>
+                              <p:par>
+                                <p:cTn id="37" presetID="42" presetClass="entr" presetSubtype="0" fill="hold" grpId="0" nodeType="clickEffect">
+                                  <p:stCondLst>
+                                    <p:cond delay="0"/>
+                                  </p:stCondLst>
+                                  <p:childTnLst>
+                                    <p:set>
+                                      <p:cBhvr>
+                                        <p:cTn id="38" dur="1" fill="hold">
+                                          <p:stCondLst>
+                                            <p:cond delay="0"/>
+                                          </p:stCondLst>
+                                        </p:cTn>
+                                        <p:tgtEl>
+                                          <p:spTgt spid="8"/>
+                                        </p:tgtEl>
+                                        <p:attrNameLst>
+                                          <p:attrName>style.visibility</p:attrName>
+                                        </p:attrNameLst>
+                                      </p:cBhvr>
+                                      <p:to>
+                                        <p:strVal val="visible"/>
+                                      </p:to>
+                                    </p:set>
+                                    <p:animEffect transition="in" filter="fade">
+                                      <p:cBhvr>
+                                        <p:cTn id="39" dur="1000"/>
+                                        <p:tgtEl>
+                                          <p:spTgt spid="8"/>
+                                        </p:tgtEl>
+                                      </p:cBhvr>
+                                    </p:animEffect>
+                                    <p:anim calcmode="lin" valueType="num">
+                                      <p:cBhvr>
+                                        <p:cTn id="40" dur="1000" fill="hold"/>
+                                        <p:tgtEl>
+                                          <p:spTgt spid="8"/>
+                                        </p:tgtEl>
+                                        <p:attrNameLst>
+                                          <p:attrName>ppt_x</p:attrName>
+                                        </p:attrNameLst>
+                                      </p:cBhvr>
+                                      <p:tavLst>
+                                        <p:tav tm="0">
+                                          <p:val>
+                                            <p:strVal val="#ppt_x"/>
+                                          </p:val>
+                                        </p:tav>
+                                        <p:tav tm="100000">
+                                          <p:val>
+                                            <p:strVal val="#ppt_x"/>
+                                          </p:val>
+                                        </p:tav>
+                                      </p:tavLst>
+                                    </p:anim>
+                                    <p:anim calcmode="lin" valueType="num">
+                                      <p:cBhvr>
+                                        <p:cTn id="41" dur="1000" fill="hold"/>
+                                        <p:tgtEl>
+                                          <p:spTgt spid="8"/>
+                                        </p:tgtEl>
+                                        <p:attrNameLst>
+                                          <p:attrName>ppt_y</p:attrName>
+                                        </p:attrNameLst>
+                                      </p:cBhvr>
+                                      <p:tavLst>
+                                        <p:tav tm="0">
+                                          <p:val>
+                                            <p:strVal val="#ppt_y+.1"/>
+                                          </p:val>
+                                        </p:tav>
+                                        <p:tav tm="100000">
+                                          <p:val>
+                                            <p:strVal val="#ppt_y"/>
+                                          </p:val>
+                                        </p:tav>
+                                      </p:tavLst>
+                                    </p:anim>
+                                  </p:childTnLst>
+                                </p:cTn>
+                              </p:par>
+                            </p:childTnLst>
+                          </p:cTn>
+                        </p:par>
+                      </p:childTnLst>
+                    </p:cTn>
+                  </p:par>
+                  <p:par>
+                    <p:cTn id="42" fill="hold">
+                      <p:stCondLst>
+                        <p:cond delay="indefinite"/>
+                      </p:stCondLst>
+                      <p:childTnLst>
+                        <p:par>
+                          <p:cTn id="43" fill="hold">
+                            <p:stCondLst>
+                              <p:cond delay="0"/>
+                            </p:stCondLst>
+                            <p:childTnLst>
+                              <p:par>
+                                <p:cTn id="44" presetID="42" presetClass="entr" presetSubtype="0" fill="hold" grpId="0" nodeType="clickEffect">
+                                  <p:stCondLst>
+                                    <p:cond delay="0"/>
+                                  </p:stCondLst>
+                                  <p:childTnLst>
+                                    <p:set>
+                                      <p:cBhvr>
+                                        <p:cTn id="45" dur="1" fill="hold">
+                                          <p:stCondLst>
+                                            <p:cond delay="0"/>
+                                          </p:stCondLst>
+                                        </p:cTn>
+                                        <p:tgtEl>
+                                          <p:spTgt spid="9"/>
+                                        </p:tgtEl>
+                                        <p:attrNameLst>
+                                          <p:attrName>style.visibility</p:attrName>
+                                        </p:attrNameLst>
+                                      </p:cBhvr>
+                                      <p:to>
+                                        <p:strVal val="visible"/>
+                                      </p:to>
+                                    </p:set>
+                                    <p:animEffect transition="in" filter="fade">
+                                      <p:cBhvr>
+                                        <p:cTn id="46" dur="1000"/>
+                                        <p:tgtEl>
+                                          <p:spTgt spid="9"/>
+                                        </p:tgtEl>
+                                      </p:cBhvr>
+                                    </p:animEffect>
+                                    <p:anim calcmode="lin" valueType="num">
+                                      <p:cBhvr>
+                                        <p:cTn id="47" dur="1000" fill="hold"/>
+                                        <p:tgtEl>
+                                          <p:spTgt spid="9"/>
+                                        </p:tgtEl>
+                                        <p:attrNameLst>
+                                          <p:attrName>ppt_x</p:attrName>
+                                        </p:attrNameLst>
+                                      </p:cBhvr>
+                                      <p:tavLst>
+                                        <p:tav tm="0">
+                                          <p:val>
+                                            <p:strVal val="#ppt_x"/>
+                                          </p:val>
+                                        </p:tav>
+                                        <p:tav tm="100000">
+                                          <p:val>
+                                            <p:strVal val="#ppt_x"/>
+                                          </p:val>
+                                        </p:tav>
+                                      </p:tavLst>
+                                    </p:anim>
+                                    <p:anim calcmode="lin" valueType="num">
+                                      <p:cBhvr>
+                                        <p:cTn id="48" dur="1000" fill="hold"/>
+                                        <p:tgtEl>
+                                          <p:spTgt spid="9"/>
+                                        </p:tgtEl>
+                                        <p:attrNameLst>
+                                          <p:attrName>ppt_y</p:attrName>
+                                        </p:attrNameLst>
+                                      </p:cBhvr>
+                                      <p:tavLst>
+                                        <p:tav tm="0">
+                                          <p:val>
+                                            <p:strVal val="#ppt_y+.1"/>
+                                          </p:val>
+                                        </p:tav>
+                                        <p:tav tm="100000">
+                                          <p:val>
+                                            <p:strVal val="#ppt_y"/>
+                                          </p:val>
+                                        </p:tav>
+                                      </p:tavLst>
+                                    </p:anim>
+                                  </p:childTnLst>
+                                </p:cTn>
+                              </p:par>
+                            </p:childTnLst>
+                          </p:cTn>
+                        </p:par>
+                      </p:childTnLst>
+                    </p:cTn>
+                  </p:par>
+                </p:childTnLst>
+              </p:cTn>
+              <p:prevCondLst>
+                <p:cond evt="onPrev" delay="0">
+                  <p:tgtEl>
+                    <p:sldTgt/>
+                  </p:tgtEl>
+                </p:cond>
+              </p:prevCondLst>
+              <p:nextCondLst>
+                <p:cond evt="onNext" delay="0">
+                  <p:tgtEl>
+                    <p:sldTgt/>
+                  </p:tgtEl>
+                </p:cond>
+              </p:nextCondLst>
+            </p:seq>
+          </p:childTnLst>
+        </p:cTn>
+      </p:par>
+    </p:tnLst>
+    <p:bldLst>
+      <p:bldP spid="4" grpId="0"/>
+      <p:bldP spid="5" grpId="0"/>
+      <p:bldP spid="6" grpId="0"/>
+      <p:bldP spid="8" grpId="0"/>
+      <p:bldP spid="9" grpId="0"/>
+    </p:bldLst>
+  </p:timing>
 </p:sld>
 </file>
 
 <file path=ppt/slides/slide5.xml><?xml version="1.0" encoding="utf-8"?>
 <p:sld xmlns:a="http://schemas.openxmlformats.org/drawingml/2006/main" xmlns:r="http://schemas.openxmlformats.org/officeDocument/2006/relationships" xmlns:p="http://schemas.openxmlformats.org/presentationml/2006/main">
   <p:cSld>
+    <p:bg>
+      <p:bgPr>
+        <a:solidFill>
+          <a:schemeClr val="tx1"/>
+        </a:solidFill>
+        <a:effectLst/>
+      </p:bgPr>
+    </p:bg>
     <p:spTree>
       <p:nvGrpSpPr>
-        <p:cNvPr id="1" name="Shape 76"/>
+        <p:cNvPr id="1" name="Shape 59"/>
         <p:cNvGrpSpPr/>
         <p:nvPr/>
       </p:nvGrpSpPr>
@@ -6991,62 +11136,533 @@
           <a:chExt cx="0" cy="0"/>
         </a:xfrm>
       </p:grpSpPr>
+      <p:pic>
+        <p:nvPicPr>
+          <p:cNvPr id="7" name="Picture 6" descr="A picture containing weapon, metalware, wheel, gear&#10;&#10;Description automatically generated">
+            <a:extLst>
+              <a:ext uri="{FF2B5EF4-FFF2-40B4-BE49-F238E27FC236}">
+                <a16:creationId xmlns:a16="http://schemas.microsoft.com/office/drawing/2014/main" id="{A072F4CE-038B-BD31-F4DA-EC749C6A4145}"/>
+              </a:ext>
+            </a:extLst>
+          </p:cNvPr>
+          <p:cNvPicPr>
+            <a:picLocks noChangeAspect="1"/>
+          </p:cNvPicPr>
+          <p:nvPr/>
+        </p:nvPicPr>
+        <p:blipFill rotWithShape="1">
+          <a:blip r:embed="rId3">
+            <a:alphaModFix amt="50000"/>
+          </a:blip>
+          <a:srcRect l="9146" t="-401" r="19883" b="520"/>
+          <a:stretch/>
+        </p:blipFill>
+        <p:spPr>
+          <a:xfrm>
+            <a:off x="1" y="0"/>
+            <a:ext cx="9144000" cy="5143500"/>
+          </a:xfrm>
+          <a:prstGeom prst="rect">
+            <a:avLst/>
+          </a:prstGeom>
+        </p:spPr>
+      </p:pic>
       <p:sp>
         <p:nvSpPr>
-          <p:cNvPr id="77" name="Google Shape;77;p17"/>
+          <p:cNvPr id="4" name="Subtitle 2">
+            <a:extLst>
+              <a:ext uri="{FF2B5EF4-FFF2-40B4-BE49-F238E27FC236}">
+                <a16:creationId xmlns:a16="http://schemas.microsoft.com/office/drawing/2014/main" id="{2DD778C7-57A3-DA8A-91BB-1D2FA9A6E3C3}"/>
+              </a:ext>
+            </a:extLst>
+          </p:cNvPr>
           <p:cNvSpPr txBox="1">
-            <a:spLocks noGrp="1"/>
+            <a:spLocks/>
           </p:cNvSpPr>
-          <p:nvPr>
-            <p:ph type="title"/>
-          </p:nvPr>
+          <p:nvPr/>
         </p:nvSpPr>
         <p:spPr>
           <a:xfrm>
-            <a:off x="311700" y="2150850"/>
-            <a:ext cx="8520600" cy="841800"/>
+            <a:off x="311699" y="2011089"/>
+            <a:ext cx="8520600" cy="1121321"/>
           </a:xfrm>
           <a:prstGeom prst="rect">
             <a:avLst/>
           </a:prstGeom>
         </p:spPr>
         <p:txBody>
-          <a:bodyPr spcFirstLastPara="1" wrap="square" lIns="91425" tIns="91425" rIns="91425" bIns="91425" anchor="ctr" anchorCtr="0">
-            <a:noAutofit/>
-          </a:bodyPr>
-          <a:lstStyle/>
+          <a:bodyPr/>
+          <a:lstStyle>
+            <a:defPPr marR="0" lvl="0" algn="l" rtl="0">
+              <a:lnSpc>
+                <a:spcPct val="100000"/>
+              </a:lnSpc>
+              <a:spcBef>
+                <a:spcPts val="0"/>
+              </a:spcBef>
+              <a:spcAft>
+                <a:spcPts val="0"/>
+              </a:spcAft>
+            </a:defPPr>
+            <a:lvl1pPr marR="0" lvl="0" algn="l" rtl="0">
+              <a:lnSpc>
+                <a:spcPct val="100000"/>
+              </a:lnSpc>
+              <a:spcBef>
+                <a:spcPts val="0"/>
+              </a:spcBef>
+              <a:spcAft>
+                <a:spcPts val="0"/>
+              </a:spcAft>
+              <a:buClr>
+                <a:srgbClr val="000000"/>
+              </a:buClr>
+              <a:buFont typeface="Arial"/>
+              <a:defRPr sz="1400" b="0" i="0" u="none" strike="noStrike" cap="none">
+                <a:solidFill>
+                  <a:srgbClr val="000000"/>
+                </a:solidFill>
+                <a:latin typeface="Arial"/>
+                <a:ea typeface="Arial"/>
+                <a:cs typeface="Arial"/>
+                <a:sym typeface="Arial"/>
+              </a:defRPr>
+            </a:lvl1pPr>
+            <a:lvl2pPr marR="0" lvl="1" algn="l" rtl="0">
+              <a:lnSpc>
+                <a:spcPct val="100000"/>
+              </a:lnSpc>
+              <a:spcBef>
+                <a:spcPts val="0"/>
+              </a:spcBef>
+              <a:spcAft>
+                <a:spcPts val="0"/>
+              </a:spcAft>
+              <a:buClr>
+                <a:srgbClr val="000000"/>
+              </a:buClr>
+              <a:buFont typeface="Arial"/>
+              <a:defRPr sz="1400" b="0" i="0" u="none" strike="noStrike" cap="none">
+                <a:solidFill>
+                  <a:srgbClr val="000000"/>
+                </a:solidFill>
+                <a:latin typeface="Arial"/>
+                <a:ea typeface="Arial"/>
+                <a:cs typeface="Arial"/>
+                <a:sym typeface="Arial"/>
+              </a:defRPr>
+            </a:lvl2pPr>
+            <a:lvl3pPr marR="0" lvl="2" algn="l" rtl="0">
+              <a:lnSpc>
+                <a:spcPct val="100000"/>
+              </a:lnSpc>
+              <a:spcBef>
+                <a:spcPts val="0"/>
+              </a:spcBef>
+              <a:spcAft>
+                <a:spcPts val="0"/>
+              </a:spcAft>
+              <a:buClr>
+                <a:srgbClr val="000000"/>
+              </a:buClr>
+              <a:buFont typeface="Arial"/>
+              <a:defRPr sz="1400" b="0" i="0" u="none" strike="noStrike" cap="none">
+                <a:solidFill>
+                  <a:srgbClr val="000000"/>
+                </a:solidFill>
+                <a:latin typeface="Arial"/>
+                <a:ea typeface="Arial"/>
+                <a:cs typeface="Arial"/>
+                <a:sym typeface="Arial"/>
+              </a:defRPr>
+            </a:lvl3pPr>
+            <a:lvl4pPr marR="0" lvl="3" algn="l" rtl="0">
+              <a:lnSpc>
+                <a:spcPct val="100000"/>
+              </a:lnSpc>
+              <a:spcBef>
+                <a:spcPts val="0"/>
+              </a:spcBef>
+              <a:spcAft>
+                <a:spcPts val="0"/>
+              </a:spcAft>
+              <a:buClr>
+                <a:srgbClr val="000000"/>
+              </a:buClr>
+              <a:buFont typeface="Arial"/>
+              <a:defRPr sz="1400" b="0" i="0" u="none" strike="noStrike" cap="none">
+                <a:solidFill>
+                  <a:srgbClr val="000000"/>
+                </a:solidFill>
+                <a:latin typeface="Arial"/>
+                <a:ea typeface="Arial"/>
+                <a:cs typeface="Arial"/>
+                <a:sym typeface="Arial"/>
+              </a:defRPr>
+            </a:lvl4pPr>
+            <a:lvl5pPr marR="0" lvl="4" algn="l" rtl="0">
+              <a:lnSpc>
+                <a:spcPct val="100000"/>
+              </a:lnSpc>
+              <a:spcBef>
+                <a:spcPts val="0"/>
+              </a:spcBef>
+              <a:spcAft>
+                <a:spcPts val="0"/>
+              </a:spcAft>
+              <a:buClr>
+                <a:srgbClr val="000000"/>
+              </a:buClr>
+              <a:buFont typeface="Arial"/>
+              <a:defRPr sz="1400" b="0" i="0" u="none" strike="noStrike" cap="none">
+                <a:solidFill>
+                  <a:srgbClr val="000000"/>
+                </a:solidFill>
+                <a:latin typeface="Arial"/>
+                <a:ea typeface="Arial"/>
+                <a:cs typeface="Arial"/>
+                <a:sym typeface="Arial"/>
+              </a:defRPr>
+            </a:lvl5pPr>
+            <a:lvl6pPr marR="0" lvl="5" algn="l" rtl="0">
+              <a:lnSpc>
+                <a:spcPct val="100000"/>
+              </a:lnSpc>
+              <a:spcBef>
+                <a:spcPts val="0"/>
+              </a:spcBef>
+              <a:spcAft>
+                <a:spcPts val="0"/>
+              </a:spcAft>
+              <a:buClr>
+                <a:srgbClr val="000000"/>
+              </a:buClr>
+              <a:buFont typeface="Arial"/>
+              <a:defRPr sz="1400" b="0" i="0" u="none" strike="noStrike" cap="none">
+                <a:solidFill>
+                  <a:srgbClr val="000000"/>
+                </a:solidFill>
+                <a:latin typeface="Arial"/>
+                <a:ea typeface="Arial"/>
+                <a:cs typeface="Arial"/>
+                <a:sym typeface="Arial"/>
+              </a:defRPr>
+            </a:lvl6pPr>
+            <a:lvl7pPr marR="0" lvl="6" algn="l" rtl="0">
+              <a:lnSpc>
+                <a:spcPct val="100000"/>
+              </a:lnSpc>
+              <a:spcBef>
+                <a:spcPts val="0"/>
+              </a:spcBef>
+              <a:spcAft>
+                <a:spcPts val="0"/>
+              </a:spcAft>
+              <a:buClr>
+                <a:srgbClr val="000000"/>
+              </a:buClr>
+              <a:buFont typeface="Arial"/>
+              <a:defRPr sz="1400" b="0" i="0" u="none" strike="noStrike" cap="none">
+                <a:solidFill>
+                  <a:srgbClr val="000000"/>
+                </a:solidFill>
+                <a:latin typeface="Arial"/>
+                <a:ea typeface="Arial"/>
+                <a:cs typeface="Arial"/>
+                <a:sym typeface="Arial"/>
+              </a:defRPr>
+            </a:lvl7pPr>
+            <a:lvl8pPr marR="0" lvl="7" algn="l" rtl="0">
+              <a:lnSpc>
+                <a:spcPct val="100000"/>
+              </a:lnSpc>
+              <a:spcBef>
+                <a:spcPts val="0"/>
+              </a:spcBef>
+              <a:spcAft>
+                <a:spcPts val="0"/>
+              </a:spcAft>
+              <a:buClr>
+                <a:srgbClr val="000000"/>
+              </a:buClr>
+              <a:buFont typeface="Arial"/>
+              <a:defRPr sz="1400" b="0" i="0" u="none" strike="noStrike" cap="none">
+                <a:solidFill>
+                  <a:srgbClr val="000000"/>
+                </a:solidFill>
+                <a:latin typeface="Arial"/>
+                <a:ea typeface="Arial"/>
+                <a:cs typeface="Arial"/>
+                <a:sym typeface="Arial"/>
+              </a:defRPr>
+            </a:lvl8pPr>
+            <a:lvl9pPr marR="0" lvl="8" algn="l" rtl="0">
+              <a:lnSpc>
+                <a:spcPct val="100000"/>
+              </a:lnSpc>
+              <a:spcBef>
+                <a:spcPts val="0"/>
+              </a:spcBef>
+              <a:spcAft>
+                <a:spcPts val="0"/>
+              </a:spcAft>
+              <a:buClr>
+                <a:srgbClr val="000000"/>
+              </a:buClr>
+              <a:buFont typeface="Arial"/>
+              <a:defRPr sz="1400" b="0" i="0" u="none" strike="noStrike" cap="none">
+                <a:solidFill>
+                  <a:srgbClr val="000000"/>
+                </a:solidFill>
+                <a:latin typeface="Arial"/>
+                <a:ea typeface="Arial"/>
+                <a:cs typeface="Arial"/>
+                <a:sym typeface="Arial"/>
+              </a:defRPr>
+            </a:lvl9pPr>
+          </a:lstStyle>
           <a:p>
-            <a:pPr marL="0" lvl="0" indent="0" algn="ctr" rtl="0">
-              <a:spcBef>
-                <a:spcPts val="0"/>
-              </a:spcBef>
-              <a:spcAft>
-                <a:spcPts val="0"/>
-              </a:spcAft>
-              <a:buNone/>
+            <a:pPr marL="0" marR="0" lvl="0" indent="0" algn="ctr" defTabSz="914400" rtl="0" eaLnBrk="1" fontAlgn="auto" latinLnBrk="0" hangingPunct="1">
+              <a:lnSpc>
+                <a:spcPct val="100000"/>
+              </a:lnSpc>
+              <a:spcBef>
+                <a:spcPts val="0"/>
+              </a:spcBef>
+              <a:spcAft>
+                <a:spcPts val="0"/>
+              </a:spcAft>
+              <a:buClr>
+                <a:srgbClr val="000000"/>
+              </a:buClr>
+              <a:buSzTx/>
+              <a:buFont typeface="Arial"/>
+              <a:buNone/>
+              <a:tabLst/>
+              <a:defRPr/>
             </a:pPr>
             <a:r>
-              <a:rPr lang="en"/>
+              <a:rPr kumimoji="0" lang="en-AU" sz="7200" b="1" i="0" u="none" strike="noStrike" kern="0" cap="none" spc="0" normalizeH="0" baseline="0" noProof="0" dirty="0">
+                <a:ln>
+                  <a:noFill/>
+                </a:ln>
+                <a:solidFill>
+                  <a:srgbClr val="FFFFFF"/>
+                </a:solidFill>
+                <a:effectLst/>
+                <a:uLnTx/>
+                <a:uFillTx/>
+                <a:latin typeface="Playfair Display SC" panose="020B0604020202020204" pitchFamily="2" charset="0"/>
+                <a:cs typeface="Arial"/>
+                <a:sym typeface="Arial"/>
+              </a:rPr>
               <a:t>Demo</a:t>
             </a:r>
-            <a:endParaRPr/>
+            <a:endParaRPr kumimoji="0" lang="en-AU" sz="3200" b="1" i="0" u="none" strike="noStrike" kern="0" cap="none" spc="0" normalizeH="0" baseline="0" noProof="0" dirty="0">
+              <a:ln>
+                <a:noFill/>
+              </a:ln>
+              <a:solidFill>
+                <a:srgbClr val="FFFFFF"/>
+              </a:solidFill>
+              <a:effectLst/>
+              <a:uLnTx/>
+              <a:uFillTx/>
+              <a:latin typeface="Playfair Display SC" panose="020B0604020202020204" pitchFamily="2" charset="0"/>
+              <a:cs typeface="Arial"/>
+              <a:sym typeface="Arial"/>
+            </a:endParaRPr>
           </a:p>
         </p:txBody>
       </p:sp>
     </p:spTree>
+    <p:extLst>
+      <p:ext uri="{BB962C8B-B14F-4D97-AF65-F5344CB8AC3E}">
+        <p14:creationId xmlns:p14="http://schemas.microsoft.com/office/powerpoint/2010/main" val="2390567590"/>
+      </p:ext>
+    </p:extLst>
   </p:cSld>
   <p:clrMapOvr>
     <a:masterClrMapping/>
   </p:clrMapOvr>
+  <p:transition spd="slow">
+    <p:wipe/>
+  </p:transition>
+  <p:timing>
+    <p:tnLst>
+      <p:par>
+        <p:cTn id="1" dur="indefinite" restart="never" nodeType="tmRoot">
+          <p:childTnLst>
+            <p:seq concurrent="1" nextAc="seek">
+              <p:cTn id="2" dur="indefinite" nodeType="mainSeq">
+                <p:childTnLst>
+                  <p:par>
+                    <p:cTn id="3" fill="hold">
+                      <p:stCondLst>
+                        <p:cond delay="indefinite"/>
+                        <p:cond evt="onBegin" delay="0">
+                          <p:tn val="2"/>
+                        </p:cond>
+                      </p:stCondLst>
+                      <p:childTnLst>
+                        <p:par>
+                          <p:cTn id="4" fill="hold">
+                            <p:stCondLst>
+                              <p:cond delay="0"/>
+                            </p:stCondLst>
+                            <p:childTnLst>
+                              <p:par>
+                                <p:cTn id="5" presetID="31" presetClass="entr" presetSubtype="0" fill="hold" grpId="0" nodeType="afterEffect">
+                                  <p:stCondLst>
+                                    <p:cond delay="0"/>
+                                  </p:stCondLst>
+                                  <p:childTnLst>
+                                    <p:set>
+                                      <p:cBhvr>
+                                        <p:cTn id="6" dur="1" fill="hold">
+                                          <p:stCondLst>
+                                            <p:cond delay="0"/>
+                                          </p:stCondLst>
+                                        </p:cTn>
+                                        <p:tgtEl>
+                                          <p:spTgt spid="4"/>
+                                        </p:tgtEl>
+                                        <p:attrNameLst>
+                                          <p:attrName>style.visibility</p:attrName>
+                                        </p:attrNameLst>
+                                      </p:cBhvr>
+                                      <p:to>
+                                        <p:strVal val="visible"/>
+                                      </p:to>
+                                    </p:set>
+                                    <p:anim calcmode="lin" valueType="num">
+                                      <p:cBhvr>
+                                        <p:cTn id="7" dur="2000" fill="hold"/>
+                                        <p:tgtEl>
+                                          <p:spTgt spid="4"/>
+                                        </p:tgtEl>
+                                        <p:attrNameLst>
+                                          <p:attrName>ppt_w</p:attrName>
+                                        </p:attrNameLst>
+                                      </p:cBhvr>
+                                      <p:tavLst>
+                                        <p:tav tm="0">
+                                          <p:val>
+                                            <p:fltVal val="0"/>
+                                          </p:val>
+                                        </p:tav>
+                                        <p:tav tm="100000">
+                                          <p:val>
+                                            <p:strVal val="#ppt_w"/>
+                                          </p:val>
+                                        </p:tav>
+                                      </p:tavLst>
+                                    </p:anim>
+                                    <p:anim calcmode="lin" valueType="num">
+                                      <p:cBhvr>
+                                        <p:cTn id="8" dur="2000" fill="hold"/>
+                                        <p:tgtEl>
+                                          <p:spTgt spid="4"/>
+                                        </p:tgtEl>
+                                        <p:attrNameLst>
+                                          <p:attrName>ppt_h</p:attrName>
+                                        </p:attrNameLst>
+                                      </p:cBhvr>
+                                      <p:tavLst>
+                                        <p:tav tm="0">
+                                          <p:val>
+                                            <p:fltVal val="0"/>
+                                          </p:val>
+                                        </p:tav>
+                                        <p:tav tm="100000">
+                                          <p:val>
+                                            <p:strVal val="#ppt_h"/>
+                                          </p:val>
+                                        </p:tav>
+                                      </p:tavLst>
+                                    </p:anim>
+                                    <p:anim calcmode="lin" valueType="num">
+                                      <p:cBhvr>
+                                        <p:cTn id="9" dur="2000" fill="hold"/>
+                                        <p:tgtEl>
+                                          <p:spTgt spid="4"/>
+                                        </p:tgtEl>
+                                        <p:attrNameLst>
+                                          <p:attrName>style.rotation</p:attrName>
+                                        </p:attrNameLst>
+                                      </p:cBhvr>
+                                      <p:tavLst>
+                                        <p:tav tm="0">
+                                          <p:val>
+                                            <p:fltVal val="90"/>
+                                          </p:val>
+                                        </p:tav>
+                                        <p:tav tm="100000">
+                                          <p:val>
+                                            <p:fltVal val="0"/>
+                                          </p:val>
+                                        </p:tav>
+                                      </p:tavLst>
+                                    </p:anim>
+                                    <p:animEffect transition="in" filter="fade">
+                                      <p:cBhvr>
+                                        <p:cTn id="10" dur="2000"/>
+                                        <p:tgtEl>
+                                          <p:spTgt spid="4"/>
+                                        </p:tgtEl>
+                                      </p:cBhvr>
+                                    </p:animEffect>
+                                  </p:childTnLst>
+                                </p:cTn>
+                              </p:par>
+                            </p:childTnLst>
+                          </p:cTn>
+                        </p:par>
+                      </p:childTnLst>
+                    </p:cTn>
+                  </p:par>
+                </p:childTnLst>
+              </p:cTn>
+              <p:prevCondLst>
+                <p:cond evt="onPrev" delay="0">
+                  <p:tgtEl>
+                    <p:sldTgt/>
+                  </p:tgtEl>
+                </p:cond>
+              </p:prevCondLst>
+              <p:nextCondLst>
+                <p:cond evt="onNext" delay="0">
+                  <p:tgtEl>
+                    <p:sldTgt/>
+                  </p:tgtEl>
+                </p:cond>
+              </p:nextCondLst>
+            </p:seq>
+          </p:childTnLst>
+        </p:cTn>
+      </p:par>
+    </p:tnLst>
+    <p:bldLst>
+      <p:bldP spid="4" grpId="0"/>
+    </p:bldLst>
+  </p:timing>
 </p:sld>
 </file>
 
 <file path=ppt/slides/slide6.xml><?xml version="1.0" encoding="utf-8"?>
 <p:sld xmlns:a="http://schemas.openxmlformats.org/drawingml/2006/main" xmlns:r="http://schemas.openxmlformats.org/officeDocument/2006/relationships" xmlns:p="http://schemas.openxmlformats.org/presentationml/2006/main">
   <p:cSld>
+    <p:bg>
+      <p:bgPr>
+        <a:solidFill>
+          <a:schemeClr val="tx1"/>
+        </a:solidFill>
+        <a:effectLst/>
+      </p:bgPr>
+    </p:bg>
     <p:spTree>
       <p:nvGrpSpPr>
-        <p:cNvPr id="1" name="Shape 81"/>
+        <p:cNvPr id="1" name="Shape 59"/>
         <p:cNvGrpSpPr/>
         <p:nvPr/>
       </p:nvGrpSpPr>
@@ -7058,100 +11674,961 @@
           <a:chExt cx="0" cy="0"/>
         </a:xfrm>
       </p:grpSpPr>
+      <p:pic>
+        <p:nvPicPr>
+          <p:cNvPr id="7" name="Picture 6" descr="A picture containing weapon, metalware, wheel, gear&#10;&#10;Description automatically generated">
+            <a:extLst>
+              <a:ext uri="{FF2B5EF4-FFF2-40B4-BE49-F238E27FC236}">
+                <a16:creationId xmlns:a16="http://schemas.microsoft.com/office/drawing/2014/main" id="{A072F4CE-038B-BD31-F4DA-EC749C6A4145}"/>
+              </a:ext>
+            </a:extLst>
+          </p:cNvPr>
+          <p:cNvPicPr>
+            <a:picLocks noChangeAspect="1"/>
+          </p:cNvPicPr>
+          <p:nvPr/>
+        </p:nvPicPr>
+        <p:blipFill rotWithShape="1">
+          <a:blip r:embed="rId3">
+            <a:alphaModFix amt="50000"/>
+          </a:blip>
+          <a:srcRect t="9133" b="45593"/>
+          <a:stretch/>
+        </p:blipFill>
+        <p:spPr>
+          <a:xfrm>
+            <a:off x="0" y="1"/>
+            <a:ext cx="9144000" cy="1654628"/>
+          </a:xfrm>
+          <a:prstGeom prst="rect">
+            <a:avLst/>
+          </a:prstGeom>
+        </p:spPr>
+      </p:pic>
       <p:sp>
         <p:nvSpPr>
-          <p:cNvPr id="82" name="Google Shape;82;p18"/>
-          <p:cNvSpPr txBox="1">
-            <a:spLocks noGrp="1"/>
-          </p:cNvSpPr>
-          <p:nvPr>
-            <p:ph type="title"/>
-          </p:nvPr>
+          <p:cNvPr id="2" name="TextBox 1">
+            <a:extLst>
+              <a:ext uri="{FF2B5EF4-FFF2-40B4-BE49-F238E27FC236}">
+                <a16:creationId xmlns:a16="http://schemas.microsoft.com/office/drawing/2014/main" id="{A5D31B44-4EC0-CF2F-BBE8-BDE79BBF3FBF}"/>
+              </a:ext>
+            </a:extLst>
+          </p:cNvPr>
+          <p:cNvSpPr txBox="1"/>
+          <p:nvPr/>
         </p:nvSpPr>
         <p:spPr>
           <a:xfrm>
-            <a:off x="311700" y="445025"/>
-            <a:ext cx="8520600" cy="572700"/>
+            <a:off x="526472" y="2015508"/>
+            <a:ext cx="8091055" cy="2554545"/>
+          </a:xfrm>
+          <a:prstGeom prst="rect">
+            <a:avLst/>
+          </a:prstGeom>
+          <a:noFill/>
+        </p:spPr>
+        <p:txBody>
+          <a:bodyPr wrap="square" rtlCol="0">
+            <a:spAutoFit/>
+          </a:bodyPr>
+          <a:lstStyle/>
+          <a:p>
+            <a:pPr marL="285750" marR="0" lvl="0" indent="-285750" algn="l" defTabSz="914400" rtl="0" eaLnBrk="1" fontAlgn="auto" latinLnBrk="0" hangingPunct="1">
+              <a:lnSpc>
+                <a:spcPct val="100000"/>
+              </a:lnSpc>
+              <a:spcBef>
+                <a:spcPts val="0"/>
+              </a:spcBef>
+              <a:spcAft>
+                <a:spcPts val="0"/>
+              </a:spcAft>
+              <a:buClr>
+                <a:srgbClr val="FFFFFF"/>
+              </a:buClr>
+              <a:buSzTx/>
+              <a:buFont typeface="Arial" panose="020B0604020202020204" pitchFamily="34" charset="0"/>
+              <a:buChar char="•"/>
+              <a:tabLst/>
+              <a:defRPr/>
+            </a:pPr>
+            <a:r>
+              <a:rPr lang="en-GB" sz="2000" dirty="0">
+                <a:solidFill>
+                  <a:srgbClr val="FFFFFF">
+                    <a:lumMod val="85000"/>
+                  </a:srgbClr>
+                </a:solidFill>
+              </a:rPr>
+              <a:t>Add collapsible/expandible advanced search with additional filters, such as language, top movies, etc.</a:t>
+            </a:r>
+            <a:br>
+              <a:rPr lang="en-GB" sz="2000" dirty="0">
+                <a:solidFill>
+                  <a:srgbClr val="FFFFFF">
+                    <a:lumMod val="85000"/>
+                  </a:srgbClr>
+                </a:solidFill>
+              </a:rPr>
+            </a:br>
+            <a:endParaRPr lang="en-GB" sz="2000" dirty="0">
+              <a:solidFill>
+                <a:srgbClr val="FFFFFF">
+                  <a:lumMod val="85000"/>
+                </a:srgbClr>
+              </a:solidFill>
+            </a:endParaRPr>
+          </a:p>
+          <a:p>
+            <a:pPr marL="285750" marR="0" lvl="0" indent="-285750" algn="l" defTabSz="914400" rtl="0" eaLnBrk="1" fontAlgn="auto" latinLnBrk="0" hangingPunct="1">
+              <a:lnSpc>
+                <a:spcPct val="100000"/>
+              </a:lnSpc>
+              <a:spcBef>
+                <a:spcPts val="0"/>
+              </a:spcBef>
+              <a:spcAft>
+                <a:spcPts val="0"/>
+              </a:spcAft>
+              <a:buClr>
+                <a:srgbClr val="FFFFFF"/>
+              </a:buClr>
+              <a:buSzTx/>
+              <a:buFont typeface="Arial" panose="020B0604020202020204" pitchFamily="34" charset="0"/>
+              <a:buChar char="•"/>
+              <a:tabLst/>
+              <a:defRPr/>
+            </a:pPr>
+            <a:r>
+              <a:rPr lang="en-GB" sz="2000" dirty="0">
+                <a:solidFill>
+                  <a:srgbClr val="FFFFFF">
+                    <a:lumMod val="85000"/>
+                  </a:srgbClr>
+                </a:solidFill>
+              </a:rPr>
+              <a:t>Additional information relating to the selected movie to be viewable with the YouTube Trailer, such as featured actors, who the producer is, etc.</a:t>
+            </a:r>
+          </a:p>
+          <a:p>
+            <a:pPr marL="285750" marR="0" lvl="0" indent="-285750" algn="l" defTabSz="914400" rtl="0" eaLnBrk="1" fontAlgn="auto" latinLnBrk="0" hangingPunct="1">
+              <a:lnSpc>
+                <a:spcPct val="100000"/>
+              </a:lnSpc>
+              <a:spcBef>
+                <a:spcPts val="0"/>
+              </a:spcBef>
+              <a:spcAft>
+                <a:spcPts val="0"/>
+              </a:spcAft>
+              <a:buClr>
+                <a:srgbClr val="FFFFFF"/>
+              </a:buClr>
+              <a:buSzTx/>
+              <a:buFont typeface="Arial" panose="020B0604020202020204" pitchFamily="34" charset="0"/>
+              <a:buChar char="•"/>
+              <a:tabLst/>
+              <a:defRPr/>
+            </a:pPr>
+            <a:endParaRPr lang="en-GB" sz="2000" dirty="0">
+              <a:solidFill>
+                <a:srgbClr val="FFFFFF">
+                  <a:lumMod val="85000"/>
+                </a:srgbClr>
+              </a:solidFill>
+            </a:endParaRPr>
+          </a:p>
+          <a:p>
+            <a:pPr marL="285750" marR="0" lvl="0" indent="-285750" algn="l" defTabSz="914400" rtl="0" eaLnBrk="1" fontAlgn="auto" latinLnBrk="0" hangingPunct="1">
+              <a:lnSpc>
+                <a:spcPct val="100000"/>
+              </a:lnSpc>
+              <a:spcBef>
+                <a:spcPts val="0"/>
+              </a:spcBef>
+              <a:spcAft>
+                <a:spcPts val="0"/>
+              </a:spcAft>
+              <a:buClr>
+                <a:srgbClr val="FFFFFF"/>
+              </a:buClr>
+              <a:buSzTx/>
+              <a:buFont typeface="Arial" panose="020B0604020202020204" pitchFamily="34" charset="0"/>
+              <a:buChar char="•"/>
+              <a:tabLst/>
+              <a:defRPr/>
+            </a:pPr>
+            <a:endParaRPr lang="en-GB" sz="2000" dirty="0">
+              <a:solidFill>
+                <a:srgbClr val="FFFFFF">
+                  <a:lumMod val="85000"/>
+                </a:srgbClr>
+              </a:solidFill>
+            </a:endParaRPr>
+          </a:p>
+        </p:txBody>
+      </p:sp>
+      <p:sp>
+        <p:nvSpPr>
+          <p:cNvPr id="4" name="Subtitle 2">
+            <a:extLst>
+              <a:ext uri="{FF2B5EF4-FFF2-40B4-BE49-F238E27FC236}">
+                <a16:creationId xmlns:a16="http://schemas.microsoft.com/office/drawing/2014/main" id="{2DD778C7-57A3-DA8A-91BB-1D2FA9A6E3C3}"/>
+              </a:ext>
+            </a:extLst>
+          </p:cNvPr>
+          <p:cNvSpPr txBox="1">
+            <a:spLocks/>
+          </p:cNvSpPr>
+          <p:nvPr/>
+        </p:nvSpPr>
+        <p:spPr>
+          <a:xfrm>
+            <a:off x="311700" y="257542"/>
+            <a:ext cx="8520600" cy="1244691"/>
           </a:xfrm>
           <a:prstGeom prst="rect">
             <a:avLst/>
           </a:prstGeom>
         </p:spPr>
         <p:txBody>
-          <a:bodyPr spcFirstLastPara="1" wrap="square" lIns="91425" tIns="91425" rIns="91425" bIns="91425" anchor="t" anchorCtr="0">
-            <a:noAutofit/>
-          </a:bodyPr>
-          <a:lstStyle/>
+          <a:bodyPr/>
+          <a:lstStyle>
+            <a:defPPr marR="0" lvl="0" algn="l" rtl="0">
+              <a:lnSpc>
+                <a:spcPct val="100000"/>
+              </a:lnSpc>
+              <a:spcBef>
+                <a:spcPts val="0"/>
+              </a:spcBef>
+              <a:spcAft>
+                <a:spcPts val="0"/>
+              </a:spcAft>
+            </a:defPPr>
+            <a:lvl1pPr marR="0" lvl="0" algn="l" rtl="0">
+              <a:lnSpc>
+                <a:spcPct val="100000"/>
+              </a:lnSpc>
+              <a:spcBef>
+                <a:spcPts val="0"/>
+              </a:spcBef>
+              <a:spcAft>
+                <a:spcPts val="0"/>
+              </a:spcAft>
+              <a:buClr>
+                <a:srgbClr val="000000"/>
+              </a:buClr>
+              <a:buFont typeface="Arial"/>
+              <a:defRPr sz="1400" b="0" i="0" u="none" strike="noStrike" cap="none">
+                <a:solidFill>
+                  <a:srgbClr val="000000"/>
+                </a:solidFill>
+                <a:latin typeface="Arial"/>
+                <a:ea typeface="Arial"/>
+                <a:cs typeface="Arial"/>
+                <a:sym typeface="Arial"/>
+              </a:defRPr>
+            </a:lvl1pPr>
+            <a:lvl2pPr marR="0" lvl="1" algn="l" rtl="0">
+              <a:lnSpc>
+                <a:spcPct val="100000"/>
+              </a:lnSpc>
+              <a:spcBef>
+                <a:spcPts val="0"/>
+              </a:spcBef>
+              <a:spcAft>
+                <a:spcPts val="0"/>
+              </a:spcAft>
+              <a:buClr>
+                <a:srgbClr val="000000"/>
+              </a:buClr>
+              <a:buFont typeface="Arial"/>
+              <a:defRPr sz="1400" b="0" i="0" u="none" strike="noStrike" cap="none">
+                <a:solidFill>
+                  <a:srgbClr val="000000"/>
+                </a:solidFill>
+                <a:latin typeface="Arial"/>
+                <a:ea typeface="Arial"/>
+                <a:cs typeface="Arial"/>
+                <a:sym typeface="Arial"/>
+              </a:defRPr>
+            </a:lvl2pPr>
+            <a:lvl3pPr marR="0" lvl="2" algn="l" rtl="0">
+              <a:lnSpc>
+                <a:spcPct val="100000"/>
+              </a:lnSpc>
+              <a:spcBef>
+                <a:spcPts val="0"/>
+              </a:spcBef>
+              <a:spcAft>
+                <a:spcPts val="0"/>
+              </a:spcAft>
+              <a:buClr>
+                <a:srgbClr val="000000"/>
+              </a:buClr>
+              <a:buFont typeface="Arial"/>
+              <a:defRPr sz="1400" b="0" i="0" u="none" strike="noStrike" cap="none">
+                <a:solidFill>
+                  <a:srgbClr val="000000"/>
+                </a:solidFill>
+                <a:latin typeface="Arial"/>
+                <a:ea typeface="Arial"/>
+                <a:cs typeface="Arial"/>
+                <a:sym typeface="Arial"/>
+              </a:defRPr>
+            </a:lvl3pPr>
+            <a:lvl4pPr marR="0" lvl="3" algn="l" rtl="0">
+              <a:lnSpc>
+                <a:spcPct val="100000"/>
+              </a:lnSpc>
+              <a:spcBef>
+                <a:spcPts val="0"/>
+              </a:spcBef>
+              <a:spcAft>
+                <a:spcPts val="0"/>
+              </a:spcAft>
+              <a:buClr>
+                <a:srgbClr val="000000"/>
+              </a:buClr>
+              <a:buFont typeface="Arial"/>
+              <a:defRPr sz="1400" b="0" i="0" u="none" strike="noStrike" cap="none">
+                <a:solidFill>
+                  <a:srgbClr val="000000"/>
+                </a:solidFill>
+                <a:latin typeface="Arial"/>
+                <a:ea typeface="Arial"/>
+                <a:cs typeface="Arial"/>
+                <a:sym typeface="Arial"/>
+              </a:defRPr>
+            </a:lvl4pPr>
+            <a:lvl5pPr marR="0" lvl="4" algn="l" rtl="0">
+              <a:lnSpc>
+                <a:spcPct val="100000"/>
+              </a:lnSpc>
+              <a:spcBef>
+                <a:spcPts val="0"/>
+              </a:spcBef>
+              <a:spcAft>
+                <a:spcPts val="0"/>
+              </a:spcAft>
+              <a:buClr>
+                <a:srgbClr val="000000"/>
+              </a:buClr>
+              <a:buFont typeface="Arial"/>
+              <a:defRPr sz="1400" b="0" i="0" u="none" strike="noStrike" cap="none">
+                <a:solidFill>
+                  <a:srgbClr val="000000"/>
+                </a:solidFill>
+                <a:latin typeface="Arial"/>
+                <a:ea typeface="Arial"/>
+                <a:cs typeface="Arial"/>
+                <a:sym typeface="Arial"/>
+              </a:defRPr>
+            </a:lvl5pPr>
+            <a:lvl6pPr marR="0" lvl="5" algn="l" rtl="0">
+              <a:lnSpc>
+                <a:spcPct val="100000"/>
+              </a:lnSpc>
+              <a:spcBef>
+                <a:spcPts val="0"/>
+              </a:spcBef>
+              <a:spcAft>
+                <a:spcPts val="0"/>
+              </a:spcAft>
+              <a:buClr>
+                <a:srgbClr val="000000"/>
+              </a:buClr>
+              <a:buFont typeface="Arial"/>
+              <a:defRPr sz="1400" b="0" i="0" u="none" strike="noStrike" cap="none">
+                <a:solidFill>
+                  <a:srgbClr val="000000"/>
+                </a:solidFill>
+                <a:latin typeface="Arial"/>
+                <a:ea typeface="Arial"/>
+                <a:cs typeface="Arial"/>
+                <a:sym typeface="Arial"/>
+              </a:defRPr>
+            </a:lvl6pPr>
+            <a:lvl7pPr marR="0" lvl="6" algn="l" rtl="0">
+              <a:lnSpc>
+                <a:spcPct val="100000"/>
+              </a:lnSpc>
+              <a:spcBef>
+                <a:spcPts val="0"/>
+              </a:spcBef>
+              <a:spcAft>
+                <a:spcPts val="0"/>
+              </a:spcAft>
+              <a:buClr>
+                <a:srgbClr val="000000"/>
+              </a:buClr>
+              <a:buFont typeface="Arial"/>
+              <a:defRPr sz="1400" b="0" i="0" u="none" strike="noStrike" cap="none">
+                <a:solidFill>
+                  <a:srgbClr val="000000"/>
+                </a:solidFill>
+                <a:latin typeface="Arial"/>
+                <a:ea typeface="Arial"/>
+                <a:cs typeface="Arial"/>
+                <a:sym typeface="Arial"/>
+              </a:defRPr>
+            </a:lvl7pPr>
+            <a:lvl8pPr marR="0" lvl="7" algn="l" rtl="0">
+              <a:lnSpc>
+                <a:spcPct val="100000"/>
+              </a:lnSpc>
+              <a:spcBef>
+                <a:spcPts val="0"/>
+              </a:spcBef>
+              <a:spcAft>
+                <a:spcPts val="0"/>
+              </a:spcAft>
+              <a:buClr>
+                <a:srgbClr val="000000"/>
+              </a:buClr>
+              <a:buFont typeface="Arial"/>
+              <a:defRPr sz="1400" b="0" i="0" u="none" strike="noStrike" cap="none">
+                <a:solidFill>
+                  <a:srgbClr val="000000"/>
+                </a:solidFill>
+                <a:latin typeface="Arial"/>
+                <a:ea typeface="Arial"/>
+                <a:cs typeface="Arial"/>
+                <a:sym typeface="Arial"/>
+              </a:defRPr>
+            </a:lvl8pPr>
+            <a:lvl9pPr marR="0" lvl="8" algn="l" rtl="0">
+              <a:lnSpc>
+                <a:spcPct val="100000"/>
+              </a:lnSpc>
+              <a:spcBef>
+                <a:spcPts val="0"/>
+              </a:spcBef>
+              <a:spcAft>
+                <a:spcPts val="0"/>
+              </a:spcAft>
+              <a:buClr>
+                <a:srgbClr val="000000"/>
+              </a:buClr>
+              <a:buFont typeface="Arial"/>
+              <a:defRPr sz="1400" b="0" i="0" u="none" strike="noStrike" cap="none">
+                <a:solidFill>
+                  <a:srgbClr val="000000"/>
+                </a:solidFill>
+                <a:latin typeface="Arial"/>
+                <a:ea typeface="Arial"/>
+                <a:cs typeface="Arial"/>
+                <a:sym typeface="Arial"/>
+              </a:defRPr>
+            </a:lvl9pPr>
+          </a:lstStyle>
           <a:p>
-            <a:pPr marL="0" lvl="0" indent="0" algn="l" rtl="0">
-              <a:spcBef>
-                <a:spcPts val="0"/>
-              </a:spcBef>
-              <a:spcAft>
-                <a:spcPts val="0"/>
-              </a:spcAft>
-              <a:buNone/>
+            <a:pPr marL="0" marR="0" lvl="0" indent="0" algn="ctr" defTabSz="914400" rtl="0" eaLnBrk="1" fontAlgn="auto" latinLnBrk="0" hangingPunct="1">
+              <a:lnSpc>
+                <a:spcPct val="100000"/>
+              </a:lnSpc>
+              <a:spcBef>
+                <a:spcPts val="0"/>
+              </a:spcBef>
+              <a:spcAft>
+                <a:spcPts val="0"/>
+              </a:spcAft>
+              <a:buClr>
+                <a:srgbClr val="000000"/>
+              </a:buClr>
+              <a:buSzTx/>
+              <a:buFont typeface="Arial"/>
+              <a:buNone/>
+              <a:tabLst/>
+              <a:defRPr/>
             </a:pPr>
             <a:r>
-              <a:rPr lang="en"/>
+              <a:rPr kumimoji="0" lang="en-AU" sz="4000" b="1" i="0" u="none" strike="noStrike" kern="0" cap="none" spc="0" normalizeH="0" baseline="0" noProof="0" dirty="0">
+                <a:ln>
+                  <a:noFill/>
+                </a:ln>
+                <a:solidFill>
+                  <a:srgbClr val="FFFFFF"/>
+                </a:solidFill>
+                <a:effectLst/>
+                <a:uLnTx/>
+                <a:uFillTx/>
+                <a:latin typeface="Playfair Display SC" panose="020B0604020202020204" pitchFamily="2" charset="0"/>
+                <a:cs typeface="Arial"/>
+                <a:sym typeface="Arial"/>
+              </a:rPr>
               <a:t>Directions for Future Development</a:t>
             </a:r>
-            <a:endParaRPr/>
-          </a:p>
-        </p:txBody>
-      </p:sp>
-      <p:sp>
-        <p:nvSpPr>
-          <p:cNvPr id="83" name="Google Shape;83;p18"/>
-          <p:cNvSpPr txBox="1">
-            <a:spLocks noGrp="1"/>
-          </p:cNvSpPr>
-          <p:nvPr>
-            <p:ph type="body" idx="1"/>
-          </p:nvPr>
-        </p:nvSpPr>
-        <p:spPr>
-          <a:xfrm>
-            <a:off x="311700" y="1152475"/>
-            <a:ext cx="8520600" cy="3416400"/>
-          </a:xfrm>
-          <a:prstGeom prst="rect">
-            <a:avLst/>
-          </a:prstGeom>
-        </p:spPr>
-        <p:txBody>
-          <a:bodyPr spcFirstLastPara="1" wrap="square" lIns="91425" tIns="91425" rIns="91425" bIns="91425" anchor="t" anchorCtr="0">
-            <a:noAutofit/>
-          </a:bodyPr>
-          <a:lstStyle/>
-          <a:p>
-            <a:pPr marL="0" lvl="0" indent="0" algn="l" rtl="0">
-              <a:spcBef>
-                <a:spcPts val="0"/>
-              </a:spcBef>
-              <a:spcAft>
-                <a:spcPts val="1600"/>
-              </a:spcAft>
-              <a:buNone/>
-            </a:pPr>
-            <a:endParaRPr/>
+            <a:endParaRPr kumimoji="0" lang="en-AU" sz="3200" b="1" i="0" u="none" strike="noStrike" kern="0" cap="none" spc="0" normalizeH="0" baseline="0" noProof="0" dirty="0">
+              <a:ln>
+                <a:noFill/>
+              </a:ln>
+              <a:solidFill>
+                <a:srgbClr val="FFFFFF"/>
+              </a:solidFill>
+              <a:effectLst/>
+              <a:uLnTx/>
+              <a:uFillTx/>
+              <a:latin typeface="Playfair Display SC" panose="020B0604020202020204" pitchFamily="2" charset="0"/>
+              <a:cs typeface="Arial"/>
+              <a:sym typeface="Arial"/>
+            </a:endParaRPr>
           </a:p>
         </p:txBody>
       </p:sp>
     </p:spTree>
+    <p:extLst>
+      <p:ext uri="{BB962C8B-B14F-4D97-AF65-F5344CB8AC3E}">
+        <p14:creationId xmlns:p14="http://schemas.microsoft.com/office/powerpoint/2010/main" val="2260805349"/>
+      </p:ext>
+    </p:extLst>
   </p:cSld>
   <p:clrMapOvr>
     <a:masterClrMapping/>
   </p:clrMapOvr>
+  <p:transition spd="slow">
+    <p:wipe/>
+  </p:transition>
+  <p:timing>
+    <p:tnLst>
+      <p:par>
+        <p:cTn id="1" dur="indefinite" restart="never" nodeType="tmRoot">
+          <p:childTnLst>
+            <p:seq concurrent="1" nextAc="seek">
+              <p:cTn id="2" dur="indefinite" nodeType="mainSeq">
+                <p:childTnLst>
+                  <p:par>
+                    <p:cTn id="3" fill="hold">
+                      <p:stCondLst>
+                        <p:cond delay="indefinite"/>
+                        <p:cond evt="onBegin" delay="0">
+                          <p:tn val="2"/>
+                        </p:cond>
+                      </p:stCondLst>
+                      <p:childTnLst>
+                        <p:par>
+                          <p:cTn id="4" fill="hold">
+                            <p:stCondLst>
+                              <p:cond delay="0"/>
+                            </p:stCondLst>
+                            <p:childTnLst>
+                              <p:par>
+                                <p:cTn id="5" presetID="26" presetClass="entr" presetSubtype="0" fill="hold" grpId="0" nodeType="afterEffect">
+                                  <p:stCondLst>
+                                    <p:cond delay="0"/>
+                                  </p:stCondLst>
+                                  <p:childTnLst>
+                                    <p:set>
+                                      <p:cBhvr>
+                                        <p:cTn id="6" dur="1" fill="hold">
+                                          <p:stCondLst>
+                                            <p:cond delay="0"/>
+                                          </p:stCondLst>
+                                        </p:cTn>
+                                        <p:tgtEl>
+                                          <p:spTgt spid="4"/>
+                                        </p:tgtEl>
+                                        <p:attrNameLst>
+                                          <p:attrName>style.visibility</p:attrName>
+                                        </p:attrNameLst>
+                                      </p:cBhvr>
+                                      <p:to>
+                                        <p:strVal val="visible"/>
+                                      </p:to>
+                                    </p:set>
+                                    <p:animEffect transition="in" filter="wipe(down)">
+                                      <p:cBhvr>
+                                        <p:cTn id="7" dur="580">
+                                          <p:stCondLst>
+                                            <p:cond delay="0"/>
+                                          </p:stCondLst>
+                                        </p:cTn>
+                                        <p:tgtEl>
+                                          <p:spTgt spid="4"/>
+                                        </p:tgtEl>
+                                      </p:cBhvr>
+                                    </p:animEffect>
+                                    <p:anim calcmode="lin" valueType="num">
+                                      <p:cBhvr>
+                                        <p:cTn id="8" dur="1822" tmFilter="0,0; 0.14,0.36; 0.43,0.73; 0.71,0.91; 1.0,1.0">
+                                          <p:stCondLst>
+                                            <p:cond delay="0"/>
+                                          </p:stCondLst>
+                                        </p:cTn>
+                                        <p:tgtEl>
+                                          <p:spTgt spid="4"/>
+                                        </p:tgtEl>
+                                        <p:attrNameLst>
+                                          <p:attrName>ppt_x</p:attrName>
+                                        </p:attrNameLst>
+                                      </p:cBhvr>
+                                      <p:tavLst>
+                                        <p:tav tm="0">
+                                          <p:val>
+                                            <p:strVal val="#ppt_x-0.25"/>
+                                          </p:val>
+                                        </p:tav>
+                                        <p:tav tm="100000">
+                                          <p:val>
+                                            <p:strVal val="#ppt_x"/>
+                                          </p:val>
+                                        </p:tav>
+                                      </p:tavLst>
+                                    </p:anim>
+                                    <p:anim calcmode="lin" valueType="num">
+                                      <p:cBhvr>
+                                        <p:cTn id="9" dur="664" tmFilter="0.0,0.0; 0.25,0.07; 0.50,0.2; 0.75,0.467; 1.0,1.0">
+                                          <p:stCondLst>
+                                            <p:cond delay="0"/>
+                                          </p:stCondLst>
+                                        </p:cTn>
+                                        <p:tgtEl>
+                                          <p:spTgt spid="4"/>
+                                        </p:tgtEl>
+                                        <p:attrNameLst>
+                                          <p:attrName>ppt_y</p:attrName>
+                                        </p:attrNameLst>
+                                      </p:cBhvr>
+                                      <p:tavLst>
+                                        <p:tav tm="0" fmla="#ppt_y-sin(pi*$)/3">
+                                          <p:val>
+                                            <p:fltVal val="0.5"/>
+                                          </p:val>
+                                        </p:tav>
+                                        <p:tav tm="100000">
+                                          <p:val>
+                                            <p:fltVal val="1"/>
+                                          </p:val>
+                                        </p:tav>
+                                      </p:tavLst>
+                                    </p:anim>
+                                    <p:anim calcmode="lin" valueType="num">
+                                      <p:cBhvr>
+                                        <p:cTn id="10" dur="664" tmFilter="0, 0; 0.125,0.2665; 0.25,0.4; 0.375,0.465; 0.5,0.5;  0.625,0.535; 0.75,0.6; 0.875,0.7335; 1,1">
+                                          <p:stCondLst>
+                                            <p:cond delay="664"/>
+                                          </p:stCondLst>
+                                        </p:cTn>
+                                        <p:tgtEl>
+                                          <p:spTgt spid="4"/>
+                                        </p:tgtEl>
+                                        <p:attrNameLst>
+                                          <p:attrName>ppt_y</p:attrName>
+                                        </p:attrNameLst>
+                                      </p:cBhvr>
+                                      <p:tavLst>
+                                        <p:tav tm="0" fmla="#ppt_y-sin(pi*$)/9">
+                                          <p:val>
+                                            <p:fltVal val="0"/>
+                                          </p:val>
+                                        </p:tav>
+                                        <p:tav tm="100000">
+                                          <p:val>
+                                            <p:fltVal val="1"/>
+                                          </p:val>
+                                        </p:tav>
+                                      </p:tavLst>
+                                    </p:anim>
+                                    <p:anim calcmode="lin" valueType="num">
+                                      <p:cBhvr>
+                                        <p:cTn id="11" dur="332" tmFilter="0, 0; 0.125,0.2665; 0.25,0.4; 0.375,0.465; 0.5,0.5;  0.625,0.535; 0.75,0.6; 0.875,0.7335; 1,1">
+                                          <p:stCondLst>
+                                            <p:cond delay="1324"/>
+                                          </p:stCondLst>
+                                        </p:cTn>
+                                        <p:tgtEl>
+                                          <p:spTgt spid="4"/>
+                                        </p:tgtEl>
+                                        <p:attrNameLst>
+                                          <p:attrName>ppt_y</p:attrName>
+                                        </p:attrNameLst>
+                                      </p:cBhvr>
+                                      <p:tavLst>
+                                        <p:tav tm="0" fmla="#ppt_y-sin(pi*$)/27">
+                                          <p:val>
+                                            <p:fltVal val="0"/>
+                                          </p:val>
+                                        </p:tav>
+                                        <p:tav tm="100000">
+                                          <p:val>
+                                            <p:fltVal val="1"/>
+                                          </p:val>
+                                        </p:tav>
+                                      </p:tavLst>
+                                    </p:anim>
+                                    <p:anim calcmode="lin" valueType="num">
+                                      <p:cBhvr>
+                                        <p:cTn id="12" dur="164" tmFilter="0, 0; 0.125,0.2665; 0.25,0.4; 0.375,0.465; 0.5,0.5;  0.625,0.535; 0.75,0.6; 0.875,0.7335; 1,1">
+                                          <p:stCondLst>
+                                            <p:cond delay="1656"/>
+                                          </p:stCondLst>
+                                        </p:cTn>
+                                        <p:tgtEl>
+                                          <p:spTgt spid="4"/>
+                                        </p:tgtEl>
+                                        <p:attrNameLst>
+                                          <p:attrName>ppt_y</p:attrName>
+                                        </p:attrNameLst>
+                                      </p:cBhvr>
+                                      <p:tavLst>
+                                        <p:tav tm="0" fmla="#ppt_y-sin(pi*$)/81">
+                                          <p:val>
+                                            <p:fltVal val="0"/>
+                                          </p:val>
+                                        </p:tav>
+                                        <p:tav tm="100000">
+                                          <p:val>
+                                            <p:fltVal val="1"/>
+                                          </p:val>
+                                        </p:tav>
+                                      </p:tavLst>
+                                    </p:anim>
+                                    <p:animScale>
+                                      <p:cBhvr>
+                                        <p:cTn id="13" dur="26">
+                                          <p:stCondLst>
+                                            <p:cond delay="650"/>
+                                          </p:stCondLst>
+                                        </p:cTn>
+                                        <p:tgtEl>
+                                          <p:spTgt spid="4"/>
+                                        </p:tgtEl>
+                                      </p:cBhvr>
+                                      <p:to x="100000" y="60000"/>
+                                    </p:animScale>
+                                    <p:animScale>
+                                      <p:cBhvr>
+                                        <p:cTn id="14" dur="166" decel="50000">
+                                          <p:stCondLst>
+                                            <p:cond delay="676"/>
+                                          </p:stCondLst>
+                                        </p:cTn>
+                                        <p:tgtEl>
+                                          <p:spTgt spid="4"/>
+                                        </p:tgtEl>
+                                      </p:cBhvr>
+                                      <p:to x="100000" y="100000"/>
+                                    </p:animScale>
+                                    <p:animScale>
+                                      <p:cBhvr>
+                                        <p:cTn id="15" dur="26">
+                                          <p:stCondLst>
+                                            <p:cond delay="1312"/>
+                                          </p:stCondLst>
+                                        </p:cTn>
+                                        <p:tgtEl>
+                                          <p:spTgt spid="4"/>
+                                        </p:tgtEl>
+                                      </p:cBhvr>
+                                      <p:to x="100000" y="80000"/>
+                                    </p:animScale>
+                                    <p:animScale>
+                                      <p:cBhvr>
+                                        <p:cTn id="16" dur="166" decel="50000">
+                                          <p:stCondLst>
+                                            <p:cond delay="1338"/>
+                                          </p:stCondLst>
+                                        </p:cTn>
+                                        <p:tgtEl>
+                                          <p:spTgt spid="4"/>
+                                        </p:tgtEl>
+                                      </p:cBhvr>
+                                      <p:to x="100000" y="100000"/>
+                                    </p:animScale>
+                                    <p:animScale>
+                                      <p:cBhvr>
+                                        <p:cTn id="17" dur="26">
+                                          <p:stCondLst>
+                                            <p:cond delay="1642"/>
+                                          </p:stCondLst>
+                                        </p:cTn>
+                                        <p:tgtEl>
+                                          <p:spTgt spid="4"/>
+                                        </p:tgtEl>
+                                      </p:cBhvr>
+                                      <p:to x="100000" y="90000"/>
+                                    </p:animScale>
+                                    <p:animScale>
+                                      <p:cBhvr>
+                                        <p:cTn id="18" dur="166" decel="50000">
+                                          <p:stCondLst>
+                                            <p:cond delay="1668"/>
+                                          </p:stCondLst>
+                                        </p:cTn>
+                                        <p:tgtEl>
+                                          <p:spTgt spid="4"/>
+                                        </p:tgtEl>
+                                      </p:cBhvr>
+                                      <p:to x="100000" y="100000"/>
+                                    </p:animScale>
+                                    <p:animScale>
+                                      <p:cBhvr>
+                                        <p:cTn id="19" dur="26">
+                                          <p:stCondLst>
+                                            <p:cond delay="1808"/>
+                                          </p:stCondLst>
+                                        </p:cTn>
+                                        <p:tgtEl>
+                                          <p:spTgt spid="4"/>
+                                        </p:tgtEl>
+                                      </p:cBhvr>
+                                      <p:to x="100000" y="95000"/>
+                                    </p:animScale>
+                                    <p:animScale>
+                                      <p:cBhvr>
+                                        <p:cTn id="20" dur="166" decel="50000">
+                                          <p:stCondLst>
+                                            <p:cond delay="1834"/>
+                                          </p:stCondLst>
+                                        </p:cTn>
+                                        <p:tgtEl>
+                                          <p:spTgt spid="4"/>
+                                        </p:tgtEl>
+                                      </p:cBhvr>
+                                      <p:to x="100000" y="100000"/>
+                                    </p:animScale>
+                                  </p:childTnLst>
+                                </p:cTn>
+                              </p:par>
+                            </p:childTnLst>
+                          </p:cTn>
+                        </p:par>
+                        <p:par>
+                          <p:cTn id="21" fill="hold">
+                            <p:stCondLst>
+                              <p:cond delay="2000"/>
+                            </p:stCondLst>
+                            <p:childTnLst>
+                              <p:par>
+                                <p:cTn id="22" presetID="42" presetClass="entr" presetSubtype="0" fill="hold" grpId="0" nodeType="afterEffect">
+                                  <p:stCondLst>
+                                    <p:cond delay="0"/>
+                                  </p:stCondLst>
+                                  <p:childTnLst>
+                                    <p:set>
+                                      <p:cBhvr>
+                                        <p:cTn id="23" dur="1" fill="hold">
+                                          <p:stCondLst>
+                                            <p:cond delay="0"/>
+                                          </p:stCondLst>
+                                        </p:cTn>
+                                        <p:tgtEl>
+                                          <p:spTgt spid="2"/>
+                                        </p:tgtEl>
+                                        <p:attrNameLst>
+                                          <p:attrName>style.visibility</p:attrName>
+                                        </p:attrNameLst>
+                                      </p:cBhvr>
+                                      <p:to>
+                                        <p:strVal val="visible"/>
+                                      </p:to>
+                                    </p:set>
+                                    <p:animEffect transition="in" filter="fade">
+                                      <p:cBhvr>
+                                        <p:cTn id="24" dur="1000"/>
+                                        <p:tgtEl>
+                                          <p:spTgt spid="2"/>
+                                        </p:tgtEl>
+                                      </p:cBhvr>
+                                    </p:animEffect>
+                                    <p:anim calcmode="lin" valueType="num">
+                                      <p:cBhvr>
+                                        <p:cTn id="25" dur="1000" fill="hold"/>
+                                        <p:tgtEl>
+                                          <p:spTgt spid="2"/>
+                                        </p:tgtEl>
+                                        <p:attrNameLst>
+                                          <p:attrName>ppt_x</p:attrName>
+                                        </p:attrNameLst>
+                                      </p:cBhvr>
+                                      <p:tavLst>
+                                        <p:tav tm="0">
+                                          <p:val>
+                                            <p:strVal val="#ppt_x"/>
+                                          </p:val>
+                                        </p:tav>
+                                        <p:tav tm="100000">
+                                          <p:val>
+                                            <p:strVal val="#ppt_x"/>
+                                          </p:val>
+                                        </p:tav>
+                                      </p:tavLst>
+                                    </p:anim>
+                                    <p:anim calcmode="lin" valueType="num">
+                                      <p:cBhvr>
+                                        <p:cTn id="26" dur="1000" fill="hold"/>
+                                        <p:tgtEl>
+                                          <p:spTgt spid="2"/>
+                                        </p:tgtEl>
+                                        <p:attrNameLst>
+                                          <p:attrName>ppt_y</p:attrName>
+                                        </p:attrNameLst>
+                                      </p:cBhvr>
+                                      <p:tavLst>
+                                        <p:tav tm="0">
+                                          <p:val>
+                                            <p:strVal val="#ppt_y+.1"/>
+                                          </p:val>
+                                        </p:tav>
+                                        <p:tav tm="100000">
+                                          <p:val>
+                                            <p:strVal val="#ppt_y"/>
+                                          </p:val>
+                                        </p:tav>
+                                      </p:tavLst>
+                                    </p:anim>
+                                  </p:childTnLst>
+                                </p:cTn>
+                              </p:par>
+                            </p:childTnLst>
+                          </p:cTn>
+                        </p:par>
+                      </p:childTnLst>
+                    </p:cTn>
+                  </p:par>
+                </p:childTnLst>
+              </p:cTn>
+              <p:prevCondLst>
+                <p:cond evt="onPrev" delay="0">
+                  <p:tgtEl>
+                    <p:sldTgt/>
+                  </p:tgtEl>
+                </p:cond>
+              </p:prevCondLst>
+              <p:nextCondLst>
+                <p:cond evt="onNext" delay="0">
+                  <p:tgtEl>
+                    <p:sldTgt/>
+                  </p:tgtEl>
+                </p:cond>
+              </p:nextCondLst>
+            </p:seq>
+          </p:childTnLst>
+        </p:cTn>
+      </p:par>
+    </p:tnLst>
+    <p:bldLst>
+      <p:bldP spid="2" grpId="0"/>
+      <p:bldP spid="4" grpId="0"/>
+    </p:bldLst>
+  </p:timing>
 </p:sld>
 </file>
 
 <file path=ppt/slides/slide7.xml><?xml version="1.0" encoding="utf-8"?>
 <p:sld xmlns:a="http://schemas.openxmlformats.org/drawingml/2006/main" xmlns:r="http://schemas.openxmlformats.org/officeDocument/2006/relationships" xmlns:p="http://schemas.openxmlformats.org/presentationml/2006/main">
   <p:cSld>
+    <p:bg>
+      <p:bgPr>
+        <a:solidFill>
+          <a:schemeClr val="tx1"/>
+        </a:solidFill>
+        <a:effectLst/>
+      </p:bgPr>
+    </p:bg>
     <p:spTree>
       <p:nvGrpSpPr>
-        <p:cNvPr id="1" name="Shape 87"/>
+        <p:cNvPr id="1" name="Shape 59"/>
         <p:cNvGrpSpPr/>
         <p:nvPr/>
       </p:nvGrpSpPr>
@@ -7163,113 +12640,1047 @@
           <a:chExt cx="0" cy="0"/>
         </a:xfrm>
       </p:grpSpPr>
+      <p:pic>
+        <p:nvPicPr>
+          <p:cNvPr id="7" name="Picture 6" descr="A picture containing weapon, metalware, wheel, gear&#10;&#10;Description automatically generated">
+            <a:extLst>
+              <a:ext uri="{FF2B5EF4-FFF2-40B4-BE49-F238E27FC236}">
+                <a16:creationId xmlns:a16="http://schemas.microsoft.com/office/drawing/2014/main" id="{A072F4CE-038B-BD31-F4DA-EC749C6A4145}"/>
+              </a:ext>
+            </a:extLst>
+          </p:cNvPr>
+          <p:cNvPicPr>
+            <a:picLocks noChangeAspect="1"/>
+          </p:cNvPicPr>
+          <p:nvPr/>
+        </p:nvPicPr>
+        <p:blipFill rotWithShape="1">
+          <a:blip r:embed="rId3">
+            <a:alphaModFix amt="50000"/>
+          </a:blip>
+          <a:srcRect t="9133" b="45593"/>
+          <a:stretch/>
+        </p:blipFill>
+        <p:spPr>
+          <a:xfrm>
+            <a:off x="0" y="1"/>
+            <a:ext cx="9144000" cy="1654628"/>
+          </a:xfrm>
+          <a:prstGeom prst="rect">
+            <a:avLst/>
+          </a:prstGeom>
+        </p:spPr>
+      </p:pic>
       <p:sp>
         <p:nvSpPr>
-          <p:cNvPr id="88" name="Google Shape;88;p19"/>
-          <p:cNvSpPr txBox="1">
-            <a:spLocks noGrp="1"/>
-          </p:cNvSpPr>
-          <p:nvPr>
-            <p:ph type="title"/>
-          </p:nvPr>
+          <p:cNvPr id="2" name="TextBox 1">
+            <a:extLst>
+              <a:ext uri="{FF2B5EF4-FFF2-40B4-BE49-F238E27FC236}">
+                <a16:creationId xmlns:a16="http://schemas.microsoft.com/office/drawing/2014/main" id="{A5D31B44-4EC0-CF2F-BBE8-BDE79BBF3FBF}"/>
+              </a:ext>
+            </a:extLst>
+          </p:cNvPr>
+          <p:cNvSpPr txBox="1"/>
+          <p:nvPr/>
         </p:nvSpPr>
         <p:spPr>
           <a:xfrm>
-            <a:off x="311700" y="445025"/>
-            <a:ext cx="8520600" cy="572700"/>
+            <a:off x="526472" y="2342083"/>
+            <a:ext cx="8091055" cy="677108"/>
+          </a:xfrm>
+          <a:prstGeom prst="rect">
+            <a:avLst/>
+          </a:prstGeom>
+          <a:noFill/>
+        </p:spPr>
+        <p:txBody>
+          <a:bodyPr wrap="square" rtlCol="0">
+            <a:spAutoFit/>
+          </a:bodyPr>
+          <a:lstStyle/>
+          <a:p>
+            <a:pPr marL="0" marR="0" lvl="0" indent="0" algn="l" defTabSz="914400" rtl="0" eaLnBrk="1" fontAlgn="auto" latinLnBrk="0" hangingPunct="1">
+              <a:lnSpc>
+                <a:spcPct val="100000"/>
+              </a:lnSpc>
+              <a:spcBef>
+                <a:spcPts val="0"/>
+              </a:spcBef>
+              <a:spcAft>
+                <a:spcPts val="0"/>
+              </a:spcAft>
+              <a:buClr>
+                <a:srgbClr val="FFFFFF"/>
+              </a:buClr>
+              <a:buSzTx/>
+              <a:buFont typeface="Arial"/>
+              <a:buNone/>
+              <a:tabLst/>
+              <a:defRPr/>
+            </a:pPr>
+            <a:r>
+              <a:rPr kumimoji="0" lang="en-GB" sz="2000" b="1" i="0" u="none" strike="noStrike" kern="0" cap="none" spc="0" normalizeH="0" baseline="0" noProof="0" dirty="0">
+                <a:ln>
+                  <a:noFill/>
+                </a:ln>
+                <a:solidFill>
+                  <a:srgbClr val="FFFFFF">
+                    <a:lumMod val="85000"/>
+                  </a:srgbClr>
+                </a:solidFill>
+                <a:effectLst/>
+                <a:uLnTx/>
+                <a:uFillTx/>
+                <a:sym typeface="Arial"/>
+              </a:rPr>
+              <a:t>Deployed URL</a:t>
+            </a:r>
+          </a:p>
+          <a:p>
+            <a:pPr marL="0" marR="0" lvl="0" indent="0" algn="l" defTabSz="914400" rtl="0" eaLnBrk="1" fontAlgn="auto" latinLnBrk="0" hangingPunct="1">
+              <a:lnSpc>
+                <a:spcPct val="100000"/>
+              </a:lnSpc>
+              <a:spcBef>
+                <a:spcPts val="0"/>
+              </a:spcBef>
+              <a:spcAft>
+                <a:spcPts val="0"/>
+              </a:spcAft>
+              <a:buClr>
+                <a:srgbClr val="FFFFFF"/>
+              </a:buClr>
+              <a:buSzTx/>
+              <a:buFont typeface="Arial"/>
+              <a:buNone/>
+              <a:tabLst/>
+              <a:defRPr/>
+            </a:pPr>
+            <a:r>
+              <a:rPr lang="en-GB" sz="1800" dirty="0">
+                <a:solidFill>
+                  <a:srgbClr val="FFFFFF">
+                    <a:lumMod val="85000"/>
+                  </a:srgbClr>
+                </a:solidFill>
+              </a:rPr>
+              <a:t>https://carolinemae.github.io/YouTrailer/</a:t>
+            </a:r>
+          </a:p>
+        </p:txBody>
+      </p:sp>
+      <p:sp>
+        <p:nvSpPr>
+          <p:cNvPr id="4" name="Subtitle 2">
+            <a:extLst>
+              <a:ext uri="{FF2B5EF4-FFF2-40B4-BE49-F238E27FC236}">
+                <a16:creationId xmlns:a16="http://schemas.microsoft.com/office/drawing/2014/main" id="{2DD778C7-57A3-DA8A-91BB-1D2FA9A6E3C3}"/>
+              </a:ext>
+            </a:extLst>
+          </p:cNvPr>
+          <p:cNvSpPr txBox="1">
+            <a:spLocks/>
+          </p:cNvSpPr>
+          <p:nvPr/>
+        </p:nvSpPr>
+        <p:spPr>
+          <a:xfrm>
+            <a:off x="311700" y="547823"/>
+            <a:ext cx="8520600" cy="761994"/>
           </a:xfrm>
           <a:prstGeom prst="rect">
             <a:avLst/>
           </a:prstGeom>
         </p:spPr>
         <p:txBody>
-          <a:bodyPr spcFirstLastPara="1" wrap="square" lIns="91425" tIns="91425" rIns="91425" bIns="91425" anchor="t" anchorCtr="0">
-            <a:noAutofit/>
-          </a:bodyPr>
-          <a:lstStyle/>
+          <a:bodyPr/>
+          <a:lstStyle>
+            <a:defPPr marR="0" lvl="0" algn="l" rtl="0">
+              <a:lnSpc>
+                <a:spcPct val="100000"/>
+              </a:lnSpc>
+              <a:spcBef>
+                <a:spcPts val="0"/>
+              </a:spcBef>
+              <a:spcAft>
+                <a:spcPts val="0"/>
+              </a:spcAft>
+            </a:defPPr>
+            <a:lvl1pPr marR="0" lvl="0" algn="l" rtl="0">
+              <a:lnSpc>
+                <a:spcPct val="100000"/>
+              </a:lnSpc>
+              <a:spcBef>
+                <a:spcPts val="0"/>
+              </a:spcBef>
+              <a:spcAft>
+                <a:spcPts val="0"/>
+              </a:spcAft>
+              <a:buClr>
+                <a:srgbClr val="000000"/>
+              </a:buClr>
+              <a:buFont typeface="Arial"/>
+              <a:defRPr sz="1400" b="0" i="0" u="none" strike="noStrike" cap="none">
+                <a:solidFill>
+                  <a:srgbClr val="000000"/>
+                </a:solidFill>
+                <a:latin typeface="Arial"/>
+                <a:ea typeface="Arial"/>
+                <a:cs typeface="Arial"/>
+                <a:sym typeface="Arial"/>
+              </a:defRPr>
+            </a:lvl1pPr>
+            <a:lvl2pPr marR="0" lvl="1" algn="l" rtl="0">
+              <a:lnSpc>
+                <a:spcPct val="100000"/>
+              </a:lnSpc>
+              <a:spcBef>
+                <a:spcPts val="0"/>
+              </a:spcBef>
+              <a:spcAft>
+                <a:spcPts val="0"/>
+              </a:spcAft>
+              <a:buClr>
+                <a:srgbClr val="000000"/>
+              </a:buClr>
+              <a:buFont typeface="Arial"/>
+              <a:defRPr sz="1400" b="0" i="0" u="none" strike="noStrike" cap="none">
+                <a:solidFill>
+                  <a:srgbClr val="000000"/>
+                </a:solidFill>
+                <a:latin typeface="Arial"/>
+                <a:ea typeface="Arial"/>
+                <a:cs typeface="Arial"/>
+                <a:sym typeface="Arial"/>
+              </a:defRPr>
+            </a:lvl2pPr>
+            <a:lvl3pPr marR="0" lvl="2" algn="l" rtl="0">
+              <a:lnSpc>
+                <a:spcPct val="100000"/>
+              </a:lnSpc>
+              <a:spcBef>
+                <a:spcPts val="0"/>
+              </a:spcBef>
+              <a:spcAft>
+                <a:spcPts val="0"/>
+              </a:spcAft>
+              <a:buClr>
+                <a:srgbClr val="000000"/>
+              </a:buClr>
+              <a:buFont typeface="Arial"/>
+              <a:defRPr sz="1400" b="0" i="0" u="none" strike="noStrike" cap="none">
+                <a:solidFill>
+                  <a:srgbClr val="000000"/>
+                </a:solidFill>
+                <a:latin typeface="Arial"/>
+                <a:ea typeface="Arial"/>
+                <a:cs typeface="Arial"/>
+                <a:sym typeface="Arial"/>
+              </a:defRPr>
+            </a:lvl3pPr>
+            <a:lvl4pPr marR="0" lvl="3" algn="l" rtl="0">
+              <a:lnSpc>
+                <a:spcPct val="100000"/>
+              </a:lnSpc>
+              <a:spcBef>
+                <a:spcPts val="0"/>
+              </a:spcBef>
+              <a:spcAft>
+                <a:spcPts val="0"/>
+              </a:spcAft>
+              <a:buClr>
+                <a:srgbClr val="000000"/>
+              </a:buClr>
+              <a:buFont typeface="Arial"/>
+              <a:defRPr sz="1400" b="0" i="0" u="none" strike="noStrike" cap="none">
+                <a:solidFill>
+                  <a:srgbClr val="000000"/>
+                </a:solidFill>
+                <a:latin typeface="Arial"/>
+                <a:ea typeface="Arial"/>
+                <a:cs typeface="Arial"/>
+                <a:sym typeface="Arial"/>
+              </a:defRPr>
+            </a:lvl4pPr>
+            <a:lvl5pPr marR="0" lvl="4" algn="l" rtl="0">
+              <a:lnSpc>
+                <a:spcPct val="100000"/>
+              </a:lnSpc>
+              <a:spcBef>
+                <a:spcPts val="0"/>
+              </a:spcBef>
+              <a:spcAft>
+                <a:spcPts val="0"/>
+              </a:spcAft>
+              <a:buClr>
+                <a:srgbClr val="000000"/>
+              </a:buClr>
+              <a:buFont typeface="Arial"/>
+              <a:defRPr sz="1400" b="0" i="0" u="none" strike="noStrike" cap="none">
+                <a:solidFill>
+                  <a:srgbClr val="000000"/>
+                </a:solidFill>
+                <a:latin typeface="Arial"/>
+                <a:ea typeface="Arial"/>
+                <a:cs typeface="Arial"/>
+                <a:sym typeface="Arial"/>
+              </a:defRPr>
+            </a:lvl5pPr>
+            <a:lvl6pPr marR="0" lvl="5" algn="l" rtl="0">
+              <a:lnSpc>
+                <a:spcPct val="100000"/>
+              </a:lnSpc>
+              <a:spcBef>
+                <a:spcPts val="0"/>
+              </a:spcBef>
+              <a:spcAft>
+                <a:spcPts val="0"/>
+              </a:spcAft>
+              <a:buClr>
+                <a:srgbClr val="000000"/>
+              </a:buClr>
+              <a:buFont typeface="Arial"/>
+              <a:defRPr sz="1400" b="0" i="0" u="none" strike="noStrike" cap="none">
+                <a:solidFill>
+                  <a:srgbClr val="000000"/>
+                </a:solidFill>
+                <a:latin typeface="Arial"/>
+                <a:ea typeface="Arial"/>
+                <a:cs typeface="Arial"/>
+                <a:sym typeface="Arial"/>
+              </a:defRPr>
+            </a:lvl6pPr>
+            <a:lvl7pPr marR="0" lvl="6" algn="l" rtl="0">
+              <a:lnSpc>
+                <a:spcPct val="100000"/>
+              </a:lnSpc>
+              <a:spcBef>
+                <a:spcPts val="0"/>
+              </a:spcBef>
+              <a:spcAft>
+                <a:spcPts val="0"/>
+              </a:spcAft>
+              <a:buClr>
+                <a:srgbClr val="000000"/>
+              </a:buClr>
+              <a:buFont typeface="Arial"/>
+              <a:defRPr sz="1400" b="0" i="0" u="none" strike="noStrike" cap="none">
+                <a:solidFill>
+                  <a:srgbClr val="000000"/>
+                </a:solidFill>
+                <a:latin typeface="Arial"/>
+                <a:ea typeface="Arial"/>
+                <a:cs typeface="Arial"/>
+                <a:sym typeface="Arial"/>
+              </a:defRPr>
+            </a:lvl7pPr>
+            <a:lvl8pPr marR="0" lvl="7" algn="l" rtl="0">
+              <a:lnSpc>
+                <a:spcPct val="100000"/>
+              </a:lnSpc>
+              <a:spcBef>
+                <a:spcPts val="0"/>
+              </a:spcBef>
+              <a:spcAft>
+                <a:spcPts val="0"/>
+              </a:spcAft>
+              <a:buClr>
+                <a:srgbClr val="000000"/>
+              </a:buClr>
+              <a:buFont typeface="Arial"/>
+              <a:defRPr sz="1400" b="0" i="0" u="none" strike="noStrike" cap="none">
+                <a:solidFill>
+                  <a:srgbClr val="000000"/>
+                </a:solidFill>
+                <a:latin typeface="Arial"/>
+                <a:ea typeface="Arial"/>
+                <a:cs typeface="Arial"/>
+                <a:sym typeface="Arial"/>
+              </a:defRPr>
+            </a:lvl8pPr>
+            <a:lvl9pPr marR="0" lvl="8" algn="l" rtl="0">
+              <a:lnSpc>
+                <a:spcPct val="100000"/>
+              </a:lnSpc>
+              <a:spcBef>
+                <a:spcPts val="0"/>
+              </a:spcBef>
+              <a:spcAft>
+                <a:spcPts val="0"/>
+              </a:spcAft>
+              <a:buClr>
+                <a:srgbClr val="000000"/>
+              </a:buClr>
+              <a:buFont typeface="Arial"/>
+              <a:defRPr sz="1400" b="0" i="0" u="none" strike="noStrike" cap="none">
+                <a:solidFill>
+                  <a:srgbClr val="000000"/>
+                </a:solidFill>
+                <a:latin typeface="Arial"/>
+                <a:ea typeface="Arial"/>
+                <a:cs typeface="Arial"/>
+                <a:sym typeface="Arial"/>
+              </a:defRPr>
+            </a:lvl9pPr>
+          </a:lstStyle>
           <a:p>
-            <a:pPr marL="0" lvl="0" indent="0" algn="l" rtl="0">
-              <a:spcBef>
-                <a:spcPts val="0"/>
-              </a:spcBef>
-              <a:spcAft>
-                <a:spcPts val="0"/>
-              </a:spcAft>
-              <a:buNone/>
+            <a:pPr marL="0" marR="0" lvl="0" indent="0" algn="ctr" defTabSz="914400" rtl="0" eaLnBrk="1" fontAlgn="auto" latinLnBrk="0" hangingPunct="1">
+              <a:lnSpc>
+                <a:spcPct val="100000"/>
+              </a:lnSpc>
+              <a:spcBef>
+                <a:spcPts val="0"/>
+              </a:spcBef>
+              <a:spcAft>
+                <a:spcPts val="0"/>
+              </a:spcAft>
+              <a:buClr>
+                <a:srgbClr val="000000"/>
+              </a:buClr>
+              <a:buSzTx/>
+              <a:buFont typeface="Arial"/>
+              <a:buNone/>
+              <a:tabLst/>
+              <a:defRPr/>
             </a:pPr>
             <a:r>
-              <a:rPr lang="en"/>
+              <a:rPr kumimoji="0" lang="en-AU" sz="4000" b="1" i="0" u="none" strike="noStrike" kern="0" cap="none" spc="0" normalizeH="0" baseline="0" noProof="0" dirty="0">
+                <a:ln>
+                  <a:noFill/>
+                </a:ln>
+                <a:solidFill>
+                  <a:srgbClr val="FFFFFF"/>
+                </a:solidFill>
+                <a:effectLst/>
+                <a:uLnTx/>
+                <a:uFillTx/>
+                <a:latin typeface="Playfair Display SC" panose="020B0604020202020204" pitchFamily="2" charset="0"/>
+                <a:cs typeface="Arial"/>
+                <a:sym typeface="Arial"/>
+              </a:rPr>
               <a:t>Links</a:t>
             </a:r>
-            <a:endParaRPr/>
+            <a:endParaRPr kumimoji="0" lang="en-AU" sz="3200" b="1" i="0" u="none" strike="noStrike" kern="0" cap="none" spc="0" normalizeH="0" baseline="0" noProof="0" dirty="0">
+              <a:ln>
+                <a:noFill/>
+              </a:ln>
+              <a:solidFill>
+                <a:srgbClr val="FFFFFF"/>
+              </a:solidFill>
+              <a:effectLst/>
+              <a:uLnTx/>
+              <a:uFillTx/>
+              <a:latin typeface="Playfair Display SC" panose="020B0604020202020204" pitchFamily="2" charset="0"/>
+              <a:cs typeface="Arial"/>
+              <a:sym typeface="Arial"/>
+            </a:endParaRPr>
           </a:p>
         </p:txBody>
       </p:sp>
       <p:sp>
         <p:nvSpPr>
-          <p:cNvPr id="89" name="Google Shape;89;p19"/>
-          <p:cNvSpPr txBox="1">
-            <a:spLocks noGrp="1"/>
-          </p:cNvSpPr>
-          <p:nvPr>
-            <p:ph type="body" idx="1"/>
-          </p:nvPr>
+          <p:cNvPr id="5" name="TextBox 4">
+            <a:extLst>
+              <a:ext uri="{FF2B5EF4-FFF2-40B4-BE49-F238E27FC236}">
+                <a16:creationId xmlns:a16="http://schemas.microsoft.com/office/drawing/2014/main" id="{622C066E-46B3-4A45-074D-AD4B9CD48952}"/>
+              </a:ext>
+            </a:extLst>
+          </p:cNvPr>
+          <p:cNvSpPr txBox="1"/>
+          <p:nvPr/>
         </p:nvSpPr>
         <p:spPr>
           <a:xfrm>
-            <a:off x="311700" y="1152475"/>
-            <a:ext cx="8520600" cy="3416400"/>
+            <a:off x="526475" y="3459675"/>
+            <a:ext cx="8091055" cy="677108"/>
           </a:xfrm>
           <a:prstGeom prst="rect">
             <a:avLst/>
           </a:prstGeom>
+          <a:noFill/>
         </p:spPr>
         <p:txBody>
-          <a:bodyPr spcFirstLastPara="1" wrap="square" lIns="91425" tIns="91425" rIns="91425" bIns="91425" anchor="t" anchorCtr="0">
-            <a:noAutofit/>
+          <a:bodyPr wrap="square" rtlCol="0">
+            <a:spAutoFit/>
           </a:bodyPr>
           <a:lstStyle/>
           <a:p>
-            <a:pPr marL="457200" lvl="0" indent="-342900" algn="l" rtl="0">
-              <a:spcBef>
-                <a:spcPts val="0"/>
-              </a:spcBef>
-              <a:spcAft>
-                <a:spcPts val="0"/>
-              </a:spcAft>
-              <a:buSzPts val="1800"/>
-              <a:buChar char="●"/>
+            <a:pPr>
+              <a:buClr>
+                <a:srgbClr val="FFFFFF"/>
+              </a:buClr>
             </a:pPr>
             <a:r>
-              <a:rPr lang="en"/>
-              <a:t>Deployed</a:t>
+              <a:rPr lang="en-GB" sz="2000" b="1" dirty="0">
+                <a:solidFill>
+                  <a:srgbClr val="FFFFFF">
+                    <a:lumMod val="85000"/>
+                  </a:srgbClr>
+                </a:solidFill>
+              </a:rPr>
+              <a:t>GitHub repository</a:t>
             </a:r>
-            <a:endParaRPr/>
           </a:p>
           <a:p>
-            <a:pPr marL="457200" lvl="0" indent="-342900" algn="l" rtl="0">
-              <a:spcBef>
-                <a:spcPts val="0"/>
-              </a:spcBef>
-              <a:spcAft>
-                <a:spcPts val="0"/>
-              </a:spcAft>
-              <a:buSzPts val="1800"/>
-              <a:buChar char="●"/>
+            <a:pPr marL="0" marR="0" lvl="0" indent="0" algn="l" defTabSz="914400" rtl="0" eaLnBrk="1" fontAlgn="auto" latinLnBrk="0" hangingPunct="1">
+              <a:lnSpc>
+                <a:spcPct val="100000"/>
+              </a:lnSpc>
+              <a:spcBef>
+                <a:spcPts val="0"/>
+              </a:spcBef>
+              <a:spcAft>
+                <a:spcPts val="0"/>
+              </a:spcAft>
+              <a:buClr>
+                <a:srgbClr val="FFFFFF"/>
+              </a:buClr>
+              <a:buSzTx/>
+              <a:buFont typeface="Arial"/>
+              <a:buNone/>
+              <a:tabLst/>
+              <a:defRPr/>
             </a:pPr>
             <a:r>
-              <a:rPr lang="en"/>
-              <a:t>GitHub repo</a:t>
+              <a:rPr lang="en-GB" sz="1800" dirty="0">
+                <a:solidFill>
+                  <a:srgbClr val="FFFFFF">
+                    <a:lumMod val="85000"/>
+                  </a:srgbClr>
+                </a:solidFill>
+              </a:rPr>
+              <a:t>https://github.com/carolinemae/YouTrailer.git</a:t>
             </a:r>
-            <a:endParaRPr/>
           </a:p>
         </p:txBody>
       </p:sp>
     </p:spTree>
+    <p:extLst>
+      <p:ext uri="{BB962C8B-B14F-4D97-AF65-F5344CB8AC3E}">
+        <p14:creationId xmlns:p14="http://schemas.microsoft.com/office/powerpoint/2010/main" val="734946160"/>
+      </p:ext>
+    </p:extLst>
   </p:cSld>
   <p:clrMapOvr>
     <a:masterClrMapping/>
   </p:clrMapOvr>
+  <p:transition spd="slow">
+    <p:wipe/>
+  </p:transition>
+  <p:timing>
+    <p:tnLst>
+      <p:par>
+        <p:cTn id="1" dur="indefinite" restart="never" nodeType="tmRoot">
+          <p:childTnLst>
+            <p:seq concurrent="1" nextAc="seek">
+              <p:cTn id="2" dur="indefinite" nodeType="mainSeq">
+                <p:childTnLst>
+                  <p:par>
+                    <p:cTn id="3" fill="hold">
+                      <p:stCondLst>
+                        <p:cond delay="indefinite"/>
+                        <p:cond evt="onBegin" delay="0">
+                          <p:tn val="2"/>
+                        </p:cond>
+                      </p:stCondLst>
+                      <p:childTnLst>
+                        <p:par>
+                          <p:cTn id="4" fill="hold">
+                            <p:stCondLst>
+                              <p:cond delay="0"/>
+                            </p:stCondLst>
+                            <p:childTnLst>
+                              <p:par>
+                                <p:cTn id="5" presetID="26" presetClass="entr" presetSubtype="0" fill="hold" grpId="0" nodeType="afterEffect">
+                                  <p:stCondLst>
+                                    <p:cond delay="0"/>
+                                  </p:stCondLst>
+                                  <p:childTnLst>
+                                    <p:set>
+                                      <p:cBhvr>
+                                        <p:cTn id="6" dur="1" fill="hold">
+                                          <p:stCondLst>
+                                            <p:cond delay="0"/>
+                                          </p:stCondLst>
+                                        </p:cTn>
+                                        <p:tgtEl>
+                                          <p:spTgt spid="4"/>
+                                        </p:tgtEl>
+                                        <p:attrNameLst>
+                                          <p:attrName>style.visibility</p:attrName>
+                                        </p:attrNameLst>
+                                      </p:cBhvr>
+                                      <p:to>
+                                        <p:strVal val="visible"/>
+                                      </p:to>
+                                    </p:set>
+                                    <p:animEffect transition="in" filter="wipe(down)">
+                                      <p:cBhvr>
+                                        <p:cTn id="7" dur="580">
+                                          <p:stCondLst>
+                                            <p:cond delay="0"/>
+                                          </p:stCondLst>
+                                        </p:cTn>
+                                        <p:tgtEl>
+                                          <p:spTgt spid="4"/>
+                                        </p:tgtEl>
+                                      </p:cBhvr>
+                                    </p:animEffect>
+                                    <p:anim calcmode="lin" valueType="num">
+                                      <p:cBhvr>
+                                        <p:cTn id="8" dur="1822" tmFilter="0,0; 0.14,0.36; 0.43,0.73; 0.71,0.91; 1.0,1.0">
+                                          <p:stCondLst>
+                                            <p:cond delay="0"/>
+                                          </p:stCondLst>
+                                        </p:cTn>
+                                        <p:tgtEl>
+                                          <p:spTgt spid="4"/>
+                                        </p:tgtEl>
+                                        <p:attrNameLst>
+                                          <p:attrName>ppt_x</p:attrName>
+                                        </p:attrNameLst>
+                                      </p:cBhvr>
+                                      <p:tavLst>
+                                        <p:tav tm="0">
+                                          <p:val>
+                                            <p:strVal val="#ppt_x-0.25"/>
+                                          </p:val>
+                                        </p:tav>
+                                        <p:tav tm="100000">
+                                          <p:val>
+                                            <p:strVal val="#ppt_x"/>
+                                          </p:val>
+                                        </p:tav>
+                                      </p:tavLst>
+                                    </p:anim>
+                                    <p:anim calcmode="lin" valueType="num">
+                                      <p:cBhvr>
+                                        <p:cTn id="9" dur="664" tmFilter="0.0,0.0; 0.25,0.07; 0.50,0.2; 0.75,0.467; 1.0,1.0">
+                                          <p:stCondLst>
+                                            <p:cond delay="0"/>
+                                          </p:stCondLst>
+                                        </p:cTn>
+                                        <p:tgtEl>
+                                          <p:spTgt spid="4"/>
+                                        </p:tgtEl>
+                                        <p:attrNameLst>
+                                          <p:attrName>ppt_y</p:attrName>
+                                        </p:attrNameLst>
+                                      </p:cBhvr>
+                                      <p:tavLst>
+                                        <p:tav tm="0" fmla="#ppt_y-sin(pi*$)/3">
+                                          <p:val>
+                                            <p:fltVal val="0.5"/>
+                                          </p:val>
+                                        </p:tav>
+                                        <p:tav tm="100000">
+                                          <p:val>
+                                            <p:fltVal val="1"/>
+                                          </p:val>
+                                        </p:tav>
+                                      </p:tavLst>
+                                    </p:anim>
+                                    <p:anim calcmode="lin" valueType="num">
+                                      <p:cBhvr>
+                                        <p:cTn id="10" dur="664" tmFilter="0, 0; 0.125,0.2665; 0.25,0.4; 0.375,0.465; 0.5,0.5;  0.625,0.535; 0.75,0.6; 0.875,0.7335; 1,1">
+                                          <p:stCondLst>
+                                            <p:cond delay="664"/>
+                                          </p:stCondLst>
+                                        </p:cTn>
+                                        <p:tgtEl>
+                                          <p:spTgt spid="4"/>
+                                        </p:tgtEl>
+                                        <p:attrNameLst>
+                                          <p:attrName>ppt_y</p:attrName>
+                                        </p:attrNameLst>
+                                      </p:cBhvr>
+                                      <p:tavLst>
+                                        <p:tav tm="0" fmla="#ppt_y-sin(pi*$)/9">
+                                          <p:val>
+                                            <p:fltVal val="0"/>
+                                          </p:val>
+                                        </p:tav>
+                                        <p:tav tm="100000">
+                                          <p:val>
+                                            <p:fltVal val="1"/>
+                                          </p:val>
+                                        </p:tav>
+                                      </p:tavLst>
+                                    </p:anim>
+                                    <p:anim calcmode="lin" valueType="num">
+                                      <p:cBhvr>
+                                        <p:cTn id="11" dur="332" tmFilter="0, 0; 0.125,0.2665; 0.25,0.4; 0.375,0.465; 0.5,0.5;  0.625,0.535; 0.75,0.6; 0.875,0.7335; 1,1">
+                                          <p:stCondLst>
+                                            <p:cond delay="1324"/>
+                                          </p:stCondLst>
+                                        </p:cTn>
+                                        <p:tgtEl>
+                                          <p:spTgt spid="4"/>
+                                        </p:tgtEl>
+                                        <p:attrNameLst>
+                                          <p:attrName>ppt_y</p:attrName>
+                                        </p:attrNameLst>
+                                      </p:cBhvr>
+                                      <p:tavLst>
+                                        <p:tav tm="0" fmla="#ppt_y-sin(pi*$)/27">
+                                          <p:val>
+                                            <p:fltVal val="0"/>
+                                          </p:val>
+                                        </p:tav>
+                                        <p:tav tm="100000">
+                                          <p:val>
+                                            <p:fltVal val="1"/>
+                                          </p:val>
+                                        </p:tav>
+                                      </p:tavLst>
+                                    </p:anim>
+                                    <p:anim calcmode="lin" valueType="num">
+                                      <p:cBhvr>
+                                        <p:cTn id="12" dur="164" tmFilter="0, 0; 0.125,0.2665; 0.25,0.4; 0.375,0.465; 0.5,0.5;  0.625,0.535; 0.75,0.6; 0.875,0.7335; 1,1">
+                                          <p:stCondLst>
+                                            <p:cond delay="1656"/>
+                                          </p:stCondLst>
+                                        </p:cTn>
+                                        <p:tgtEl>
+                                          <p:spTgt spid="4"/>
+                                        </p:tgtEl>
+                                        <p:attrNameLst>
+                                          <p:attrName>ppt_y</p:attrName>
+                                        </p:attrNameLst>
+                                      </p:cBhvr>
+                                      <p:tavLst>
+                                        <p:tav tm="0" fmla="#ppt_y-sin(pi*$)/81">
+                                          <p:val>
+                                            <p:fltVal val="0"/>
+                                          </p:val>
+                                        </p:tav>
+                                        <p:tav tm="100000">
+                                          <p:val>
+                                            <p:fltVal val="1"/>
+                                          </p:val>
+                                        </p:tav>
+                                      </p:tavLst>
+                                    </p:anim>
+                                    <p:animScale>
+                                      <p:cBhvr>
+                                        <p:cTn id="13" dur="26">
+                                          <p:stCondLst>
+                                            <p:cond delay="650"/>
+                                          </p:stCondLst>
+                                        </p:cTn>
+                                        <p:tgtEl>
+                                          <p:spTgt spid="4"/>
+                                        </p:tgtEl>
+                                      </p:cBhvr>
+                                      <p:to x="100000" y="60000"/>
+                                    </p:animScale>
+                                    <p:animScale>
+                                      <p:cBhvr>
+                                        <p:cTn id="14" dur="166" decel="50000">
+                                          <p:stCondLst>
+                                            <p:cond delay="676"/>
+                                          </p:stCondLst>
+                                        </p:cTn>
+                                        <p:tgtEl>
+                                          <p:spTgt spid="4"/>
+                                        </p:tgtEl>
+                                      </p:cBhvr>
+                                      <p:to x="100000" y="100000"/>
+                                    </p:animScale>
+                                    <p:animScale>
+                                      <p:cBhvr>
+                                        <p:cTn id="15" dur="26">
+                                          <p:stCondLst>
+                                            <p:cond delay="1312"/>
+                                          </p:stCondLst>
+                                        </p:cTn>
+                                        <p:tgtEl>
+                                          <p:spTgt spid="4"/>
+                                        </p:tgtEl>
+                                      </p:cBhvr>
+                                      <p:to x="100000" y="80000"/>
+                                    </p:animScale>
+                                    <p:animScale>
+                                      <p:cBhvr>
+                                        <p:cTn id="16" dur="166" decel="50000">
+                                          <p:stCondLst>
+                                            <p:cond delay="1338"/>
+                                          </p:stCondLst>
+                                        </p:cTn>
+                                        <p:tgtEl>
+                                          <p:spTgt spid="4"/>
+                                        </p:tgtEl>
+                                      </p:cBhvr>
+                                      <p:to x="100000" y="100000"/>
+                                    </p:animScale>
+                                    <p:animScale>
+                                      <p:cBhvr>
+                                        <p:cTn id="17" dur="26">
+                                          <p:stCondLst>
+                                            <p:cond delay="1642"/>
+                                          </p:stCondLst>
+                                        </p:cTn>
+                                        <p:tgtEl>
+                                          <p:spTgt spid="4"/>
+                                        </p:tgtEl>
+                                      </p:cBhvr>
+                                      <p:to x="100000" y="90000"/>
+                                    </p:animScale>
+                                    <p:animScale>
+                                      <p:cBhvr>
+                                        <p:cTn id="18" dur="166" decel="50000">
+                                          <p:stCondLst>
+                                            <p:cond delay="1668"/>
+                                          </p:stCondLst>
+                                        </p:cTn>
+                                        <p:tgtEl>
+                                          <p:spTgt spid="4"/>
+                                        </p:tgtEl>
+                                      </p:cBhvr>
+                                      <p:to x="100000" y="100000"/>
+                                    </p:animScale>
+                                    <p:animScale>
+                                      <p:cBhvr>
+                                        <p:cTn id="19" dur="26">
+                                          <p:stCondLst>
+                                            <p:cond delay="1808"/>
+                                          </p:stCondLst>
+                                        </p:cTn>
+                                        <p:tgtEl>
+                                          <p:spTgt spid="4"/>
+                                        </p:tgtEl>
+                                      </p:cBhvr>
+                                      <p:to x="100000" y="95000"/>
+                                    </p:animScale>
+                                    <p:animScale>
+                                      <p:cBhvr>
+                                        <p:cTn id="20" dur="166" decel="50000">
+                                          <p:stCondLst>
+                                            <p:cond delay="1834"/>
+                                          </p:stCondLst>
+                                        </p:cTn>
+                                        <p:tgtEl>
+                                          <p:spTgt spid="4"/>
+                                        </p:tgtEl>
+                                      </p:cBhvr>
+                                      <p:to x="100000" y="100000"/>
+                                    </p:animScale>
+                                  </p:childTnLst>
+                                </p:cTn>
+                              </p:par>
+                            </p:childTnLst>
+                          </p:cTn>
+                        </p:par>
+                        <p:par>
+                          <p:cTn id="21" fill="hold">
+                            <p:stCondLst>
+                              <p:cond delay="2000"/>
+                            </p:stCondLst>
+                            <p:childTnLst>
+                              <p:par>
+                                <p:cTn id="22" presetID="42" presetClass="entr" presetSubtype="0" fill="hold" grpId="0" nodeType="afterEffect">
+                                  <p:stCondLst>
+                                    <p:cond delay="0"/>
+                                  </p:stCondLst>
+                                  <p:childTnLst>
+                                    <p:set>
+                                      <p:cBhvr>
+                                        <p:cTn id="23" dur="1" fill="hold">
+                                          <p:stCondLst>
+                                            <p:cond delay="0"/>
+                                          </p:stCondLst>
+                                        </p:cTn>
+                                        <p:tgtEl>
+                                          <p:spTgt spid="2"/>
+                                        </p:tgtEl>
+                                        <p:attrNameLst>
+                                          <p:attrName>style.visibility</p:attrName>
+                                        </p:attrNameLst>
+                                      </p:cBhvr>
+                                      <p:to>
+                                        <p:strVal val="visible"/>
+                                      </p:to>
+                                    </p:set>
+                                    <p:animEffect transition="in" filter="fade">
+                                      <p:cBhvr>
+                                        <p:cTn id="24" dur="1000"/>
+                                        <p:tgtEl>
+                                          <p:spTgt spid="2"/>
+                                        </p:tgtEl>
+                                      </p:cBhvr>
+                                    </p:animEffect>
+                                    <p:anim calcmode="lin" valueType="num">
+                                      <p:cBhvr>
+                                        <p:cTn id="25" dur="1000" fill="hold"/>
+                                        <p:tgtEl>
+                                          <p:spTgt spid="2"/>
+                                        </p:tgtEl>
+                                        <p:attrNameLst>
+                                          <p:attrName>ppt_x</p:attrName>
+                                        </p:attrNameLst>
+                                      </p:cBhvr>
+                                      <p:tavLst>
+                                        <p:tav tm="0">
+                                          <p:val>
+                                            <p:strVal val="#ppt_x"/>
+                                          </p:val>
+                                        </p:tav>
+                                        <p:tav tm="100000">
+                                          <p:val>
+                                            <p:strVal val="#ppt_x"/>
+                                          </p:val>
+                                        </p:tav>
+                                      </p:tavLst>
+                                    </p:anim>
+                                    <p:anim calcmode="lin" valueType="num">
+                                      <p:cBhvr>
+                                        <p:cTn id="26" dur="1000" fill="hold"/>
+                                        <p:tgtEl>
+                                          <p:spTgt spid="2"/>
+                                        </p:tgtEl>
+                                        <p:attrNameLst>
+                                          <p:attrName>ppt_y</p:attrName>
+                                        </p:attrNameLst>
+                                      </p:cBhvr>
+                                      <p:tavLst>
+                                        <p:tav tm="0">
+                                          <p:val>
+                                            <p:strVal val="#ppt_y+.1"/>
+                                          </p:val>
+                                        </p:tav>
+                                        <p:tav tm="100000">
+                                          <p:val>
+                                            <p:strVal val="#ppt_y"/>
+                                          </p:val>
+                                        </p:tav>
+                                      </p:tavLst>
+                                    </p:anim>
+                                  </p:childTnLst>
+                                </p:cTn>
+                              </p:par>
+                            </p:childTnLst>
+                          </p:cTn>
+                        </p:par>
+                        <p:par>
+                          <p:cTn id="27" fill="hold">
+                            <p:stCondLst>
+                              <p:cond delay="3000"/>
+                            </p:stCondLst>
+                            <p:childTnLst>
+                              <p:par>
+                                <p:cTn id="28" presetID="42" presetClass="entr" presetSubtype="0" fill="hold" grpId="0" nodeType="afterEffect">
+                                  <p:stCondLst>
+                                    <p:cond delay="0"/>
+                                  </p:stCondLst>
+                                  <p:childTnLst>
+                                    <p:set>
+                                      <p:cBhvr>
+                                        <p:cTn id="29" dur="1" fill="hold">
+                                          <p:stCondLst>
+                                            <p:cond delay="0"/>
+                                          </p:stCondLst>
+                                        </p:cTn>
+                                        <p:tgtEl>
+                                          <p:spTgt spid="5"/>
+                                        </p:tgtEl>
+                                        <p:attrNameLst>
+                                          <p:attrName>style.visibility</p:attrName>
+                                        </p:attrNameLst>
+                                      </p:cBhvr>
+                                      <p:to>
+                                        <p:strVal val="visible"/>
+                                      </p:to>
+                                    </p:set>
+                                    <p:animEffect transition="in" filter="fade">
+                                      <p:cBhvr>
+                                        <p:cTn id="30" dur="1000"/>
+                                        <p:tgtEl>
+                                          <p:spTgt spid="5"/>
+                                        </p:tgtEl>
+                                      </p:cBhvr>
+                                    </p:animEffect>
+                                    <p:anim calcmode="lin" valueType="num">
+                                      <p:cBhvr>
+                                        <p:cTn id="31" dur="1000" fill="hold"/>
+                                        <p:tgtEl>
+                                          <p:spTgt spid="5"/>
+                                        </p:tgtEl>
+                                        <p:attrNameLst>
+                                          <p:attrName>ppt_x</p:attrName>
+                                        </p:attrNameLst>
+                                      </p:cBhvr>
+                                      <p:tavLst>
+                                        <p:tav tm="0">
+                                          <p:val>
+                                            <p:strVal val="#ppt_x"/>
+                                          </p:val>
+                                        </p:tav>
+                                        <p:tav tm="100000">
+                                          <p:val>
+                                            <p:strVal val="#ppt_x"/>
+                                          </p:val>
+                                        </p:tav>
+                                      </p:tavLst>
+                                    </p:anim>
+                                    <p:anim calcmode="lin" valueType="num">
+                                      <p:cBhvr>
+                                        <p:cTn id="32" dur="1000" fill="hold"/>
+                                        <p:tgtEl>
+                                          <p:spTgt spid="5"/>
+                                        </p:tgtEl>
+                                        <p:attrNameLst>
+                                          <p:attrName>ppt_y</p:attrName>
+                                        </p:attrNameLst>
+                                      </p:cBhvr>
+                                      <p:tavLst>
+                                        <p:tav tm="0">
+                                          <p:val>
+                                            <p:strVal val="#ppt_y+.1"/>
+                                          </p:val>
+                                        </p:tav>
+                                        <p:tav tm="100000">
+                                          <p:val>
+                                            <p:strVal val="#ppt_y"/>
+                                          </p:val>
+                                        </p:tav>
+                                      </p:tavLst>
+                                    </p:anim>
+                                  </p:childTnLst>
+                                </p:cTn>
+                              </p:par>
+                            </p:childTnLst>
+                          </p:cTn>
+                        </p:par>
+                      </p:childTnLst>
+                    </p:cTn>
+                  </p:par>
+                </p:childTnLst>
+              </p:cTn>
+              <p:prevCondLst>
+                <p:cond evt="onPrev" delay="0">
+                  <p:tgtEl>
+                    <p:sldTgt/>
+                  </p:tgtEl>
+                </p:cond>
+              </p:prevCondLst>
+              <p:nextCondLst>
+                <p:cond evt="onNext" delay="0">
+                  <p:tgtEl>
+                    <p:sldTgt/>
+                  </p:tgtEl>
+                </p:cond>
+              </p:nextCondLst>
+            </p:seq>
+          </p:childTnLst>
+        </p:cTn>
+      </p:par>
+    </p:tnLst>
+    <p:bldLst>
+      <p:bldP spid="2" grpId="0"/>
+      <p:bldP spid="4" grpId="0"/>
+      <p:bldP spid="5" grpId="0"/>
+    </p:bldLst>
+  </p:timing>
 </p:sld>
 </file>
 
